--- a/rad1anttt презентация.pptx
+++ b/rad1anttt презентация.pptx
@@ -8,22 +8,27 @@
     <p:sldId id="256" r:id="rId2"/>
     <p:sldId id="257" r:id="rId3"/>
     <p:sldId id="258" r:id="rId4"/>
-    <p:sldId id="261" r:id="rId5"/>
-    <p:sldId id="262" r:id="rId6"/>
-    <p:sldId id="263" r:id="rId7"/>
-    <p:sldId id="275" r:id="rId8"/>
-    <p:sldId id="276" r:id="rId9"/>
-    <p:sldId id="264" r:id="rId10"/>
-    <p:sldId id="271" r:id="rId11"/>
-    <p:sldId id="266" r:id="rId12"/>
-    <p:sldId id="267" r:id="rId13"/>
-    <p:sldId id="268" r:id="rId14"/>
-    <p:sldId id="269" r:id="rId15"/>
-    <p:sldId id="270" r:id="rId16"/>
-    <p:sldId id="272" r:id="rId17"/>
-    <p:sldId id="273" r:id="rId18"/>
-    <p:sldId id="274" r:id="rId19"/>
-    <p:sldId id="260" r:id="rId20"/>
+    <p:sldId id="277" r:id="rId5"/>
+    <p:sldId id="261" r:id="rId6"/>
+    <p:sldId id="262" r:id="rId7"/>
+    <p:sldId id="263" r:id="rId8"/>
+    <p:sldId id="275" r:id="rId9"/>
+    <p:sldId id="278" r:id="rId10"/>
+    <p:sldId id="276" r:id="rId11"/>
+    <p:sldId id="264" r:id="rId12"/>
+    <p:sldId id="271" r:id="rId13"/>
+    <p:sldId id="267" r:id="rId14"/>
+    <p:sldId id="268" r:id="rId15"/>
+    <p:sldId id="269" r:id="rId16"/>
+    <p:sldId id="270" r:id="rId17"/>
+    <p:sldId id="279" r:id="rId18"/>
+    <p:sldId id="281" r:id="rId19"/>
+    <p:sldId id="282" r:id="rId20"/>
+    <p:sldId id="283" r:id="rId21"/>
+    <p:sldId id="272" r:id="rId22"/>
+    <p:sldId id="273" r:id="rId23"/>
+    <p:sldId id="274" r:id="rId24"/>
+    <p:sldId id="260" r:id="rId25"/>
   </p:sldIdLst>
   <p:sldSz cx="12192000" cy="6858000"/>
   <p:notesSz cx="6858000" cy="9144000"/>
@@ -133,10 +138,826 @@
 <file path=ppt/revisionInfo.xml><?xml version="1.0" encoding="utf-8"?>
 <p1510:revInfo xmlns:a="http://schemas.openxmlformats.org/drawingml/2006/main" xmlns:r="http://schemas.openxmlformats.org/officeDocument/2006/relationships" xmlns:p1510="http://schemas.microsoft.com/office/powerpoint/2015/10/main">
   <p1510:revLst>
-    <p1510:client id="{254049DE-A4E6-46CD-963B-65A94AB2B8E3}" v="43" dt="2024-05-26T19:20:59.372"/>
-    <p1510:client id="{7B480626-E1A6-4267-BB33-8A34CBAF2542}" v="542" dt="2024-05-26T19:11:49.974"/>
+    <p1510:client id="{8920C3DB-521E-AD90-9023-908AB08CD83C}" v="1374" dt="2024-06-06T21:55:00.574"/>
   </p1510:revLst>
 </p1510:revInfo>
+</file>
+
+<file path=ppt/changesInfos/changesInfo1.xml><?xml version="1.0" encoding="utf-8"?>
+<pc:chgInfo xmlns:a="http://schemas.openxmlformats.org/drawingml/2006/main" xmlns:r="http://schemas.openxmlformats.org/officeDocument/2006/relationships" xmlns:ac="http://schemas.microsoft.com/office/drawing/2013/main/command" xmlns:pc="http://schemas.microsoft.com/office/powerpoint/2013/main/command">
+  <pc:docChgLst>
+    <pc:chgData name="1 rad1ant" userId="2ec6172aed43cae7" providerId="Windows Live" clId="Web-{8920C3DB-521E-AD90-9023-908AB08CD83C}"/>
+    <pc:docChg chg="addSld delSld modSld sldOrd">
+      <pc:chgData name="1 rad1ant" userId="2ec6172aed43cae7" providerId="Windows Live" clId="Web-{8920C3DB-521E-AD90-9023-908AB08CD83C}" dt="2024-06-06T21:55:00.574" v="826" actId="20577"/>
+      <pc:docMkLst>
+        <pc:docMk/>
+      </pc:docMkLst>
+      <pc:sldChg chg="modSp">
+        <pc:chgData name="1 rad1ant" userId="2ec6172aed43cae7" providerId="Windows Live" clId="Web-{8920C3DB-521E-AD90-9023-908AB08CD83C}" dt="2024-06-06T21:55:00.574" v="826" actId="20577"/>
+        <pc:sldMkLst>
+          <pc:docMk/>
+          <pc:sldMk cId="1973449856" sldId="256"/>
+        </pc:sldMkLst>
+        <pc:spChg chg="mod">
+          <ac:chgData name="1 rad1ant" userId="2ec6172aed43cae7" providerId="Windows Live" clId="Web-{8920C3DB-521E-AD90-9023-908AB08CD83C}" dt="2024-06-06T21:55:00.574" v="826" actId="20577"/>
+          <ac:spMkLst>
+            <pc:docMk/>
+            <pc:sldMk cId="1973449856" sldId="256"/>
+            <ac:spMk id="2" creationId="{00000000-0000-0000-0000-000000000000}"/>
+          </ac:spMkLst>
+        </pc:spChg>
+        <pc:spChg chg="mod">
+          <ac:chgData name="1 rad1ant" userId="2ec6172aed43cae7" providerId="Windows Live" clId="Web-{8920C3DB-521E-AD90-9023-908AB08CD83C}" dt="2024-06-06T20:39:47.480" v="6" actId="1076"/>
+          <ac:spMkLst>
+            <pc:docMk/>
+            <pc:sldMk cId="1973449856" sldId="256"/>
+            <ac:spMk id="3" creationId="{00000000-0000-0000-0000-000000000000}"/>
+          </ac:spMkLst>
+        </pc:spChg>
+      </pc:sldChg>
+      <pc:sldChg chg="delSp modSp">
+        <pc:chgData name="1 rad1ant" userId="2ec6172aed43cae7" providerId="Windows Live" clId="Web-{8920C3DB-521E-AD90-9023-908AB08CD83C}" dt="2024-06-06T20:40:45.795" v="11" actId="20577"/>
+        <pc:sldMkLst>
+          <pc:docMk/>
+          <pc:sldMk cId="1969534829" sldId="257"/>
+        </pc:sldMkLst>
+        <pc:spChg chg="del mod">
+          <ac:chgData name="1 rad1ant" userId="2ec6172aed43cae7" providerId="Windows Live" clId="Web-{8920C3DB-521E-AD90-9023-908AB08CD83C}" dt="2024-06-06T20:40:36.200" v="8"/>
+          <ac:spMkLst>
+            <pc:docMk/>
+            <pc:sldMk cId="1969534829" sldId="257"/>
+            <ac:spMk id="2" creationId="{00000000-0000-0000-0000-000000000000}"/>
+          </ac:spMkLst>
+        </pc:spChg>
+        <pc:spChg chg="mod">
+          <ac:chgData name="1 rad1ant" userId="2ec6172aed43cae7" providerId="Windows Live" clId="Web-{8920C3DB-521E-AD90-9023-908AB08CD83C}" dt="2024-06-06T20:40:45.795" v="11" actId="20577"/>
+          <ac:spMkLst>
+            <pc:docMk/>
+            <pc:sldMk cId="1969534829" sldId="257"/>
+            <ac:spMk id="5" creationId="{00000000-0000-0000-0000-000000000000}"/>
+          </ac:spMkLst>
+        </pc:spChg>
+      </pc:sldChg>
+      <pc:sldChg chg="modSp">
+        <pc:chgData name="1 rad1ant" userId="2ec6172aed43cae7" providerId="Windows Live" clId="Web-{8920C3DB-521E-AD90-9023-908AB08CD83C}" dt="2024-06-06T20:41:34.187" v="19" actId="1076"/>
+        <pc:sldMkLst>
+          <pc:docMk/>
+          <pc:sldMk cId="4030089073" sldId="258"/>
+        </pc:sldMkLst>
+        <pc:spChg chg="mod">
+          <ac:chgData name="1 rad1ant" userId="2ec6172aed43cae7" providerId="Windows Live" clId="Web-{8920C3DB-521E-AD90-9023-908AB08CD83C}" dt="2024-06-06T20:41:23.874" v="17" actId="20577"/>
+          <ac:spMkLst>
+            <pc:docMk/>
+            <pc:sldMk cId="4030089073" sldId="258"/>
+            <ac:spMk id="2" creationId="{00000000-0000-0000-0000-000000000000}"/>
+          </ac:spMkLst>
+        </pc:spChg>
+        <pc:spChg chg="mod">
+          <ac:chgData name="1 rad1ant" userId="2ec6172aed43cae7" providerId="Windows Live" clId="Web-{8920C3DB-521E-AD90-9023-908AB08CD83C}" dt="2024-06-06T20:41:34.187" v="19" actId="1076"/>
+          <ac:spMkLst>
+            <pc:docMk/>
+            <pc:sldMk cId="4030089073" sldId="258"/>
+            <ac:spMk id="5" creationId="{00000000-0000-0000-0000-000000000000}"/>
+          </ac:spMkLst>
+        </pc:spChg>
+      </pc:sldChg>
+      <pc:sldChg chg="modSp">
+        <pc:chgData name="1 rad1ant" userId="2ec6172aed43cae7" providerId="Windows Live" clId="Web-{8920C3DB-521E-AD90-9023-908AB08CD83C}" dt="2024-06-06T21:32:31.695" v="642" actId="20577"/>
+        <pc:sldMkLst>
+          <pc:docMk/>
+          <pc:sldMk cId="832834799" sldId="260"/>
+        </pc:sldMkLst>
+        <pc:spChg chg="mod">
+          <ac:chgData name="1 rad1ant" userId="2ec6172aed43cae7" providerId="Windows Live" clId="Web-{8920C3DB-521E-AD90-9023-908AB08CD83C}" dt="2024-06-06T21:32:31.695" v="642" actId="20577"/>
+          <ac:spMkLst>
+            <pc:docMk/>
+            <pc:sldMk cId="832834799" sldId="260"/>
+            <ac:spMk id="2" creationId="{00000000-0000-0000-0000-000000000000}"/>
+          </ac:spMkLst>
+        </pc:spChg>
+      </pc:sldChg>
+      <pc:sldChg chg="modSp">
+        <pc:chgData name="1 rad1ant" userId="2ec6172aed43cae7" providerId="Windows Live" clId="Web-{8920C3DB-521E-AD90-9023-908AB08CD83C}" dt="2024-06-06T20:41:59.188" v="23" actId="20577"/>
+        <pc:sldMkLst>
+          <pc:docMk/>
+          <pc:sldMk cId="2295382571" sldId="261"/>
+        </pc:sldMkLst>
+        <pc:spChg chg="mod">
+          <ac:chgData name="1 rad1ant" userId="2ec6172aed43cae7" providerId="Windows Live" clId="Web-{8920C3DB-521E-AD90-9023-908AB08CD83C}" dt="2024-06-06T20:41:50.891" v="20" actId="20577"/>
+          <ac:spMkLst>
+            <pc:docMk/>
+            <pc:sldMk cId="2295382571" sldId="261"/>
+            <ac:spMk id="2" creationId="{00000000-0000-0000-0000-000000000000}"/>
+          </ac:spMkLst>
+        </pc:spChg>
+        <pc:spChg chg="mod">
+          <ac:chgData name="1 rad1ant" userId="2ec6172aed43cae7" providerId="Windows Live" clId="Web-{8920C3DB-521E-AD90-9023-908AB08CD83C}" dt="2024-06-06T20:41:59.188" v="23" actId="20577"/>
+          <ac:spMkLst>
+            <pc:docMk/>
+            <pc:sldMk cId="2295382571" sldId="261"/>
+            <ac:spMk id="5" creationId="{00000000-0000-0000-0000-000000000000}"/>
+          </ac:spMkLst>
+        </pc:spChg>
+      </pc:sldChg>
+      <pc:sldChg chg="modSp">
+        <pc:chgData name="1 rad1ant" userId="2ec6172aed43cae7" providerId="Windows Live" clId="Web-{8920C3DB-521E-AD90-9023-908AB08CD83C}" dt="2024-06-06T20:45:43.040" v="54" actId="20577"/>
+        <pc:sldMkLst>
+          <pc:docMk/>
+          <pc:sldMk cId="3856143679" sldId="262"/>
+        </pc:sldMkLst>
+        <pc:spChg chg="mod">
+          <ac:chgData name="1 rad1ant" userId="2ec6172aed43cae7" providerId="Windows Live" clId="Web-{8920C3DB-521E-AD90-9023-908AB08CD83C}" dt="2024-06-06T20:45:43.040" v="54" actId="20577"/>
+          <ac:spMkLst>
+            <pc:docMk/>
+            <pc:sldMk cId="3856143679" sldId="262"/>
+            <ac:spMk id="2" creationId="{00000000-0000-0000-0000-000000000000}"/>
+          </ac:spMkLst>
+        </pc:spChg>
+        <pc:spChg chg="mod">
+          <ac:chgData name="1 rad1ant" userId="2ec6172aed43cae7" providerId="Windows Live" clId="Web-{8920C3DB-521E-AD90-9023-908AB08CD83C}" dt="2024-06-06T20:45:38.415" v="53" actId="20577"/>
+          <ac:spMkLst>
+            <pc:docMk/>
+            <pc:sldMk cId="3856143679" sldId="262"/>
+            <ac:spMk id="5" creationId="{00000000-0000-0000-0000-000000000000}"/>
+          </ac:spMkLst>
+        </pc:spChg>
+      </pc:sldChg>
+      <pc:sldChg chg="modSp">
+        <pc:chgData name="1 rad1ant" userId="2ec6172aed43cae7" providerId="Windows Live" clId="Web-{8920C3DB-521E-AD90-9023-908AB08CD83C}" dt="2024-06-06T21:54:32.917" v="819" actId="20577"/>
+        <pc:sldMkLst>
+          <pc:docMk/>
+          <pc:sldMk cId="2789828017" sldId="263"/>
+        </pc:sldMkLst>
+        <pc:spChg chg="mod">
+          <ac:chgData name="1 rad1ant" userId="2ec6172aed43cae7" providerId="Windows Live" clId="Web-{8920C3DB-521E-AD90-9023-908AB08CD83C}" dt="2024-06-06T20:45:49.962" v="55" actId="20577"/>
+          <ac:spMkLst>
+            <pc:docMk/>
+            <pc:sldMk cId="2789828017" sldId="263"/>
+            <ac:spMk id="2" creationId="{00000000-0000-0000-0000-000000000000}"/>
+          </ac:spMkLst>
+        </pc:spChg>
+        <pc:spChg chg="mod">
+          <ac:chgData name="1 rad1ant" userId="2ec6172aed43cae7" providerId="Windows Live" clId="Web-{8920C3DB-521E-AD90-9023-908AB08CD83C}" dt="2024-06-06T21:54:32.917" v="819" actId="20577"/>
+          <ac:spMkLst>
+            <pc:docMk/>
+            <pc:sldMk cId="2789828017" sldId="263"/>
+            <ac:spMk id="5" creationId="{00000000-0000-0000-0000-000000000000}"/>
+          </ac:spMkLst>
+        </pc:spChg>
+      </pc:sldChg>
+      <pc:sldChg chg="addSp modSp">
+        <pc:chgData name="1 rad1ant" userId="2ec6172aed43cae7" providerId="Windows Live" clId="Web-{8920C3DB-521E-AD90-9023-908AB08CD83C}" dt="2024-06-06T21:53:52.306" v="813" actId="20577"/>
+        <pc:sldMkLst>
+          <pc:docMk/>
+          <pc:sldMk cId="4267072123" sldId="264"/>
+        </pc:sldMkLst>
+        <pc:spChg chg="mod">
+          <ac:chgData name="1 rad1ant" userId="2ec6172aed43cae7" providerId="Windows Live" clId="Web-{8920C3DB-521E-AD90-9023-908AB08CD83C}" dt="2024-06-06T20:52:13.993" v="136" actId="20577"/>
+          <ac:spMkLst>
+            <pc:docMk/>
+            <pc:sldMk cId="4267072123" sldId="264"/>
+            <ac:spMk id="2" creationId="{00000000-0000-0000-0000-000000000000}"/>
+          </ac:spMkLst>
+        </pc:spChg>
+        <pc:spChg chg="mod">
+          <ac:chgData name="1 rad1ant" userId="2ec6172aed43cae7" providerId="Windows Live" clId="Web-{8920C3DB-521E-AD90-9023-908AB08CD83C}" dt="2024-06-06T21:53:52.306" v="813" actId="20577"/>
+          <ac:spMkLst>
+            <pc:docMk/>
+            <pc:sldMk cId="4267072123" sldId="264"/>
+            <ac:spMk id="5" creationId="{00000000-0000-0000-0000-000000000000}"/>
+          </ac:spMkLst>
+        </pc:spChg>
+        <pc:picChg chg="add mod">
+          <ac:chgData name="1 rad1ant" userId="2ec6172aed43cae7" providerId="Windows Live" clId="Web-{8920C3DB-521E-AD90-9023-908AB08CD83C}" dt="2024-06-06T20:55:49.220" v="185" actId="1076"/>
+          <ac:picMkLst>
+            <pc:docMk/>
+            <pc:sldMk cId="4267072123" sldId="264"/>
+            <ac:picMk id="3" creationId="{934E16AD-14BA-7968-6CBA-C26C6A6D7315}"/>
+          </ac:picMkLst>
+        </pc:picChg>
+        <pc:picChg chg="add mod">
+          <ac:chgData name="1 rad1ant" userId="2ec6172aed43cae7" providerId="Windows Live" clId="Web-{8920C3DB-521E-AD90-9023-908AB08CD83C}" dt="2024-06-06T20:55:54.970" v="188" actId="1076"/>
+          <ac:picMkLst>
+            <pc:docMk/>
+            <pc:sldMk cId="4267072123" sldId="264"/>
+            <ac:picMk id="4" creationId="{64BA0508-1641-E1A5-6DC0-2321E776B39B}"/>
+          </ac:picMkLst>
+        </pc:picChg>
+        <pc:picChg chg="add mod">
+          <ac:chgData name="1 rad1ant" userId="2ec6172aed43cae7" providerId="Windows Live" clId="Web-{8920C3DB-521E-AD90-9023-908AB08CD83C}" dt="2024-06-06T20:55:56.439" v="189" actId="1076"/>
+          <ac:picMkLst>
+            <pc:docMk/>
+            <pc:sldMk cId="4267072123" sldId="264"/>
+            <ac:picMk id="6" creationId="{6B9AF97A-B735-FEA6-3C6C-41B5CF766C62}"/>
+          </ac:picMkLst>
+        </pc:picChg>
+        <pc:picChg chg="add mod">
+          <ac:chgData name="1 rad1ant" userId="2ec6172aed43cae7" providerId="Windows Live" clId="Web-{8920C3DB-521E-AD90-9023-908AB08CD83C}" dt="2024-06-06T20:55:57.751" v="190" actId="1076"/>
+          <ac:picMkLst>
+            <pc:docMk/>
+            <pc:sldMk cId="4267072123" sldId="264"/>
+            <ac:picMk id="7" creationId="{CDB9C816-BC69-4BFA-9A92-C3D0E40AFE66}"/>
+          </ac:picMkLst>
+        </pc:picChg>
+        <pc:picChg chg="add mod">
+          <ac:chgData name="1 rad1ant" userId="2ec6172aed43cae7" providerId="Windows Live" clId="Web-{8920C3DB-521E-AD90-9023-908AB08CD83C}" dt="2024-06-06T20:55:59.423" v="191" actId="1076"/>
+          <ac:picMkLst>
+            <pc:docMk/>
+            <pc:sldMk cId="4267072123" sldId="264"/>
+            <ac:picMk id="8" creationId="{F601DF55-CEE4-F89C-3490-15E61A24D561}"/>
+          </ac:picMkLst>
+        </pc:picChg>
+      </pc:sldChg>
+      <pc:sldChg chg="del">
+        <pc:chgData name="1 rad1ant" userId="2ec6172aed43cae7" providerId="Windows Live" clId="Web-{8920C3DB-521E-AD90-9023-908AB08CD83C}" dt="2024-06-06T20:58:49.352" v="240"/>
+        <pc:sldMkLst>
+          <pc:docMk/>
+          <pc:sldMk cId="1711623816" sldId="266"/>
+        </pc:sldMkLst>
+      </pc:sldChg>
+      <pc:sldChg chg="addSp modSp">
+        <pc:chgData name="1 rad1ant" userId="2ec6172aed43cae7" providerId="Windows Live" clId="Web-{8920C3DB-521E-AD90-9023-908AB08CD83C}" dt="2024-06-06T21:00:44.090" v="256" actId="1076"/>
+        <pc:sldMkLst>
+          <pc:docMk/>
+          <pc:sldMk cId="1954929922" sldId="267"/>
+        </pc:sldMkLst>
+        <pc:spChg chg="mod">
+          <ac:chgData name="1 rad1ant" userId="2ec6172aed43cae7" providerId="Windows Live" clId="Web-{8920C3DB-521E-AD90-9023-908AB08CD83C}" dt="2024-06-06T20:58:58.274" v="241" actId="20577"/>
+          <ac:spMkLst>
+            <pc:docMk/>
+            <pc:sldMk cId="1954929922" sldId="267"/>
+            <ac:spMk id="2" creationId="{00000000-0000-0000-0000-000000000000}"/>
+          </ac:spMkLst>
+        </pc:spChg>
+        <pc:spChg chg="mod">
+          <ac:chgData name="1 rad1ant" userId="2ec6172aed43cae7" providerId="Windows Live" clId="Web-{8920C3DB-521E-AD90-9023-908AB08CD83C}" dt="2024-06-06T20:59:14.665" v="250" actId="20577"/>
+          <ac:spMkLst>
+            <pc:docMk/>
+            <pc:sldMk cId="1954929922" sldId="267"/>
+            <ac:spMk id="5" creationId="{00000000-0000-0000-0000-000000000000}"/>
+          </ac:spMkLst>
+        </pc:spChg>
+        <pc:picChg chg="add mod">
+          <ac:chgData name="1 rad1ant" userId="2ec6172aed43cae7" providerId="Windows Live" clId="Web-{8920C3DB-521E-AD90-9023-908AB08CD83C}" dt="2024-06-06T21:00:44.090" v="256" actId="1076"/>
+          <ac:picMkLst>
+            <pc:docMk/>
+            <pc:sldMk cId="1954929922" sldId="267"/>
+            <ac:picMk id="3" creationId="{1DBD6932-8DD4-D0CF-C000-DA8D7B4BFC19}"/>
+          </ac:picMkLst>
+        </pc:picChg>
+      </pc:sldChg>
+      <pc:sldChg chg="addSp delSp modSp">
+        <pc:chgData name="1 rad1ant" userId="2ec6172aed43cae7" providerId="Windows Live" clId="Web-{8920C3DB-521E-AD90-9023-908AB08CD83C}" dt="2024-06-06T21:01:29.561" v="267" actId="20577"/>
+        <pc:sldMkLst>
+          <pc:docMk/>
+          <pc:sldMk cId="3781486808" sldId="268"/>
+        </pc:sldMkLst>
+        <pc:spChg chg="mod">
+          <ac:chgData name="1 rad1ant" userId="2ec6172aed43cae7" providerId="Windows Live" clId="Web-{8920C3DB-521E-AD90-9023-908AB08CD83C}" dt="2024-06-06T21:01:24.404" v="263" actId="20577"/>
+          <ac:spMkLst>
+            <pc:docMk/>
+            <pc:sldMk cId="3781486808" sldId="268"/>
+            <ac:spMk id="2" creationId="{00000000-0000-0000-0000-000000000000}"/>
+          </ac:spMkLst>
+        </pc:spChg>
+        <pc:spChg chg="mod">
+          <ac:chgData name="1 rad1ant" userId="2ec6172aed43cae7" providerId="Windows Live" clId="Web-{8920C3DB-521E-AD90-9023-908AB08CD83C}" dt="2024-06-06T21:01:29.561" v="267" actId="20577"/>
+          <ac:spMkLst>
+            <pc:docMk/>
+            <pc:sldMk cId="3781486808" sldId="268"/>
+            <ac:spMk id="5" creationId="{00000000-0000-0000-0000-000000000000}"/>
+          </ac:spMkLst>
+        </pc:spChg>
+        <pc:picChg chg="add del">
+          <ac:chgData name="1 rad1ant" userId="2ec6172aed43cae7" providerId="Windows Live" clId="Web-{8920C3DB-521E-AD90-9023-908AB08CD83C}" dt="2024-06-06T21:00:48.497" v="257"/>
+          <ac:picMkLst>
+            <pc:docMk/>
+            <pc:sldMk cId="3781486808" sldId="268"/>
+            <ac:picMk id="3" creationId="{29AF1894-D039-2502-088C-CA34B583721B}"/>
+          </ac:picMkLst>
+        </pc:picChg>
+      </pc:sldChg>
+      <pc:sldChg chg="addSp delSp modSp">
+        <pc:chgData name="1 rad1ant" userId="2ec6172aed43cae7" providerId="Windows Live" clId="Web-{8920C3DB-521E-AD90-9023-908AB08CD83C}" dt="2024-06-06T21:01:52.531" v="268" actId="20577"/>
+        <pc:sldMkLst>
+          <pc:docMk/>
+          <pc:sldMk cId="3899551562" sldId="269"/>
+        </pc:sldMkLst>
+        <pc:spChg chg="mod">
+          <ac:chgData name="1 rad1ant" userId="2ec6172aed43cae7" providerId="Windows Live" clId="Web-{8920C3DB-521E-AD90-9023-908AB08CD83C}" dt="2024-06-06T21:01:52.531" v="268" actId="20577"/>
+          <ac:spMkLst>
+            <pc:docMk/>
+            <pc:sldMk cId="3899551562" sldId="269"/>
+            <ac:spMk id="2" creationId="{00000000-0000-0000-0000-000000000000}"/>
+          </ac:spMkLst>
+        </pc:spChg>
+        <pc:spChg chg="del mod">
+          <ac:chgData name="1 rad1ant" userId="2ec6172aed43cae7" providerId="Windows Live" clId="Web-{8920C3DB-521E-AD90-9023-908AB08CD83C}" dt="2024-06-06T21:01:03.779" v="260"/>
+          <ac:spMkLst>
+            <pc:docMk/>
+            <pc:sldMk cId="3899551562" sldId="269"/>
+            <ac:spMk id="5" creationId="{00000000-0000-0000-0000-000000000000}"/>
+          </ac:spMkLst>
+        </pc:spChg>
+        <pc:picChg chg="add mod">
+          <ac:chgData name="1 rad1ant" userId="2ec6172aed43cae7" providerId="Windows Live" clId="Web-{8920C3DB-521E-AD90-9023-908AB08CD83C}" dt="2024-06-06T21:01:10.248" v="262" actId="1076"/>
+          <ac:picMkLst>
+            <pc:docMk/>
+            <pc:sldMk cId="3899551562" sldId="269"/>
+            <ac:picMk id="3" creationId="{2FFE3788-9F89-5C93-220D-A5B0136EA355}"/>
+          </ac:picMkLst>
+        </pc:picChg>
+      </pc:sldChg>
+      <pc:sldChg chg="addSp delSp modSp">
+        <pc:chgData name="1 rad1ant" userId="2ec6172aed43cae7" providerId="Windows Live" clId="Web-{8920C3DB-521E-AD90-9023-908AB08CD83C}" dt="2024-06-06T21:53:24.961" v="810" actId="20577"/>
+        <pc:sldMkLst>
+          <pc:docMk/>
+          <pc:sldMk cId="2482637325" sldId="270"/>
+        </pc:sldMkLst>
+        <pc:spChg chg="mod">
+          <ac:chgData name="1 rad1ant" userId="2ec6172aed43cae7" providerId="Windows Live" clId="Web-{8920C3DB-521E-AD90-9023-908AB08CD83C}" dt="2024-06-06T21:02:07.609" v="273" actId="20577"/>
+          <ac:spMkLst>
+            <pc:docMk/>
+            <pc:sldMk cId="2482637325" sldId="270"/>
+            <ac:spMk id="2" creationId="{00000000-0000-0000-0000-000000000000}"/>
+          </ac:spMkLst>
+        </pc:spChg>
+        <pc:spChg chg="del">
+          <ac:chgData name="1 rad1ant" userId="2ec6172aed43cae7" providerId="Windows Live" clId="Web-{8920C3DB-521E-AD90-9023-908AB08CD83C}" dt="2024-06-06T21:02:14.344" v="275"/>
+          <ac:spMkLst>
+            <pc:docMk/>
+            <pc:sldMk cId="2482637325" sldId="270"/>
+            <ac:spMk id="4" creationId="{B7C4C22B-F077-3D1F-547F-944EFA374D1C}"/>
+          </ac:spMkLst>
+        </pc:spChg>
+        <pc:spChg chg="add mod">
+          <ac:chgData name="1 rad1ant" userId="2ec6172aed43cae7" providerId="Windows Live" clId="Web-{8920C3DB-521E-AD90-9023-908AB08CD83C}" dt="2024-06-06T21:53:24.961" v="810" actId="20577"/>
+          <ac:spMkLst>
+            <pc:docMk/>
+            <pc:sldMk cId="2482637325" sldId="270"/>
+            <ac:spMk id="5" creationId="{9E2A6307-8D53-536E-FE9D-3188FC1A658C}"/>
+          </ac:spMkLst>
+        </pc:spChg>
+        <pc:spChg chg="del">
+          <ac:chgData name="1 rad1ant" userId="2ec6172aed43cae7" providerId="Windows Live" clId="Web-{8920C3DB-521E-AD90-9023-908AB08CD83C}" dt="2024-06-06T21:02:12.250" v="274"/>
+          <ac:spMkLst>
+            <pc:docMk/>
+            <pc:sldMk cId="2482637325" sldId="270"/>
+            <ac:spMk id="6" creationId="{3C9CF4A2-79CA-F1C9-46BA-C86037CFA5D6}"/>
+          </ac:spMkLst>
+        </pc:spChg>
+        <pc:picChg chg="add mod">
+          <ac:chgData name="1 rad1ant" userId="2ec6172aed43cae7" providerId="Windows Live" clId="Web-{8920C3DB-521E-AD90-9023-908AB08CD83C}" dt="2024-06-06T21:16:36.861" v="332" actId="1076"/>
+          <ac:picMkLst>
+            <pc:docMk/>
+            <pc:sldMk cId="2482637325" sldId="270"/>
+            <ac:picMk id="3" creationId="{A8893398-A724-36FC-6DAA-EA8244BD5504}"/>
+          </ac:picMkLst>
+        </pc:picChg>
+      </pc:sldChg>
+      <pc:sldChg chg="modSp">
+        <pc:chgData name="1 rad1ant" userId="2ec6172aed43cae7" providerId="Windows Live" clId="Web-{8920C3DB-521E-AD90-9023-908AB08CD83C}" dt="2024-06-06T21:53:42.102" v="811" actId="20577"/>
+        <pc:sldMkLst>
+          <pc:docMk/>
+          <pc:sldMk cId="3667902748" sldId="271"/>
+        </pc:sldMkLst>
+        <pc:spChg chg="mod">
+          <ac:chgData name="1 rad1ant" userId="2ec6172aed43cae7" providerId="Windows Live" clId="Web-{8920C3DB-521E-AD90-9023-908AB08CD83C}" dt="2024-06-06T20:56:17.736" v="192" actId="20577"/>
+          <ac:spMkLst>
+            <pc:docMk/>
+            <pc:sldMk cId="3667902748" sldId="271"/>
+            <ac:spMk id="2" creationId="{00000000-0000-0000-0000-000000000000}"/>
+          </ac:spMkLst>
+        </pc:spChg>
+        <pc:spChg chg="mod">
+          <ac:chgData name="1 rad1ant" userId="2ec6172aed43cae7" providerId="Windows Live" clId="Web-{8920C3DB-521E-AD90-9023-908AB08CD83C}" dt="2024-06-06T21:53:42.102" v="811" actId="20577"/>
+          <ac:spMkLst>
+            <pc:docMk/>
+            <pc:sldMk cId="3667902748" sldId="271"/>
+            <ac:spMk id="5" creationId="{00000000-0000-0000-0000-000000000000}"/>
+          </ac:spMkLst>
+        </pc:spChg>
+      </pc:sldChg>
+      <pc:sldChg chg="modSp">
+        <pc:chgData name="1 rad1ant" userId="2ec6172aed43cae7" providerId="Windows Live" clId="Web-{8920C3DB-521E-AD90-9023-908AB08CD83C}" dt="2024-06-06T21:53:02.554" v="803" actId="20577"/>
+        <pc:sldMkLst>
+          <pc:docMk/>
+          <pc:sldMk cId="486506308" sldId="272"/>
+        </pc:sldMkLst>
+        <pc:spChg chg="mod">
+          <ac:chgData name="1 rad1ant" userId="2ec6172aed43cae7" providerId="Windows Live" clId="Web-{8920C3DB-521E-AD90-9023-908AB08CD83C}" dt="2024-06-06T21:28:14.810" v="524" actId="20577"/>
+          <ac:spMkLst>
+            <pc:docMk/>
+            <pc:sldMk cId="486506308" sldId="272"/>
+            <ac:spMk id="2" creationId="{00000000-0000-0000-0000-000000000000}"/>
+          </ac:spMkLst>
+        </pc:spChg>
+        <pc:spChg chg="mod">
+          <ac:chgData name="1 rad1ant" userId="2ec6172aed43cae7" providerId="Windows Live" clId="Web-{8920C3DB-521E-AD90-9023-908AB08CD83C}" dt="2024-06-06T21:53:02.554" v="803" actId="20577"/>
+          <ac:spMkLst>
+            <pc:docMk/>
+            <pc:sldMk cId="486506308" sldId="272"/>
+            <ac:spMk id="5" creationId="{00000000-0000-0000-0000-000000000000}"/>
+          </ac:spMkLst>
+        </pc:spChg>
+      </pc:sldChg>
+      <pc:sldChg chg="modSp">
+        <pc:chgData name="1 rad1ant" userId="2ec6172aed43cae7" providerId="Windows Live" clId="Web-{8920C3DB-521E-AD90-9023-908AB08CD83C}" dt="2024-06-06T21:32:02.647" v="637" actId="20577"/>
+        <pc:sldMkLst>
+          <pc:docMk/>
+          <pc:sldMk cId="220995682" sldId="273"/>
+        </pc:sldMkLst>
+        <pc:spChg chg="mod">
+          <ac:chgData name="1 rad1ant" userId="2ec6172aed43cae7" providerId="Windows Live" clId="Web-{8920C3DB-521E-AD90-9023-908AB08CD83C}" dt="2024-06-06T21:30:57.222" v="623" actId="20577"/>
+          <ac:spMkLst>
+            <pc:docMk/>
+            <pc:sldMk cId="220995682" sldId="273"/>
+            <ac:spMk id="2" creationId="{00000000-0000-0000-0000-000000000000}"/>
+          </ac:spMkLst>
+        </pc:spChg>
+        <pc:spChg chg="mod">
+          <ac:chgData name="1 rad1ant" userId="2ec6172aed43cae7" providerId="Windows Live" clId="Web-{8920C3DB-521E-AD90-9023-908AB08CD83C}" dt="2024-06-06T21:32:02.647" v="637" actId="20577"/>
+          <ac:spMkLst>
+            <pc:docMk/>
+            <pc:sldMk cId="220995682" sldId="273"/>
+            <ac:spMk id="5" creationId="{00000000-0000-0000-0000-000000000000}"/>
+          </ac:spMkLst>
+        </pc:spChg>
+      </pc:sldChg>
+      <pc:sldChg chg="modSp">
+        <pc:chgData name="1 rad1ant" userId="2ec6172aed43cae7" providerId="Windows Live" clId="Web-{8920C3DB-521E-AD90-9023-908AB08CD83C}" dt="2024-06-06T21:48:50.513" v="802" actId="20577"/>
+        <pc:sldMkLst>
+          <pc:docMk/>
+          <pc:sldMk cId="150825527" sldId="274"/>
+        </pc:sldMkLst>
+        <pc:spChg chg="mod">
+          <ac:chgData name="1 rad1ant" userId="2ec6172aed43cae7" providerId="Windows Live" clId="Web-{8920C3DB-521E-AD90-9023-908AB08CD83C}" dt="2024-06-06T21:32:21.944" v="638" actId="20577"/>
+          <ac:spMkLst>
+            <pc:docMk/>
+            <pc:sldMk cId="150825527" sldId="274"/>
+            <ac:spMk id="2" creationId="{00000000-0000-0000-0000-000000000000}"/>
+          </ac:spMkLst>
+        </pc:spChg>
+        <pc:spChg chg="mod">
+          <ac:chgData name="1 rad1ant" userId="2ec6172aed43cae7" providerId="Windows Live" clId="Web-{8920C3DB-521E-AD90-9023-908AB08CD83C}" dt="2024-06-06T21:48:50.513" v="802" actId="20577"/>
+          <ac:spMkLst>
+            <pc:docMk/>
+            <pc:sldMk cId="150825527" sldId="274"/>
+            <ac:spMk id="5" creationId="{00000000-0000-0000-0000-000000000000}"/>
+          </ac:spMkLst>
+        </pc:spChg>
+      </pc:sldChg>
+      <pc:sldChg chg="modSp">
+        <pc:chgData name="1 rad1ant" userId="2ec6172aed43cae7" providerId="Windows Live" clId="Web-{8920C3DB-521E-AD90-9023-908AB08CD83C}" dt="2024-06-06T20:49:27.393" v="88" actId="20577"/>
+        <pc:sldMkLst>
+          <pc:docMk/>
+          <pc:sldMk cId="4122999474" sldId="275"/>
+        </pc:sldMkLst>
+        <pc:spChg chg="mod">
+          <ac:chgData name="1 rad1ant" userId="2ec6172aed43cae7" providerId="Windows Live" clId="Web-{8920C3DB-521E-AD90-9023-908AB08CD83C}" dt="2024-06-06T20:47:58.889" v="69" actId="20577"/>
+          <ac:spMkLst>
+            <pc:docMk/>
+            <pc:sldMk cId="4122999474" sldId="275"/>
+            <ac:spMk id="2" creationId="{00000000-0000-0000-0000-000000000000}"/>
+          </ac:spMkLst>
+        </pc:spChg>
+        <pc:spChg chg="mod">
+          <ac:chgData name="1 rad1ant" userId="2ec6172aed43cae7" providerId="Windows Live" clId="Web-{8920C3DB-521E-AD90-9023-908AB08CD83C}" dt="2024-06-06T20:49:27.393" v="88" actId="20577"/>
+          <ac:spMkLst>
+            <pc:docMk/>
+            <pc:sldMk cId="4122999474" sldId="275"/>
+            <ac:spMk id="5" creationId="{00000000-0000-0000-0000-000000000000}"/>
+          </ac:spMkLst>
+        </pc:spChg>
+      </pc:sldChg>
+      <pc:sldChg chg="modSp">
+        <pc:chgData name="1 rad1ant" userId="2ec6172aed43cae7" providerId="Windows Live" clId="Web-{8920C3DB-521E-AD90-9023-908AB08CD83C}" dt="2024-06-06T20:51:51.007" v="135" actId="20577"/>
+        <pc:sldMkLst>
+          <pc:docMk/>
+          <pc:sldMk cId="2368200156" sldId="276"/>
+        </pc:sldMkLst>
+        <pc:spChg chg="mod">
+          <ac:chgData name="1 rad1ant" userId="2ec6172aed43cae7" providerId="Windows Live" clId="Web-{8920C3DB-521E-AD90-9023-908AB08CD83C}" dt="2024-06-06T20:50:13.129" v="97" actId="20577"/>
+          <ac:spMkLst>
+            <pc:docMk/>
+            <pc:sldMk cId="2368200156" sldId="276"/>
+            <ac:spMk id="2" creationId="{00000000-0000-0000-0000-000000000000}"/>
+          </ac:spMkLst>
+        </pc:spChg>
+        <pc:spChg chg="mod">
+          <ac:chgData name="1 rad1ant" userId="2ec6172aed43cae7" providerId="Windows Live" clId="Web-{8920C3DB-521E-AD90-9023-908AB08CD83C}" dt="2024-06-06T20:51:51.007" v="135" actId="20577"/>
+          <ac:spMkLst>
+            <pc:docMk/>
+            <pc:sldMk cId="2368200156" sldId="276"/>
+            <ac:spMk id="5" creationId="{00000000-0000-0000-0000-000000000000}"/>
+          </ac:spMkLst>
+        </pc:spChg>
+      </pc:sldChg>
+      <pc:sldChg chg="addSp delSp modSp add replId">
+        <pc:chgData name="1 rad1ant" userId="2ec6172aed43cae7" providerId="Windows Live" clId="Web-{8920C3DB-521E-AD90-9023-908AB08CD83C}" dt="2024-06-06T20:44:46.429" v="37"/>
+        <pc:sldMkLst>
+          <pc:docMk/>
+          <pc:sldMk cId="4255106093" sldId="277"/>
+        </pc:sldMkLst>
+        <pc:spChg chg="del">
+          <ac:chgData name="1 rad1ant" userId="2ec6172aed43cae7" providerId="Windows Live" clId="Web-{8920C3DB-521E-AD90-9023-908AB08CD83C}" dt="2024-06-06T20:44:38.757" v="36"/>
+          <ac:spMkLst>
+            <pc:docMk/>
+            <pc:sldMk cId="4255106093" sldId="277"/>
+            <ac:spMk id="2" creationId="{00000000-0000-0000-0000-000000000000}"/>
+          </ac:spMkLst>
+        </pc:spChg>
+        <pc:spChg chg="add del mod">
+          <ac:chgData name="1 rad1ant" userId="2ec6172aed43cae7" providerId="Windows Live" clId="Web-{8920C3DB-521E-AD90-9023-908AB08CD83C}" dt="2024-06-06T20:44:46.429" v="37"/>
+          <ac:spMkLst>
+            <pc:docMk/>
+            <pc:sldMk cId="4255106093" sldId="277"/>
+            <ac:spMk id="4" creationId="{0B9CDF5F-074E-3703-98C8-5B1F2FFE094B}"/>
+          </ac:spMkLst>
+        </pc:spChg>
+        <pc:spChg chg="mod">
+          <ac:chgData name="1 rad1ant" userId="2ec6172aed43cae7" providerId="Windows Live" clId="Web-{8920C3DB-521E-AD90-9023-908AB08CD83C}" dt="2024-06-06T20:44:20.584" v="35" actId="20577"/>
+          <ac:spMkLst>
+            <pc:docMk/>
+            <pc:sldMk cId="4255106093" sldId="277"/>
+            <ac:spMk id="5" creationId="{00000000-0000-0000-0000-000000000000}"/>
+          </ac:spMkLst>
+        </pc:spChg>
+      </pc:sldChg>
+      <pc:sldChg chg="addSp delSp modSp add replId">
+        <pc:chgData name="1 rad1ant" userId="2ec6172aed43cae7" providerId="Windows Live" clId="Web-{8920C3DB-521E-AD90-9023-908AB08CD83C}" dt="2024-06-06T21:54:13.791" v="818" actId="20577"/>
+        <pc:sldMkLst>
+          <pc:docMk/>
+          <pc:sldMk cId="1302857519" sldId="278"/>
+        </pc:sldMkLst>
+        <pc:spChg chg="del">
+          <ac:chgData name="1 rad1ant" userId="2ec6172aed43cae7" providerId="Windows Live" clId="Web-{8920C3DB-521E-AD90-9023-908AB08CD83C}" dt="2024-06-06T20:49:44.846" v="94"/>
+          <ac:spMkLst>
+            <pc:docMk/>
+            <pc:sldMk cId="1302857519" sldId="278"/>
+            <ac:spMk id="2" creationId="{00000000-0000-0000-0000-000000000000}"/>
+          </ac:spMkLst>
+        </pc:spChg>
+        <pc:spChg chg="add del mod">
+          <ac:chgData name="1 rad1ant" userId="2ec6172aed43cae7" providerId="Windows Live" clId="Web-{8920C3DB-521E-AD90-9023-908AB08CD83C}" dt="2024-06-06T20:49:49.362" v="95"/>
+          <ac:spMkLst>
+            <pc:docMk/>
+            <pc:sldMk cId="1302857519" sldId="278"/>
+            <ac:spMk id="4" creationId="{04543622-1747-7781-C5DA-FE1EADD31389}"/>
+          </ac:spMkLst>
+        </pc:spChg>
+        <pc:spChg chg="mod">
+          <ac:chgData name="1 rad1ant" userId="2ec6172aed43cae7" providerId="Windows Live" clId="Web-{8920C3DB-521E-AD90-9023-908AB08CD83C}" dt="2024-06-06T21:54:13.791" v="818" actId="20577"/>
+          <ac:spMkLst>
+            <pc:docMk/>
+            <pc:sldMk cId="1302857519" sldId="278"/>
+            <ac:spMk id="5" creationId="{00000000-0000-0000-0000-000000000000}"/>
+          </ac:spMkLst>
+        </pc:spChg>
+      </pc:sldChg>
+      <pc:sldChg chg="add del replId">
+        <pc:chgData name="1 rad1ant" userId="2ec6172aed43cae7" providerId="Windows Live" clId="Web-{8920C3DB-521E-AD90-9023-908AB08CD83C}" dt="2024-06-06T21:02:49.189" v="277"/>
+        <pc:sldMkLst>
+          <pc:docMk/>
+          <pc:sldMk cId="1033330208" sldId="279"/>
+        </pc:sldMkLst>
+      </pc:sldChg>
+      <pc:sldChg chg="addSp delSp modSp add replId">
+        <pc:chgData name="1 rad1ant" userId="2ec6172aed43cae7" providerId="Windows Live" clId="Web-{8920C3DB-521E-AD90-9023-908AB08CD83C}" dt="2024-06-06T21:19:42.040" v="388"/>
+        <pc:sldMkLst>
+          <pc:docMk/>
+          <pc:sldMk cId="2445262648" sldId="279"/>
+        </pc:sldMkLst>
+        <pc:spChg chg="del">
+          <ac:chgData name="1 rad1ant" userId="2ec6172aed43cae7" providerId="Windows Live" clId="Web-{8920C3DB-521E-AD90-9023-908AB08CD83C}" dt="2024-06-06T21:19:39.712" v="387"/>
+          <ac:spMkLst>
+            <pc:docMk/>
+            <pc:sldMk cId="2445262648" sldId="279"/>
+            <ac:spMk id="2" creationId="{00000000-0000-0000-0000-000000000000}"/>
+          </ac:spMkLst>
+        </pc:spChg>
+        <pc:spChg chg="mod">
+          <ac:chgData name="1 rad1ant" userId="2ec6172aed43cae7" providerId="Windows Live" clId="Web-{8920C3DB-521E-AD90-9023-908AB08CD83C}" dt="2024-06-06T21:19:28.102" v="386" actId="20577"/>
+          <ac:spMkLst>
+            <pc:docMk/>
+            <pc:sldMk cId="2445262648" sldId="279"/>
+            <ac:spMk id="5" creationId="{9E2A6307-8D53-536E-FE9D-3188FC1A658C}"/>
+          </ac:spMkLst>
+        </pc:spChg>
+        <pc:spChg chg="add del mod">
+          <ac:chgData name="1 rad1ant" userId="2ec6172aed43cae7" providerId="Windows Live" clId="Web-{8920C3DB-521E-AD90-9023-908AB08CD83C}" dt="2024-06-06T21:19:42.040" v="388"/>
+          <ac:spMkLst>
+            <pc:docMk/>
+            <pc:sldMk cId="2445262648" sldId="279"/>
+            <ac:spMk id="8" creationId="{0D89D9A5-AD89-E0C3-B431-17EEC426A1C5}"/>
+          </ac:spMkLst>
+        </pc:spChg>
+        <pc:picChg chg="del">
+          <ac:chgData name="1 rad1ant" userId="2ec6172aed43cae7" providerId="Windows Live" clId="Web-{8920C3DB-521E-AD90-9023-908AB08CD83C}" dt="2024-06-06T21:16:50.909" v="337"/>
+          <ac:picMkLst>
+            <pc:docMk/>
+            <pc:sldMk cId="2445262648" sldId="279"/>
+            <ac:picMk id="3" creationId="{A8893398-A724-36FC-6DAA-EA8244BD5504}"/>
+          </ac:picMkLst>
+        </pc:picChg>
+        <pc:picChg chg="add mod">
+          <ac:chgData name="1 rad1ant" userId="2ec6172aed43cae7" providerId="Windows Live" clId="Web-{8920C3DB-521E-AD90-9023-908AB08CD83C}" dt="2024-06-06T21:17:08.925" v="342" actId="14100"/>
+          <ac:picMkLst>
+            <pc:docMk/>
+            <pc:sldMk cId="2445262648" sldId="279"/>
+            <ac:picMk id="4" creationId="{199E2E64-680A-22F2-7A15-D3EF1F9B366C}"/>
+          </ac:picMkLst>
+        </pc:picChg>
+      </pc:sldChg>
+      <pc:sldChg chg="addSp delSp modSp add del replId">
+        <pc:chgData name="1 rad1ant" userId="2ec6172aed43cae7" providerId="Windows Live" clId="Web-{8920C3DB-521E-AD90-9023-908AB08CD83C}" dt="2024-06-06T21:16:46.893" v="335"/>
+        <pc:sldMkLst>
+          <pc:docMk/>
+          <pc:sldMk cId="4089944321" sldId="279"/>
+        </pc:sldMkLst>
+        <pc:picChg chg="del">
+          <ac:chgData name="1 rad1ant" userId="2ec6172aed43cae7" providerId="Windows Live" clId="Web-{8920C3DB-521E-AD90-9023-908AB08CD83C}" dt="2024-06-06T21:16:14.548" v="326"/>
+          <ac:picMkLst>
+            <pc:docMk/>
+            <pc:sldMk cId="4089944321" sldId="279"/>
+            <ac:picMk id="3" creationId="{A8893398-A724-36FC-6DAA-EA8244BD5504}"/>
+          </ac:picMkLst>
+        </pc:picChg>
+        <pc:picChg chg="add mod">
+          <ac:chgData name="1 rad1ant" userId="2ec6172aed43cae7" providerId="Windows Live" clId="Web-{8920C3DB-521E-AD90-9023-908AB08CD83C}" dt="2024-06-06T21:16:23.720" v="329" actId="1076"/>
+          <ac:picMkLst>
+            <pc:docMk/>
+            <pc:sldMk cId="4089944321" sldId="279"/>
+            <ac:picMk id="4" creationId="{B0A9ED54-0298-8415-82AE-4615F118D3A3}"/>
+          </ac:picMkLst>
+        </pc:picChg>
+      </pc:sldChg>
+      <pc:sldChg chg="addSp delSp modSp add del replId">
+        <pc:chgData name="1 rad1ant" userId="2ec6172aed43cae7" providerId="Windows Live" clId="Web-{8920C3DB-521E-AD90-9023-908AB08CD83C}" dt="2024-06-06T21:24:41.630" v="432"/>
+        <pc:sldMkLst>
+          <pc:docMk/>
+          <pc:sldMk cId="799896852" sldId="280"/>
+        </pc:sldMkLst>
+        <pc:spChg chg="mod">
+          <ac:chgData name="1 rad1ant" userId="2ec6172aed43cae7" providerId="Windows Live" clId="Web-{8920C3DB-521E-AD90-9023-908AB08CD83C}" dt="2024-06-06T21:23:07.376" v="421" actId="14100"/>
+          <ac:spMkLst>
+            <pc:docMk/>
+            <pc:sldMk cId="799896852" sldId="280"/>
+            <ac:spMk id="5" creationId="{9E2A6307-8D53-536E-FE9D-3188FC1A658C}"/>
+          </ac:spMkLst>
+        </pc:spChg>
+        <pc:picChg chg="add mod">
+          <ac:chgData name="1 rad1ant" userId="2ec6172aed43cae7" providerId="Windows Live" clId="Web-{8920C3DB-521E-AD90-9023-908AB08CD83C}" dt="2024-06-06T21:21:54.889" v="394" actId="1076"/>
+          <ac:picMkLst>
+            <pc:docMk/>
+            <pc:sldMk cId="799896852" sldId="280"/>
+            <ac:picMk id="2" creationId="{9C19B31F-98A8-7A9B-60E8-D7F4E96A3EBC}"/>
+          </ac:picMkLst>
+        </pc:picChg>
+        <pc:picChg chg="del">
+          <ac:chgData name="1 rad1ant" userId="2ec6172aed43cae7" providerId="Windows Live" clId="Web-{8920C3DB-521E-AD90-9023-908AB08CD83C}" dt="2024-06-06T21:21:41.264" v="390"/>
+          <ac:picMkLst>
+            <pc:docMk/>
+            <pc:sldMk cId="799896852" sldId="280"/>
+            <ac:picMk id="4" creationId="{199E2E64-680A-22F2-7A15-D3EF1F9B366C}"/>
+          </ac:picMkLst>
+        </pc:picChg>
+      </pc:sldChg>
+      <pc:sldChg chg="addSp delSp modSp add replId">
+        <pc:chgData name="1 rad1ant" userId="2ec6172aed43cae7" providerId="Windows Live" clId="Web-{8920C3DB-521E-AD90-9023-908AB08CD83C}" dt="2024-06-06T21:53:15.914" v="807" actId="20577"/>
+        <pc:sldMkLst>
+          <pc:docMk/>
+          <pc:sldMk cId="543063362" sldId="281"/>
+        </pc:sldMkLst>
+        <pc:spChg chg="add mod">
+          <ac:chgData name="1 rad1ant" userId="2ec6172aed43cae7" providerId="Windows Live" clId="Web-{8920C3DB-521E-AD90-9023-908AB08CD83C}" dt="2024-06-06T21:53:15.914" v="807" actId="20577"/>
+          <ac:spMkLst>
+            <pc:docMk/>
+            <pc:sldMk cId="543063362" sldId="281"/>
+            <ac:spMk id="4" creationId="{C9BF7074-AE33-6604-7829-1E5C6F25FEC4}"/>
+          </ac:spMkLst>
+        </pc:spChg>
+        <pc:spChg chg="del mod">
+          <ac:chgData name="1 rad1ant" userId="2ec6172aed43cae7" providerId="Windows Live" clId="Web-{8920C3DB-521E-AD90-9023-908AB08CD83C}" dt="2024-06-06T21:24:44.317" v="433"/>
+          <ac:spMkLst>
+            <pc:docMk/>
+            <pc:sldMk cId="543063362" sldId="281"/>
+            <ac:spMk id="5" creationId="{9E2A6307-8D53-536E-FE9D-3188FC1A658C}"/>
+          </ac:spMkLst>
+        </pc:spChg>
+        <pc:picChg chg="del">
+          <ac:chgData name="1 rad1ant" userId="2ec6172aed43cae7" providerId="Windows Live" clId="Web-{8920C3DB-521E-AD90-9023-908AB08CD83C}" dt="2024-06-06T21:24:14.207" v="423"/>
+          <ac:picMkLst>
+            <pc:docMk/>
+            <pc:sldMk cId="543063362" sldId="281"/>
+            <ac:picMk id="2" creationId="{9C19B31F-98A8-7A9B-60E8-D7F4E96A3EBC}"/>
+          </ac:picMkLst>
+        </pc:picChg>
+        <pc:picChg chg="add mod">
+          <ac:chgData name="1 rad1ant" userId="2ec6172aed43cae7" providerId="Windows Live" clId="Web-{8920C3DB-521E-AD90-9023-908AB08CD83C}" dt="2024-06-06T21:24:25.489" v="428" actId="1076"/>
+          <ac:picMkLst>
+            <pc:docMk/>
+            <pc:sldMk cId="543063362" sldId="281"/>
+            <ac:picMk id="3" creationId="{A9C416F0-A72C-7105-0FC9-418326057153}"/>
+          </ac:picMkLst>
+        </pc:picChg>
+      </pc:sldChg>
+      <pc:sldChg chg="addSp delSp modSp add replId">
+        <pc:chgData name="1 rad1ant" userId="2ec6172aed43cae7" providerId="Windows Live" clId="Web-{8920C3DB-521E-AD90-9023-908AB08CD83C}" dt="2024-06-06T21:53:10.898" v="805" actId="20577"/>
+        <pc:sldMkLst>
+          <pc:docMk/>
+          <pc:sldMk cId="1315960188" sldId="282"/>
+        </pc:sldMkLst>
+        <pc:spChg chg="mod">
+          <ac:chgData name="1 rad1ant" userId="2ec6172aed43cae7" providerId="Windows Live" clId="Web-{8920C3DB-521E-AD90-9023-908AB08CD83C}" dt="2024-06-06T21:53:10.898" v="805" actId="20577"/>
+          <ac:spMkLst>
+            <pc:docMk/>
+            <pc:sldMk cId="1315960188" sldId="282"/>
+            <ac:spMk id="4" creationId="{C9BF7074-AE33-6604-7829-1E5C6F25FEC4}"/>
+          </ac:spMkLst>
+        </pc:spChg>
+        <pc:picChg chg="add mod">
+          <ac:chgData name="1 rad1ant" userId="2ec6172aed43cae7" providerId="Windows Live" clId="Web-{8920C3DB-521E-AD90-9023-908AB08CD83C}" dt="2024-06-06T21:26:52.557" v="488" actId="14100"/>
+          <ac:picMkLst>
+            <pc:docMk/>
+            <pc:sldMk cId="1315960188" sldId="282"/>
+            <ac:picMk id="2" creationId="{C2B03972-B318-84CD-9352-4FA36A82DF59}"/>
+          </ac:picMkLst>
+        </pc:picChg>
+        <pc:picChg chg="del">
+          <ac:chgData name="1 rad1ant" userId="2ec6172aed43cae7" providerId="Windows Live" clId="Web-{8920C3DB-521E-AD90-9023-908AB08CD83C}" dt="2024-06-06T21:26:36.619" v="483"/>
+          <ac:picMkLst>
+            <pc:docMk/>
+            <pc:sldMk cId="1315960188" sldId="282"/>
+            <ac:picMk id="3" creationId="{A9C416F0-A72C-7105-0FC9-418326057153}"/>
+          </ac:picMkLst>
+        </pc:picChg>
+      </pc:sldChg>
+      <pc:sldChg chg="addSp delSp modSp add ord replId">
+        <pc:chgData name="1 rad1ant" userId="2ec6172aed43cae7" providerId="Windows Live" clId="Web-{8920C3DB-521E-AD90-9023-908AB08CD83C}" dt="2024-06-06T21:36:17.719" v="690" actId="1076"/>
+        <pc:sldMkLst>
+          <pc:docMk/>
+          <pc:sldMk cId="2709792962" sldId="283"/>
+        </pc:sldMkLst>
+        <pc:spChg chg="mod">
+          <ac:chgData name="1 rad1ant" userId="2ec6172aed43cae7" providerId="Windows Live" clId="Web-{8920C3DB-521E-AD90-9023-908AB08CD83C}" dt="2024-06-06T21:32:59.977" v="666" actId="20577"/>
+          <ac:spMkLst>
+            <pc:docMk/>
+            <pc:sldMk cId="2709792962" sldId="283"/>
+            <ac:spMk id="2" creationId="{00000000-0000-0000-0000-000000000000}"/>
+          </ac:spMkLst>
+        </pc:spChg>
+        <pc:spChg chg="del mod">
+          <ac:chgData name="1 rad1ant" userId="2ec6172aed43cae7" providerId="Windows Live" clId="Web-{8920C3DB-521E-AD90-9023-908AB08CD83C}" dt="2024-06-06T21:33:36.478" v="669"/>
+          <ac:spMkLst>
+            <pc:docMk/>
+            <pc:sldMk cId="2709792962" sldId="283"/>
+            <ac:spMk id="5" creationId="{00000000-0000-0000-0000-000000000000}"/>
+          </ac:spMkLst>
+        </pc:spChg>
+        <pc:picChg chg="add del mod">
+          <ac:chgData name="1 rad1ant" userId="2ec6172aed43cae7" providerId="Windows Live" clId="Web-{8920C3DB-521E-AD90-9023-908AB08CD83C}" dt="2024-06-06T21:34:54.419" v="673"/>
+          <ac:picMkLst>
+            <pc:docMk/>
+            <pc:sldMk cId="2709792962" sldId="283"/>
+            <ac:picMk id="3" creationId="{B7B2F550-240A-840F-B1C1-1D773A6698BC}"/>
+          </ac:picMkLst>
+        </pc:picChg>
+        <pc:picChg chg="add mod">
+          <ac:chgData name="1 rad1ant" userId="2ec6172aed43cae7" providerId="Windows Live" clId="Web-{8920C3DB-521E-AD90-9023-908AB08CD83C}" dt="2024-06-06T21:36:07.547" v="686" actId="1076"/>
+          <ac:picMkLst>
+            <pc:docMk/>
+            <pc:sldMk cId="2709792962" sldId="283"/>
+            <ac:picMk id="4" creationId="{E6BFA6BB-F245-C6AF-AB3A-54341EFC9ED9}"/>
+          </ac:picMkLst>
+        </pc:picChg>
+        <pc:picChg chg="add mod">
+          <ac:chgData name="1 rad1ant" userId="2ec6172aed43cae7" providerId="Windows Live" clId="Web-{8920C3DB-521E-AD90-9023-908AB08CD83C}" dt="2024-06-06T21:36:12.422" v="688" actId="1076"/>
+          <ac:picMkLst>
+            <pc:docMk/>
+            <pc:sldMk cId="2709792962" sldId="283"/>
+            <ac:picMk id="6" creationId="{B726ED76-15DD-1C71-1694-F44D0F3AC640}"/>
+          </ac:picMkLst>
+        </pc:picChg>
+        <pc:picChg chg="add mod">
+          <ac:chgData name="1 rad1ant" userId="2ec6172aed43cae7" providerId="Windows Live" clId="Web-{8920C3DB-521E-AD90-9023-908AB08CD83C}" dt="2024-06-06T21:36:17.719" v="690" actId="1076"/>
+          <ac:picMkLst>
+            <pc:docMk/>
+            <pc:sldMk cId="2709792962" sldId="283"/>
+            <ac:picMk id="7" creationId="{DB8E979F-F164-9B44-64F7-486ABB9F8426}"/>
+          </ac:picMkLst>
+        </pc:picChg>
+      </pc:sldChg>
+      <pc:sldChg chg="add del replId">
+        <pc:chgData name="1 rad1ant" userId="2ec6172aed43cae7" providerId="Windows Live" clId="Web-{8920C3DB-521E-AD90-9023-908AB08CD83C}" dt="2024-06-06T21:26:34.478" v="482"/>
+        <pc:sldMkLst>
+          <pc:docMk/>
+          <pc:sldMk cId="3109763825" sldId="283"/>
+        </pc:sldMkLst>
+      </pc:sldChg>
+    </pc:docChg>
+  </pc:docChgLst>
+</pc:chgInfo>
 </file>
 
 <file path=ppt/slideLayouts/slideLayout1.xml><?xml version="1.0" encoding="utf-8"?>
@@ -268,7 +1089,7 @@
           <a:p>
             <a:fld id="{6D913171-EE1C-46F5-8A66-985EB9AE93EB}" type="datetimeFigureOut">
               <a:rPr lang="ru-RU" smtClean="0"/>
-              <a:t>26.05.2024</a:t>
+              <a:t>06.06.2024</a:t>
             </a:fld>
             <a:endParaRPr lang="ru-RU"/>
           </a:p>
@@ -436,7 +1257,7 @@
           <a:p>
             <a:fld id="{6D913171-EE1C-46F5-8A66-985EB9AE93EB}" type="datetimeFigureOut">
               <a:rPr lang="ru-RU" smtClean="0"/>
-              <a:t>26.05.2024</a:t>
+              <a:t>06.06.2024</a:t>
             </a:fld>
             <a:endParaRPr lang="ru-RU"/>
           </a:p>
@@ -614,7 +1435,7 @@
           <a:p>
             <a:fld id="{6D913171-EE1C-46F5-8A66-985EB9AE93EB}" type="datetimeFigureOut">
               <a:rPr lang="ru-RU" smtClean="0"/>
-              <a:t>26.05.2024</a:t>
+              <a:t>06.06.2024</a:t>
             </a:fld>
             <a:endParaRPr lang="ru-RU"/>
           </a:p>
@@ -782,7 +1603,7 @@
           <a:p>
             <a:fld id="{6D913171-EE1C-46F5-8A66-985EB9AE93EB}" type="datetimeFigureOut">
               <a:rPr lang="ru-RU" smtClean="0"/>
-              <a:t>26.05.2024</a:t>
+              <a:t>06.06.2024</a:t>
             </a:fld>
             <a:endParaRPr lang="ru-RU"/>
           </a:p>
@@ -1027,7 +1848,7 @@
           <a:p>
             <a:fld id="{6D913171-EE1C-46F5-8A66-985EB9AE93EB}" type="datetimeFigureOut">
               <a:rPr lang="ru-RU" smtClean="0"/>
-              <a:t>26.05.2024</a:t>
+              <a:t>06.06.2024</a:t>
             </a:fld>
             <a:endParaRPr lang="ru-RU"/>
           </a:p>
@@ -1256,7 +2077,7 @@
           <a:p>
             <a:fld id="{6D913171-EE1C-46F5-8A66-985EB9AE93EB}" type="datetimeFigureOut">
               <a:rPr lang="ru-RU" smtClean="0"/>
-              <a:t>26.05.2024</a:t>
+              <a:t>06.06.2024</a:t>
             </a:fld>
             <a:endParaRPr lang="ru-RU"/>
           </a:p>
@@ -1620,7 +2441,7 @@
           <a:p>
             <a:fld id="{6D913171-EE1C-46F5-8A66-985EB9AE93EB}" type="datetimeFigureOut">
               <a:rPr lang="ru-RU" smtClean="0"/>
-              <a:t>26.05.2024</a:t>
+              <a:t>06.06.2024</a:t>
             </a:fld>
             <a:endParaRPr lang="ru-RU"/>
           </a:p>
@@ -1737,7 +2558,7 @@
           <a:p>
             <a:fld id="{6D913171-EE1C-46F5-8A66-985EB9AE93EB}" type="datetimeFigureOut">
               <a:rPr lang="ru-RU" smtClean="0"/>
-              <a:t>26.05.2024</a:t>
+              <a:t>06.06.2024</a:t>
             </a:fld>
             <a:endParaRPr lang="ru-RU"/>
           </a:p>
@@ -1832,7 +2653,7 @@
           <a:p>
             <a:fld id="{6D913171-EE1C-46F5-8A66-985EB9AE93EB}" type="datetimeFigureOut">
               <a:rPr lang="ru-RU" smtClean="0"/>
-              <a:t>26.05.2024</a:t>
+              <a:t>06.06.2024</a:t>
             </a:fld>
             <a:endParaRPr lang="ru-RU"/>
           </a:p>
@@ -2107,7 +2928,7 @@
           <a:p>
             <a:fld id="{6D913171-EE1C-46F5-8A66-985EB9AE93EB}" type="datetimeFigureOut">
               <a:rPr lang="ru-RU" smtClean="0"/>
-              <a:t>26.05.2024</a:t>
+              <a:t>06.06.2024</a:t>
             </a:fld>
             <a:endParaRPr lang="ru-RU"/>
           </a:p>
@@ -2359,7 +3180,7 @@
           <a:p>
             <a:fld id="{6D913171-EE1C-46F5-8A66-985EB9AE93EB}" type="datetimeFigureOut">
               <a:rPr lang="ru-RU" smtClean="0"/>
-              <a:t>26.05.2024</a:t>
+              <a:t>06.06.2024</a:t>
             </a:fld>
             <a:endParaRPr lang="ru-RU"/>
           </a:p>
@@ -2570,7 +3391,7 @@
           <a:p>
             <a:fld id="{6D913171-EE1C-46F5-8A66-985EB9AE93EB}" type="datetimeFigureOut">
               <a:rPr lang="ru-RU" smtClean="0"/>
-              <a:t>26.05.2024</a:t>
+              <a:t>06.06.2024</a:t>
             </a:fld>
             <a:endParaRPr lang="ru-RU"/>
           </a:p>
@@ -3012,16 +3833,12 @@
           <a:lstStyle/>
           <a:p>
             <a:r>
-              <a:rPr lang="ru-RU" sz="2800" dirty="0">
-                <a:latin typeface="Times New Roman"/>
-                <a:cs typeface="Times New Roman"/>
-              </a:rPr>
-              <a:t>Дипломная работа Создание криптографического приложения</a:t>
-            </a:r>
-            <a:endParaRPr lang="ru-RU" sz="2800" dirty="0">
-              <a:latin typeface="Times New Roman" panose="02020603050405020304" pitchFamily="18" charset="0"/>
-              <a:cs typeface="Times New Roman" panose="02020603050405020304" pitchFamily="18" charset="0"/>
-            </a:endParaRPr>
+              <a:rPr lang="ru-RU" sz="3200" dirty="0">
+                <a:latin typeface="Calibri"/>
+                <a:cs typeface="Calibri"/>
+              </a:rPr>
+              <a:t> Создание криптографического приложения</a:t>
+            </a:r>
           </a:p>
         </p:txBody>
       </p:sp>
@@ -3037,42 +3854,49 @@
         </p:nvSpPr>
         <p:spPr>
           <a:xfrm>
-            <a:off x="285471" y="5432873"/>
+            <a:off x="285471" y="5282245"/>
             <a:ext cx="4545237" cy="1226635"/>
           </a:xfrm>
         </p:spPr>
         <p:txBody>
           <a:bodyPr vert="horz" lIns="91440" tIns="45720" rIns="91440" bIns="45720" rtlCol="0" anchor="t">
-            <a:normAutofit/>
+            <a:noAutofit/>
           </a:bodyPr>
           <a:lstStyle/>
           <a:p>
             <a:pPr algn="l"/>
             <a:r>
-              <a:rPr lang="ru-RU" sz="1400" dirty="0">
-                <a:latin typeface="Times New Roman"/>
+              <a:rPr lang="ru-RU" sz="2000" dirty="0">
+                <a:latin typeface="Calibri"/>
                 <a:cs typeface="Times New Roman"/>
               </a:rPr>
               <a:t>Кузьмин Артем Сергеевич</a:t>
             </a:r>
-            <a:endParaRPr lang="ru-RU" dirty="0"/>
+            <a:endParaRPr lang="ru-RU" sz="2000">
+              <a:latin typeface="Calibri"/>
+              <a:cs typeface="Calibri"/>
+            </a:endParaRPr>
           </a:p>
           <a:p>
             <a:pPr algn="l"/>
             <a:r>
-              <a:rPr lang="ru-RU" sz="1400" dirty="0">
-                <a:latin typeface="Times New Roman" panose="02020603050405020304" pitchFamily="18" charset="0"/>
-                <a:cs typeface="Times New Roman" panose="02020603050405020304" pitchFamily="18" charset="0"/>
-              </a:rPr>
-              <a:t>Студент ИС 1.20 </a:t>
-            </a:r>
+              <a:rPr lang="ru-RU" sz="2000" dirty="0">
+                <a:latin typeface="Calibri"/>
+                <a:cs typeface="Times New Roman"/>
+              </a:rPr>
+              <a:t>Студент ИС 1.20 </a:t>
+            </a:r>
+            <a:endParaRPr lang="ru-RU" sz="2000">
+              <a:latin typeface="Calibri"/>
+              <a:cs typeface="Times New Roman" panose="02020603050405020304" pitchFamily="18" charset="0"/>
+            </a:endParaRPr>
           </a:p>
           <a:p>
             <a:pPr algn="l"/>
             <a:r>
-              <a:rPr lang="ru-RU" sz="1400" dirty="0">
-                <a:latin typeface="Times New Roman" panose="02020603050405020304" pitchFamily="18" charset="0"/>
-                <a:cs typeface="Times New Roman" panose="02020603050405020304" pitchFamily="18" charset="0"/>
+              <a:rPr lang="ru-RU" sz="2000" dirty="0">
+                <a:latin typeface="Calibri"/>
+                <a:cs typeface="Times New Roman"/>
               </a:rPr>
               <a:t>Нефтеюганский политехнический колледж</a:t>
             </a:r>
@@ -3135,8 +3959,8 @@
         </p:nvSpPr>
         <p:spPr>
           <a:xfrm>
-            <a:off x="5422141" y="200025"/>
-            <a:ext cx="5903084" cy="1115216"/>
+            <a:off x="5253551" y="134173"/>
+            <a:ext cx="6304136" cy="1115216"/>
           </a:xfrm>
         </p:spPr>
         <p:txBody>
@@ -3147,15 +3971,22 @@
           <a:p>
             <a:pPr lvl="1"/>
             <a:r>
-              <a:rPr lang="ru-RU" sz="4000" b="1" dirty="0">
+              <a:rPr lang="ru-RU" sz="3200" b="1" dirty="0">
                 <a:solidFill>
                   <a:schemeClr val="bg1"/>
                 </a:solidFill>
-                <a:latin typeface="Times New Roman" panose="02020603050405020304" pitchFamily="18" charset="0"/>
-                <a:cs typeface="Times New Roman" panose="02020603050405020304" pitchFamily="18" charset="0"/>
-              </a:rPr>
-              <a:t>Постановка задачи</a:t>
-            </a:r>
+                <a:latin typeface="Calibri"/>
+                <a:cs typeface="Times New Roman"/>
+              </a:rPr>
+              <a:t>Рассмотрение существующих криптографических алгоритмов</a:t>
+            </a:r>
+            <a:endParaRPr lang="ru-RU" sz="3200" dirty="0">
+              <a:solidFill>
+                <a:schemeClr val="bg1"/>
+              </a:solidFill>
+              <a:latin typeface="Calibri"/>
+              <a:cs typeface="Times New Roman" panose="02020603050405020304" pitchFamily="18" charset="0"/>
+            </a:endParaRPr>
           </a:p>
         </p:txBody>
       </p:sp>
@@ -3167,8 +3998,8 @@
         </p:nvSpPr>
         <p:spPr>
           <a:xfrm>
-            <a:off x="472438" y="1635160"/>
-            <a:ext cx="11237705" cy="5408981"/>
+            <a:off x="377383" y="1352578"/>
+            <a:ext cx="11184980" cy="4093428"/>
           </a:xfrm>
           <a:prstGeom prst="rect">
             <a:avLst/>
@@ -3183,96 +4014,240 @@
           <a:p>
             <a:pPr algn="just"/>
             <a:r>
-              <a:rPr lang="ru-RU" dirty="0">
+              <a:rPr lang="ru-RU" sz="2000" dirty="0">
+                <a:latin typeface="Calibri"/>
+                <a:cs typeface="Times New Roman"/>
+              </a:rPr>
+              <a:t>1. AES </a:t>
+            </a:r>
+            <a:r>
+              <a:rPr lang="ru-RU" sz="2000" dirty="0">
                 <a:solidFill>
-                  <a:srgbClr val="333333"/>
+                  <a:srgbClr val="000000"/>
                 </a:solidFill>
-                <a:latin typeface="Times New Roman"/>
-                <a:cs typeface="Times New Roman"/>
-              </a:rPr>
-              <a:t>Для реализации криптографического приложения потребуется:</a:t>
-            </a:r>
-          </a:p>
-          <a:p>
-            <a:pPr algn="just"/>
-            <a:r>
-              <a:rPr lang="ru-RU" dirty="0">
-                <a:latin typeface="Times New Roman"/>
-                <a:cs typeface="Times New Roman"/>
-              </a:rPr>
-              <a:t>1. Выбрать подходящие криптографические алгоритмы, такие как AES, RSA или SHA-256, и реализовать их в приложении.</a:t>
-            </a:r>
-          </a:p>
-          <a:p>
-            <a:pPr algn="just"/>
-            <a:r>
-              <a:rPr lang="ru-RU" dirty="0">
-                <a:latin typeface="Times New Roman"/>
-                <a:cs typeface="Times New Roman"/>
-              </a:rPr>
-              <a:t>2. Создание пользовательского интерфейса для приложения включает в себя создание формы или окна, где пользователь может вводить данные для шифрования или дешифрования, а также кнопки для запуска процесса шифрования или дешифрования.</a:t>
-            </a:r>
-          </a:p>
-          <a:p>
-            <a:pPr algn="just"/>
-            <a:r>
-              <a:rPr lang="ru-RU" dirty="0">
-                <a:latin typeface="Times New Roman"/>
-                <a:cs typeface="Times New Roman"/>
-              </a:rPr>
-              <a:t>3. При шифровании данных требуется использование ключа, который используется для защиты информации. Приложение должно предоставлять возможность генерации, сохранения и загрузки ключей для использования в шифровании и дешифровании данных.</a:t>
-            </a:r>
-          </a:p>
-          <a:p>
-            <a:pPr algn="just"/>
-            <a:r>
-              <a:rPr lang="ru-RU" dirty="0">
-                <a:latin typeface="Times New Roman"/>
-                <a:cs typeface="Times New Roman"/>
-              </a:rPr>
-              <a:t>4. Необходимо обеспечить безопасность данных, хранящихся на устройстве пользователя или передаваемых через сеть, путем реализации дополнительных мер безопасности, таких как защита паролем или шифрование хранилища данных.</a:t>
-            </a:r>
-          </a:p>
-          <a:p>
-            <a:pPr algn="just"/>
-            <a:r>
-              <a:rPr lang="ru-RU" dirty="0">
-                <a:latin typeface="Times New Roman"/>
-                <a:cs typeface="Times New Roman"/>
-              </a:rPr>
-              <a:t>5. Не менее важной задачей является тестирование приложения для обнаружения и устранения возможных уязвимостей или ошибок в его работе.</a:t>
-            </a:r>
-          </a:p>
-          <a:p>
-            <a:pPr algn="just"/>
-            <a:r>
-              <a:rPr lang="ru-RU" dirty="0">
-                <a:latin typeface="Times New Roman"/>
-                <a:cs typeface="Times New Roman"/>
-              </a:rPr>
-              <a:t>6. Криптографические алгоритмы и технологии постоянно меняются и обновляются. Необходимо проследить за последними разработками в области криптографии и, при необходимости, обновить приложение, чтобы обеспечить его соответствие современным стандартам безопасности.</a:t>
-            </a:r>
-          </a:p>
-          <a:p>
-            <a:pPr algn="just">
-              <a:lnSpc>
-                <a:spcPct val="150000"/>
-              </a:lnSpc>
-            </a:pPr>
-            <a:endParaRPr lang="ru-RU" sz="1400" dirty="0">
-              <a:latin typeface="Times New Roman"/>
+                <a:latin typeface="Calibri"/>
+                <a:cs typeface="Times New Roman"/>
+              </a:rPr>
+              <a:t>(Advanced Encryption Standard) - это симметричный алгоритм шифрования, который широко используется для защиты данных. </a:t>
+            </a:r>
+            <a:endParaRPr lang="ru-RU" sz="2000" dirty="0">
+              <a:latin typeface="Calibri"/>
               <a:cs typeface="Times New Roman"/>
             </a:endParaRPr>
           </a:p>
           <a:p>
-            <a:pPr algn="just">
-              <a:lnSpc>
-                <a:spcPct val="150000"/>
-              </a:lnSpc>
-            </a:pPr>
-            <a:endParaRPr lang="en-US" sz="1400" dirty="0">
-              <a:latin typeface="Times New Roman"/>
+            <a:pPr algn="just"/>
+            <a:r>
+              <a:rPr lang="ru-RU" sz="2000" dirty="0">
+                <a:latin typeface="Calibri"/>
+                <a:cs typeface="Times New Roman"/>
+              </a:rPr>
+              <a:t>2. RSA - </a:t>
+            </a:r>
+            <a:r>
+              <a:rPr lang="ru-RU" sz="2000" dirty="0">
+                <a:solidFill>
+                  <a:srgbClr val="000000"/>
+                </a:solidFill>
+                <a:latin typeface="Calibri"/>
+                <a:cs typeface="Times New Roman"/>
+              </a:rPr>
+              <a:t>это асимметричный алгоритм шифрования, который используется для защиты данных и цифровых подписей.</a:t>
+            </a:r>
+          </a:p>
+          <a:p>
+            <a:pPr algn="just"/>
+            <a:r>
+              <a:rPr lang="ru-RU" sz="2000" dirty="0">
+                <a:solidFill>
+                  <a:srgbClr val="000000"/>
+                </a:solidFill>
+                <a:latin typeface="Calibri"/>
+                <a:cs typeface="Times New Roman"/>
+              </a:rPr>
+              <a:t>3. DES (Data </a:t>
+            </a:r>
+            <a:r>
+              <a:rPr lang="ru-RU" sz="2000" err="1">
+                <a:solidFill>
+                  <a:srgbClr val="000000"/>
+                </a:solidFill>
+                <a:latin typeface="Calibri"/>
+                <a:cs typeface="Times New Roman"/>
+              </a:rPr>
+              <a:t>Encryption</a:t>
+            </a:r>
+            <a:r>
+              <a:rPr lang="ru-RU" sz="2000" dirty="0">
+                <a:solidFill>
+                  <a:srgbClr val="000000"/>
+                </a:solidFill>
+                <a:latin typeface="Calibri"/>
+                <a:cs typeface="Times New Roman"/>
+              </a:rPr>
+              <a:t> Standard) - это старый симметричный алгоритм шифрования, который был разработан в 1970-х годах. </a:t>
+            </a:r>
+            <a:endParaRPr lang="ru-RU" sz="2000" dirty="0">
+              <a:latin typeface="Calibri"/>
               <a:cs typeface="Times New Roman"/>
+            </a:endParaRPr>
+          </a:p>
+          <a:p>
+            <a:pPr algn="just"/>
+            <a:r>
+              <a:rPr lang="ru-RU" sz="2000" dirty="0">
+                <a:solidFill>
+                  <a:srgbClr val="000000"/>
+                </a:solidFill>
+                <a:latin typeface="Calibri"/>
+                <a:cs typeface="Times New Roman"/>
+              </a:rPr>
+              <a:t>4. SHA (Secure </a:t>
+            </a:r>
+            <a:r>
+              <a:rPr lang="ru-RU" sz="2000" err="1">
+                <a:solidFill>
+                  <a:srgbClr val="000000"/>
+                </a:solidFill>
+                <a:latin typeface="Calibri"/>
+                <a:cs typeface="Times New Roman"/>
+              </a:rPr>
+              <a:t>Hash</a:t>
+            </a:r>
+            <a:r>
+              <a:rPr lang="ru-RU" sz="2000" dirty="0">
+                <a:solidFill>
+                  <a:srgbClr val="000000"/>
+                </a:solidFill>
+                <a:latin typeface="Calibri"/>
+                <a:cs typeface="Times New Roman"/>
+              </a:rPr>
+              <a:t> </a:t>
+            </a:r>
+            <a:r>
+              <a:rPr lang="ru-RU" sz="2000" err="1">
+                <a:solidFill>
+                  <a:srgbClr val="000000"/>
+                </a:solidFill>
+                <a:latin typeface="Calibri"/>
+                <a:cs typeface="Times New Roman"/>
+              </a:rPr>
+              <a:t>Algorithm</a:t>
+            </a:r>
+            <a:r>
+              <a:rPr lang="ru-RU" sz="2000" dirty="0">
+                <a:solidFill>
+                  <a:srgbClr val="000000"/>
+                </a:solidFill>
+                <a:latin typeface="Calibri"/>
+                <a:cs typeface="Times New Roman"/>
+              </a:rPr>
+              <a:t>) - это семейство хэш-функций, которые используются для обеспечения целостности данных.</a:t>
+            </a:r>
+          </a:p>
+          <a:p>
+            <a:pPr algn="just"/>
+            <a:r>
+              <a:rPr lang="ru-RU" sz="2000" dirty="0">
+                <a:latin typeface="Calibri"/>
+                <a:cs typeface="Times New Roman"/>
+              </a:rPr>
+              <a:t>5. ECC (</a:t>
+            </a:r>
+            <a:r>
+              <a:rPr lang="ru-RU" sz="2000" err="1">
+                <a:solidFill>
+                  <a:srgbClr val="000000"/>
+                </a:solidFill>
+                <a:latin typeface="Calibri"/>
+                <a:cs typeface="Times New Roman"/>
+              </a:rPr>
+              <a:t>Elliptic</a:t>
+            </a:r>
+            <a:r>
+              <a:rPr lang="ru-RU" sz="2000" dirty="0">
+                <a:solidFill>
+                  <a:srgbClr val="000000"/>
+                </a:solidFill>
+                <a:latin typeface="Calibri"/>
+                <a:cs typeface="Times New Roman"/>
+              </a:rPr>
+              <a:t> </a:t>
+            </a:r>
+            <a:r>
+              <a:rPr lang="ru-RU" sz="2000" err="1">
+                <a:solidFill>
+                  <a:srgbClr val="000000"/>
+                </a:solidFill>
+                <a:latin typeface="Calibri"/>
+                <a:cs typeface="Times New Roman"/>
+              </a:rPr>
+              <a:t>Curve</a:t>
+            </a:r>
+            <a:r>
+              <a:rPr lang="ru-RU" sz="2000" dirty="0">
+                <a:solidFill>
+                  <a:srgbClr val="000000"/>
+                </a:solidFill>
+                <a:latin typeface="Calibri"/>
+                <a:cs typeface="Times New Roman"/>
+              </a:rPr>
+              <a:t> </a:t>
+            </a:r>
+            <a:r>
+              <a:rPr lang="ru-RU" sz="2000" err="1">
+                <a:latin typeface="Calibri"/>
+                <a:cs typeface="Times New Roman"/>
+              </a:rPr>
+              <a:t>Cryptography</a:t>
+            </a:r>
+            <a:r>
+              <a:rPr lang="ru-RU" sz="2000" dirty="0">
+                <a:latin typeface="Calibri"/>
+                <a:cs typeface="Times New Roman"/>
+              </a:rPr>
+              <a:t>) - это асимметричный алгоритм шифрования, который основан на сложных математических проблемах в области эллиптических кривых. </a:t>
+            </a:r>
+            <a:endParaRPr lang="ru-RU" sz="2000">
+              <a:latin typeface="Calibri"/>
+              <a:cs typeface="Times New Roman"/>
+            </a:endParaRPr>
+          </a:p>
+          <a:p>
+            <a:pPr algn="just"/>
+            <a:r>
+              <a:rPr lang="ru-RU" sz="2000" dirty="0">
+                <a:latin typeface="Calibri"/>
+                <a:cs typeface="Times New Roman"/>
+              </a:rPr>
+              <a:t>6. TLS/SSL - это протоколы безопасной передачи данных по сети. </a:t>
+            </a:r>
+            <a:endParaRPr lang="ru-RU" sz="2000">
+              <a:solidFill>
+                <a:srgbClr val="000000"/>
+              </a:solidFill>
+              <a:latin typeface="Calibri"/>
+              <a:cs typeface="Calibri" panose="020F0502020204030204"/>
+            </a:endParaRPr>
+          </a:p>
+          <a:p>
+            <a:pPr algn="just"/>
+            <a:r>
+              <a:rPr lang="ru-RU" sz="2000" dirty="0">
+                <a:solidFill>
+                  <a:srgbClr val="000000"/>
+                </a:solidFill>
+                <a:latin typeface="Calibri"/>
+                <a:cs typeface="Times New Roman"/>
+              </a:rPr>
+              <a:t>Это лишь некоторые из множества криптографических алгоритмов, которые используются в современной криптографии. </a:t>
+            </a:r>
+            <a:endParaRPr lang="ru-RU">
+              <a:solidFill>
+                <a:srgbClr val="000000"/>
+              </a:solidFill>
+              <a:latin typeface="Calibri"/>
+              <a:cs typeface="Calibri" panose="020F0502020204030204"/>
             </a:endParaRPr>
           </a:p>
         </p:txBody>
@@ -3280,7 +4255,7 @@
     </p:spTree>
     <p:extLst>
       <p:ext uri="{BB962C8B-B14F-4D97-AF65-F5344CB8AC3E}">
-        <p14:creationId xmlns:p14="http://schemas.microsoft.com/office/powerpoint/2010/main" val="3667902748"/>
+        <p14:creationId xmlns:p14="http://schemas.microsoft.com/office/powerpoint/2010/main" val="2368200156"/>
       </p:ext>
     </p:extLst>
   </p:cSld>
@@ -3333,8 +4308,8 @@
         </p:nvSpPr>
         <p:spPr>
           <a:xfrm>
-            <a:off x="5222116" y="114300"/>
-            <a:ext cx="6825009" cy="1115216"/>
+            <a:off x="5393919" y="134173"/>
+            <a:ext cx="5903084" cy="1115216"/>
           </a:xfrm>
         </p:spPr>
         <p:txBody>
@@ -3349,10 +4324,10 @@
                 <a:solidFill>
                   <a:schemeClr val="bg1"/>
                 </a:solidFill>
-                <a:latin typeface="Times New Roman"/>
-                <a:cs typeface="Times New Roman"/>
-              </a:rPr>
-              <a:t>Используемое программное обеспечение</a:t>
+                <a:latin typeface="Calibri"/>
+                <a:cs typeface="Times New Roman"/>
+              </a:rPr>
+              <a:t>Обзор имеющихся аналогов</a:t>
             </a:r>
           </a:p>
         </p:txBody>
@@ -3365,8 +4340,8 @@
         </p:nvSpPr>
         <p:spPr>
           <a:xfrm>
-            <a:off x="383554" y="1418731"/>
-            <a:ext cx="11140240" cy="5047536"/>
+            <a:off x="457593" y="1523025"/>
+            <a:ext cx="11184980" cy="3886577"/>
           </a:xfrm>
           <a:prstGeom prst="rect">
             <a:avLst/>
@@ -3381,469 +4356,370 @@
           <a:p>
             <a:pPr algn="just"/>
             <a:r>
-              <a:rPr lang="ru-RU" sz="1400" dirty="0">
+              <a:rPr lang="ru-RU" sz="2000" dirty="0">
                 <a:solidFill>
-                  <a:srgbClr val="202124"/>
+                  <a:srgbClr val="1D1D1F"/>
                 </a:solidFill>
-                <a:latin typeface="Times New Roman"/>
-                <a:cs typeface="Times New Roman"/>
-              </a:rPr>
-              <a:t>Все элементы, необходимые для создания приложения, объединены в специальной программе IDE, а именно:</a:t>
+                <a:latin typeface="Calibri"/>
+                <a:cs typeface="Times New Roman"/>
+              </a:rPr>
+              <a:t>1. </a:t>
+            </a:r>
+            <a:r>
+              <a:rPr lang="ru-RU" sz="2000" err="1">
+                <a:solidFill>
+                  <a:srgbClr val="1D1D1F"/>
+                </a:solidFill>
+                <a:latin typeface="Calibri"/>
+                <a:cs typeface="Times New Roman"/>
+              </a:rPr>
+              <a:t>ProtonMail</a:t>
+            </a:r>
+            <a:r>
+              <a:rPr lang="ru-RU" sz="2000" dirty="0">
+                <a:solidFill>
+                  <a:srgbClr val="1D1D1F"/>
+                </a:solidFill>
+                <a:latin typeface="Calibri"/>
+                <a:cs typeface="Times New Roman"/>
+              </a:rPr>
+              <a:t>  - это приложение для безопасной электронной почты. </a:t>
             </a:r>
           </a:p>
           <a:p>
             <a:pPr algn="just"/>
             <a:r>
-              <a:rPr lang="ru-RU" sz="1400" dirty="0">
+              <a:rPr lang="ru-RU" sz="2000" dirty="0">
                 <a:solidFill>
-                  <a:srgbClr val="202124"/>
+                  <a:srgbClr val="1D1D1F"/>
                 </a:solidFill>
-                <a:latin typeface="Times New Roman"/>
-                <a:cs typeface="Times New Roman"/>
-              </a:rPr>
-              <a:t>1.</a:t>
-            </a:r>
-            <a:r>
-              <a:rPr lang="ru-RU" sz="1400" dirty="0">
+                <a:latin typeface="Calibri"/>
+                <a:cs typeface="Times New Roman"/>
+              </a:rPr>
+              <a:t>2. </a:t>
+            </a:r>
+            <a:r>
+              <a:rPr lang="ru-RU" sz="2000" err="1">
                 <a:solidFill>
-                  <a:srgbClr val="202124"/>
+                  <a:srgbClr val="1D1D1F"/>
                 </a:solidFill>
-                <a:latin typeface="Times New Roman"/>
-                <a:cs typeface="Calibri"/>
-              </a:rPr>
-              <a:t> </a:t>
-            </a:r>
-            <a:r>
-              <a:rPr lang="ru-RU" sz="1400" dirty="0">
+                <a:latin typeface="Calibri"/>
+                <a:cs typeface="Times New Roman"/>
+              </a:rPr>
+              <a:t>Signal</a:t>
+            </a:r>
+            <a:r>
+              <a:rPr lang="ru-RU" sz="2000" dirty="0">
                 <a:solidFill>
-                  <a:srgbClr val="202124"/>
+                  <a:srgbClr val="1D1D1F"/>
                 </a:solidFill>
-                <a:latin typeface="Times New Roman"/>
-                <a:cs typeface="Times New Roman"/>
-              </a:rPr>
-              <a:t>Кодовый редактор</a:t>
+                <a:latin typeface="Calibri"/>
+                <a:cs typeface="Times New Roman"/>
+              </a:rPr>
+              <a:t>  - это приложение для защищенных сообщений и звонков.</a:t>
             </a:r>
           </a:p>
           <a:p>
             <a:pPr algn="just"/>
             <a:r>
-              <a:rPr lang="ru-RU" sz="1400" dirty="0">
+              <a:rPr lang="ru-RU" sz="2000" dirty="0">
                 <a:solidFill>
-                  <a:srgbClr val="202124"/>
+                  <a:srgbClr val="1D1D1F"/>
                 </a:solidFill>
-                <a:latin typeface="Times New Roman"/>
-                <a:cs typeface="Times New Roman"/>
-              </a:rPr>
-              <a:t>2.</a:t>
-            </a:r>
-            <a:r>
-              <a:rPr lang="ru-RU" sz="1400" dirty="0">
+                <a:latin typeface="Calibri"/>
+                <a:cs typeface="Times New Roman"/>
+              </a:rPr>
+              <a:t>3. </a:t>
+            </a:r>
+            <a:r>
+              <a:rPr lang="ru-RU" sz="2000" err="1">
                 <a:solidFill>
-                  <a:srgbClr val="202124"/>
+                  <a:srgbClr val="1D1D1F"/>
                 </a:solidFill>
-                <a:latin typeface="Times New Roman"/>
-                <a:cs typeface="Calibri"/>
-              </a:rPr>
-              <a:t> </a:t>
-            </a:r>
-            <a:r>
-              <a:rPr lang="ru-RU" sz="1400" dirty="0">
+                <a:latin typeface="Calibri"/>
+                <a:cs typeface="Times New Roman"/>
+              </a:rPr>
+              <a:t>VeraCrypt</a:t>
+            </a:r>
+            <a:r>
+              <a:rPr lang="ru-RU" sz="2000" dirty="0">
                 <a:solidFill>
-                  <a:srgbClr val="202124"/>
+                  <a:srgbClr val="1D1D1F"/>
                 </a:solidFill>
-                <a:latin typeface="Times New Roman"/>
-                <a:cs typeface="Times New Roman"/>
-              </a:rPr>
-              <a:t>Транслятор (компилятор или интерпретатор)</a:t>
+                <a:latin typeface="Calibri"/>
+                <a:cs typeface="Times New Roman"/>
+              </a:rPr>
+              <a:t> - это программное обеспечение для шифрования дисков и создания зашифрованных контейнеров.</a:t>
             </a:r>
           </a:p>
           <a:p>
             <a:pPr algn="just"/>
             <a:r>
-              <a:rPr lang="ru-RU" sz="1400" dirty="0">
+              <a:rPr lang="ru-RU" sz="2000" dirty="0">
                 <a:solidFill>
-                  <a:srgbClr val="202124"/>
+                  <a:srgbClr val="1D1D1F"/>
                 </a:solidFill>
-                <a:latin typeface="Times New Roman"/>
-                <a:cs typeface="Times New Roman"/>
-              </a:rPr>
-              <a:t>3.</a:t>
-            </a:r>
-            <a:r>
-              <a:rPr lang="ru-RU" sz="1400" dirty="0">
+                <a:latin typeface="Calibri"/>
+                <a:cs typeface="Times New Roman"/>
+              </a:rPr>
+              <a:t>4. </a:t>
+            </a:r>
+            <a:r>
+              <a:rPr lang="ru-RU" sz="2000" err="1">
                 <a:solidFill>
-                  <a:srgbClr val="202124"/>
+                  <a:srgbClr val="1D1D1F"/>
                 </a:solidFill>
-                <a:latin typeface="Times New Roman"/>
-                <a:cs typeface="Calibri"/>
-              </a:rPr>
-              <a:t> </a:t>
-            </a:r>
-            <a:r>
-              <a:rPr lang="ru-RU" sz="1400" dirty="0">
+                <a:latin typeface="Calibri"/>
+                <a:cs typeface="Times New Roman"/>
+              </a:rPr>
+              <a:t>Tails</a:t>
+            </a:r>
+            <a:r>
+              <a:rPr lang="ru-RU" sz="2000" dirty="0">
                 <a:solidFill>
-                  <a:srgbClr val="202124"/>
+                  <a:srgbClr val="1D1D1F"/>
                 </a:solidFill>
-                <a:latin typeface="Times New Roman"/>
-                <a:cs typeface="Times New Roman"/>
-              </a:rPr>
-              <a:t>Средства автоматизированной сборки</a:t>
+                <a:latin typeface="Calibri"/>
+                <a:cs typeface="Times New Roman"/>
+              </a:rPr>
+              <a:t> - это операционная система, предназначенная для анонимности и безопасности связи.</a:t>
             </a:r>
           </a:p>
           <a:p>
             <a:pPr algn="just"/>
             <a:r>
-              <a:rPr lang="ru-RU" sz="1400" dirty="0">
+              <a:rPr lang="ru-RU" sz="2000" dirty="0">
                 <a:solidFill>
-                  <a:srgbClr val="202124"/>
+                  <a:srgbClr val="1D1D1F"/>
                 </a:solidFill>
-                <a:latin typeface="Times New Roman"/>
-                <a:cs typeface="Times New Roman"/>
-              </a:rPr>
-              <a:t>4.</a:t>
-            </a:r>
-            <a:r>
-              <a:rPr lang="ru-RU" sz="1400" dirty="0">
+                <a:latin typeface="Calibri"/>
+                <a:cs typeface="Times New Roman"/>
+              </a:rPr>
+              <a:t>5. </a:t>
+            </a:r>
+            <a:r>
+              <a:rPr lang="ru-RU" sz="2000" err="1">
                 <a:solidFill>
-                  <a:srgbClr val="202124"/>
+                  <a:srgbClr val="1D1D1F"/>
                 </a:solidFill>
-                <a:latin typeface="Times New Roman"/>
-                <a:cs typeface="Calibri"/>
-              </a:rPr>
-              <a:t> </a:t>
-            </a:r>
-            <a:r>
-              <a:rPr lang="ru-RU" sz="1400" dirty="0">
+                <a:latin typeface="Calibri"/>
+                <a:cs typeface="Times New Roman"/>
+              </a:rPr>
+              <a:t>LastPass</a:t>
+            </a:r>
+            <a:r>
+              <a:rPr lang="ru-RU" sz="2000" dirty="0">
                 <a:solidFill>
-                  <a:srgbClr val="202124"/>
+                  <a:srgbClr val="1D1D1F"/>
                 </a:solidFill>
-                <a:latin typeface="Times New Roman"/>
-                <a:cs typeface="Times New Roman"/>
-              </a:rPr>
-              <a:t>Отладчик</a:t>
-            </a:r>
-          </a:p>
-          <a:p>
-            <a:pPr algn="just"/>
-            <a:r>
-              <a:rPr lang="ru-RU" sz="1400" dirty="0">
-                <a:solidFill>
-                  <a:srgbClr val="202124"/>
-                </a:solidFill>
-                <a:latin typeface="Times New Roman"/>
-                <a:cs typeface="Times New Roman"/>
-              </a:rPr>
-              <a:t>Как правило, каждая IDE предназначена для нескольких языков программирования. Для разработки приложения на языке </a:t>
-            </a:r>
-            <a:r>
-              <a:rPr lang="en-US" sz="1400" dirty="0">
-                <a:solidFill>
-                  <a:srgbClr val="202124"/>
-                </a:solidFill>
-                <a:latin typeface="Times New Roman"/>
-                <a:cs typeface="Times New Roman"/>
-              </a:rPr>
-              <a:t>JavaScript</a:t>
-            </a:r>
-            <a:r>
-              <a:rPr lang="ru-RU" sz="1400" dirty="0">
-                <a:solidFill>
-                  <a:srgbClr val="202124"/>
-                </a:solidFill>
-                <a:latin typeface="Times New Roman"/>
-                <a:cs typeface="Times New Roman"/>
-              </a:rPr>
-              <a:t> можно выделить следующие среды разработки:</a:t>
-            </a:r>
-          </a:p>
-          <a:p>
-            <a:pPr marL="285750" indent="-285750" algn="just">
-              <a:buFont typeface="Arial"/>
-              <a:buChar char="•"/>
+                <a:latin typeface="Calibri"/>
+                <a:cs typeface="Times New Roman"/>
+              </a:rPr>
+              <a:t> - это менеджер паролей, который хранит и автоматически заполняет пароли для пользователей.  </a:t>
+            </a:r>
+            <a:endParaRPr lang="ru-RU" sz="2000">
+              <a:solidFill>
+                <a:srgbClr val="000000"/>
+              </a:solidFill>
+              <a:latin typeface="Calibri"/>
+              <a:cs typeface="Calibri" panose="020F0502020204030204"/>
+            </a:endParaRPr>
+          </a:p>
+          <a:p>
+            <a:pPr>
+              <a:lnSpc>
+                <a:spcPct val="150000"/>
+              </a:lnSpc>
             </a:pPr>
-            <a:r>
-              <a:rPr lang="en-US" sz="1400" dirty="0">
-                <a:solidFill>
-                  <a:srgbClr val="202124"/>
-                </a:solidFill>
-                <a:latin typeface="Times New Roman"/>
-                <a:cs typeface="Times New Roman"/>
-              </a:rPr>
-              <a:t>Sublime</a:t>
-            </a:r>
-            <a:r>
-              <a:rPr lang="ru-RU" sz="1400" dirty="0">
-                <a:solidFill>
-                  <a:srgbClr val="202124"/>
-                </a:solidFill>
-                <a:latin typeface="Times New Roman"/>
-                <a:cs typeface="Times New Roman"/>
-              </a:rPr>
-              <a:t> </a:t>
-            </a:r>
-            <a:r>
-              <a:rPr lang="en-US" sz="1400" dirty="0">
-                <a:solidFill>
-                  <a:srgbClr val="202124"/>
-                </a:solidFill>
-                <a:latin typeface="Times New Roman"/>
-                <a:cs typeface="Times New Roman"/>
-              </a:rPr>
-              <a:t>Text</a:t>
-            </a:r>
-            <a:r>
-              <a:rPr lang="ru-RU" sz="1400" dirty="0">
-                <a:solidFill>
-                  <a:srgbClr val="202124"/>
-                </a:solidFill>
-                <a:latin typeface="Times New Roman"/>
-                <a:cs typeface="Times New Roman"/>
-              </a:rPr>
-              <a:t> – легкий текстовый редактор с широким набором функциональных возможностей и поддержкой плагинов, который позволяет ускорить процесс разработки.</a:t>
-            </a:r>
-          </a:p>
-          <a:p>
-            <a:pPr marL="285750" indent="-285750" algn="just">
-              <a:buFont typeface="Arial"/>
-              <a:buChar char="•"/>
+            <a:endParaRPr lang="ru-RU" sz="1400" dirty="0">
+              <a:latin typeface="Calibri" panose="020F0502020204030204"/>
+              <a:cs typeface="Calibri" panose="020F0502020204030204"/>
+            </a:endParaRPr>
+          </a:p>
+          <a:p>
+            <a:pPr marL="342900">
+              <a:lnSpc>
+                <a:spcPct val="150000"/>
+              </a:lnSpc>
+              <a:buFontTx/>
+              <a:buAutoNum type="arabicParenR"/>
             </a:pPr>
-            <a:r>
-              <a:rPr lang="ru-RU" sz="1400" dirty="0">
-                <a:solidFill>
-                  <a:srgbClr val="202124"/>
-                </a:solidFill>
-                <a:latin typeface="Times New Roman"/>
-                <a:cs typeface="Times New Roman"/>
-              </a:rPr>
-              <a:t>Visual Studio Code – бесплатный многофункциональный кодовый редактор с открытым исходным кодом, который поддерживает большое количество языков программирования, интегрированный отладчик и возможность запуска кода из самого редактора.</a:t>
-            </a:r>
-          </a:p>
-          <a:p>
-            <a:pPr marL="285750" indent="-285750" algn="just">
-              <a:buFont typeface="Arial"/>
-              <a:buChar char="•"/>
+            <a:endParaRPr lang="ru-RU" sz="1400" dirty="0">
+              <a:cs typeface="Calibri" panose="020F0502020204030204"/>
+            </a:endParaRPr>
+          </a:p>
+          <a:p>
+            <a:pPr>
+              <a:lnSpc>
+                <a:spcPct val="150000"/>
+              </a:lnSpc>
             </a:pPr>
-            <a:r>
-              <a:rPr lang="ru-RU" sz="1400" err="1">
-                <a:solidFill>
-                  <a:srgbClr val="202124"/>
-                </a:solidFill>
-                <a:latin typeface="Times New Roman"/>
-                <a:cs typeface="Times New Roman"/>
-              </a:rPr>
-              <a:t>Atom</a:t>
-            </a:r>
-            <a:r>
-              <a:rPr lang="ru-RU" sz="1400" dirty="0">
-                <a:solidFill>
-                  <a:srgbClr val="202124"/>
-                </a:solidFill>
-                <a:latin typeface="Times New Roman"/>
-                <a:cs typeface="Times New Roman"/>
-              </a:rPr>
-              <a:t> – бесплатный редактор кода от </a:t>
-            </a:r>
-            <a:r>
-              <a:rPr lang="en-US" sz="1400" err="1">
-                <a:solidFill>
-                  <a:srgbClr val="202124"/>
-                </a:solidFill>
-                <a:latin typeface="Times New Roman"/>
-                <a:cs typeface="Times New Roman"/>
-              </a:rPr>
-              <a:t>Github</a:t>
-            </a:r>
-            <a:r>
-              <a:rPr lang="ru-RU" sz="1400" dirty="0">
-                <a:solidFill>
-                  <a:srgbClr val="202124"/>
-                </a:solidFill>
-                <a:latin typeface="Times New Roman"/>
-                <a:cs typeface="Times New Roman"/>
-              </a:rPr>
-              <a:t>, который поддерживает множество плагинов и тем, а также является настраиваемым и расширяемым.</a:t>
-            </a:r>
-            <a:endParaRPr lang="ru-RU" sz="1400">
-              <a:solidFill>
-                <a:srgbClr val="202124"/>
-              </a:solidFill>
-              <a:latin typeface="Times New Roman" panose="02020603050405020304" pitchFamily="18" charset="0"/>
-              <a:cs typeface="Times New Roman" panose="02020603050405020304" pitchFamily="18" charset="0"/>
+            <a:endParaRPr lang="ru-RU" sz="4800" dirty="0">
+              <a:cs typeface="Calibri" panose="020F0502020204030204"/>
             </a:endParaRPr>
           </a:p>
-          <a:p>
-            <a:pPr marL="285750" indent="-285750" algn="just">
-              <a:buFont typeface="Arial"/>
-              <a:buChar char="•"/>
-            </a:pPr>
-            <a:r>
-              <a:rPr lang="ru-RU" sz="1400" err="1">
-                <a:solidFill>
-                  <a:srgbClr val="202124"/>
-                </a:solidFill>
-                <a:latin typeface="Times New Roman"/>
-                <a:cs typeface="Times New Roman"/>
-              </a:rPr>
-              <a:t>Brackets</a:t>
-            </a:r>
-            <a:r>
-              <a:rPr lang="ru-RU" sz="1400" dirty="0">
-                <a:solidFill>
-                  <a:srgbClr val="202124"/>
-                </a:solidFill>
-                <a:latin typeface="Times New Roman"/>
-                <a:cs typeface="Times New Roman"/>
-              </a:rPr>
-              <a:t> – бесплатный редактор кода от </a:t>
-            </a:r>
-            <a:r>
-              <a:rPr lang="en-US" sz="1400" dirty="0">
-                <a:solidFill>
-                  <a:srgbClr val="202124"/>
-                </a:solidFill>
-                <a:latin typeface="Times New Roman"/>
-                <a:cs typeface="Times New Roman"/>
-              </a:rPr>
-              <a:t>Adobe</a:t>
-            </a:r>
-            <a:r>
-              <a:rPr lang="ru-RU" sz="1400" dirty="0">
-                <a:solidFill>
-                  <a:srgbClr val="202124"/>
-                </a:solidFill>
-                <a:latin typeface="Times New Roman"/>
-                <a:cs typeface="Times New Roman"/>
-              </a:rPr>
-              <a:t>, который дает возможность быстро и комфортно работать со своими проектами, благодаря функциональным возможностям и плагинам.</a:t>
-            </a:r>
-          </a:p>
-          <a:p>
-            <a:pPr marL="285750" indent="-285750" algn="just">
-              <a:buFont typeface="Arial"/>
-              <a:buChar char="•"/>
-            </a:pPr>
-            <a:r>
-              <a:rPr lang="ru-RU" sz="1400" err="1">
-                <a:solidFill>
-                  <a:srgbClr val="202124"/>
-                </a:solidFill>
-                <a:latin typeface="Times New Roman"/>
-                <a:cs typeface="Times New Roman"/>
-              </a:rPr>
-              <a:t>SciTe</a:t>
-            </a:r>
-            <a:r>
-              <a:rPr lang="ru-RU" sz="1400" dirty="0">
-                <a:solidFill>
-                  <a:srgbClr val="202124"/>
-                </a:solidFill>
-                <a:latin typeface="Times New Roman"/>
-                <a:cs typeface="Times New Roman"/>
-              </a:rPr>
-              <a:t> – простой, лёгкий и очень быстрый текстовый редактор, поддерживающий большую часть языков программирования и основные функциональные возможности.</a:t>
-            </a:r>
-          </a:p>
-          <a:p>
-            <a:pPr marL="285750" indent="-285750" algn="just">
-              <a:buFont typeface="Arial"/>
-              <a:buChar char="•"/>
-            </a:pPr>
-            <a:r>
-              <a:rPr lang="ru-RU" sz="1400" dirty="0">
-                <a:solidFill>
-                  <a:srgbClr val="202124"/>
-                </a:solidFill>
-                <a:latin typeface="Times New Roman"/>
-                <a:cs typeface="Times New Roman"/>
-              </a:rPr>
-              <a:t>Notepad++ – бесплатный редактор кода, который позволяет работать с большой частью языков программирования и обладает множеством функциональных возможностей.</a:t>
-            </a:r>
-          </a:p>
-          <a:p>
-            <a:pPr marL="285750" indent="-285750" algn="just">
-              <a:buFont typeface="Arial"/>
-              <a:buChar char="•"/>
-            </a:pPr>
-            <a:r>
-              <a:rPr lang="ru-RU" sz="1400" err="1">
-                <a:solidFill>
-                  <a:srgbClr val="202124"/>
-                </a:solidFill>
-                <a:latin typeface="Times New Roman"/>
-                <a:cs typeface="Times New Roman"/>
-              </a:rPr>
-              <a:t>Vim</a:t>
-            </a:r>
-            <a:r>
-              <a:rPr lang="ru-RU" sz="1400" dirty="0">
-                <a:solidFill>
-                  <a:srgbClr val="202124"/>
-                </a:solidFill>
-                <a:latin typeface="Times New Roman"/>
-                <a:cs typeface="Times New Roman"/>
-              </a:rPr>
-              <a:t> – текстовый редактор, который позволяет быстро и эффективно редактировать текст, благодаря своей уникальной системе управления.</a:t>
-            </a:r>
-          </a:p>
-          <a:p>
-            <a:pPr marL="285750" indent="-285750" algn="just">
-              <a:buFont typeface="Arial"/>
-              <a:buChar char="•"/>
-            </a:pPr>
-            <a:r>
-              <a:rPr lang="ru-RU" sz="1400" err="1">
-                <a:solidFill>
-                  <a:srgbClr val="202124"/>
-                </a:solidFill>
-                <a:latin typeface="Times New Roman"/>
-                <a:cs typeface="Times New Roman"/>
-              </a:rPr>
-              <a:t>Emacs</a:t>
-            </a:r>
-            <a:r>
-              <a:rPr lang="ru-RU" sz="1400" dirty="0">
-                <a:solidFill>
-                  <a:srgbClr val="202124"/>
-                </a:solidFill>
-                <a:latin typeface="Times New Roman"/>
-                <a:cs typeface="Times New Roman"/>
-              </a:rPr>
-              <a:t> – текстовый редактор, который поддерживает </a:t>
-            </a:r>
-            <a:r>
-              <a:rPr lang="ru-RU" sz="1400" err="1">
-                <a:solidFill>
-                  <a:srgbClr val="202124"/>
-                </a:solidFill>
-                <a:latin typeface="Times New Roman"/>
-                <a:cs typeface="Times New Roman"/>
-              </a:rPr>
-              <a:t>многоплатформенность</a:t>
-            </a:r>
-            <a:r>
-              <a:rPr lang="ru-RU" sz="1400" dirty="0">
-                <a:solidFill>
-                  <a:srgbClr val="202124"/>
-                </a:solidFill>
-                <a:latin typeface="Times New Roman"/>
-                <a:cs typeface="Times New Roman"/>
-              </a:rPr>
-              <a:t> и множество пакетов, а также специальных функций для упрощения работы.</a:t>
-            </a:r>
-          </a:p>
-          <a:p>
-            <a:pPr algn="just"/>
-            <a:endParaRPr lang="ru-RU" sz="1400" dirty="0">
-              <a:latin typeface="Times New Roman"/>
-              <a:cs typeface="Times New Roman"/>
-            </a:endParaRPr>
-          </a:p>
-        </p:txBody>
-      </p:sp>
+        </p:txBody>
+      </p:sp>
+      <p:pic>
+        <p:nvPicPr>
+          <p:cNvPr id="3" name="Picture 2" descr="Файл:ProtonMail logo.svg — Википедия">
+            <a:extLst>
+              <a:ext uri="{FF2B5EF4-FFF2-40B4-BE49-F238E27FC236}">
+                <a16:creationId xmlns:a16="http://schemas.microsoft.com/office/drawing/2014/main" id="{934E16AD-14BA-7968-6CBA-C26C6A6D7315}"/>
+              </a:ext>
+            </a:extLst>
+          </p:cNvPr>
+          <p:cNvPicPr>
+            <a:picLocks noChangeAspect="1"/>
+          </p:cNvPicPr>
+          <p:nvPr/>
+        </p:nvPicPr>
+        <p:blipFill>
+          <a:blip r:embed="rId3"/>
+          <a:stretch>
+            <a:fillRect/>
+          </a:stretch>
+        </p:blipFill>
+        <p:spPr>
+          <a:xfrm>
+            <a:off x="302794" y="4098840"/>
+            <a:ext cx="2743199" cy="465058"/>
+          </a:xfrm>
+          <a:prstGeom prst="rect">
+            <a:avLst/>
+          </a:prstGeom>
+        </p:spPr>
+      </p:pic>
+      <p:pic>
+        <p:nvPicPr>
+          <p:cNvPr id="4" name="Picture 3" descr="Файл:Signal logo (2020).svg — Википедия">
+            <a:extLst>
+              <a:ext uri="{FF2B5EF4-FFF2-40B4-BE49-F238E27FC236}">
+                <a16:creationId xmlns:a16="http://schemas.microsoft.com/office/drawing/2014/main" id="{64BA0508-1641-E1A5-6DC0-2321E776B39B}"/>
+              </a:ext>
+            </a:extLst>
+          </p:cNvPr>
+          <p:cNvPicPr>
+            <a:picLocks noChangeAspect="1"/>
+          </p:cNvPicPr>
+          <p:nvPr/>
+        </p:nvPicPr>
+        <p:blipFill>
+          <a:blip r:embed="rId4"/>
+          <a:stretch>
+            <a:fillRect/>
+          </a:stretch>
+        </p:blipFill>
+        <p:spPr>
+          <a:xfrm>
+            <a:off x="3300664" y="3980275"/>
+            <a:ext cx="2211804" cy="692161"/>
+          </a:xfrm>
+          <a:prstGeom prst="rect">
+            <a:avLst/>
+          </a:prstGeom>
+        </p:spPr>
+      </p:pic>
+      <p:pic>
+        <p:nvPicPr>
+          <p:cNvPr id="6" name="Picture 5" descr="Файл:VeraCrypt Logo.svg — Википедия">
+            <a:extLst>
+              <a:ext uri="{FF2B5EF4-FFF2-40B4-BE49-F238E27FC236}">
+                <a16:creationId xmlns:a16="http://schemas.microsoft.com/office/drawing/2014/main" id="{6B9AF97A-B735-FEA6-3C6C-41B5CF766C62}"/>
+              </a:ext>
+            </a:extLst>
+          </p:cNvPr>
+          <p:cNvPicPr>
+            <a:picLocks noChangeAspect="1"/>
+          </p:cNvPicPr>
+          <p:nvPr/>
+        </p:nvPicPr>
+        <p:blipFill>
+          <a:blip r:embed="rId5"/>
+          <a:stretch>
+            <a:fillRect/>
+          </a:stretch>
+        </p:blipFill>
+        <p:spPr>
+          <a:xfrm>
+            <a:off x="5837321" y="3867690"/>
+            <a:ext cx="1128963" cy="927357"/>
+          </a:xfrm>
+          <a:prstGeom prst="rect">
+            <a:avLst/>
+          </a:prstGeom>
+        </p:spPr>
+      </p:pic>
+      <p:pic>
+        <p:nvPicPr>
+          <p:cNvPr id="7" name="Graphic 6" descr="Tails - Logo">
+            <a:extLst>
+              <a:ext uri="{FF2B5EF4-FFF2-40B4-BE49-F238E27FC236}">
+                <a16:creationId xmlns:a16="http://schemas.microsoft.com/office/drawing/2014/main" id="{CDB9C816-BC69-4BFA-9A92-C3D0E40AFE66}"/>
+              </a:ext>
+            </a:extLst>
+          </p:cNvPr>
+          <p:cNvPicPr>
+            <a:picLocks noChangeAspect="1"/>
+          </p:cNvPicPr>
+          <p:nvPr/>
+        </p:nvPicPr>
+        <p:blipFill>
+          <a:blip r:embed="rId6">
+            <a:extLst>
+              <a:ext uri="{96DAC541-7B7A-43D3-8B79-37D633B846F1}">
+                <asvg:svgBlip xmlns:asvg="http://schemas.microsoft.com/office/drawing/2016/SVG/main" r:embed="rId7"/>
+              </a:ext>
+            </a:extLst>
+          </a:blip>
+          <a:stretch>
+            <a:fillRect/>
+          </a:stretch>
+        </p:blipFill>
+        <p:spPr>
+          <a:xfrm>
+            <a:off x="7502190" y="3772401"/>
+            <a:ext cx="1097883" cy="1097883"/>
+          </a:xfrm>
+          <a:prstGeom prst="rect">
+            <a:avLst/>
+          </a:prstGeom>
+        </p:spPr>
+      </p:pic>
+      <p:pic>
+        <p:nvPicPr>
+          <p:cNvPr id="8" name="Picture 7" descr="Файл:LastPass logo.svg — Википедия">
+            <a:extLst>
+              <a:ext uri="{FF2B5EF4-FFF2-40B4-BE49-F238E27FC236}">
+                <a16:creationId xmlns:a16="http://schemas.microsoft.com/office/drawing/2014/main" id="{F601DF55-CEE4-F89C-3490-15E61A24D561}"/>
+              </a:ext>
+            </a:extLst>
+          </p:cNvPr>
+          <p:cNvPicPr>
+            <a:picLocks noChangeAspect="1"/>
+          </p:cNvPicPr>
+          <p:nvPr/>
+        </p:nvPicPr>
+        <p:blipFill>
+          <a:blip r:embed="rId8"/>
+          <a:stretch>
+            <a:fillRect/>
+          </a:stretch>
+        </p:blipFill>
+        <p:spPr>
+          <a:xfrm>
+            <a:off x="9065797" y="4121496"/>
+            <a:ext cx="2743194" cy="399692"/>
+          </a:xfrm>
+          <a:prstGeom prst="rect">
+            <a:avLst/>
+          </a:prstGeom>
+        </p:spPr>
+      </p:pic>
     </p:spTree>
     <p:extLst>
       <p:ext uri="{BB962C8B-B14F-4D97-AF65-F5344CB8AC3E}">
-        <p14:creationId xmlns:p14="http://schemas.microsoft.com/office/powerpoint/2010/main" val="1711623816"/>
+        <p14:creationId xmlns:p14="http://schemas.microsoft.com/office/powerpoint/2010/main" val="4267072123"/>
       </p:ext>
     </p:extLst>
   </p:cSld>
@@ -3896,8 +4772,8 @@
         </p:nvSpPr>
         <p:spPr>
           <a:xfrm>
-            <a:off x="5222116" y="114300"/>
-            <a:ext cx="6629642" cy="1115216"/>
+            <a:off x="5422141" y="200025"/>
+            <a:ext cx="5903084" cy="1115216"/>
           </a:xfrm>
         </p:spPr>
         <p:txBody>
@@ -3912,16 +4788,11 @@
                 <a:solidFill>
                   <a:schemeClr val="bg1"/>
                 </a:solidFill>
-                <a:latin typeface="Times New Roman"/>
-                <a:cs typeface="Times New Roman"/>
-              </a:rPr>
-              <a:t>Выбор средства автоматизации</a:t>
-            </a:r>
-            <a:endParaRPr lang="ru-RU" sz="4000" dirty="0">
-              <a:solidFill>
-                <a:schemeClr val="bg1"/>
-              </a:solidFill>
-            </a:endParaRPr>
+                <a:latin typeface="Calibri"/>
+                <a:cs typeface="Times New Roman"/>
+              </a:rPr>
+              <a:t>Постановка задачи</a:t>
+            </a:r>
           </a:p>
         </p:txBody>
       </p:sp>
@@ -3933,8 +4804,8 @@
         </p:nvSpPr>
         <p:spPr>
           <a:xfrm>
-            <a:off x="523456" y="1831676"/>
-            <a:ext cx="11361752" cy="4401205"/>
+            <a:off x="472438" y="1524870"/>
+            <a:ext cx="11237705" cy="4085542"/>
           </a:xfrm>
           <a:prstGeom prst="rect">
             <a:avLst/>
@@ -3949,599 +4820,108 @@
           <a:p>
             <a:pPr algn="just"/>
             <a:r>
-              <a:rPr lang="ru-RU" sz="1400" dirty="0">
-                <a:latin typeface="Times New Roman"/>
-                <a:cs typeface="Times New Roman"/>
-              </a:rPr>
-              <a:t>Данный проект необходимо реализовать в среде программирования </a:t>
-            </a:r>
-            <a:r>
-              <a:rPr lang="en-US" sz="1400" dirty="0">
-                <a:latin typeface="Times New Roman"/>
-                <a:cs typeface="Times New Roman"/>
-              </a:rPr>
-              <a:t>Visual</a:t>
-            </a:r>
-            <a:r>
-              <a:rPr lang="ru-RU" sz="1400" dirty="0">
-                <a:latin typeface="Times New Roman"/>
-                <a:cs typeface="Times New Roman"/>
-              </a:rPr>
-              <a:t> </a:t>
-            </a:r>
-            <a:r>
-              <a:rPr lang="en-US" sz="1400" dirty="0">
-                <a:latin typeface="Times New Roman"/>
-                <a:cs typeface="Times New Roman"/>
-              </a:rPr>
-              <a:t>Studio</a:t>
-            </a:r>
-            <a:r>
-              <a:rPr lang="ru-RU" sz="1400" dirty="0">
-                <a:latin typeface="Times New Roman"/>
-                <a:cs typeface="Times New Roman"/>
-              </a:rPr>
-              <a:t> </a:t>
-            </a:r>
-            <a:r>
-              <a:rPr lang="en-US" sz="1400" dirty="0">
-                <a:latin typeface="Times New Roman"/>
-                <a:cs typeface="Times New Roman"/>
-              </a:rPr>
-              <a:t>Code</a:t>
-            </a:r>
-            <a:r>
-              <a:rPr lang="ru-RU" sz="1400" dirty="0">
-                <a:latin typeface="Times New Roman"/>
-                <a:cs typeface="Times New Roman"/>
-              </a:rPr>
-              <a:t> с помощью языка </a:t>
-            </a:r>
-            <a:r>
-              <a:rPr lang="en-US" sz="1400" dirty="0">
-                <a:latin typeface="Times New Roman"/>
-                <a:cs typeface="Times New Roman"/>
-              </a:rPr>
-              <a:t>JavaScript</a:t>
-            </a:r>
-            <a:r>
-              <a:rPr lang="ru-RU" sz="1400" dirty="0">
-                <a:latin typeface="Times New Roman"/>
-                <a:cs typeface="Times New Roman"/>
-              </a:rPr>
-              <a:t>.</a:t>
-            </a:r>
+              <a:rPr lang="ru-RU" sz="2000" dirty="0">
+                <a:solidFill>
+                  <a:srgbClr val="333333"/>
+                </a:solidFill>
+                <a:latin typeface="Calibri"/>
+                <a:cs typeface="Times New Roman"/>
+              </a:rPr>
+              <a:t>Для реализации криптографического приложения потребуется:</a:t>
+            </a:r>
+            <a:endParaRPr lang="ru-RU" sz="2000">
+              <a:solidFill>
+                <a:srgbClr val="333333"/>
+              </a:solidFill>
+              <a:latin typeface="Calibri"/>
+              <a:cs typeface="Times New Roman"/>
+            </a:endParaRPr>
           </a:p>
           <a:p>
             <a:pPr algn="just"/>
             <a:r>
-              <a:rPr lang="en-US" sz="1400" dirty="0">
-                <a:latin typeface="Times New Roman"/>
-                <a:cs typeface="Times New Roman"/>
-              </a:rPr>
-              <a:t>Visual</a:t>
-            </a:r>
-            <a:r>
-              <a:rPr lang="ru-RU" sz="1400" dirty="0">
-                <a:latin typeface="Times New Roman"/>
-                <a:cs typeface="Times New Roman"/>
-              </a:rPr>
-              <a:t> </a:t>
-            </a:r>
-            <a:r>
-              <a:rPr lang="en-US" sz="1400" dirty="0">
-                <a:latin typeface="Times New Roman"/>
-                <a:cs typeface="Times New Roman"/>
-              </a:rPr>
-              <a:t>Studio</a:t>
-            </a:r>
-            <a:r>
-              <a:rPr lang="ru-RU" sz="1400" dirty="0">
-                <a:latin typeface="Times New Roman"/>
-                <a:cs typeface="Times New Roman"/>
-              </a:rPr>
-              <a:t> </a:t>
-            </a:r>
-            <a:r>
-              <a:rPr lang="en-US" sz="1400" dirty="0">
-                <a:latin typeface="Times New Roman"/>
-                <a:cs typeface="Times New Roman"/>
-              </a:rPr>
-              <a:t>Code</a:t>
-            </a:r>
-            <a:r>
-              <a:rPr lang="ru-RU" sz="1400" dirty="0">
-                <a:latin typeface="Times New Roman"/>
-                <a:cs typeface="Times New Roman"/>
-              </a:rPr>
-              <a:t> (</a:t>
-            </a:r>
-            <a:r>
-              <a:rPr lang="en-US" sz="1400" dirty="0">
-                <a:latin typeface="Times New Roman"/>
-                <a:cs typeface="Times New Roman"/>
-              </a:rPr>
-              <a:t>VS</a:t>
-            </a:r>
-            <a:r>
-              <a:rPr lang="ru-RU" sz="1400" dirty="0">
-                <a:latin typeface="Times New Roman"/>
-                <a:cs typeface="Times New Roman"/>
-              </a:rPr>
-              <a:t> </a:t>
-            </a:r>
-            <a:r>
-              <a:rPr lang="en-US" sz="1400" dirty="0">
-                <a:latin typeface="Times New Roman"/>
-                <a:cs typeface="Times New Roman"/>
-              </a:rPr>
-              <a:t>Code</a:t>
-            </a:r>
-            <a:r>
-              <a:rPr lang="ru-RU" sz="1400" dirty="0">
-                <a:latin typeface="Times New Roman"/>
-                <a:cs typeface="Times New Roman"/>
-              </a:rPr>
-              <a:t>) — текстовый редактор, разработанный </a:t>
-            </a:r>
-            <a:r>
-              <a:rPr lang="en-US" sz="1400" dirty="0">
-                <a:latin typeface="Times New Roman"/>
-                <a:cs typeface="Times New Roman"/>
-              </a:rPr>
-              <a:t>Microsoft</a:t>
-            </a:r>
-            <a:r>
-              <a:rPr lang="ru-RU" sz="1400" dirty="0">
-                <a:latin typeface="Times New Roman"/>
-                <a:cs typeface="Times New Roman"/>
-              </a:rPr>
-              <a:t> для </a:t>
-            </a:r>
-            <a:r>
-              <a:rPr lang="en-US" sz="1400" dirty="0">
-                <a:latin typeface="Times New Roman"/>
-                <a:cs typeface="Times New Roman"/>
-              </a:rPr>
-              <a:t>Windows</a:t>
-            </a:r>
-            <a:r>
-              <a:rPr lang="ru-RU" sz="1400" dirty="0">
-                <a:latin typeface="Times New Roman"/>
-                <a:cs typeface="Times New Roman"/>
-              </a:rPr>
-              <a:t>, </a:t>
-            </a:r>
-            <a:r>
-              <a:rPr lang="en-US" sz="1400" dirty="0">
-                <a:latin typeface="Times New Roman"/>
-                <a:cs typeface="Times New Roman"/>
-              </a:rPr>
-              <a:t>Linux</a:t>
-            </a:r>
-            <a:r>
-              <a:rPr lang="ru-RU" sz="1400" dirty="0">
-                <a:latin typeface="Times New Roman"/>
-                <a:cs typeface="Times New Roman"/>
-              </a:rPr>
-              <a:t> и </a:t>
-            </a:r>
-            <a:r>
-              <a:rPr lang="en-US" sz="1400" dirty="0">
-                <a:latin typeface="Times New Roman"/>
-                <a:cs typeface="Times New Roman"/>
-              </a:rPr>
-              <a:t>macOS</a:t>
-            </a:r>
-            <a:r>
-              <a:rPr lang="ru-RU" sz="1400" dirty="0">
-                <a:latin typeface="Times New Roman"/>
-                <a:cs typeface="Times New Roman"/>
-              </a:rPr>
-              <a:t>. Позиционируется как «лёгкий» редактор кода для кроссплатформенной разработки веб- и облачных приложений.</a:t>
-            </a:r>
+              <a:rPr lang="ru-RU" sz="2000" dirty="0">
+                <a:latin typeface="Calibri"/>
+                <a:cs typeface="Times New Roman"/>
+              </a:rPr>
+              <a:t>1. Выбрать подходящие криптографические алгоритмы, такие как AES, RSA или SHA-256, и реализовать их в приложении.</a:t>
+            </a:r>
+            <a:endParaRPr lang="ru-RU" sz="2000">
+              <a:latin typeface="Calibri"/>
+              <a:cs typeface="Times New Roman"/>
+            </a:endParaRPr>
           </a:p>
           <a:p>
             <a:pPr algn="just"/>
             <a:r>
-              <a:rPr lang="ru-RU" sz="1400" dirty="0">
-                <a:latin typeface="Times New Roman"/>
-                <a:cs typeface="Times New Roman"/>
-              </a:rPr>
-              <a:t>Преимущества </a:t>
-            </a:r>
-            <a:r>
-              <a:rPr lang="en-US" sz="1400" dirty="0">
-                <a:latin typeface="Times New Roman"/>
-                <a:cs typeface="Times New Roman"/>
-              </a:rPr>
-              <a:t>Visual Studio Code:</a:t>
-            </a:r>
+              <a:rPr lang="ru-RU" sz="2000" dirty="0">
+                <a:latin typeface="Calibri"/>
+                <a:cs typeface="Times New Roman"/>
+              </a:rPr>
+              <a:t>2. Создание пользовательского интерфейса для приложения.</a:t>
+            </a:r>
+            <a:endParaRPr lang="ru-RU" sz="2000">
+              <a:latin typeface="Calibri"/>
+              <a:cs typeface="Times New Roman"/>
+            </a:endParaRPr>
+          </a:p>
+          <a:p>
+            <a:pPr algn="just"/>
+            <a:r>
+              <a:rPr lang="ru-RU" sz="2000" dirty="0">
+                <a:latin typeface="Calibri"/>
+                <a:cs typeface="Times New Roman"/>
+              </a:rPr>
+              <a:t>3. Приложение должно предоставлять возможность генерации, сохранения и загрузки ключей для использования в шифровании и дешифровании данных.</a:t>
+            </a:r>
+            <a:endParaRPr lang="ru-RU" sz="2000">
+              <a:cs typeface="Calibri"/>
+            </a:endParaRPr>
+          </a:p>
+          <a:p>
+            <a:pPr algn="just"/>
+            <a:r>
+              <a:rPr lang="ru-RU" sz="2000" dirty="0">
+                <a:latin typeface="Calibri"/>
+                <a:cs typeface="Times New Roman"/>
+              </a:rPr>
+              <a:t>4. Необходимо обеспечить безопасность данных, хранящихся на устройстве пользователя или передаваемых через сеть, путем реализации дополнительных мер безопасности, таких как защита паролем или шифрование хранилища данных.</a:t>
+            </a:r>
+            <a:endParaRPr lang="ru-RU" sz="2000">
+              <a:latin typeface="Calibri"/>
+              <a:cs typeface="Times New Roman"/>
+            </a:endParaRPr>
+          </a:p>
+          <a:p>
+            <a:pPr algn="just"/>
+            <a:r>
+              <a:rPr lang="ru-RU" sz="2000" dirty="0">
+                <a:latin typeface="Calibri"/>
+                <a:cs typeface="Times New Roman"/>
+              </a:rPr>
+              <a:t>5. Не менее важной задачей является тестирование приложения для обнаружения и устранения возможных уязвимостей или ошибок в его работе.</a:t>
+            </a:r>
+          </a:p>
+          <a:p>
+            <a:pPr algn="just">
+              <a:lnSpc>
+                <a:spcPct val="150000"/>
+              </a:lnSpc>
+            </a:pPr>
             <a:endParaRPr lang="ru-RU" sz="1400" dirty="0">
               <a:latin typeface="Times New Roman"/>
               <a:cs typeface="Times New Roman"/>
             </a:endParaRPr>
           </a:p>
           <a:p>
-            <a:pPr marL="285750" indent="-285750" algn="just">
-              <a:buFont typeface="Arial"/>
-              <a:buChar char="•"/>
+            <a:pPr algn="just">
+              <a:lnSpc>
+                <a:spcPct val="150000"/>
+              </a:lnSpc>
             </a:pPr>
-            <a:r>
-              <a:rPr lang="ru-RU" sz="1400" dirty="0">
-                <a:latin typeface="Times New Roman"/>
-                <a:cs typeface="Times New Roman"/>
-              </a:rPr>
-              <a:t>Открытый и бесплатный исходный код: </a:t>
-            </a:r>
-            <a:r>
-              <a:rPr lang="en-US" sz="1400" dirty="0">
-                <a:latin typeface="Times New Roman"/>
-                <a:cs typeface="Times New Roman"/>
-              </a:rPr>
-              <a:t>VS</a:t>
-            </a:r>
-            <a:r>
-              <a:rPr lang="ru-RU" sz="1400" dirty="0">
-                <a:latin typeface="Times New Roman"/>
-                <a:cs typeface="Times New Roman"/>
-              </a:rPr>
-              <a:t> </a:t>
-            </a:r>
-            <a:r>
-              <a:rPr lang="en-US" sz="1400" dirty="0">
-                <a:latin typeface="Times New Roman"/>
-                <a:cs typeface="Times New Roman"/>
-              </a:rPr>
-              <a:t>Code</a:t>
-            </a:r>
-            <a:r>
-              <a:rPr lang="ru-RU" sz="1400" dirty="0">
-                <a:latin typeface="Times New Roman"/>
-                <a:cs typeface="Times New Roman"/>
-              </a:rPr>
-              <a:t> разработан и поддерживается </a:t>
-            </a:r>
-            <a:r>
-              <a:rPr lang="en-US" sz="1400" dirty="0">
-                <a:latin typeface="Times New Roman"/>
-                <a:cs typeface="Times New Roman"/>
-              </a:rPr>
-              <a:t>Microsoft</a:t>
-            </a:r>
-            <a:r>
-              <a:rPr lang="ru-RU" sz="1400" dirty="0">
-                <a:latin typeface="Times New Roman"/>
-                <a:cs typeface="Times New Roman"/>
-              </a:rPr>
-              <a:t> как бесплатный и открытый исходный код с поддержкой </a:t>
-            </a:r>
-            <a:r>
-              <a:rPr lang="en-US" sz="1400" dirty="0">
-                <a:latin typeface="Times New Roman"/>
-                <a:cs typeface="Times New Roman"/>
-              </a:rPr>
-              <a:t>GitHub</a:t>
-            </a:r>
-            <a:r>
-              <a:rPr lang="ru-RU" sz="1400" dirty="0">
-                <a:latin typeface="Times New Roman"/>
-                <a:cs typeface="Times New Roman"/>
-              </a:rPr>
-              <a:t>. Это означает, что он доступен для всех, а его исходный код может быть изменен и улучшен со всеми по мере необходимости.</a:t>
-            </a:r>
-          </a:p>
-          <a:p>
-            <a:pPr marL="285750" indent="-285750" algn="just">
-              <a:buFont typeface="Arial"/>
-              <a:buChar char="•"/>
-            </a:pPr>
-            <a:r>
-              <a:rPr lang="ru-RU" sz="1400" dirty="0">
-                <a:latin typeface="Times New Roman"/>
-                <a:cs typeface="Times New Roman"/>
-              </a:rPr>
-              <a:t>Настраиваемый интерфейс: </a:t>
-            </a:r>
-            <a:r>
-              <a:rPr lang="en-US" sz="1400" dirty="0">
-                <a:latin typeface="Times New Roman"/>
-                <a:cs typeface="Times New Roman"/>
-              </a:rPr>
-              <a:t>VS</a:t>
-            </a:r>
-            <a:r>
-              <a:rPr lang="ru-RU" sz="1400" dirty="0">
-                <a:latin typeface="Times New Roman"/>
-                <a:cs typeface="Times New Roman"/>
-              </a:rPr>
-              <a:t> </a:t>
-            </a:r>
-            <a:r>
-              <a:rPr lang="en-US" sz="1400" dirty="0">
-                <a:latin typeface="Times New Roman"/>
-                <a:cs typeface="Times New Roman"/>
-              </a:rPr>
-              <a:t>Code</a:t>
-            </a:r>
-            <a:r>
-              <a:rPr lang="ru-RU" sz="1400" dirty="0">
-                <a:latin typeface="Times New Roman"/>
-                <a:cs typeface="Times New Roman"/>
-              </a:rPr>
-              <a:t> имеет настраиваемый интерфейс, который позволяет пользователям настраивать его в соответствии с его индивидуальными потребностями. С помощью него можно сделать очень удобный и интуитивно понятный интерфейс программирования.</a:t>
-            </a:r>
-          </a:p>
-          <a:p>
-            <a:pPr marL="285750" indent="-285750" algn="just">
-              <a:buFont typeface="Arial"/>
-              <a:buChar char="•"/>
-            </a:pPr>
-            <a:r>
-              <a:rPr lang="ru-RU" sz="1400" dirty="0">
-                <a:latin typeface="Times New Roman"/>
-                <a:cs typeface="Times New Roman"/>
-              </a:rPr>
-              <a:t>Поддержка многих языков программирования: </a:t>
-            </a:r>
-            <a:r>
-              <a:rPr lang="en-US" sz="1400" dirty="0">
-                <a:latin typeface="Times New Roman"/>
-                <a:cs typeface="Times New Roman"/>
-              </a:rPr>
-              <a:t>VS</a:t>
-            </a:r>
-            <a:r>
-              <a:rPr lang="ru-RU" sz="1400" dirty="0">
-                <a:latin typeface="Times New Roman"/>
-                <a:cs typeface="Times New Roman"/>
-              </a:rPr>
-              <a:t> </a:t>
-            </a:r>
-            <a:r>
-              <a:rPr lang="en-US" sz="1400" dirty="0">
-                <a:latin typeface="Times New Roman"/>
-                <a:cs typeface="Times New Roman"/>
-              </a:rPr>
-              <a:t>Code</a:t>
-            </a:r>
-            <a:r>
-              <a:rPr lang="ru-RU" sz="1400" dirty="0">
-                <a:latin typeface="Times New Roman"/>
-                <a:cs typeface="Times New Roman"/>
-              </a:rPr>
-              <a:t> поддерживает множество языков программирования, что делает его очень полезным для различных программистов, включая </a:t>
-            </a:r>
-            <a:r>
-              <a:rPr lang="en-US" sz="1400" dirty="0">
-                <a:latin typeface="Times New Roman"/>
-                <a:cs typeface="Times New Roman"/>
-              </a:rPr>
-              <a:t>PHP</a:t>
-            </a:r>
-            <a:r>
-              <a:rPr lang="ru-RU" sz="1400" dirty="0">
-                <a:latin typeface="Times New Roman"/>
-                <a:cs typeface="Times New Roman"/>
-              </a:rPr>
-              <a:t>, </a:t>
-            </a:r>
-            <a:r>
-              <a:rPr lang="en-US" sz="1400" dirty="0">
-                <a:latin typeface="Times New Roman"/>
-                <a:cs typeface="Times New Roman"/>
-              </a:rPr>
-              <a:t>C</a:t>
-            </a:r>
-            <a:r>
-              <a:rPr lang="ru-RU" sz="1400" dirty="0">
-                <a:latin typeface="Times New Roman"/>
-                <a:cs typeface="Times New Roman"/>
-              </a:rPr>
-              <a:t>++, </a:t>
-            </a:r>
-            <a:r>
-              <a:rPr lang="en-US" sz="1400" dirty="0">
-                <a:latin typeface="Times New Roman"/>
-                <a:cs typeface="Times New Roman"/>
-              </a:rPr>
-              <a:t>Java</a:t>
-            </a:r>
-            <a:r>
-              <a:rPr lang="ru-RU" sz="1400" dirty="0">
-                <a:latin typeface="Times New Roman"/>
-                <a:cs typeface="Times New Roman"/>
-              </a:rPr>
-              <a:t>, </a:t>
-            </a:r>
-            <a:r>
-              <a:rPr lang="en-US" sz="1400" dirty="0">
-                <a:latin typeface="Times New Roman"/>
-                <a:cs typeface="Times New Roman"/>
-              </a:rPr>
-              <a:t>Python</a:t>
-            </a:r>
-            <a:r>
-              <a:rPr lang="ru-RU" sz="1400" dirty="0">
-                <a:latin typeface="Times New Roman"/>
-                <a:cs typeface="Times New Roman"/>
-              </a:rPr>
-              <a:t>, </a:t>
-            </a:r>
-            <a:r>
-              <a:rPr lang="en-US" sz="1400" dirty="0">
-                <a:latin typeface="Times New Roman"/>
-                <a:cs typeface="Times New Roman"/>
-              </a:rPr>
-              <a:t>Ruby</a:t>
-            </a:r>
-            <a:r>
-              <a:rPr lang="ru-RU" sz="1400" dirty="0">
-                <a:latin typeface="Times New Roman"/>
-                <a:cs typeface="Times New Roman"/>
-              </a:rPr>
-              <a:t>, </a:t>
-            </a:r>
-            <a:r>
-              <a:rPr lang="en-US" sz="1400" dirty="0">
-                <a:latin typeface="Times New Roman"/>
-                <a:cs typeface="Times New Roman"/>
-              </a:rPr>
-              <a:t>SQL</a:t>
-            </a:r>
-            <a:r>
-              <a:rPr lang="ru-RU" sz="1400" dirty="0">
-                <a:latin typeface="Times New Roman"/>
-                <a:cs typeface="Times New Roman"/>
-              </a:rPr>
-              <a:t> и многие другие.</a:t>
-            </a:r>
-          </a:p>
-          <a:p>
-            <a:pPr marL="285750" indent="-285750" algn="just">
-              <a:buFont typeface="Arial"/>
-              <a:buChar char="•"/>
-            </a:pPr>
-            <a:r>
-              <a:rPr lang="ru-RU" sz="1400" dirty="0">
-                <a:latin typeface="Times New Roman"/>
-                <a:cs typeface="Times New Roman"/>
-              </a:rPr>
-              <a:t>Отличные инструменты для отладки: </a:t>
-            </a:r>
-            <a:r>
-              <a:rPr lang="en-US" sz="1400" dirty="0">
-                <a:latin typeface="Times New Roman"/>
-                <a:cs typeface="Times New Roman"/>
-              </a:rPr>
-              <a:t>VS</a:t>
-            </a:r>
-            <a:r>
-              <a:rPr lang="ru-RU" sz="1400" dirty="0">
-                <a:latin typeface="Times New Roman"/>
-                <a:cs typeface="Times New Roman"/>
-              </a:rPr>
-              <a:t> </a:t>
-            </a:r>
-            <a:r>
-              <a:rPr lang="en-US" sz="1400" dirty="0">
-                <a:latin typeface="Times New Roman"/>
-                <a:cs typeface="Times New Roman"/>
-              </a:rPr>
-              <a:t>Code</a:t>
-            </a:r>
-            <a:r>
-              <a:rPr lang="ru-RU" sz="1400" dirty="0">
-                <a:latin typeface="Times New Roman"/>
-                <a:cs typeface="Times New Roman"/>
-              </a:rPr>
-              <a:t> предоставляет широкий выбор отладочных инструментов, которые делают процесс отладки кода проще и быстрее.</a:t>
-            </a:r>
-          </a:p>
-          <a:p>
-            <a:pPr marL="285750" indent="-285750" algn="just">
-              <a:buFont typeface="Arial"/>
-              <a:buChar char="•"/>
-            </a:pPr>
-            <a:r>
-              <a:rPr lang="ru-RU" sz="1400" dirty="0">
-                <a:latin typeface="Times New Roman"/>
-                <a:cs typeface="Times New Roman"/>
-              </a:rPr>
-              <a:t>Терминал внутри программы: Программа имеет командную строку, что позволяет вам работать с файловой системой и выполнить любые команды прямо внутри программы.</a:t>
-            </a:r>
-            <a:endParaRPr lang="ru-RU" sz="1400" dirty="0">
-              <a:latin typeface="Times New Roman" panose="02020603050405020304" pitchFamily="18" charset="0"/>
-              <a:cs typeface="Times New Roman" panose="02020603050405020304" pitchFamily="18" charset="0"/>
-            </a:endParaRPr>
-          </a:p>
-          <a:p>
-            <a:pPr marL="285750" indent="-285750" algn="just">
-              <a:buFont typeface="Arial"/>
-              <a:buChar char="•"/>
-            </a:pPr>
-            <a:r>
-              <a:rPr lang="ru-RU" sz="1400" dirty="0">
-                <a:latin typeface="Times New Roman"/>
-                <a:cs typeface="Times New Roman"/>
-              </a:rPr>
-              <a:t>Расширяемость: </a:t>
-            </a:r>
-            <a:r>
-              <a:rPr lang="en-US" sz="1400" dirty="0">
-                <a:latin typeface="Times New Roman"/>
-                <a:cs typeface="Times New Roman"/>
-              </a:rPr>
-              <a:t>VS</a:t>
-            </a:r>
-            <a:r>
-              <a:rPr lang="ru-RU" sz="1400" dirty="0">
-                <a:latin typeface="Times New Roman"/>
-                <a:cs typeface="Times New Roman"/>
-              </a:rPr>
-              <a:t> </a:t>
-            </a:r>
-            <a:r>
-              <a:rPr lang="en-US" sz="1400" dirty="0">
-                <a:latin typeface="Times New Roman"/>
-                <a:cs typeface="Times New Roman"/>
-              </a:rPr>
-              <a:t>Code</a:t>
-            </a:r>
-            <a:r>
-              <a:rPr lang="ru-RU" sz="1400" dirty="0">
-                <a:latin typeface="Times New Roman"/>
-                <a:cs typeface="Times New Roman"/>
-              </a:rPr>
-              <a:t> расширяем и может быть дополнен различными плагинами, которые добавляют больше функциональности в процесс программирования.</a:t>
-            </a:r>
-          </a:p>
-          <a:p>
-            <a:pPr marL="285750" indent="-285750" algn="just">
-              <a:buFont typeface="Arial"/>
-              <a:buChar char="•"/>
-            </a:pPr>
-            <a:r>
-              <a:rPr lang="ru-RU" sz="1400" dirty="0">
-                <a:latin typeface="Times New Roman"/>
-                <a:cs typeface="Times New Roman"/>
-              </a:rPr>
-              <a:t>Хорошее сообщество поддержки: Существует большое сообщество пользователей, которые активно развивают и поддерживают </a:t>
-            </a:r>
-            <a:r>
-              <a:rPr lang="en-US" sz="1400" dirty="0">
-                <a:latin typeface="Times New Roman"/>
-                <a:cs typeface="Times New Roman"/>
-              </a:rPr>
-              <a:t>VS</a:t>
-            </a:r>
-            <a:r>
-              <a:rPr lang="ru-RU" sz="1400" dirty="0">
-                <a:latin typeface="Times New Roman"/>
-                <a:cs typeface="Times New Roman"/>
-              </a:rPr>
-              <a:t> </a:t>
-            </a:r>
-            <a:r>
-              <a:rPr lang="en-US" sz="1400" dirty="0">
-                <a:latin typeface="Times New Roman"/>
-                <a:cs typeface="Times New Roman"/>
-              </a:rPr>
-              <a:t>Code</a:t>
-            </a:r>
-            <a:r>
-              <a:rPr lang="ru-RU" sz="1400" dirty="0">
-                <a:latin typeface="Times New Roman"/>
-                <a:cs typeface="Times New Roman"/>
-              </a:rPr>
-              <a:t>. Это означает, что вы можете получить помощь, если у вас возникнут проблемы, или задать вопрос, если есть необходимость.</a:t>
-            </a:r>
-          </a:p>
-          <a:p>
-            <a:pPr algn="just"/>
-            <a:endParaRPr lang="ru-RU" sz="1400" dirty="0">
-              <a:latin typeface="Times New Roman" panose="02020603050405020304" pitchFamily="18" charset="0"/>
-              <a:cs typeface="Times New Roman" panose="02020603050405020304" pitchFamily="18" charset="0"/>
+            <a:endParaRPr lang="en-US" sz="1400" dirty="0">
+              <a:latin typeface="Times New Roman"/>
+              <a:cs typeface="Times New Roman"/>
             </a:endParaRPr>
           </a:p>
         </p:txBody>
@@ -4549,7 +4929,7 @@
     </p:spTree>
     <p:extLst>
       <p:ext uri="{BB962C8B-B14F-4D97-AF65-F5344CB8AC3E}">
-        <p14:creationId xmlns:p14="http://schemas.microsoft.com/office/powerpoint/2010/main" val="1954929922"/>
+        <p14:creationId xmlns:p14="http://schemas.microsoft.com/office/powerpoint/2010/main" val="3667902748"/>
       </p:ext>
     </p:extLst>
   </p:cSld>
@@ -4603,7 +4983,7 @@
         <p:spPr>
           <a:xfrm>
             <a:off x="5222116" y="114300"/>
-            <a:ext cx="5903084" cy="1115216"/>
+            <a:ext cx="6629642" cy="1115216"/>
           </a:xfrm>
         </p:spPr>
         <p:txBody>
@@ -4618,17 +4998,16 @@
                 <a:solidFill>
                   <a:schemeClr val="bg1"/>
                 </a:solidFill>
-                <a:latin typeface="Times New Roman"/>
-                <a:cs typeface="Times New Roman"/>
-              </a:rPr>
-              <a:t>Требования к программе</a:t>
-            </a:r>
-            <a:endParaRPr lang="ru-RU" sz="4000" b="1" dirty="0">
+                <a:latin typeface="Calibri"/>
+                <a:cs typeface="Times New Roman"/>
+              </a:rPr>
+              <a:t>Выбор средства автоматизации</a:t>
+            </a:r>
+            <a:endParaRPr lang="ru-RU" sz="4000" dirty="0">
               <a:solidFill>
                 <a:schemeClr val="bg1"/>
               </a:solidFill>
-              <a:latin typeface="Times New Roman" panose="02020603050405020304" pitchFamily="18" charset="0"/>
-              <a:cs typeface="Times New Roman" panose="02020603050405020304" pitchFamily="18" charset="0"/>
+              <a:latin typeface="Calibri"/>
             </a:endParaRPr>
           </a:p>
         </p:txBody>
@@ -4641,8 +5020,8 @@
         </p:nvSpPr>
         <p:spPr>
           <a:xfrm>
-            <a:off x="301944" y="1610164"/>
-            <a:ext cx="11583263" cy="2915991"/>
+            <a:off x="523456" y="1831676"/>
+            <a:ext cx="11361752" cy="1846659"/>
           </a:xfrm>
           <a:prstGeom prst="rect">
             <a:avLst/>
@@ -4657,263 +5036,200 @@
           <a:p>
             <a:pPr algn="just"/>
             <a:r>
-              <a:rPr lang="ru-RU" dirty="0">
-                <a:latin typeface="Times New Roman"/>
-                <a:cs typeface="Times New Roman"/>
-              </a:rPr>
-              <a:t>Моя программа должна выполнять такие функции как:</a:t>
-            </a:r>
-          </a:p>
-          <a:p>
-            <a:pPr marL="285750" indent="-285750" algn="just">
-              <a:buFont typeface="Arial"/>
-              <a:buChar char="•"/>
-            </a:pPr>
-            <a:r>
-              <a:rPr lang="en-US" err="1">
-                <a:latin typeface="Times New Roman"/>
-                <a:cs typeface="Times New Roman"/>
-              </a:rPr>
-              <a:t>Иметь</a:t>
-            </a:r>
-            <a:r>
-              <a:rPr lang="en-US" dirty="0">
-                <a:latin typeface="Times New Roman"/>
+              <a:rPr lang="ru-RU" sz="2000" dirty="0">
+                <a:latin typeface="Calibri"/>
+                <a:cs typeface="Times New Roman"/>
+              </a:rPr>
+              <a:t>Данный проект необходимо реализовать в среде программирования </a:t>
+            </a:r>
+            <a:r>
+              <a:rPr lang="en-US" sz="2000" dirty="0">
+                <a:latin typeface="Calibri"/>
+                <a:cs typeface="Times New Roman"/>
+              </a:rPr>
+              <a:t>Visual</a:t>
+            </a:r>
+            <a:r>
+              <a:rPr lang="ru-RU" sz="2000" dirty="0">
+                <a:latin typeface="Calibri"/>
                 <a:cs typeface="Times New Roman"/>
               </a:rPr>
               <a:t> </a:t>
             </a:r>
             <a:r>
-              <a:rPr lang="en-US" err="1">
-                <a:latin typeface="Times New Roman"/>
-                <a:cs typeface="Times New Roman"/>
-              </a:rPr>
-              <a:t>удобный</a:t>
-            </a:r>
-            <a:r>
-              <a:rPr lang="en-US" dirty="0">
-                <a:latin typeface="Times New Roman"/>
+              <a:rPr lang="en-US" sz="2000" dirty="0">
+                <a:latin typeface="Calibri"/>
+                <a:cs typeface="Times New Roman"/>
+              </a:rPr>
+              <a:t>Studio</a:t>
+            </a:r>
+            <a:r>
+              <a:rPr lang="ru-RU" sz="2000" dirty="0">
+                <a:latin typeface="Calibri"/>
+                <a:cs typeface="Times New Roman"/>
+              </a:rPr>
+              <a:t> </a:t>
+            </a:r>
+            <a:r>
+              <a:rPr lang="en-US" sz="2000" dirty="0">
+                <a:latin typeface="Calibri"/>
+                <a:cs typeface="Times New Roman"/>
+              </a:rPr>
+              <a:t>Code</a:t>
+            </a:r>
+            <a:r>
+              <a:rPr lang="ru-RU" sz="2000" dirty="0">
+                <a:latin typeface="Calibri"/>
+                <a:cs typeface="Times New Roman"/>
+              </a:rPr>
+              <a:t> с помощью языка </a:t>
+            </a:r>
+            <a:r>
+              <a:rPr lang="en-US" sz="2000" dirty="0">
+                <a:latin typeface="Calibri"/>
+                <a:cs typeface="Times New Roman"/>
+              </a:rPr>
+              <a:t>JavaScript</a:t>
+            </a:r>
+            <a:r>
+              <a:rPr lang="ru-RU" sz="2000" dirty="0">
+                <a:latin typeface="Calibri"/>
+                <a:cs typeface="Times New Roman"/>
+              </a:rPr>
+              <a:t>.</a:t>
+            </a:r>
+          </a:p>
+          <a:p>
+            <a:pPr algn="just"/>
+            <a:r>
+              <a:rPr lang="en-US" sz="2000" dirty="0">
+                <a:latin typeface="Calibri"/>
+                <a:cs typeface="Times New Roman"/>
+              </a:rPr>
+              <a:t>Visual</a:t>
+            </a:r>
+            <a:r>
+              <a:rPr lang="ru-RU" sz="2000" dirty="0">
+                <a:latin typeface="Calibri"/>
+                <a:cs typeface="Times New Roman"/>
+              </a:rPr>
+              <a:t> </a:t>
+            </a:r>
+            <a:r>
+              <a:rPr lang="en-US" sz="2000" dirty="0">
+                <a:latin typeface="Calibri"/>
+                <a:cs typeface="Times New Roman"/>
+              </a:rPr>
+              <a:t>Studio</a:t>
+            </a:r>
+            <a:r>
+              <a:rPr lang="ru-RU" sz="2000" dirty="0">
+                <a:latin typeface="Calibri"/>
+                <a:cs typeface="Times New Roman"/>
+              </a:rPr>
+              <a:t> </a:t>
+            </a:r>
+            <a:r>
+              <a:rPr lang="en-US" sz="2000" dirty="0">
+                <a:latin typeface="Calibri"/>
+                <a:cs typeface="Times New Roman"/>
+              </a:rPr>
+              <a:t>Code</a:t>
+            </a:r>
+            <a:r>
+              <a:rPr lang="ru-RU" sz="2000" dirty="0">
+                <a:latin typeface="Calibri"/>
+                <a:cs typeface="Times New Roman"/>
+              </a:rPr>
+              <a:t> (</a:t>
+            </a:r>
+            <a:r>
+              <a:rPr lang="en-US" sz="2000" dirty="0">
+                <a:latin typeface="Calibri"/>
+                <a:cs typeface="Times New Roman"/>
+              </a:rPr>
+              <a:t>VS</a:t>
+            </a:r>
+            <a:r>
+              <a:rPr lang="ru-RU" sz="2000" dirty="0">
+                <a:latin typeface="Calibri"/>
+                <a:cs typeface="Times New Roman"/>
+              </a:rPr>
+              <a:t> </a:t>
+            </a:r>
+            <a:r>
+              <a:rPr lang="en-US" sz="2000" dirty="0">
+                <a:latin typeface="Calibri"/>
+                <a:cs typeface="Times New Roman"/>
+              </a:rPr>
+              <a:t>Code</a:t>
+            </a:r>
+            <a:r>
+              <a:rPr lang="ru-RU" sz="2000" dirty="0">
+                <a:latin typeface="Calibri"/>
+                <a:cs typeface="Times New Roman"/>
+              </a:rPr>
+              <a:t>) — текстовый редактор, разработанный </a:t>
+            </a:r>
+            <a:r>
+              <a:rPr lang="en-US" sz="2000" dirty="0">
+                <a:latin typeface="Calibri"/>
+                <a:cs typeface="Times New Roman"/>
+              </a:rPr>
+              <a:t>Microsoft</a:t>
+            </a:r>
+            <a:r>
+              <a:rPr lang="ru-RU" sz="2000" dirty="0">
+                <a:latin typeface="Calibri"/>
+                <a:cs typeface="Times New Roman"/>
+              </a:rPr>
+              <a:t> для </a:t>
+            </a:r>
+            <a:r>
+              <a:rPr lang="en-US" sz="2000" dirty="0">
+                <a:latin typeface="Calibri"/>
+                <a:cs typeface="Times New Roman"/>
+              </a:rPr>
+              <a:t>Windows</a:t>
+            </a:r>
+            <a:r>
+              <a:rPr lang="ru-RU" sz="2000" dirty="0">
+                <a:latin typeface="Calibri"/>
+                <a:cs typeface="Times New Roman"/>
+              </a:rPr>
+              <a:t>, </a:t>
+            </a:r>
+            <a:r>
+              <a:rPr lang="en-US" sz="2000" dirty="0">
+                <a:latin typeface="Calibri"/>
+                <a:cs typeface="Times New Roman"/>
+              </a:rPr>
+              <a:t>Linux</a:t>
+            </a:r>
+            <a:r>
+              <a:rPr lang="ru-RU" sz="2000" dirty="0">
+                <a:latin typeface="Calibri"/>
                 <a:cs typeface="Times New Roman"/>
               </a:rPr>
               <a:t> и </a:t>
             </a:r>
             <a:r>
-              <a:rPr lang="en-US" err="1">
-                <a:latin typeface="Times New Roman"/>
-                <a:cs typeface="Times New Roman"/>
-              </a:rPr>
-              <a:t>интуитивно</a:t>
-            </a:r>
-            <a:r>
-              <a:rPr lang="en-US" dirty="0">
-                <a:latin typeface="Times New Roman"/>
-                <a:cs typeface="Times New Roman"/>
-              </a:rPr>
-              <a:t> </a:t>
-            </a:r>
-            <a:r>
-              <a:rPr lang="en-US" err="1">
-                <a:latin typeface="Times New Roman"/>
-                <a:cs typeface="Times New Roman"/>
-              </a:rPr>
-              <a:t>понятный</a:t>
-            </a:r>
-            <a:r>
-              <a:rPr lang="en-US" dirty="0">
-                <a:latin typeface="Times New Roman"/>
-                <a:cs typeface="Times New Roman"/>
-              </a:rPr>
-              <a:t> </a:t>
-            </a:r>
-            <a:r>
-              <a:rPr lang="en-US" err="1">
-                <a:latin typeface="Times New Roman"/>
-                <a:cs typeface="Times New Roman"/>
-              </a:rPr>
-              <a:t>пользовательский</a:t>
-            </a:r>
-            <a:r>
-              <a:rPr lang="en-US" dirty="0">
-                <a:latin typeface="Times New Roman"/>
-                <a:cs typeface="Times New Roman"/>
-              </a:rPr>
-              <a:t> </a:t>
-            </a:r>
-            <a:r>
-              <a:rPr lang="en-US" err="1">
-                <a:latin typeface="Times New Roman"/>
-                <a:cs typeface="Times New Roman"/>
-              </a:rPr>
-              <a:t>интерфейс</a:t>
-            </a:r>
-            <a:r>
-              <a:rPr lang="en-US" dirty="0">
-                <a:latin typeface="Times New Roman"/>
-                <a:cs typeface="Times New Roman"/>
-              </a:rPr>
-              <a:t>, </a:t>
-            </a:r>
-            <a:r>
-              <a:rPr lang="en-US" err="1">
-                <a:latin typeface="Times New Roman"/>
-                <a:cs typeface="Times New Roman"/>
-              </a:rPr>
-              <a:t>позволяющий</a:t>
-            </a:r>
-            <a:r>
-              <a:rPr lang="en-US" dirty="0">
-                <a:latin typeface="Times New Roman"/>
-                <a:cs typeface="Times New Roman"/>
-              </a:rPr>
-              <a:t> </a:t>
-            </a:r>
-            <a:r>
-              <a:rPr lang="en-US" err="1">
-                <a:latin typeface="Times New Roman"/>
-                <a:cs typeface="Times New Roman"/>
-              </a:rPr>
-              <a:t>легко</a:t>
-            </a:r>
-            <a:r>
-              <a:rPr lang="en-US" dirty="0">
-                <a:latin typeface="Times New Roman"/>
-                <a:cs typeface="Times New Roman"/>
-              </a:rPr>
-              <a:t> </a:t>
-            </a:r>
-            <a:r>
-              <a:rPr lang="en-US" err="1">
-                <a:latin typeface="Times New Roman"/>
-                <a:cs typeface="Times New Roman"/>
-              </a:rPr>
-              <a:t>выполнять</a:t>
-            </a:r>
-            <a:r>
-              <a:rPr lang="en-US" dirty="0">
-                <a:latin typeface="Times New Roman"/>
-                <a:cs typeface="Times New Roman"/>
-              </a:rPr>
-              <a:t> </a:t>
-            </a:r>
-            <a:r>
-              <a:rPr lang="en-US" err="1">
-                <a:latin typeface="Times New Roman"/>
-                <a:cs typeface="Times New Roman"/>
-              </a:rPr>
-              <a:t>операции</a:t>
-            </a:r>
-            <a:r>
-              <a:rPr lang="en-US" dirty="0">
-                <a:latin typeface="Times New Roman"/>
-                <a:cs typeface="Times New Roman"/>
-              </a:rPr>
-              <a:t> </a:t>
-            </a:r>
-            <a:r>
-              <a:rPr lang="en-US" err="1">
-                <a:latin typeface="Times New Roman"/>
-                <a:cs typeface="Times New Roman"/>
-              </a:rPr>
-              <a:t>шифрования</a:t>
-            </a:r>
-            <a:r>
-              <a:rPr lang="en-US" dirty="0">
-                <a:latin typeface="Times New Roman"/>
-                <a:cs typeface="Times New Roman"/>
-              </a:rPr>
-              <a:t> и </a:t>
-            </a:r>
-            <a:r>
-              <a:rPr lang="en-US" err="1">
-                <a:latin typeface="Times New Roman"/>
-                <a:cs typeface="Times New Roman"/>
-              </a:rPr>
-              <a:t>дешифрования</a:t>
-            </a:r>
-            <a:r>
-              <a:rPr lang="en-US" dirty="0">
-                <a:latin typeface="Times New Roman"/>
-                <a:cs typeface="Times New Roman"/>
-              </a:rPr>
-              <a:t>.</a:t>
-            </a:r>
-            <a:r>
-              <a:rPr lang="ru-RU" dirty="0">
-                <a:latin typeface="Times New Roman"/>
-                <a:cs typeface="Times New Roman"/>
-              </a:rPr>
-              <a:t> </a:t>
-            </a:r>
-          </a:p>
-          <a:p>
-            <a:pPr marL="285750" indent="-285750" algn="just">
-              <a:buFont typeface="Arial"/>
-              <a:buChar char="•"/>
-            </a:pPr>
-            <a:r>
-              <a:rPr lang="ru-RU" dirty="0">
-                <a:latin typeface="Times New Roman"/>
-                <a:cs typeface="Times New Roman"/>
-              </a:rPr>
-              <a:t>Иметь надежный алгоритм шифрования, который считается безопасным и хорошо зарекомендовал себя.</a:t>
-            </a:r>
-          </a:p>
-          <a:p>
-            <a:pPr marL="285750" indent="-285750" algn="just">
-              <a:buFont typeface="Arial"/>
-              <a:buChar char="•"/>
-            </a:pPr>
-            <a:r>
-              <a:rPr lang="ru-RU" dirty="0">
-                <a:latin typeface="Times New Roman"/>
-                <a:cs typeface="Times New Roman"/>
-              </a:rPr>
-              <a:t>Использовать безопасные методы генерации ключей.</a:t>
-            </a:r>
-          </a:p>
-          <a:p>
-            <a:pPr marL="285750" indent="-285750" algn="just">
-              <a:buFont typeface="Arial"/>
-              <a:buChar char="•"/>
-            </a:pPr>
-            <a:r>
-              <a:rPr lang="ru-RU" dirty="0">
-                <a:latin typeface="Times New Roman"/>
-                <a:cs typeface="Times New Roman"/>
-              </a:rPr>
-              <a:t>Предоставлять механизмы для безопасного хранения и управления ключами шифрования.</a:t>
-            </a:r>
-          </a:p>
-          <a:p>
-            <a:pPr marL="285750" indent="-285750" algn="just">
-              <a:buFont typeface="Arial"/>
-              <a:buChar char="•"/>
-            </a:pPr>
-            <a:r>
-              <a:rPr lang="ru-RU" dirty="0">
-                <a:latin typeface="Times New Roman"/>
-                <a:cs typeface="Times New Roman"/>
-              </a:rPr>
-              <a:t>Поддерживать шифрование и дешифрование данных в различных форматах файлов (например, текстовые файлы, изображения, архивы).</a:t>
-            </a:r>
-          </a:p>
-          <a:p>
-            <a:pPr algn="just">
-              <a:lnSpc>
-                <a:spcPct val="150000"/>
-              </a:lnSpc>
-            </a:pPr>
-            <a:endParaRPr lang="ru-RU" sz="1400" dirty="0">
-              <a:latin typeface="Times New Roman"/>
-              <a:cs typeface="Times New Roman"/>
-            </a:endParaRPr>
-          </a:p>
-          <a:p>
-            <a:pPr>
-              <a:lnSpc>
-                <a:spcPct val="150000"/>
-              </a:lnSpc>
-            </a:pPr>
+              <a:rPr lang="en-US" sz="2000" dirty="0">
+                <a:latin typeface="Calibri"/>
+                <a:cs typeface="Times New Roman"/>
+              </a:rPr>
+              <a:t>macOS</a:t>
+            </a:r>
+            <a:r>
+              <a:rPr lang="ru-RU" sz="2000" dirty="0">
+                <a:latin typeface="Calibri"/>
+                <a:cs typeface="Times New Roman"/>
+              </a:rPr>
+              <a:t>. Позиционируется как «лёгкий» редактор кода для кроссплатформенной разработки веб- и облачных приложений.</a:t>
+            </a:r>
+          </a:p>
+          <a:p>
+            <a:pPr algn="just"/>
             <a:endParaRPr lang="ru-RU" sz="1400" dirty="0">
               <a:latin typeface="Times New Roman" panose="02020603050405020304" pitchFamily="18" charset="0"/>
               <a:cs typeface="Times New Roman" panose="02020603050405020304" pitchFamily="18" charset="0"/>
@@ -4923,10 +5239,10 @@
       </p:sp>
       <p:pic>
         <p:nvPicPr>
-          <p:cNvPr id="3" name="Рисунок 2" descr="Изображение выглядит как текст, снимок экрана, Шрифт, черный&#10;&#10;Автоматически созданное описание">
+          <p:cNvPr id="3" name="Picture 2" descr="Visual Studio Code — Википедия">
             <a:extLst>
               <a:ext uri="{FF2B5EF4-FFF2-40B4-BE49-F238E27FC236}">
-                <a16:creationId xmlns:a16="http://schemas.microsoft.com/office/drawing/2014/main" id="{29AF1894-D039-2502-088C-CA34B583721B}"/>
+                <a16:creationId xmlns:a16="http://schemas.microsoft.com/office/drawing/2014/main" id="{1DBD6932-8DD4-D0CF-C000-DA8D7B4BFC19}"/>
               </a:ext>
             </a:extLst>
           </p:cNvPr>
@@ -4943,8 +5259,8 @@
         </p:blipFill>
         <p:spPr>
           <a:xfrm>
-            <a:off x="1162050" y="4048626"/>
-            <a:ext cx="9867900" cy="1447800"/>
+            <a:off x="4724400" y="3431005"/>
+            <a:ext cx="2743200" cy="2743200"/>
           </a:xfrm>
           <a:prstGeom prst="rect">
             <a:avLst/>
@@ -4954,7 +5270,7 @@
     </p:spTree>
     <p:extLst>
       <p:ext uri="{BB962C8B-B14F-4D97-AF65-F5344CB8AC3E}">
-        <p14:creationId xmlns:p14="http://schemas.microsoft.com/office/powerpoint/2010/main" val="3781486808"/>
+        <p14:creationId xmlns:p14="http://schemas.microsoft.com/office/powerpoint/2010/main" val="1954929922"/>
       </p:ext>
     </p:extLst>
   </p:cSld>
@@ -5023,15 +5339,17 @@
                 <a:solidFill>
                   <a:schemeClr val="bg1"/>
                 </a:solidFill>
-                <a:latin typeface="Times New Roman"/>
-                <a:cs typeface="Times New Roman"/>
-              </a:rPr>
-              <a:t>Проектирование программного продукта</a:t>
-            </a:r>
-            <a:endParaRPr lang="ru-RU" sz="4000" dirty="0">
+                <a:latin typeface="Calibri"/>
+                <a:cs typeface="Times New Roman"/>
+              </a:rPr>
+              <a:t>Требования к программе</a:t>
+            </a:r>
+            <a:endParaRPr lang="ru-RU" sz="4000" b="1" dirty="0">
               <a:solidFill>
                 <a:schemeClr val="bg1"/>
               </a:solidFill>
+              <a:latin typeface="Calibri"/>
+              <a:cs typeface="Times New Roman" panose="02020603050405020304" pitchFamily="18" charset="0"/>
             </a:endParaRPr>
           </a:p>
         </p:txBody>
@@ -5044,8 +5362,8 @@
         </p:nvSpPr>
         <p:spPr>
           <a:xfrm>
-            <a:off x="604191" y="1761332"/>
-            <a:ext cx="11081221" cy="4531818"/>
+            <a:off x="301944" y="1610164"/>
+            <a:ext cx="11583263" cy="3469989"/>
           </a:xfrm>
           <a:prstGeom prst="rect">
             <a:avLst/>
@@ -5058,65 +5376,261 @@
           </a:bodyPr>
           <a:lstStyle/>
           <a:p>
+            <a:pPr algn="just"/>
+            <a:r>
+              <a:rPr lang="ru-RU" sz="2000" dirty="0">
+                <a:latin typeface="Calibri"/>
+                <a:cs typeface="Times New Roman"/>
+              </a:rPr>
+              <a:t>Моя программа должна выполнять такие функции как:</a:t>
+            </a:r>
+          </a:p>
+          <a:p>
+            <a:pPr marL="285750" indent="-285750" algn="just">
+              <a:buFont typeface="Arial"/>
+              <a:buChar char="•"/>
+            </a:pPr>
+            <a:r>
+              <a:rPr lang="en-US" sz="2000" err="1">
+                <a:latin typeface="Calibri"/>
+                <a:cs typeface="Times New Roman"/>
+              </a:rPr>
+              <a:t>Иметь</a:t>
+            </a:r>
+            <a:r>
+              <a:rPr lang="en-US" sz="2000" dirty="0">
+                <a:latin typeface="Calibri"/>
+                <a:cs typeface="Times New Roman"/>
+              </a:rPr>
+              <a:t> </a:t>
+            </a:r>
+            <a:r>
+              <a:rPr lang="en-US" sz="2000" err="1">
+                <a:latin typeface="Calibri"/>
+                <a:cs typeface="Times New Roman"/>
+              </a:rPr>
+              <a:t>удобный</a:t>
+            </a:r>
+            <a:r>
+              <a:rPr lang="en-US" sz="2000" dirty="0">
+                <a:latin typeface="Calibri"/>
+                <a:cs typeface="Times New Roman"/>
+              </a:rPr>
+              <a:t> и </a:t>
+            </a:r>
+            <a:r>
+              <a:rPr lang="en-US" sz="2000" err="1">
+                <a:latin typeface="Calibri"/>
+                <a:cs typeface="Times New Roman"/>
+              </a:rPr>
+              <a:t>интуитивно</a:t>
+            </a:r>
+            <a:r>
+              <a:rPr lang="en-US" sz="2000" dirty="0">
+                <a:latin typeface="Calibri"/>
+                <a:cs typeface="Times New Roman"/>
+              </a:rPr>
+              <a:t> </a:t>
+            </a:r>
+            <a:r>
+              <a:rPr lang="en-US" sz="2000" err="1">
+                <a:latin typeface="Calibri"/>
+                <a:cs typeface="Times New Roman"/>
+              </a:rPr>
+              <a:t>понятный</a:t>
+            </a:r>
+            <a:r>
+              <a:rPr lang="en-US" sz="2000" dirty="0">
+                <a:latin typeface="Calibri"/>
+                <a:cs typeface="Times New Roman"/>
+              </a:rPr>
+              <a:t> </a:t>
+            </a:r>
+            <a:r>
+              <a:rPr lang="en-US" sz="2000" err="1">
+                <a:latin typeface="Calibri"/>
+                <a:cs typeface="Times New Roman"/>
+              </a:rPr>
+              <a:t>пользовательский</a:t>
+            </a:r>
+            <a:r>
+              <a:rPr lang="en-US" sz="2000" dirty="0">
+                <a:latin typeface="Calibri"/>
+                <a:cs typeface="Times New Roman"/>
+              </a:rPr>
+              <a:t> </a:t>
+            </a:r>
+            <a:r>
+              <a:rPr lang="en-US" sz="2000" err="1">
+                <a:latin typeface="Calibri"/>
+                <a:cs typeface="Times New Roman"/>
+              </a:rPr>
+              <a:t>интерфейс</a:t>
+            </a:r>
+            <a:r>
+              <a:rPr lang="en-US" sz="2000" dirty="0">
+                <a:latin typeface="Calibri"/>
+                <a:cs typeface="Times New Roman"/>
+              </a:rPr>
+              <a:t>, </a:t>
+            </a:r>
+            <a:r>
+              <a:rPr lang="en-US" sz="2000" err="1">
+                <a:latin typeface="Calibri"/>
+                <a:cs typeface="Times New Roman"/>
+              </a:rPr>
+              <a:t>позволяющий</a:t>
+            </a:r>
+            <a:r>
+              <a:rPr lang="en-US" sz="2000" dirty="0">
+                <a:latin typeface="Calibri"/>
+                <a:cs typeface="Times New Roman"/>
+              </a:rPr>
+              <a:t> </a:t>
+            </a:r>
+            <a:r>
+              <a:rPr lang="en-US" sz="2000" err="1">
+                <a:latin typeface="Calibri"/>
+                <a:cs typeface="Times New Roman"/>
+              </a:rPr>
+              <a:t>легко</a:t>
+            </a:r>
+            <a:r>
+              <a:rPr lang="en-US" sz="2000" dirty="0">
+                <a:latin typeface="Calibri"/>
+                <a:cs typeface="Times New Roman"/>
+              </a:rPr>
+              <a:t> </a:t>
+            </a:r>
+            <a:r>
+              <a:rPr lang="en-US" sz="2000" err="1">
+                <a:latin typeface="Calibri"/>
+                <a:cs typeface="Times New Roman"/>
+              </a:rPr>
+              <a:t>выполнять</a:t>
+            </a:r>
+            <a:r>
+              <a:rPr lang="en-US" sz="2000" dirty="0">
+                <a:latin typeface="Calibri"/>
+                <a:cs typeface="Times New Roman"/>
+              </a:rPr>
+              <a:t> </a:t>
+            </a:r>
+            <a:r>
+              <a:rPr lang="en-US" sz="2000" err="1">
+                <a:latin typeface="Calibri"/>
+                <a:cs typeface="Times New Roman"/>
+              </a:rPr>
+              <a:t>операции</a:t>
+            </a:r>
+            <a:r>
+              <a:rPr lang="en-US" sz="2000" dirty="0">
+                <a:latin typeface="Calibri"/>
+                <a:cs typeface="Times New Roman"/>
+              </a:rPr>
+              <a:t> </a:t>
+            </a:r>
+            <a:r>
+              <a:rPr lang="en-US" sz="2000" err="1">
+                <a:latin typeface="Calibri"/>
+                <a:cs typeface="Times New Roman"/>
+              </a:rPr>
+              <a:t>шифрования</a:t>
+            </a:r>
+            <a:r>
+              <a:rPr lang="en-US" sz="2000" dirty="0">
+                <a:latin typeface="Calibri"/>
+                <a:cs typeface="Times New Roman"/>
+              </a:rPr>
+              <a:t> и </a:t>
+            </a:r>
+            <a:r>
+              <a:rPr lang="en-US" sz="2000" err="1">
+                <a:latin typeface="Calibri"/>
+                <a:cs typeface="Times New Roman"/>
+              </a:rPr>
+              <a:t>дешифрования</a:t>
+            </a:r>
+            <a:r>
+              <a:rPr lang="en-US" sz="2000" dirty="0">
+                <a:latin typeface="Calibri"/>
+                <a:cs typeface="Times New Roman"/>
+              </a:rPr>
+              <a:t>.</a:t>
+            </a:r>
+            <a:r>
+              <a:rPr lang="ru-RU" sz="2000" dirty="0">
+                <a:latin typeface="Calibri"/>
+                <a:cs typeface="Times New Roman"/>
+              </a:rPr>
+              <a:t> </a:t>
+            </a:r>
+          </a:p>
+          <a:p>
+            <a:pPr marL="285750" indent="-285750" algn="just">
+              <a:buFont typeface="Arial"/>
+              <a:buChar char="•"/>
+            </a:pPr>
+            <a:r>
+              <a:rPr lang="ru-RU" sz="2000" dirty="0">
+                <a:latin typeface="Calibri"/>
+                <a:cs typeface="Times New Roman"/>
+              </a:rPr>
+              <a:t>Иметь надежный алгоритм шифрования, который считается безопасным и хорошо зарекомендовал себя.</a:t>
+            </a:r>
+          </a:p>
+          <a:p>
+            <a:pPr marL="285750" indent="-285750" algn="just">
+              <a:buFont typeface="Arial"/>
+              <a:buChar char="•"/>
+            </a:pPr>
+            <a:r>
+              <a:rPr lang="ru-RU" sz="2000" dirty="0">
+                <a:latin typeface="Calibri"/>
+                <a:cs typeface="Times New Roman"/>
+              </a:rPr>
+              <a:t>Использовать безопасные методы генерации ключей.</a:t>
+            </a:r>
+          </a:p>
+          <a:p>
+            <a:pPr marL="285750" indent="-285750" algn="just">
+              <a:buFont typeface="Arial"/>
+              <a:buChar char="•"/>
+            </a:pPr>
+            <a:r>
+              <a:rPr lang="ru-RU" sz="2000" dirty="0">
+                <a:latin typeface="Calibri"/>
+                <a:cs typeface="Times New Roman"/>
+              </a:rPr>
+              <a:t>Предоставлять механизмы для безопасного хранения и управления ключами шифрования.</a:t>
+            </a:r>
+          </a:p>
+          <a:p>
+            <a:pPr marL="285750" indent="-285750" algn="just">
+              <a:buFont typeface="Arial"/>
+              <a:buChar char="•"/>
+            </a:pPr>
+            <a:r>
+              <a:rPr lang="ru-RU" sz="2000" dirty="0">
+                <a:latin typeface="Calibri"/>
+                <a:cs typeface="Times New Roman"/>
+              </a:rPr>
+              <a:t>Поддерживать шифрование и дешифрование данных в различных форматах файлов (например, текстовые файлы, изображения, архивы).</a:t>
+            </a:r>
+          </a:p>
+          <a:p>
             <a:pPr algn="just">
               <a:lnSpc>
                 <a:spcPct val="150000"/>
               </a:lnSpc>
             </a:pPr>
-            <a:r>
-              <a:rPr lang="ru-RU" dirty="0">
-                <a:latin typeface="Times New Roman"/>
-                <a:cs typeface="Times New Roman"/>
-              </a:rPr>
-              <a:t>При создании криптографического приложения был использован следующий прием – модульное программирование.</a:t>
-            </a:r>
-          </a:p>
-          <a:p>
-            <a:pPr algn="just">
-              <a:lnSpc>
-                <a:spcPct val="150000"/>
-              </a:lnSpc>
-            </a:pPr>
-            <a:r>
-              <a:rPr lang="ru-RU" dirty="0">
-                <a:latin typeface="Times New Roman"/>
-                <a:cs typeface="Times New Roman"/>
-              </a:rPr>
-              <a:t>Модульное программирование — это организация программы как совокупности небольших независимых блоков, называемых модулями, структура и поведение которых подчиняются определённым правилам. Использование модульного программирования позволяет упростить тестирование программы и обнаружение ошибок. Аппаратно-зависимые подзадачи могут быть строго отделены от других подзадач, что улучшает мобильность создаваемых программ.</a:t>
-            </a:r>
-          </a:p>
-          <a:p>
-            <a:pPr algn="just">
-              <a:lnSpc>
-                <a:spcPct val="150000"/>
-              </a:lnSpc>
-            </a:pPr>
-            <a:r>
-              <a:rPr lang="ru-RU" dirty="0">
-                <a:latin typeface="Times New Roman"/>
-                <a:cs typeface="Times New Roman"/>
-              </a:rPr>
-              <a:t>Модуль — функционально законченный фрагмент программы. Во многих языках (но далеко не обязательно) оформляется в виде отдельного файла с исходным кодом или поименованной непрерывной её части. Некоторые языки предусматривают объединение модулей в пакеты</a:t>
-            </a:r>
-            <a:r>
-              <a:rPr lang="ru-RU" dirty="0">
-                <a:solidFill>
-                  <a:srgbClr val="44546A"/>
-                </a:solidFill>
-                <a:latin typeface="Times New Roman"/>
-                <a:cs typeface="Times New Roman"/>
-              </a:rPr>
-              <a:t>.</a:t>
-            </a:r>
-            <a:endParaRPr lang="ru-RU" dirty="0">
-              <a:solidFill>
-                <a:srgbClr val="44546A"/>
-              </a:solidFill>
-              <a:cs typeface="Calibri" panose="020F0502020204030204"/>
+            <a:endParaRPr lang="ru-RU" sz="1400" dirty="0">
+              <a:latin typeface="Times New Roman"/>
+              <a:cs typeface="Times New Roman"/>
             </a:endParaRPr>
           </a:p>
           <a:p>
-            <a:pPr algn="just">
+            <a:pPr>
               <a:lnSpc>
                 <a:spcPct val="150000"/>
               </a:lnSpc>
@@ -5131,7 +5645,7 @@
     </p:spTree>
     <p:extLst>
       <p:ext uri="{BB962C8B-B14F-4D97-AF65-F5344CB8AC3E}">
-        <p14:creationId xmlns:p14="http://schemas.microsoft.com/office/powerpoint/2010/main" val="3899551562"/>
+        <p14:creationId xmlns:p14="http://schemas.microsoft.com/office/powerpoint/2010/main" val="3781486808"/>
       </p:ext>
     </p:extLst>
   </p:cSld>
@@ -5185,7 +5699,7 @@
         <p:spPr>
           <a:xfrm>
             <a:off x="5222116" y="114300"/>
-            <a:ext cx="6319525" cy="1115216"/>
+            <a:ext cx="5903084" cy="1115216"/>
           </a:xfrm>
         </p:spPr>
         <p:txBody>
@@ -5200,1280 +5714,54 @@
                 <a:solidFill>
                   <a:schemeClr val="bg1"/>
                 </a:solidFill>
-                <a:latin typeface="Times New Roman"/>
-                <a:cs typeface="Times New Roman"/>
-              </a:rPr>
-              <a:t>Текст программы с описанием</a:t>
+                <a:latin typeface="Calibri"/>
+                <a:cs typeface="Times New Roman"/>
+              </a:rPr>
+              <a:t>Проектирование программного продукта</a:t>
             </a:r>
             <a:endParaRPr lang="ru-RU" sz="4000" dirty="0">
               <a:solidFill>
                 <a:schemeClr val="bg1"/>
               </a:solidFill>
+              <a:latin typeface="Calibri"/>
             </a:endParaRPr>
           </a:p>
         </p:txBody>
       </p:sp>
-      <p:sp>
-        <p:nvSpPr>
-          <p:cNvPr id="4" name="TextBox 3">
+      <p:pic>
+        <p:nvPicPr>
+          <p:cNvPr id="3" name="Picture 2" descr="Изображение выглядит как текст, снимок экрана, Шрифт, черный&#10;&#10;Автоматически созданное описание">
             <a:extLst>
               <a:ext uri="{FF2B5EF4-FFF2-40B4-BE49-F238E27FC236}">
-                <a16:creationId xmlns:a16="http://schemas.microsoft.com/office/drawing/2014/main" id="{B7C4C22B-F077-3D1F-547F-944EFA374D1C}"/>
+                <a16:creationId xmlns:a16="http://schemas.microsoft.com/office/drawing/2014/main" id="{2FFE3788-9F89-5C93-220D-A5B0136EA355}"/>
               </a:ext>
             </a:extLst>
           </p:cNvPr>
-          <p:cNvSpPr txBox="1"/>
+          <p:cNvPicPr>
+            <a:picLocks noChangeAspect="1"/>
+          </p:cNvPicPr>
           <p:nvPr/>
-        </p:nvSpPr>
+        </p:nvPicPr>
+        <p:blipFill>
+          <a:blip r:embed="rId3"/>
+          <a:stretch>
+            <a:fillRect/>
+          </a:stretch>
+        </p:blipFill>
         <p:spPr>
           <a:xfrm>
-            <a:off x="6245920" y="1529312"/>
-            <a:ext cx="4594664" cy="3908762"/>
+            <a:off x="1162050" y="2614863"/>
+            <a:ext cx="9867900" cy="1447800"/>
           </a:xfrm>
           <a:prstGeom prst="rect">
             <a:avLst/>
           </a:prstGeom>
-          <a:noFill/>
         </p:spPr>
-        <p:txBody>
-          <a:bodyPr wrap="square" lIns="91440" tIns="45720" rIns="91440" bIns="45720" rtlCol="0" anchor="t">
-            <a:spAutoFit/>
-          </a:bodyPr>
-          <a:lstStyle/>
-          <a:p>
-            <a:pPr algn="just"/>
-            <a:r>
-              <a:rPr lang="ru-RU" sz="1000" dirty="0">
-                <a:solidFill>
-                  <a:srgbClr val="000000"/>
-                </a:solidFill>
-                <a:latin typeface="Times New Roman"/>
-                <a:ea typeface="+mn-lt"/>
-                <a:cs typeface="Times New Roman"/>
-              </a:rPr>
-              <a:t>// поле для ввода сообщения, которое будет зашифровано</a:t>
-            </a:r>
-          </a:p>
-          <a:p>
-            <a:pPr algn="just"/>
-            <a:r>
-              <a:rPr lang="ru-RU" sz="1000" dirty="0" err="1">
-                <a:solidFill>
-                  <a:srgbClr val="000000"/>
-                </a:solidFill>
-                <a:latin typeface="Times New Roman"/>
-                <a:ea typeface="+mn-lt"/>
-                <a:cs typeface="Times New Roman"/>
-              </a:rPr>
-              <a:t>const</a:t>
-            </a:r>
-            <a:r>
-              <a:rPr lang="ru-RU" sz="1000" dirty="0">
-                <a:solidFill>
-                  <a:srgbClr val="000000"/>
-                </a:solidFill>
-                <a:latin typeface="Times New Roman"/>
-                <a:ea typeface="+mn-lt"/>
-                <a:cs typeface="Times New Roman"/>
-              </a:rPr>
-              <a:t> </a:t>
-            </a:r>
-            <a:r>
-              <a:rPr lang="ru-RU" sz="1000" dirty="0" err="1">
-                <a:solidFill>
-                  <a:srgbClr val="000000"/>
-                </a:solidFill>
-                <a:latin typeface="Times New Roman"/>
-                <a:ea typeface="+mn-lt"/>
-                <a:cs typeface="Times New Roman"/>
-              </a:rPr>
-              <a:t>input</a:t>
-            </a:r>
-            <a:r>
-              <a:rPr lang="ru-RU" sz="1000" dirty="0">
-                <a:solidFill>
-                  <a:srgbClr val="000000"/>
-                </a:solidFill>
-                <a:latin typeface="Times New Roman"/>
-                <a:ea typeface="+mn-lt"/>
-                <a:cs typeface="Times New Roman"/>
-              </a:rPr>
-              <a:t> = </a:t>
-            </a:r>
-            <a:r>
-              <a:rPr lang="ru-RU" sz="1000" dirty="0" err="1">
-                <a:solidFill>
-                  <a:srgbClr val="000000"/>
-                </a:solidFill>
-                <a:latin typeface="Times New Roman"/>
-                <a:ea typeface="+mn-lt"/>
-                <a:cs typeface="Times New Roman"/>
-              </a:rPr>
-              <a:t>document.querySelector</a:t>
-            </a:r>
-            <a:r>
-              <a:rPr lang="ru-RU" sz="1000" dirty="0">
-                <a:solidFill>
-                  <a:srgbClr val="000000"/>
-                </a:solidFill>
-                <a:latin typeface="Times New Roman"/>
-                <a:ea typeface="+mn-lt"/>
-                <a:cs typeface="Times New Roman"/>
-              </a:rPr>
-              <a:t>('</a:t>
-            </a:r>
-            <a:r>
-              <a:rPr lang="ru-RU" sz="1000" dirty="0" err="1">
-                <a:solidFill>
-                  <a:srgbClr val="000000"/>
-                </a:solidFill>
-                <a:latin typeface="Times New Roman"/>
-                <a:ea typeface="+mn-lt"/>
-                <a:cs typeface="Times New Roman"/>
-              </a:rPr>
-              <a:t>input</a:t>
-            </a:r>
-            <a:r>
-              <a:rPr lang="ru-RU" sz="1000" dirty="0">
-                <a:solidFill>
-                  <a:srgbClr val="000000"/>
-                </a:solidFill>
-                <a:latin typeface="Times New Roman"/>
-                <a:ea typeface="+mn-lt"/>
-                <a:cs typeface="Times New Roman"/>
-              </a:rPr>
-              <a:t>')</a:t>
-            </a:r>
-          </a:p>
-          <a:p>
-            <a:pPr algn="just"/>
-            <a:r>
-              <a:rPr lang="ru-RU" sz="1000" dirty="0">
-                <a:solidFill>
-                  <a:srgbClr val="000000"/>
-                </a:solidFill>
-                <a:latin typeface="Times New Roman"/>
-                <a:ea typeface="+mn-lt"/>
-                <a:cs typeface="Times New Roman"/>
-              </a:rPr>
-              <a:t>// контейнер для вывода результатов</a:t>
-            </a:r>
-            <a:endParaRPr lang="ru-RU" sz="1000" dirty="0">
-              <a:solidFill>
-                <a:srgbClr val="000000"/>
-              </a:solidFill>
-              <a:latin typeface="Times New Roman"/>
-              <a:cs typeface="Times New Roman"/>
-            </a:endParaRPr>
-          </a:p>
-          <a:p>
-            <a:pPr algn="just"/>
-            <a:r>
-              <a:rPr lang="ru-RU" sz="1000" dirty="0" err="1">
-                <a:solidFill>
-                  <a:srgbClr val="000000"/>
-                </a:solidFill>
-                <a:latin typeface="Times New Roman"/>
-                <a:ea typeface="+mn-lt"/>
-                <a:cs typeface="Times New Roman"/>
-              </a:rPr>
-              <a:t>const</a:t>
-            </a:r>
-            <a:r>
-              <a:rPr lang="ru-RU" sz="1000" dirty="0">
-                <a:solidFill>
-                  <a:srgbClr val="000000"/>
-                </a:solidFill>
-                <a:latin typeface="Times New Roman"/>
-                <a:ea typeface="+mn-lt"/>
-                <a:cs typeface="Times New Roman"/>
-              </a:rPr>
-              <a:t> </a:t>
-            </a:r>
-            <a:r>
-              <a:rPr lang="ru-RU" sz="1000" dirty="0" err="1">
-                <a:solidFill>
-                  <a:srgbClr val="000000"/>
-                </a:solidFill>
-                <a:latin typeface="Times New Roman"/>
-                <a:ea typeface="+mn-lt"/>
-                <a:cs typeface="Times New Roman"/>
-              </a:rPr>
-              <a:t>output</a:t>
-            </a:r>
-            <a:r>
-              <a:rPr lang="ru-RU" sz="1000" dirty="0">
-                <a:solidFill>
-                  <a:srgbClr val="000000"/>
-                </a:solidFill>
-                <a:latin typeface="Times New Roman"/>
-                <a:ea typeface="+mn-lt"/>
-                <a:cs typeface="Times New Roman"/>
-              </a:rPr>
-              <a:t> = </a:t>
-            </a:r>
-            <a:r>
-              <a:rPr lang="ru-RU" sz="1000" dirty="0" err="1">
-                <a:solidFill>
-                  <a:srgbClr val="000000"/>
-                </a:solidFill>
-                <a:latin typeface="Times New Roman"/>
-                <a:cs typeface="Times New Roman"/>
-              </a:rPr>
-              <a:t>document.querySelector</a:t>
-            </a:r>
-            <a:r>
-              <a:rPr lang="ru-RU" sz="1000" dirty="0">
-                <a:solidFill>
-                  <a:srgbClr val="000000"/>
-                </a:solidFill>
-                <a:latin typeface="Times New Roman"/>
-                <a:cs typeface="Times New Roman"/>
-              </a:rPr>
-              <a:t>('</a:t>
-            </a:r>
-            <a:r>
-              <a:rPr lang="ru-RU" sz="1000" dirty="0" err="1">
-                <a:solidFill>
-                  <a:srgbClr val="000000"/>
-                </a:solidFill>
-                <a:latin typeface="Times New Roman"/>
-                <a:cs typeface="Times New Roman"/>
-              </a:rPr>
-              <a:t>output</a:t>
-            </a:r>
-            <a:r>
-              <a:rPr lang="ru-RU" sz="1000" dirty="0">
-                <a:solidFill>
-                  <a:srgbClr val="000000"/>
-                </a:solidFill>
-                <a:latin typeface="Times New Roman"/>
-                <a:cs typeface="Times New Roman"/>
-              </a:rPr>
-              <a:t>')</a:t>
-            </a:r>
-          </a:p>
-          <a:p>
-            <a:pPr algn="just"/>
-            <a:endParaRPr lang="ru-RU" sz="1000" dirty="0">
-              <a:solidFill>
-                <a:srgbClr val="000000"/>
-              </a:solidFill>
-              <a:latin typeface="Times New Roman"/>
-              <a:cs typeface="Times New Roman"/>
-            </a:endParaRPr>
-          </a:p>
-          <a:p>
-            <a:pPr algn="just"/>
-            <a:r>
-              <a:rPr lang="ru-RU" sz="1000" dirty="0">
-                <a:solidFill>
-                  <a:srgbClr val="000000"/>
-                </a:solidFill>
-                <a:latin typeface="Times New Roman"/>
-                <a:cs typeface="Times New Roman"/>
-              </a:rPr>
-              <a:t>// ключ</a:t>
-            </a:r>
-          </a:p>
-          <a:p>
-            <a:pPr algn="just"/>
-            <a:r>
-              <a:rPr lang="ru-RU" sz="1000" dirty="0" err="1">
-                <a:solidFill>
-                  <a:srgbClr val="000000"/>
-                </a:solidFill>
-                <a:latin typeface="Times New Roman"/>
-                <a:cs typeface="Times New Roman"/>
-              </a:rPr>
-              <a:t>let</a:t>
-            </a:r>
-            <a:r>
-              <a:rPr lang="ru-RU" sz="1000" dirty="0">
-                <a:solidFill>
-                  <a:srgbClr val="000000"/>
-                </a:solidFill>
-                <a:latin typeface="Times New Roman"/>
-                <a:cs typeface="Times New Roman"/>
-              </a:rPr>
-              <a:t> </a:t>
-            </a:r>
-            <a:r>
-              <a:rPr lang="ru-RU" sz="1000" dirty="0" err="1">
-                <a:solidFill>
-                  <a:srgbClr val="000000"/>
-                </a:solidFill>
-                <a:latin typeface="Times New Roman"/>
-                <a:cs typeface="Times New Roman"/>
-              </a:rPr>
-              <a:t>key</a:t>
-            </a:r>
-            <a:endParaRPr lang="ru-RU" sz="1000">
-              <a:solidFill>
-                <a:srgbClr val="000000"/>
-              </a:solidFill>
-              <a:latin typeface="Times New Roman"/>
-              <a:cs typeface="Times New Roman"/>
-            </a:endParaRPr>
-          </a:p>
-          <a:p>
-            <a:pPr algn="just"/>
-            <a:endParaRPr lang="ru-RU" sz="1000" dirty="0">
-              <a:solidFill>
-                <a:srgbClr val="000000"/>
-              </a:solidFill>
-              <a:latin typeface="Times New Roman"/>
-              <a:cs typeface="Times New Roman"/>
-            </a:endParaRPr>
-          </a:p>
-          <a:p>
-            <a:pPr algn="just"/>
-            <a:r>
-              <a:rPr lang="ru-RU" sz="1000" dirty="0" err="1">
-                <a:solidFill>
-                  <a:srgbClr val="000000"/>
-                </a:solidFill>
-                <a:latin typeface="Times New Roman"/>
-                <a:ea typeface="+mn-lt"/>
-                <a:cs typeface="Times New Roman"/>
-              </a:rPr>
-              <a:t>const</a:t>
-            </a:r>
-            <a:r>
-              <a:rPr lang="ru-RU" sz="1000" dirty="0">
-                <a:solidFill>
-                  <a:srgbClr val="000000"/>
-                </a:solidFill>
-                <a:latin typeface="Times New Roman"/>
-                <a:ea typeface="+mn-lt"/>
-                <a:cs typeface="Times New Roman"/>
-              </a:rPr>
-              <a:t> </a:t>
-            </a:r>
-            <a:r>
-              <a:rPr lang="ru-RU" sz="1000" dirty="0" err="1">
-                <a:solidFill>
-                  <a:srgbClr val="000000"/>
-                </a:solidFill>
-                <a:latin typeface="Times New Roman"/>
-                <a:ea typeface="+mn-lt"/>
-                <a:cs typeface="Times New Roman"/>
-              </a:rPr>
-              <a:t>encryptAndSendMsg</a:t>
-            </a:r>
-            <a:r>
-              <a:rPr lang="ru-RU" sz="1000" dirty="0">
-                <a:solidFill>
-                  <a:srgbClr val="000000"/>
-                </a:solidFill>
-                <a:latin typeface="Times New Roman"/>
-                <a:ea typeface="+mn-lt"/>
-                <a:cs typeface="Times New Roman"/>
-              </a:rPr>
-              <a:t> = </a:t>
-            </a:r>
-            <a:r>
-              <a:rPr lang="ru-RU" sz="1000" dirty="0" err="1">
-                <a:solidFill>
-                  <a:srgbClr val="000000"/>
-                </a:solidFill>
-                <a:latin typeface="Times New Roman"/>
-                <a:ea typeface="+mn-lt"/>
-                <a:cs typeface="Times New Roman"/>
-              </a:rPr>
-              <a:t>async</a:t>
-            </a:r>
-            <a:r>
-              <a:rPr lang="ru-RU" sz="1000" dirty="0">
-                <a:solidFill>
-                  <a:srgbClr val="000000"/>
-                </a:solidFill>
-                <a:latin typeface="Times New Roman"/>
-                <a:ea typeface="+mn-lt"/>
-                <a:cs typeface="Times New Roman"/>
-              </a:rPr>
-              <a:t> () =&gt; {</a:t>
-            </a:r>
-          </a:p>
-          <a:p>
-            <a:pPr algn="just"/>
-            <a:r>
-              <a:rPr lang="ru-RU" sz="1000" dirty="0">
-                <a:solidFill>
-                  <a:srgbClr val="000000"/>
-                </a:solidFill>
-                <a:latin typeface="Times New Roman"/>
-                <a:ea typeface="+mn-lt"/>
-                <a:cs typeface="Times New Roman"/>
-              </a:rPr>
-              <a:t>    </a:t>
-            </a:r>
-            <a:r>
-              <a:rPr lang="ru-RU" sz="1000" dirty="0" err="1">
-                <a:solidFill>
-                  <a:srgbClr val="000000"/>
-                </a:solidFill>
-                <a:latin typeface="Times New Roman"/>
-                <a:ea typeface="+mn-lt"/>
-                <a:cs typeface="Times New Roman"/>
-              </a:rPr>
-              <a:t>const</a:t>
-            </a:r>
-            <a:r>
-              <a:rPr lang="ru-RU" sz="1000" dirty="0">
-                <a:solidFill>
-                  <a:srgbClr val="000000"/>
-                </a:solidFill>
-                <a:latin typeface="Times New Roman"/>
-                <a:ea typeface="+mn-lt"/>
-                <a:cs typeface="Times New Roman"/>
-              </a:rPr>
-              <a:t> </a:t>
-            </a:r>
-            <a:r>
-              <a:rPr lang="ru-RU" sz="1000" dirty="0" err="1">
-                <a:solidFill>
-                  <a:srgbClr val="000000"/>
-                </a:solidFill>
-                <a:latin typeface="Times New Roman"/>
-                <a:ea typeface="+mn-lt"/>
-                <a:cs typeface="Times New Roman"/>
-              </a:rPr>
-              <a:t>msg</a:t>
-            </a:r>
-            <a:r>
-              <a:rPr lang="ru-RU" sz="1000" dirty="0">
-                <a:solidFill>
-                  <a:srgbClr val="000000"/>
-                </a:solidFill>
-                <a:latin typeface="Times New Roman"/>
-                <a:ea typeface="+mn-lt"/>
-                <a:cs typeface="Times New Roman"/>
-              </a:rPr>
-              <a:t> = </a:t>
-            </a:r>
-            <a:r>
-              <a:rPr lang="ru-RU" sz="1000" dirty="0" err="1">
-                <a:solidFill>
-                  <a:srgbClr val="000000"/>
-                </a:solidFill>
-                <a:latin typeface="Times New Roman"/>
-                <a:ea typeface="+mn-lt"/>
-                <a:cs typeface="Times New Roman"/>
-              </a:rPr>
-              <a:t>input.value</a:t>
-            </a:r>
-            <a:endParaRPr lang="ru-RU" sz="1000" dirty="0" err="1">
-              <a:latin typeface="Times New Roman"/>
-              <a:ea typeface="+mn-lt"/>
-              <a:cs typeface="Times New Roman"/>
-            </a:endParaRPr>
-          </a:p>
-          <a:p>
-            <a:pPr algn="just"/>
-            <a:endParaRPr lang="ru-RU" sz="1000" dirty="0">
-              <a:solidFill>
-                <a:srgbClr val="000000"/>
-              </a:solidFill>
-              <a:latin typeface="Times New Roman"/>
-              <a:cs typeface="Times New Roman"/>
-            </a:endParaRPr>
-          </a:p>
-          <a:p>
-            <a:pPr algn="just"/>
-            <a:r>
-              <a:rPr lang="ru-RU" sz="1000" dirty="0">
-                <a:solidFill>
-                  <a:srgbClr val="000000"/>
-                </a:solidFill>
-                <a:latin typeface="Times New Roman"/>
-                <a:ea typeface="+mn-lt"/>
-                <a:cs typeface="Times New Roman"/>
-              </a:rPr>
-              <a:t>     // шифрование</a:t>
-            </a:r>
-          </a:p>
-          <a:p>
-            <a:pPr algn="just"/>
-            <a:r>
-              <a:rPr lang="ru-RU" sz="1000" dirty="0">
-                <a:solidFill>
-                  <a:srgbClr val="000000"/>
-                </a:solidFill>
-                <a:latin typeface="Times New Roman"/>
-                <a:ea typeface="+mn-lt"/>
-                <a:cs typeface="Times New Roman"/>
-              </a:rPr>
-              <a:t>    </a:t>
-            </a:r>
-            <a:r>
-              <a:rPr lang="ru-RU" sz="1000" dirty="0" err="1">
-                <a:solidFill>
-                  <a:srgbClr val="000000"/>
-                </a:solidFill>
-                <a:latin typeface="Times New Roman"/>
-                <a:ea typeface="+mn-lt"/>
-                <a:cs typeface="Times New Roman"/>
-              </a:rPr>
-              <a:t>key</a:t>
-            </a:r>
-            <a:r>
-              <a:rPr lang="ru-RU" sz="1000" dirty="0">
-                <a:solidFill>
-                  <a:srgbClr val="000000"/>
-                </a:solidFill>
-                <a:latin typeface="Times New Roman"/>
-                <a:ea typeface="+mn-lt"/>
-                <a:cs typeface="Times New Roman"/>
-              </a:rPr>
-              <a:t> = </a:t>
-            </a:r>
-            <a:r>
-              <a:rPr lang="ru-RU" sz="1000" dirty="0" err="1">
-                <a:solidFill>
-                  <a:srgbClr val="000000"/>
-                </a:solidFill>
-                <a:latin typeface="Times New Roman"/>
-                <a:ea typeface="+mn-lt"/>
-                <a:cs typeface="Times New Roman"/>
-              </a:rPr>
-              <a:t>await</a:t>
-            </a:r>
-            <a:r>
-              <a:rPr lang="ru-RU" sz="1000" dirty="0">
-                <a:solidFill>
-                  <a:srgbClr val="000000"/>
-                </a:solidFill>
-                <a:latin typeface="Times New Roman"/>
-                <a:ea typeface="+mn-lt"/>
-                <a:cs typeface="Times New Roman"/>
-              </a:rPr>
-              <a:t> </a:t>
-            </a:r>
-            <a:r>
-              <a:rPr lang="ru-RU" sz="1000" dirty="0" err="1">
-                <a:solidFill>
-                  <a:srgbClr val="000000"/>
-                </a:solidFill>
-                <a:latin typeface="Times New Roman"/>
-                <a:ea typeface="+mn-lt"/>
-                <a:cs typeface="Times New Roman"/>
-              </a:rPr>
-              <a:t>generateKey</a:t>
-            </a:r>
-            <a:r>
-              <a:rPr lang="ru-RU" sz="1000" dirty="0">
-                <a:solidFill>
-                  <a:srgbClr val="000000"/>
-                </a:solidFill>
-                <a:latin typeface="Times New Roman"/>
-                <a:ea typeface="+mn-lt"/>
-                <a:cs typeface="Times New Roman"/>
-              </a:rPr>
-              <a:t>()</a:t>
-            </a:r>
-            <a:endParaRPr lang="ru-RU" sz="1000" dirty="0">
-              <a:latin typeface="Times New Roman"/>
-              <a:ea typeface="+mn-lt"/>
-              <a:cs typeface="Times New Roman"/>
-            </a:endParaRPr>
-          </a:p>
-          <a:p>
-            <a:pPr algn="just"/>
-            <a:endParaRPr lang="ru-RU" sz="1000" dirty="0">
-              <a:solidFill>
-                <a:srgbClr val="000000"/>
-              </a:solidFill>
-              <a:latin typeface="Times New Roman"/>
-              <a:ea typeface="+mn-lt"/>
-              <a:cs typeface="Times New Roman"/>
-            </a:endParaRPr>
-          </a:p>
-          <a:p>
-            <a:pPr algn="just"/>
-            <a:r>
-              <a:rPr lang="ru-RU" sz="1000" dirty="0">
-                <a:solidFill>
-                  <a:srgbClr val="000000"/>
-                </a:solidFill>
-                <a:latin typeface="Times New Roman"/>
-                <a:ea typeface="+mn-lt"/>
-                <a:cs typeface="Times New Roman"/>
-              </a:rPr>
-              <a:t>    </a:t>
-            </a:r>
-            <a:r>
-              <a:rPr lang="ru-RU" sz="1000" dirty="0" err="1">
-                <a:solidFill>
-                  <a:srgbClr val="000000"/>
-                </a:solidFill>
-                <a:latin typeface="Times New Roman"/>
-                <a:ea typeface="+mn-lt"/>
-                <a:cs typeface="Times New Roman"/>
-              </a:rPr>
-              <a:t>const</a:t>
-            </a:r>
-            <a:r>
-              <a:rPr lang="ru-RU" sz="1000" dirty="0">
-                <a:solidFill>
-                  <a:srgbClr val="000000"/>
-                </a:solidFill>
-                <a:latin typeface="Times New Roman"/>
-                <a:ea typeface="+mn-lt"/>
-                <a:cs typeface="Times New Roman"/>
-              </a:rPr>
-              <a:t> {</a:t>
-            </a:r>
-          </a:p>
-          <a:p>
-            <a:pPr algn="just"/>
-            <a:r>
-              <a:rPr lang="ru-RU" sz="1000" dirty="0">
-                <a:solidFill>
-                  <a:srgbClr val="000000"/>
-                </a:solidFill>
-                <a:latin typeface="Times New Roman"/>
-                <a:ea typeface="+mn-lt"/>
-                <a:cs typeface="Times New Roman"/>
-              </a:rPr>
-              <a:t>        </a:t>
-            </a:r>
-            <a:r>
-              <a:rPr lang="ru-RU" sz="1000" dirty="0" err="1">
-                <a:solidFill>
-                  <a:srgbClr val="000000"/>
-                </a:solidFill>
-                <a:latin typeface="Times New Roman"/>
-                <a:ea typeface="+mn-lt"/>
-                <a:cs typeface="Times New Roman"/>
-              </a:rPr>
-              <a:t>cipher</a:t>
-            </a:r>
-            <a:r>
-              <a:rPr lang="ru-RU" sz="1000" dirty="0">
-                <a:solidFill>
-                  <a:srgbClr val="000000"/>
-                </a:solidFill>
-                <a:latin typeface="Times New Roman"/>
-                <a:ea typeface="+mn-lt"/>
-                <a:cs typeface="Times New Roman"/>
-              </a:rPr>
-              <a:t>,</a:t>
-            </a:r>
-          </a:p>
-          <a:p>
-            <a:pPr algn="just"/>
-            <a:r>
-              <a:rPr lang="ru-RU" sz="1000" dirty="0">
-                <a:solidFill>
-                  <a:srgbClr val="000000"/>
-                </a:solidFill>
-                <a:latin typeface="Times New Roman"/>
-                <a:ea typeface="+mn-lt"/>
-                <a:cs typeface="Times New Roman"/>
-              </a:rPr>
-              <a:t>        </a:t>
-            </a:r>
-            <a:r>
-              <a:rPr lang="ru-RU" sz="1000" dirty="0" err="1">
-                <a:solidFill>
-                  <a:srgbClr val="000000"/>
-                </a:solidFill>
-                <a:latin typeface="Times New Roman"/>
-                <a:ea typeface="+mn-lt"/>
-                <a:cs typeface="Times New Roman"/>
-              </a:rPr>
-              <a:t>iv</a:t>
-            </a:r>
-            <a:endParaRPr lang="ru-RU" sz="1000" dirty="0">
-              <a:solidFill>
-                <a:srgbClr val="000000"/>
-              </a:solidFill>
-              <a:latin typeface="Times New Roman"/>
-              <a:ea typeface="+mn-lt"/>
-              <a:cs typeface="Times New Roman"/>
-            </a:endParaRPr>
-          </a:p>
-          <a:p>
-            <a:pPr algn="just"/>
-            <a:r>
-              <a:rPr lang="ru-RU" sz="1000" dirty="0">
-                <a:solidFill>
-                  <a:srgbClr val="000000"/>
-                </a:solidFill>
-                <a:latin typeface="Times New Roman"/>
-                <a:ea typeface="+mn-lt"/>
-                <a:cs typeface="Times New Roman"/>
-              </a:rPr>
-              <a:t>    } = </a:t>
-            </a:r>
-            <a:r>
-              <a:rPr lang="ru-RU" sz="1000" dirty="0" err="1">
-                <a:solidFill>
-                  <a:srgbClr val="000000"/>
-                </a:solidFill>
-                <a:latin typeface="Times New Roman"/>
-                <a:ea typeface="+mn-lt"/>
-                <a:cs typeface="Times New Roman"/>
-              </a:rPr>
-              <a:t>await</a:t>
-            </a:r>
-            <a:r>
-              <a:rPr lang="ru-RU" sz="1000" dirty="0">
-                <a:solidFill>
-                  <a:srgbClr val="000000"/>
-                </a:solidFill>
-                <a:latin typeface="Times New Roman"/>
-                <a:ea typeface="+mn-lt"/>
-                <a:cs typeface="Times New Roman"/>
-              </a:rPr>
-              <a:t> </a:t>
-            </a:r>
-            <a:r>
-              <a:rPr lang="ru-RU" sz="1000" dirty="0" err="1">
-                <a:solidFill>
-                  <a:srgbClr val="000000"/>
-                </a:solidFill>
-                <a:latin typeface="Times New Roman"/>
-                <a:ea typeface="+mn-lt"/>
-                <a:cs typeface="Times New Roman"/>
-              </a:rPr>
-              <a:t>encrypt</a:t>
-            </a:r>
-            <a:r>
-              <a:rPr lang="ru-RU" sz="1000" dirty="0">
-                <a:solidFill>
-                  <a:srgbClr val="000000"/>
-                </a:solidFill>
-                <a:latin typeface="Times New Roman"/>
-                <a:ea typeface="+mn-lt"/>
-                <a:cs typeface="Times New Roman"/>
-              </a:rPr>
-              <a:t>(</a:t>
-            </a:r>
-            <a:r>
-              <a:rPr lang="ru-RU" sz="1000" dirty="0" err="1">
-                <a:solidFill>
-                  <a:srgbClr val="000000"/>
-                </a:solidFill>
-                <a:latin typeface="Times New Roman"/>
-                <a:ea typeface="+mn-lt"/>
-                <a:cs typeface="Times New Roman"/>
-              </a:rPr>
-              <a:t>msg</a:t>
-            </a:r>
-            <a:r>
-              <a:rPr lang="ru-RU" sz="1000" dirty="0">
-                <a:solidFill>
-                  <a:srgbClr val="000000"/>
-                </a:solidFill>
-                <a:latin typeface="Times New Roman"/>
-                <a:ea typeface="+mn-lt"/>
-                <a:cs typeface="Times New Roman"/>
-              </a:rPr>
-              <a:t>, </a:t>
-            </a:r>
-            <a:r>
-              <a:rPr lang="ru-RU" sz="1000" dirty="0" err="1">
-                <a:solidFill>
-                  <a:srgbClr val="000000"/>
-                </a:solidFill>
-                <a:latin typeface="Times New Roman"/>
-                <a:ea typeface="+mn-lt"/>
-                <a:cs typeface="Times New Roman"/>
-              </a:rPr>
-              <a:t>key</a:t>
-            </a:r>
-            <a:r>
-              <a:rPr lang="ru-RU" sz="1000" dirty="0">
-                <a:solidFill>
-                  <a:srgbClr val="000000"/>
-                </a:solidFill>
-                <a:latin typeface="Times New Roman"/>
-                <a:ea typeface="+mn-lt"/>
-                <a:cs typeface="Times New Roman"/>
-              </a:rPr>
-              <a:t>)</a:t>
-            </a:r>
-          </a:p>
-          <a:p>
-            <a:pPr algn="just"/>
-            <a:endParaRPr lang="ru-RU" sz="1000" dirty="0">
-              <a:solidFill>
-                <a:srgbClr val="000000"/>
-              </a:solidFill>
-              <a:latin typeface="Times New Roman"/>
-              <a:ea typeface="+mn-lt"/>
-              <a:cs typeface="Times New Roman"/>
-            </a:endParaRPr>
-          </a:p>
-          <a:p>
-            <a:pPr algn="just"/>
-            <a:r>
-              <a:rPr lang="ru-RU" sz="1000">
-                <a:solidFill>
-                  <a:srgbClr val="000000"/>
-                </a:solidFill>
-                <a:latin typeface="Times New Roman"/>
-                <a:ea typeface="+mn-lt"/>
-                <a:cs typeface="Times New Roman"/>
-              </a:rPr>
-              <a:t>// выводим данные в консоль</a:t>
-            </a:r>
-          </a:p>
-          <a:p>
-            <a:pPr algn="just"/>
-            <a:r>
-              <a:rPr lang="ru-RU" sz="1000">
-                <a:solidFill>
-                  <a:srgbClr val="000000"/>
-                </a:solidFill>
-                <a:latin typeface="Times New Roman"/>
-                <a:ea typeface="+mn-lt"/>
-                <a:cs typeface="Times New Roman"/>
-              </a:rPr>
-              <a:t>    console.log(</a:t>
-            </a:r>
-            <a:r>
-              <a:rPr lang="ru-RU" sz="1000" err="1">
-                <a:solidFill>
-                  <a:srgbClr val="000000"/>
-                </a:solidFill>
-                <a:latin typeface="Times New Roman"/>
-                <a:ea typeface="+mn-lt"/>
-                <a:cs typeface="Times New Roman"/>
-              </a:rPr>
-              <a:t>data</a:t>
-            </a:r>
-            <a:r>
-              <a:rPr lang="ru-RU" sz="1000">
-                <a:solidFill>
-                  <a:srgbClr val="000000"/>
-                </a:solidFill>
-                <a:latin typeface="Times New Roman"/>
-                <a:ea typeface="+mn-lt"/>
-                <a:cs typeface="Times New Roman"/>
-              </a:rPr>
-              <a:t>)</a:t>
-            </a:r>
-          </a:p>
-          <a:p>
-            <a:pPr algn="just"/>
-            <a:endParaRPr lang="ru-RU" sz="1000" dirty="0">
-              <a:solidFill>
-                <a:srgbClr val="000000"/>
-              </a:solidFill>
-              <a:latin typeface="Times New Roman"/>
-              <a:ea typeface="+mn-lt"/>
-              <a:cs typeface="Times New Roman"/>
-            </a:endParaRPr>
-          </a:p>
-          <a:p>
-            <a:pPr algn="just"/>
-            <a:endParaRPr lang="ru-RU" sz="1000" dirty="0">
-              <a:solidFill>
-                <a:srgbClr val="D4D4D4"/>
-              </a:solidFill>
-              <a:latin typeface="Times New Roman"/>
-              <a:cs typeface="Times New Roman"/>
-            </a:endParaRPr>
-          </a:p>
-          <a:p>
-            <a:pPr algn="just"/>
-            <a:endParaRPr lang="ru-RU" sz="1000" dirty="0">
-              <a:solidFill>
-                <a:srgbClr val="6A9955"/>
-              </a:solidFill>
-              <a:latin typeface="Times New Roman" panose="02020603050405020304" pitchFamily="18" charset="0"/>
-              <a:cs typeface="Times New Roman"/>
-            </a:endParaRPr>
-          </a:p>
-          <a:p>
-            <a:pPr algn="just"/>
-            <a:endParaRPr lang="ru-RU" sz="800" b="1" dirty="0">
-              <a:latin typeface="Times New Roman" panose="02020603050405020304" pitchFamily="18" charset="0"/>
-              <a:cs typeface="Times New Roman"/>
-            </a:endParaRPr>
-          </a:p>
-        </p:txBody>
-      </p:sp>
-      <p:sp>
-        <p:nvSpPr>
-          <p:cNvPr id="6" name="TextBox 5">
-            <a:extLst>
-              <a:ext uri="{FF2B5EF4-FFF2-40B4-BE49-F238E27FC236}">
-                <a16:creationId xmlns:a16="http://schemas.microsoft.com/office/drawing/2014/main" id="{3C9CF4A2-79CA-F1C9-46BA-C86037CFA5D6}"/>
-              </a:ext>
-            </a:extLst>
-          </p:cNvPr>
-          <p:cNvSpPr txBox="1"/>
-          <p:nvPr/>
-        </p:nvSpPr>
-        <p:spPr>
-          <a:xfrm>
-            <a:off x="645559" y="1529311"/>
-            <a:ext cx="5340693" cy="5824480"/>
-          </a:xfrm>
-          <a:prstGeom prst="rect">
-            <a:avLst/>
-          </a:prstGeom>
-          <a:noFill/>
-        </p:spPr>
-        <p:txBody>
-          <a:bodyPr wrap="square" lIns="91440" tIns="45720" rIns="91440" bIns="45720" rtlCol="0" anchor="t">
-            <a:spAutoFit/>
-          </a:bodyPr>
-          <a:lstStyle/>
-          <a:p>
-            <a:pPr algn="just">
-              <a:lnSpc>
-                <a:spcPct val="150000"/>
-              </a:lnSpc>
-            </a:pPr>
-            <a:r>
-              <a:rPr lang="ru-RU" sz="1600" dirty="0">
-                <a:latin typeface="Times New Roman"/>
-                <a:ea typeface="+mn-lt"/>
-                <a:cs typeface="Times New Roman"/>
-              </a:rPr>
-              <a:t>«Криптографическое приложение» позволяет шифровать и дешифровать данные с использованием различных криптографических алгоритмов и ключей.</a:t>
-            </a:r>
-            <a:endParaRPr lang="ru-RU" sz="1600">
-              <a:latin typeface="Times New Roman"/>
-              <a:cs typeface="Calibri"/>
-            </a:endParaRPr>
-          </a:p>
-          <a:p>
-            <a:pPr marL="571500" indent="-285750" algn="just">
-              <a:lnSpc>
-                <a:spcPct val="150000"/>
-              </a:lnSpc>
-              <a:buFont typeface="Arial"/>
-              <a:buChar char="•"/>
-            </a:pPr>
-            <a:r>
-              <a:rPr lang="ru-RU" sz="1600" dirty="0">
-                <a:latin typeface="Times New Roman"/>
-                <a:ea typeface="+mn-lt"/>
-                <a:cs typeface="Times New Roman"/>
-              </a:rPr>
-              <a:t>Язык программирования </a:t>
-            </a:r>
-            <a:r>
-              <a:rPr lang="en-US" sz="1600" dirty="0">
-                <a:latin typeface="Times New Roman"/>
-                <a:ea typeface="+mn-lt"/>
-                <a:cs typeface="Times New Roman"/>
-              </a:rPr>
-              <a:t>JavaScript</a:t>
-            </a:r>
-            <a:endParaRPr lang="ru-RU" sz="1600" dirty="0">
-              <a:latin typeface="Times New Roman"/>
-              <a:cs typeface="Times New Roman"/>
-            </a:endParaRPr>
-          </a:p>
-          <a:p>
-            <a:pPr marL="571500" indent="-285750" algn="just">
-              <a:lnSpc>
-                <a:spcPct val="150000"/>
-              </a:lnSpc>
-              <a:buFont typeface="Arial"/>
-              <a:buChar char="•"/>
-            </a:pPr>
-            <a:r>
-              <a:rPr lang="ru-RU" sz="1600" dirty="0">
-                <a:latin typeface="Times New Roman"/>
-                <a:ea typeface="+mn-lt"/>
-                <a:cs typeface="Times New Roman"/>
-              </a:rPr>
-              <a:t>Язык разметки </a:t>
-            </a:r>
-            <a:r>
-              <a:rPr lang="en-US" sz="1600" dirty="0">
-                <a:latin typeface="Times New Roman"/>
-                <a:ea typeface="+mn-lt"/>
-                <a:cs typeface="Times New Roman"/>
-              </a:rPr>
-              <a:t>HTML</a:t>
-            </a:r>
-            <a:endParaRPr lang="ru-RU" sz="1600" dirty="0">
-              <a:latin typeface="Times New Roman"/>
-              <a:ea typeface="+mn-lt"/>
-              <a:cs typeface="Times New Roman"/>
-            </a:endParaRPr>
-          </a:p>
-          <a:p>
-            <a:pPr marL="571500" indent="-285750" algn="just">
-              <a:lnSpc>
-                <a:spcPct val="150000"/>
-              </a:lnSpc>
-              <a:buFont typeface="Arial"/>
-              <a:buChar char="•"/>
-            </a:pPr>
-            <a:r>
-              <a:rPr lang="ru-RU" sz="1600" dirty="0">
-                <a:latin typeface="Times New Roman"/>
-                <a:ea typeface="+mn-lt"/>
-                <a:cs typeface="Times New Roman"/>
-              </a:rPr>
-              <a:t>Язык описания внешнего вида </a:t>
-            </a:r>
-            <a:r>
-              <a:rPr lang="en-US" sz="1600" dirty="0">
-                <a:latin typeface="Times New Roman"/>
-                <a:ea typeface="+mn-lt"/>
-                <a:cs typeface="Times New Roman"/>
-              </a:rPr>
-              <a:t>CSS</a:t>
-            </a:r>
-            <a:endParaRPr lang="ru-RU" sz="1600" dirty="0">
-              <a:latin typeface="Times New Roman"/>
-              <a:ea typeface="+mn-lt"/>
-              <a:cs typeface="Times New Roman"/>
-            </a:endParaRPr>
-          </a:p>
-          <a:p>
-            <a:pPr marL="571500" indent="-285750" algn="just">
-              <a:lnSpc>
-                <a:spcPct val="150000"/>
-              </a:lnSpc>
-              <a:buFont typeface="Arial"/>
-              <a:buChar char="•"/>
-            </a:pPr>
-            <a:r>
-              <a:rPr lang="ru-RU" sz="1600" dirty="0">
-                <a:latin typeface="Times New Roman"/>
-                <a:cs typeface="Times New Roman"/>
-              </a:rPr>
-              <a:t>Текстовый редактор – </a:t>
-            </a:r>
-            <a:r>
-              <a:rPr lang="en-US" sz="1600" dirty="0">
-                <a:latin typeface="Times New Roman"/>
-                <a:cs typeface="Times New Roman"/>
-              </a:rPr>
-              <a:t>Visual Studio Code</a:t>
-            </a:r>
-          </a:p>
-          <a:p>
-            <a:pPr algn="just">
-              <a:lnSpc>
-                <a:spcPct val="150000"/>
-              </a:lnSpc>
-            </a:pPr>
-            <a:r>
-              <a:rPr lang="ru-RU" sz="1600" dirty="0">
-                <a:latin typeface="Times New Roman"/>
-                <a:cs typeface="Times New Roman"/>
-              </a:rPr>
-              <a:t>Плагины:</a:t>
-            </a:r>
-            <a:endParaRPr lang="en-US" sz="1600" dirty="0">
-              <a:latin typeface="Times New Roman"/>
-              <a:cs typeface="Times New Roman"/>
-            </a:endParaRPr>
-          </a:p>
-          <a:p>
-            <a:pPr algn="just">
-              <a:lnSpc>
-                <a:spcPct val="150000"/>
-              </a:lnSpc>
-              <a:buFont typeface="Arial"/>
-              <a:buChar char="•"/>
-            </a:pPr>
-            <a:r>
-              <a:rPr lang="ru-RU" sz="1600" dirty="0">
-                <a:latin typeface="Times New Roman"/>
-                <a:cs typeface="Times New Roman"/>
-              </a:rPr>
-              <a:t>Live Server </a:t>
-            </a:r>
-            <a:endParaRPr lang="en-US" sz="1600" dirty="0">
-              <a:latin typeface="Times New Roman"/>
-              <a:cs typeface="Times New Roman"/>
-            </a:endParaRPr>
-          </a:p>
-          <a:p>
-            <a:pPr algn="just">
-              <a:lnSpc>
-                <a:spcPct val="150000"/>
-              </a:lnSpc>
-              <a:buFont typeface="Arial"/>
-              <a:buChar char="•"/>
-            </a:pPr>
-            <a:r>
-              <a:rPr lang="ru-RU" sz="1600" dirty="0" err="1">
-                <a:latin typeface="Times New Roman"/>
-                <a:cs typeface="Times New Roman"/>
-              </a:rPr>
-              <a:t>Prettier</a:t>
-            </a:r>
-            <a:r>
-              <a:rPr lang="ru-RU" sz="1600" dirty="0">
-                <a:latin typeface="Times New Roman"/>
-                <a:cs typeface="Times New Roman"/>
-              </a:rPr>
-              <a:t> – </a:t>
-            </a:r>
-            <a:r>
-              <a:rPr lang="en-US" sz="1600" dirty="0">
-                <a:latin typeface="Times New Roman"/>
-                <a:cs typeface="Times New Roman"/>
-              </a:rPr>
-              <a:t>Code</a:t>
-            </a:r>
-            <a:r>
-              <a:rPr lang="ru-RU" sz="1600" dirty="0">
-                <a:latin typeface="Times New Roman"/>
-                <a:cs typeface="Times New Roman"/>
-              </a:rPr>
-              <a:t> </a:t>
-            </a:r>
-            <a:r>
-              <a:rPr lang="en-US" sz="1600" dirty="0">
-                <a:latin typeface="Times New Roman"/>
-                <a:cs typeface="Times New Roman"/>
-              </a:rPr>
-              <a:t>Formatter</a:t>
-            </a:r>
-            <a:r>
-              <a:rPr lang="ru-RU" sz="1600" dirty="0">
-                <a:latin typeface="Times New Roman"/>
-                <a:cs typeface="Times New Roman"/>
-              </a:rPr>
-              <a:t> </a:t>
-            </a:r>
-            <a:endParaRPr lang="en-US" sz="1600" dirty="0">
-              <a:latin typeface="Times New Roman"/>
-              <a:cs typeface="Times New Roman"/>
-            </a:endParaRPr>
-          </a:p>
-          <a:p>
-            <a:pPr algn="just">
-              <a:lnSpc>
-                <a:spcPct val="150000"/>
-              </a:lnSpc>
-            </a:pPr>
-            <a:r>
-              <a:rPr lang="ru-RU" sz="1600" dirty="0">
-                <a:latin typeface="Times New Roman"/>
-                <a:cs typeface="Times New Roman"/>
-              </a:rPr>
-              <a:t>(Приложение 2)</a:t>
-            </a:r>
-            <a:endParaRPr lang="en-US" sz="1600" dirty="0">
-              <a:latin typeface="Times New Roman"/>
-              <a:cs typeface="Times New Roman"/>
-            </a:endParaRPr>
-          </a:p>
-          <a:p>
-            <a:pPr algn="just">
-              <a:lnSpc>
-                <a:spcPct val="150000"/>
-              </a:lnSpc>
-            </a:pPr>
-            <a:r>
-              <a:rPr lang="ru-RU" sz="1600" dirty="0">
-                <a:latin typeface="Times New Roman"/>
-                <a:cs typeface="Times New Roman"/>
-              </a:rPr>
-              <a:t>Размер - 2,91 МБ (3 054 221 байт)</a:t>
-            </a:r>
-          </a:p>
-          <a:p>
-            <a:pPr algn="just">
-              <a:lnSpc>
-                <a:spcPct val="150000"/>
-              </a:lnSpc>
-            </a:pPr>
-            <a:r>
-              <a:rPr lang="ru-RU" sz="1600" dirty="0">
-                <a:latin typeface="Times New Roman"/>
-                <a:cs typeface="Times New Roman"/>
-              </a:rPr>
-              <a:t>На диске - 4,18 МБ (4 386 816 байт)</a:t>
-            </a:r>
-          </a:p>
-          <a:p>
-            <a:pPr algn="just">
-              <a:lnSpc>
-                <a:spcPct val="150000"/>
-              </a:lnSpc>
-            </a:pPr>
-            <a:endParaRPr lang="ru-RU" sz="1400" dirty="0">
-              <a:latin typeface="Times New Roman" panose="02020603050405020304" pitchFamily="18" charset="0"/>
-              <a:cs typeface="Times New Roman" panose="02020603050405020304" pitchFamily="18" charset="0"/>
-            </a:endParaRPr>
-          </a:p>
-          <a:p>
-            <a:pPr marL="285750" algn="just">
-              <a:lnSpc>
-                <a:spcPct val="150000"/>
-              </a:lnSpc>
-              <a:buFont typeface="Arial"/>
-              <a:buChar char="•"/>
-            </a:pPr>
-            <a:endParaRPr lang="en-US" sz="1400" dirty="0">
-              <a:latin typeface="Times New Roman" panose="02020603050405020304" pitchFamily="18" charset="0"/>
-              <a:cs typeface="Times New Roman" panose="02020603050405020304" pitchFamily="18" charset="0"/>
-            </a:endParaRPr>
-          </a:p>
-          <a:p>
-            <a:pPr algn="just">
-              <a:lnSpc>
-                <a:spcPct val="150000"/>
-              </a:lnSpc>
-            </a:pPr>
-            <a:endParaRPr lang="ru-RU" sz="1400" dirty="0">
-              <a:latin typeface="Times New Roman" panose="02020603050405020304" pitchFamily="18" charset="0"/>
-              <a:cs typeface="Times New Roman" panose="02020603050405020304" pitchFamily="18" charset="0"/>
-            </a:endParaRPr>
-          </a:p>
-        </p:txBody>
-      </p:sp>
-      <p:sp>
-        <p:nvSpPr>
-          <p:cNvPr id="7" name="TextBox 6">
-            <a:extLst>
-              <a:ext uri="{FF2B5EF4-FFF2-40B4-BE49-F238E27FC236}">
-                <a16:creationId xmlns:a16="http://schemas.microsoft.com/office/drawing/2014/main" id="{53D62E7F-5327-92DF-3ECF-3BE1EFD04B7E}"/>
-              </a:ext>
-            </a:extLst>
-          </p:cNvPr>
-          <p:cNvSpPr txBox="1"/>
-          <p:nvPr/>
-        </p:nvSpPr>
-        <p:spPr>
-          <a:xfrm>
-            <a:off x="7816957" y="1933830"/>
-            <a:ext cx="3907924" cy="246221"/>
-          </a:xfrm>
-          <a:prstGeom prst="rect">
-            <a:avLst/>
-          </a:prstGeom>
-          <a:noFill/>
-        </p:spPr>
-        <p:txBody>
-          <a:bodyPr wrap="square" lIns="91440" tIns="45720" rIns="91440" bIns="45720" rtlCol="0" anchor="t">
-            <a:spAutoFit/>
-          </a:bodyPr>
-          <a:lstStyle/>
-          <a:p>
-            <a:pPr algn="just"/>
-            <a:endParaRPr lang="ru-RU" sz="1000" dirty="0">
-              <a:solidFill>
-                <a:srgbClr val="D4D4D4"/>
-              </a:solidFill>
-              <a:latin typeface="Times New Roman" panose="02020603050405020304" pitchFamily="18" charset="0"/>
-              <a:cs typeface="Times New Roman"/>
-            </a:endParaRPr>
-          </a:p>
-        </p:txBody>
-      </p:sp>
+      </p:pic>
     </p:spTree>
     <p:extLst>
       <p:ext uri="{BB962C8B-B14F-4D97-AF65-F5344CB8AC3E}">
-        <p14:creationId xmlns:p14="http://schemas.microsoft.com/office/powerpoint/2010/main" val="2482637325"/>
+        <p14:creationId xmlns:p14="http://schemas.microsoft.com/office/powerpoint/2010/main" val="3899551562"/>
       </p:ext>
     </p:extLst>
   </p:cSld>
@@ -6527,7 +5815,7 @@
         <p:spPr>
           <a:xfrm>
             <a:off x="5222116" y="114300"/>
-            <a:ext cx="5903084" cy="1115216"/>
+            <a:ext cx="6319525" cy="1115216"/>
           </a:xfrm>
         </p:spPr>
         <p:txBody>
@@ -6542,29 +5830,36 @@
                 <a:solidFill>
                   <a:schemeClr val="bg1"/>
                 </a:solidFill>
-                <a:latin typeface="Times New Roman"/>
-                <a:cs typeface="Times New Roman"/>
-              </a:rPr>
-              <a:t>Тестирование и отладка</a:t>
-            </a:r>
-            <a:endParaRPr lang="ru-RU" dirty="0">
+                <a:latin typeface="Calibri"/>
+                <a:cs typeface="Times New Roman"/>
+              </a:rPr>
+              <a:t>Текст программы с описанием</a:t>
+            </a:r>
+            <a:endParaRPr lang="ru-RU" sz="4000" dirty="0">
               <a:solidFill>
                 <a:schemeClr val="bg1"/>
               </a:solidFill>
+              <a:latin typeface="Calibri"/>
             </a:endParaRPr>
           </a:p>
         </p:txBody>
       </p:sp>
       <p:sp>
         <p:nvSpPr>
-          <p:cNvPr id="5" name="TextBox 4"/>
+          <p:cNvPr id="7" name="TextBox 6">
+            <a:extLst>
+              <a:ext uri="{FF2B5EF4-FFF2-40B4-BE49-F238E27FC236}">
+                <a16:creationId xmlns:a16="http://schemas.microsoft.com/office/drawing/2014/main" id="{53D62E7F-5327-92DF-3ECF-3BE1EFD04B7E}"/>
+              </a:ext>
+            </a:extLst>
+          </p:cNvPr>
           <p:cNvSpPr txBox="1"/>
           <p:nvPr/>
         </p:nvSpPr>
         <p:spPr>
           <a:xfrm>
-            <a:off x="604191" y="1761332"/>
-            <a:ext cx="11081221" cy="4023987"/>
+            <a:off x="7816957" y="1933830"/>
+            <a:ext cx="3907924" cy="246221"/>
           </a:xfrm>
           <a:prstGeom prst="rect">
             <a:avLst/>
@@ -6578,91 +5873,151 @@
           <a:lstStyle/>
           <a:p>
             <a:pPr algn="just"/>
-            <a:r>
-              <a:rPr lang="ru-RU" dirty="0">
-                <a:latin typeface="Times New Roman"/>
-                <a:cs typeface="Times New Roman"/>
-              </a:rPr>
-              <a:t>Отладка — этап разработки компьютерной программы, на котором обнаруживают, локализуют и устраняют ошибки.</a:t>
-            </a:r>
-          </a:p>
-          <a:p>
-            <a:pPr algn="just"/>
-            <a:r>
-              <a:rPr lang="ru-RU" dirty="0">
-                <a:latin typeface="Times New Roman"/>
-                <a:cs typeface="Times New Roman"/>
-              </a:rPr>
-              <a:t>Для тестирования и отладки криптографического приложения можно использовать различные подходы и техники.</a:t>
-            </a:r>
-          </a:p>
-          <a:p>
-            <a:pPr marL="285750" indent="-285750" algn="just">
-              <a:buFont typeface="Arial"/>
-              <a:buChar char="•"/>
-            </a:pPr>
-            <a:r>
-              <a:rPr lang="ru-RU" dirty="0">
-                <a:latin typeface="Times New Roman"/>
-                <a:cs typeface="Times New Roman"/>
-              </a:rPr>
-              <a:t>Функциональное тестирование. Проверка корректности работы каждой функции приложения и достижения ожидаемого результата. Например, проверка правильности шифрования и дешифрования данных с использованием различных алгоритмов и ключей.</a:t>
-            </a:r>
-          </a:p>
-          <a:p>
-            <a:pPr marL="285750" indent="-285750" algn="just">
-              <a:buFont typeface="Arial"/>
-              <a:buChar char="•"/>
-            </a:pPr>
-            <a:r>
-              <a:rPr lang="ru-RU" dirty="0">
-                <a:latin typeface="Times New Roman"/>
-                <a:cs typeface="Times New Roman"/>
-              </a:rPr>
-              <a:t>Тестирование производительности. Проверка скорости работы приложения и его отклика на запросы пользователя. Например, измерение времени шифрования и дешифрования данных различных размеров и форматов.</a:t>
-            </a:r>
-          </a:p>
-          <a:p>
-            <a:pPr marL="285750" indent="-285750" algn="just">
-              <a:buFont typeface="Arial"/>
-              <a:buChar char="•"/>
-            </a:pPr>
-            <a:r>
-              <a:rPr lang="ru-RU" dirty="0">
-                <a:latin typeface="Times New Roman"/>
-                <a:cs typeface="Times New Roman"/>
-              </a:rPr>
-              <a:t>Тестирование безопасности. Тестирование устойчивости к известным криптографическим атакам. Например, атакам на основе известного открытого текста.</a:t>
-            </a:r>
-          </a:p>
-          <a:p>
-            <a:pPr algn="just">
-              <a:lnSpc>
-                <a:spcPct val="150000"/>
-              </a:lnSpc>
-            </a:pPr>
-            <a:endParaRPr lang="ru-RU" sz="1400" dirty="0">
-              <a:latin typeface="Times New Roman"/>
+            <a:endParaRPr lang="ru-RU" sz="1000" dirty="0">
+              <a:solidFill>
+                <a:srgbClr val="D4D4D4"/>
+              </a:solidFill>
+              <a:latin typeface="Times New Roman" panose="02020603050405020304" pitchFamily="18" charset="0"/>
               <a:cs typeface="Times New Roman"/>
             </a:endParaRPr>
           </a:p>
-          <a:p>
-            <a:pPr algn="just">
-              <a:lnSpc>
-                <a:spcPct val="150000"/>
-              </a:lnSpc>
-            </a:pPr>
-            <a:endParaRPr lang="ru-RU" sz="1400" dirty="0">
-              <a:latin typeface="Times New Roman" panose="02020603050405020304" pitchFamily="18" charset="0"/>
-              <a:cs typeface="Times New Roman" panose="02020603050405020304" pitchFamily="18" charset="0"/>
-            </a:endParaRPr>
+        </p:txBody>
+      </p:sp>
+      <p:pic>
+        <p:nvPicPr>
+          <p:cNvPr id="3" name="Picture 2" descr="A screen shot of a computer code&#10;&#10;Автоматически созданное описание">
+            <a:extLst>
+              <a:ext uri="{FF2B5EF4-FFF2-40B4-BE49-F238E27FC236}">
+                <a16:creationId xmlns:a16="http://schemas.microsoft.com/office/drawing/2014/main" id="{A8893398-A724-36FC-6DAA-EA8244BD5504}"/>
+              </a:ext>
+            </a:extLst>
+          </p:cNvPr>
+          <p:cNvPicPr>
+            <a:picLocks noChangeAspect="1"/>
+          </p:cNvPicPr>
+          <p:nvPr/>
+        </p:nvPicPr>
+        <p:blipFill>
+          <a:blip r:embed="rId3"/>
+          <a:stretch>
+            <a:fillRect/>
+          </a:stretch>
+        </p:blipFill>
+        <p:spPr>
+          <a:xfrm>
+            <a:off x="1214687" y="1629277"/>
+            <a:ext cx="5160544" cy="3459078"/>
+          </a:xfrm>
+          <a:prstGeom prst="rect">
+            <a:avLst/>
+          </a:prstGeom>
+        </p:spPr>
+      </p:pic>
+      <p:sp>
+        <p:nvSpPr>
+          <p:cNvPr id="5" name="TextBox 4">
+            <a:extLst>
+              <a:ext uri="{FF2B5EF4-FFF2-40B4-BE49-F238E27FC236}">
+                <a16:creationId xmlns:a16="http://schemas.microsoft.com/office/drawing/2014/main" id="{9E2A6307-8D53-536E-FE9D-3188FC1A658C}"/>
+              </a:ext>
+            </a:extLst>
+          </p:cNvPr>
+          <p:cNvSpPr txBox="1"/>
+          <p:nvPr/>
+        </p:nvSpPr>
+        <p:spPr>
+          <a:xfrm>
+            <a:off x="1112922" y="5323973"/>
+            <a:ext cx="6246394" cy="707886"/>
+          </a:xfrm>
+          <a:prstGeom prst="rect">
+            <a:avLst/>
+          </a:prstGeom>
+          <a:noFill/>
+        </p:spPr>
+        <p:txBody>
+          <a:bodyPr rot="0" spcFirstLastPara="0" vertOverflow="overflow" horzOverflow="overflow" vert="horz" wrap="square" lIns="91440" tIns="45720" rIns="91440" bIns="45720" numCol="1" spcCol="0" rtlCol="0" fromWordArt="0" anchor="t" anchorCtr="0" forceAA="0" compatLnSpc="1">
+            <a:prstTxWarp prst="textNoShape">
+              <a:avLst/>
+            </a:prstTxWarp>
+            <a:spAutoFit/>
+          </a:bodyPr>
+          <a:lstStyle/>
+          <a:p>
+            <a:r>
+              <a:rPr lang="en-US" sz="2000" err="1">
+                <a:cs typeface="Calibri"/>
+              </a:rPr>
+              <a:t>Создание</a:t>
+            </a:r>
+            <a:r>
+              <a:rPr lang="en-US" sz="2000" dirty="0">
+                <a:cs typeface="Calibri"/>
+              </a:rPr>
+              <a:t> </a:t>
+            </a:r>
+            <a:r>
+              <a:rPr lang="en-US" sz="2000" err="1">
+                <a:cs typeface="Calibri"/>
+              </a:rPr>
+              <a:t>функции</a:t>
+            </a:r>
+            <a:r>
+              <a:rPr lang="en-US" sz="2000" dirty="0">
+                <a:cs typeface="Calibri"/>
+              </a:rPr>
+              <a:t> </a:t>
+            </a:r>
+            <a:r>
+              <a:rPr lang="en-US" sz="2000" err="1">
+                <a:cs typeface="Calibri"/>
+              </a:rPr>
+              <a:t>для</a:t>
+            </a:r>
+            <a:r>
+              <a:rPr lang="en-US" sz="2000" dirty="0">
+                <a:cs typeface="Calibri"/>
+              </a:rPr>
+              <a:t> </a:t>
+            </a:r>
+            <a:r>
+              <a:rPr lang="en-US" sz="2000" err="1">
+                <a:cs typeface="Calibri"/>
+              </a:rPr>
+              <a:t>генерации</a:t>
+            </a:r>
+            <a:r>
+              <a:rPr lang="en-US" sz="2000" dirty="0">
+                <a:cs typeface="Calibri"/>
+              </a:rPr>
+              <a:t> </a:t>
+            </a:r>
+            <a:r>
+              <a:rPr lang="en-US" sz="2000" err="1">
+                <a:cs typeface="Calibri"/>
+              </a:rPr>
+              <a:t>симметричного</a:t>
+            </a:r>
+            <a:r>
+              <a:rPr lang="en-US" sz="2000" dirty="0">
+                <a:cs typeface="Calibri"/>
+              </a:rPr>
+              <a:t> </a:t>
+            </a:r>
+            <a:r>
+              <a:rPr lang="en-US" sz="2000" err="1">
+                <a:cs typeface="Calibri"/>
+              </a:rPr>
+              <a:t>ключа</a:t>
+            </a:r>
+            <a:endParaRPr lang="en-US" sz="2000" err="1"/>
           </a:p>
         </p:txBody>
       </p:sp>
     </p:spTree>
     <p:extLst>
       <p:ext uri="{BB962C8B-B14F-4D97-AF65-F5344CB8AC3E}">
-        <p14:creationId xmlns:p14="http://schemas.microsoft.com/office/powerpoint/2010/main" val="486506308"/>
+        <p14:creationId xmlns:p14="http://schemas.microsoft.com/office/powerpoint/2010/main" val="2482637325"/>
       </p:ext>
     </p:extLst>
   </p:cSld>
@@ -6705,50 +6060,20 @@
       </p:grpSpPr>
       <p:sp>
         <p:nvSpPr>
-          <p:cNvPr id="2" name="Заголовок 1"/>
-          <p:cNvSpPr>
-            <a:spLocks noGrp="1"/>
-          </p:cNvSpPr>
-          <p:nvPr>
-            <p:ph type="title"/>
-          </p:nvPr>
+          <p:cNvPr id="7" name="TextBox 6">
+            <a:extLst>
+              <a:ext uri="{FF2B5EF4-FFF2-40B4-BE49-F238E27FC236}">
+                <a16:creationId xmlns:a16="http://schemas.microsoft.com/office/drawing/2014/main" id="{53D62E7F-5327-92DF-3ECF-3BE1EFD04B7E}"/>
+              </a:ext>
+            </a:extLst>
+          </p:cNvPr>
+          <p:cNvSpPr txBox="1"/>
+          <p:nvPr/>
         </p:nvSpPr>
         <p:spPr>
           <a:xfrm>
-            <a:off x="5222116" y="114300"/>
-            <a:ext cx="5903084" cy="1115216"/>
-          </a:xfrm>
-        </p:spPr>
-        <p:txBody>
-          <a:bodyPr>
-            <a:noAutofit/>
-          </a:bodyPr>
-          <a:lstStyle/>
-          <a:p>
-            <a:pPr lvl="1"/>
-            <a:r>
-              <a:rPr lang="ru-RU" sz="4000" b="1" dirty="0">
-                <a:solidFill>
-                  <a:schemeClr val="bg1"/>
-                </a:solidFill>
-                <a:latin typeface="Times New Roman"/>
-                <a:cs typeface="Times New Roman"/>
-              </a:rPr>
-              <a:t>Заключение</a:t>
-            </a:r>
-          </a:p>
-        </p:txBody>
-      </p:sp>
-      <p:sp>
-        <p:nvSpPr>
-          <p:cNvPr id="5" name="TextBox 4"/>
-          <p:cNvSpPr txBox="1"/>
-          <p:nvPr/>
-        </p:nvSpPr>
-        <p:spPr>
-          <a:xfrm>
-            <a:off x="604191" y="1761332"/>
-            <a:ext cx="11081221" cy="5131982"/>
+            <a:off x="7816957" y="1933830"/>
+            <a:ext cx="3907924" cy="246221"/>
           </a:xfrm>
           <a:prstGeom prst="rect">
             <a:avLst/>
@@ -6762,305 +6087,344 @@
           <a:lstStyle/>
           <a:p>
             <a:pPr algn="just"/>
-            <a:r>
-              <a:rPr lang="ru-RU" dirty="0">
-                <a:latin typeface="Times New Roman"/>
-                <a:cs typeface="Times New Roman"/>
-              </a:rPr>
-              <a:t>В заключении данной курсовой работы можно подвести итоги, которые отражают актуальность данной темы. Разработка криптографических приложений требует глубокого понимания криптографических алгоритмов, методов управления ключами и мер безопасности. Следует помнить, что криптография — это постоянно развивающаяся область, и разработчики должны быть в курсе последних тенденций и угроз безопасности, чтобы гарантировать, что их приложения остаются безопасными и надежными.</a:t>
-            </a:r>
-          </a:p>
-          <a:p>
-            <a:pPr algn="just"/>
-            <a:r>
-              <a:rPr lang="ru-RU" dirty="0">
-                <a:latin typeface="Times New Roman"/>
-                <a:cs typeface="Times New Roman"/>
-              </a:rPr>
-              <a:t>Выводы проделанной мной работы:</a:t>
-            </a:r>
-          </a:p>
-          <a:p>
-            <a:pPr algn="just"/>
-            <a:r>
-              <a:rPr lang="ru-RU" dirty="0">
-                <a:latin typeface="Times New Roman"/>
-                <a:cs typeface="Times New Roman"/>
-              </a:rPr>
-              <a:t>Был проведен анализ приложений, имеющихся в общем доступе и соответствующих тематике криптографических приложений.</a:t>
-            </a:r>
-          </a:p>
-          <a:p>
-            <a:pPr algn="just"/>
-            <a:r>
-              <a:rPr lang="ru-RU" dirty="0">
-                <a:latin typeface="Times New Roman"/>
-                <a:cs typeface="Times New Roman"/>
-              </a:rPr>
-              <a:t>Я сделал приложение, которое реализует следующие функции:</a:t>
-            </a:r>
-          </a:p>
-          <a:p>
-            <a:pPr marL="285750" indent="-285750" algn="just">
-              <a:buFont typeface="Arial"/>
-              <a:buChar char="•"/>
-            </a:pPr>
-            <a:r>
-              <a:rPr lang="en-US" err="1">
-                <a:latin typeface="Times New Roman"/>
-                <a:cs typeface="Times New Roman"/>
-              </a:rPr>
-              <a:t>Имеет</a:t>
-            </a:r>
-            <a:r>
-              <a:rPr lang="en-US" dirty="0">
-                <a:latin typeface="Times New Roman"/>
-                <a:cs typeface="Times New Roman"/>
-              </a:rPr>
-              <a:t> </a:t>
-            </a:r>
-            <a:r>
-              <a:rPr lang="en-US" err="1">
-                <a:latin typeface="Times New Roman"/>
-                <a:cs typeface="Times New Roman"/>
-              </a:rPr>
-              <a:t>удобный</a:t>
-            </a:r>
-            <a:r>
-              <a:rPr lang="en-US" dirty="0">
-                <a:latin typeface="Times New Roman"/>
-                <a:cs typeface="Times New Roman"/>
-              </a:rPr>
-              <a:t> и </a:t>
-            </a:r>
-            <a:r>
-              <a:rPr lang="en-US" err="1">
-                <a:latin typeface="Times New Roman"/>
-                <a:cs typeface="Times New Roman"/>
-              </a:rPr>
-              <a:t>интуитивно</a:t>
-            </a:r>
-            <a:r>
-              <a:rPr lang="en-US" dirty="0">
-                <a:latin typeface="Times New Roman"/>
-                <a:cs typeface="Times New Roman"/>
-              </a:rPr>
-              <a:t> </a:t>
-            </a:r>
-            <a:r>
-              <a:rPr lang="en-US" err="1">
-                <a:latin typeface="Times New Roman"/>
-                <a:cs typeface="Times New Roman"/>
-              </a:rPr>
-              <a:t>понятный</a:t>
-            </a:r>
-            <a:r>
-              <a:rPr lang="en-US" dirty="0">
-                <a:latin typeface="Times New Roman"/>
-                <a:cs typeface="Times New Roman"/>
-              </a:rPr>
-              <a:t> </a:t>
-            </a:r>
-            <a:r>
-              <a:rPr lang="en-US" err="1">
-                <a:latin typeface="Times New Roman"/>
-                <a:cs typeface="Times New Roman"/>
-              </a:rPr>
-              <a:t>пользовательский</a:t>
-            </a:r>
-            <a:r>
-              <a:rPr lang="en-US" dirty="0">
-                <a:latin typeface="Times New Roman"/>
-                <a:cs typeface="Times New Roman"/>
-              </a:rPr>
-              <a:t> </a:t>
-            </a:r>
-            <a:r>
-              <a:rPr lang="en-US" err="1">
-                <a:latin typeface="Times New Roman"/>
-                <a:cs typeface="Times New Roman"/>
-              </a:rPr>
-              <a:t>интерфейс</a:t>
-            </a:r>
-            <a:r>
-              <a:rPr lang="en-US" dirty="0">
-                <a:latin typeface="Times New Roman"/>
-                <a:cs typeface="Times New Roman"/>
-              </a:rPr>
-              <a:t>, </a:t>
-            </a:r>
-            <a:r>
-              <a:rPr lang="en-US" err="1">
-                <a:latin typeface="Times New Roman"/>
-                <a:cs typeface="Times New Roman"/>
-              </a:rPr>
-              <a:t>позволяющий</a:t>
-            </a:r>
-            <a:r>
-              <a:rPr lang="en-US" dirty="0">
-                <a:latin typeface="Times New Roman"/>
-                <a:cs typeface="Times New Roman"/>
-              </a:rPr>
-              <a:t> </a:t>
-            </a:r>
-            <a:r>
-              <a:rPr lang="en-US" err="1">
-                <a:latin typeface="Times New Roman"/>
-                <a:cs typeface="Times New Roman"/>
-              </a:rPr>
-              <a:t>легко</a:t>
-            </a:r>
-            <a:r>
-              <a:rPr lang="en-US" dirty="0">
-                <a:latin typeface="Times New Roman"/>
-                <a:cs typeface="Times New Roman"/>
-              </a:rPr>
-              <a:t> </a:t>
-            </a:r>
-            <a:r>
-              <a:rPr lang="en-US" err="1">
-                <a:latin typeface="Times New Roman"/>
-                <a:cs typeface="Times New Roman"/>
-              </a:rPr>
-              <a:t>выполнять</a:t>
-            </a:r>
-            <a:r>
-              <a:rPr lang="en-US" dirty="0">
-                <a:latin typeface="Times New Roman"/>
-                <a:cs typeface="Times New Roman"/>
-              </a:rPr>
-              <a:t> </a:t>
-            </a:r>
-            <a:r>
-              <a:rPr lang="en-US" err="1">
-                <a:latin typeface="Times New Roman"/>
-                <a:cs typeface="Times New Roman"/>
-              </a:rPr>
-              <a:t>операции</a:t>
-            </a:r>
-            <a:r>
-              <a:rPr lang="en-US" dirty="0">
-                <a:latin typeface="Times New Roman"/>
-                <a:cs typeface="Times New Roman"/>
-              </a:rPr>
-              <a:t> </a:t>
-            </a:r>
-            <a:r>
-              <a:rPr lang="en-US" err="1">
-                <a:latin typeface="Times New Roman"/>
-                <a:cs typeface="Times New Roman"/>
-              </a:rPr>
-              <a:t>шифрования</a:t>
-            </a:r>
-            <a:r>
-              <a:rPr lang="en-US" dirty="0">
-                <a:latin typeface="Times New Roman"/>
-                <a:cs typeface="Times New Roman"/>
-              </a:rPr>
-              <a:t> и </a:t>
-            </a:r>
-            <a:r>
-              <a:rPr lang="en-US" err="1">
-                <a:latin typeface="Times New Roman"/>
-                <a:cs typeface="Times New Roman"/>
-              </a:rPr>
-              <a:t>дешифрования</a:t>
-            </a:r>
-            <a:r>
-              <a:rPr lang="en-US" dirty="0">
-                <a:latin typeface="Times New Roman"/>
-                <a:cs typeface="Times New Roman"/>
-              </a:rPr>
-              <a:t>.</a:t>
-            </a:r>
-            <a:r>
-              <a:rPr lang="ru-RU" dirty="0">
-                <a:latin typeface="Times New Roman"/>
-                <a:cs typeface="Times New Roman"/>
-              </a:rPr>
-              <a:t> </a:t>
-            </a:r>
-          </a:p>
-          <a:p>
-            <a:pPr marL="285750" indent="-285750" algn="just">
-              <a:buFont typeface="Arial"/>
-              <a:buChar char="•"/>
-            </a:pPr>
-            <a:r>
-              <a:rPr lang="ru-RU" dirty="0">
-                <a:latin typeface="Times New Roman"/>
-                <a:cs typeface="Times New Roman"/>
-              </a:rPr>
-              <a:t>Имеет надежный алгоритм шифрования, который считается безопасным и хорошо зарекомендовал себя.</a:t>
-            </a:r>
-          </a:p>
-          <a:p>
-            <a:pPr marL="285750" indent="-285750" algn="just">
-              <a:buFont typeface="Arial"/>
-              <a:buChar char="•"/>
-            </a:pPr>
-            <a:r>
-              <a:rPr lang="ru-RU" dirty="0">
-                <a:latin typeface="Times New Roman"/>
-                <a:cs typeface="Times New Roman"/>
-              </a:rPr>
-              <a:t>Использует безопасные методы генерации ключей.</a:t>
-            </a:r>
-          </a:p>
-          <a:p>
-            <a:pPr marL="285750" indent="-285750" algn="just">
-              <a:buFont typeface="Arial"/>
-              <a:buChar char="•"/>
-            </a:pPr>
-            <a:r>
-              <a:rPr lang="ru-RU" dirty="0">
-                <a:latin typeface="Times New Roman"/>
-                <a:cs typeface="Times New Roman"/>
-              </a:rPr>
-              <a:t>Предоставляет механизмы для безопасного хранения и управления ключами шифрования.</a:t>
-            </a:r>
-          </a:p>
-          <a:p>
-            <a:pPr marL="285750" indent="-285750" algn="just">
-              <a:buFont typeface="Arial"/>
-              <a:buChar char="•"/>
-            </a:pPr>
-            <a:r>
-              <a:rPr lang="ru-RU" dirty="0">
-                <a:latin typeface="Times New Roman"/>
-                <a:cs typeface="Times New Roman"/>
-              </a:rPr>
-              <a:t>Поддерживает шифрование и дешифрование данных в различных форматах файлов (например, текстовые файлы, изображения, архивы).</a:t>
-            </a:r>
-          </a:p>
-          <a:p>
-            <a:pPr algn="just">
-              <a:lnSpc>
-                <a:spcPct val="150000"/>
-              </a:lnSpc>
-            </a:pPr>
-            <a:endParaRPr lang="ru-RU" sz="1400" dirty="0">
-              <a:latin typeface="Times New Roman"/>
+            <a:endParaRPr lang="ru-RU" sz="1000" dirty="0">
+              <a:solidFill>
+                <a:srgbClr val="D4D4D4"/>
+              </a:solidFill>
+              <a:latin typeface="Times New Roman" panose="02020603050405020304" pitchFamily="18" charset="0"/>
               <a:cs typeface="Times New Roman"/>
             </a:endParaRPr>
           </a:p>
-          <a:p>
-            <a:pPr algn="just">
-              <a:lnSpc>
-                <a:spcPct val="150000"/>
-              </a:lnSpc>
-            </a:pPr>
-            <a:endParaRPr lang="ru-RU" sz="1400" dirty="0">
-              <a:latin typeface="Times New Roman" panose="02020603050405020304" pitchFamily="18" charset="0"/>
-              <a:cs typeface="Times New Roman" panose="02020603050405020304" pitchFamily="18" charset="0"/>
-            </a:endParaRPr>
-          </a:p>
-        </p:txBody>
-      </p:sp>
+        </p:txBody>
+      </p:sp>
+      <p:sp>
+        <p:nvSpPr>
+          <p:cNvPr id="5" name="TextBox 4">
+            <a:extLst>
+              <a:ext uri="{FF2B5EF4-FFF2-40B4-BE49-F238E27FC236}">
+                <a16:creationId xmlns:a16="http://schemas.microsoft.com/office/drawing/2014/main" id="{9E2A6307-8D53-536E-FE9D-3188FC1A658C}"/>
+              </a:ext>
+            </a:extLst>
+          </p:cNvPr>
+          <p:cNvSpPr txBox="1"/>
+          <p:nvPr/>
+        </p:nvSpPr>
+        <p:spPr>
+          <a:xfrm>
+            <a:off x="1022685" y="5323973"/>
+            <a:ext cx="10276972" cy="707886"/>
+          </a:xfrm>
+          <a:prstGeom prst="rect">
+            <a:avLst/>
+          </a:prstGeom>
+          <a:noFill/>
+        </p:spPr>
+        <p:txBody>
+          <a:bodyPr rot="0" spcFirstLastPara="0" vertOverflow="overflow" horzOverflow="overflow" vert="horz" wrap="square" lIns="91440" tIns="45720" rIns="91440" bIns="45720" numCol="1" spcCol="0" rtlCol="0" fromWordArt="0" anchor="t" anchorCtr="0" forceAA="0" compatLnSpc="1">
+            <a:prstTxWarp prst="textNoShape">
+              <a:avLst/>
+            </a:prstTxWarp>
+            <a:spAutoFit/>
+          </a:bodyPr>
+          <a:lstStyle/>
+          <a:p>
+            <a:r>
+              <a:rPr lang="en-US" sz="2000" dirty="0" err="1">
+                <a:ea typeface="+mn-lt"/>
+                <a:cs typeface="+mn-lt"/>
+              </a:rPr>
+              <a:t>После</a:t>
+            </a:r>
+            <a:r>
+              <a:rPr lang="en-US" sz="2000" dirty="0">
+                <a:ea typeface="+mn-lt"/>
+                <a:cs typeface="+mn-lt"/>
+              </a:rPr>
+              <a:t> </a:t>
+            </a:r>
+            <a:r>
+              <a:rPr lang="en-US" sz="2000" dirty="0" err="1">
+                <a:ea typeface="+mn-lt"/>
+                <a:cs typeface="+mn-lt"/>
+              </a:rPr>
+              <a:t>создания</a:t>
+            </a:r>
+            <a:r>
+              <a:rPr lang="en-US" sz="2000" dirty="0">
+                <a:ea typeface="+mn-lt"/>
+                <a:cs typeface="+mn-lt"/>
+              </a:rPr>
+              <a:t> </a:t>
+            </a:r>
+            <a:r>
+              <a:rPr lang="en-US" sz="2000" dirty="0" err="1">
+                <a:ea typeface="+mn-lt"/>
+                <a:cs typeface="+mn-lt"/>
+              </a:rPr>
+              <a:t>вспомогательных</a:t>
+            </a:r>
+            <a:r>
+              <a:rPr lang="en-US" sz="2000" dirty="0">
+                <a:ea typeface="+mn-lt"/>
+                <a:cs typeface="+mn-lt"/>
+              </a:rPr>
+              <a:t> </a:t>
+            </a:r>
+            <a:r>
+              <a:rPr lang="en-US" sz="2000" dirty="0" err="1">
+                <a:ea typeface="+mn-lt"/>
+                <a:cs typeface="+mn-lt"/>
+              </a:rPr>
+              <a:t>функций</a:t>
+            </a:r>
+            <a:r>
+              <a:rPr lang="en-US" sz="2000" dirty="0">
+                <a:ea typeface="+mn-lt"/>
+                <a:cs typeface="+mn-lt"/>
+              </a:rPr>
+              <a:t> </a:t>
+            </a:r>
+            <a:r>
+              <a:rPr lang="en-US" sz="2000" dirty="0" err="1">
+                <a:ea typeface="+mn-lt"/>
+                <a:cs typeface="+mn-lt"/>
+              </a:rPr>
+              <a:t>необходимо</a:t>
+            </a:r>
+            <a:r>
+              <a:rPr lang="en-US" sz="2000" dirty="0">
+                <a:ea typeface="+mn-lt"/>
+                <a:cs typeface="+mn-lt"/>
+              </a:rPr>
+              <a:t> </a:t>
+            </a:r>
+            <a:r>
+              <a:rPr lang="en-US" sz="2000" dirty="0" err="1">
+                <a:ea typeface="+mn-lt"/>
+                <a:cs typeface="+mn-lt"/>
+              </a:rPr>
+              <a:t>создать</a:t>
+            </a:r>
+            <a:r>
+              <a:rPr lang="en-US" sz="2000" dirty="0">
+                <a:ea typeface="+mn-lt"/>
+                <a:cs typeface="+mn-lt"/>
+              </a:rPr>
+              <a:t> </a:t>
+            </a:r>
+            <a:r>
+              <a:rPr lang="en-US" sz="2000" dirty="0" err="1">
+                <a:ea typeface="+mn-lt"/>
+                <a:cs typeface="+mn-lt"/>
+              </a:rPr>
+              <a:t>функцию</a:t>
+            </a:r>
+            <a:r>
+              <a:rPr lang="en-US" sz="2000" dirty="0">
+                <a:ea typeface="+mn-lt"/>
+                <a:cs typeface="+mn-lt"/>
+              </a:rPr>
+              <a:t>, </a:t>
+            </a:r>
+            <a:r>
+              <a:rPr lang="en-US" sz="2000" dirty="0" err="1">
+                <a:ea typeface="+mn-lt"/>
+                <a:cs typeface="+mn-lt"/>
+              </a:rPr>
+              <a:t>которая</a:t>
+            </a:r>
+            <a:r>
+              <a:rPr lang="en-US" sz="2000" dirty="0">
+                <a:ea typeface="+mn-lt"/>
+                <a:cs typeface="+mn-lt"/>
+              </a:rPr>
+              <a:t> </a:t>
+            </a:r>
+            <a:r>
+              <a:rPr lang="en-US" sz="2000" dirty="0" err="1">
+                <a:ea typeface="+mn-lt"/>
+                <a:cs typeface="+mn-lt"/>
+              </a:rPr>
+              <a:t>должна</a:t>
+            </a:r>
+            <a:r>
+              <a:rPr lang="en-US" sz="2000" dirty="0">
+                <a:ea typeface="+mn-lt"/>
+                <a:cs typeface="+mn-lt"/>
+              </a:rPr>
+              <a:t> </a:t>
+            </a:r>
+            <a:r>
+              <a:rPr lang="en-US" sz="2000" dirty="0" err="1">
+                <a:ea typeface="+mn-lt"/>
+                <a:cs typeface="+mn-lt"/>
+              </a:rPr>
+              <a:t>возвращать</a:t>
+            </a:r>
+            <a:r>
+              <a:rPr lang="en-US" sz="2000" dirty="0">
+                <a:ea typeface="+mn-lt"/>
+                <a:cs typeface="+mn-lt"/>
+              </a:rPr>
+              <a:t> </a:t>
+            </a:r>
+            <a:r>
+              <a:rPr lang="en-US" sz="2000" dirty="0" err="1">
+                <a:ea typeface="+mn-lt"/>
+                <a:cs typeface="+mn-lt"/>
+              </a:rPr>
+              <a:t>шифр</a:t>
+            </a:r>
+            <a:r>
+              <a:rPr lang="en-US" sz="2000" dirty="0">
+                <a:ea typeface="+mn-lt"/>
+                <a:cs typeface="+mn-lt"/>
+              </a:rPr>
+              <a:t> и IV </a:t>
+            </a:r>
+            <a:r>
+              <a:rPr lang="en-US" sz="2000" dirty="0" err="1">
+                <a:ea typeface="+mn-lt"/>
+                <a:cs typeface="+mn-lt"/>
+              </a:rPr>
+              <a:t>для</a:t>
+            </a:r>
+            <a:r>
+              <a:rPr lang="en-US" sz="2000" dirty="0">
+                <a:ea typeface="+mn-lt"/>
+                <a:cs typeface="+mn-lt"/>
+              </a:rPr>
+              <a:t> </a:t>
+            </a:r>
+            <a:r>
+              <a:rPr lang="en-US" sz="2000" dirty="0" err="1">
+                <a:ea typeface="+mn-lt"/>
+                <a:cs typeface="+mn-lt"/>
+              </a:rPr>
+              <a:t>того</a:t>
+            </a:r>
+            <a:r>
+              <a:rPr lang="en-US" sz="2000" dirty="0">
+                <a:ea typeface="+mn-lt"/>
+                <a:cs typeface="+mn-lt"/>
+              </a:rPr>
+              <a:t>, </a:t>
+            </a:r>
+            <a:r>
+              <a:rPr lang="en-US" sz="2000" dirty="0" err="1">
+                <a:ea typeface="+mn-lt"/>
+                <a:cs typeface="+mn-lt"/>
+              </a:rPr>
+              <a:t>чтобы</a:t>
+            </a:r>
+            <a:r>
+              <a:rPr lang="en-US" sz="2000" dirty="0">
+                <a:ea typeface="+mn-lt"/>
+                <a:cs typeface="+mn-lt"/>
+              </a:rPr>
+              <a:t> </a:t>
+            </a:r>
+            <a:r>
+              <a:rPr lang="en-US" sz="2000" dirty="0" err="1">
+                <a:ea typeface="+mn-lt"/>
+                <a:cs typeface="+mn-lt"/>
+              </a:rPr>
+              <a:t>шифр</a:t>
+            </a:r>
+            <a:r>
+              <a:rPr lang="en-US" sz="2000" dirty="0">
+                <a:ea typeface="+mn-lt"/>
+                <a:cs typeface="+mn-lt"/>
+              </a:rPr>
+              <a:t> </a:t>
+            </a:r>
+            <a:r>
+              <a:rPr lang="en-US" sz="2000" dirty="0" err="1">
+                <a:ea typeface="+mn-lt"/>
+                <a:cs typeface="+mn-lt"/>
+              </a:rPr>
+              <a:t>можно</a:t>
+            </a:r>
+            <a:r>
+              <a:rPr lang="en-US" sz="2000" dirty="0">
+                <a:ea typeface="+mn-lt"/>
+                <a:cs typeface="+mn-lt"/>
+              </a:rPr>
+              <a:t> </a:t>
+            </a:r>
+            <a:r>
+              <a:rPr lang="en-US" sz="2000" dirty="0" err="1">
+                <a:ea typeface="+mn-lt"/>
+                <a:cs typeface="+mn-lt"/>
+              </a:rPr>
+              <a:t>было</a:t>
+            </a:r>
+            <a:r>
+              <a:rPr lang="en-US" sz="2000" dirty="0">
+                <a:ea typeface="+mn-lt"/>
+                <a:cs typeface="+mn-lt"/>
+              </a:rPr>
+              <a:t> </a:t>
+            </a:r>
+            <a:r>
+              <a:rPr lang="en-US" sz="2000" dirty="0" err="1">
+                <a:ea typeface="+mn-lt"/>
+                <a:cs typeface="+mn-lt"/>
+              </a:rPr>
+              <a:t>впоследствии</a:t>
+            </a:r>
+            <a:r>
+              <a:rPr lang="en-US" sz="2000" dirty="0">
+                <a:ea typeface="+mn-lt"/>
+                <a:cs typeface="+mn-lt"/>
+              </a:rPr>
+              <a:t> </a:t>
+            </a:r>
+            <a:r>
+              <a:rPr lang="en-US" sz="2000" dirty="0" err="1">
+                <a:ea typeface="+mn-lt"/>
+                <a:cs typeface="+mn-lt"/>
+              </a:rPr>
+              <a:t>декодировать</a:t>
+            </a:r>
+            <a:endParaRPr lang="en-US" sz="2000" dirty="0" err="1"/>
+          </a:p>
+        </p:txBody>
+      </p:sp>
+      <p:pic>
+        <p:nvPicPr>
+          <p:cNvPr id="4" name="Picture 3" descr="A computer screen with text&#10;&#10;Автоматически созданное описание">
+            <a:extLst>
+              <a:ext uri="{FF2B5EF4-FFF2-40B4-BE49-F238E27FC236}">
+                <a16:creationId xmlns:a16="http://schemas.microsoft.com/office/drawing/2014/main" id="{199E2E64-680A-22F2-7A15-D3EF1F9B366C}"/>
+              </a:ext>
+            </a:extLst>
+          </p:cNvPr>
+          <p:cNvPicPr>
+            <a:picLocks noChangeAspect="1"/>
+          </p:cNvPicPr>
+          <p:nvPr/>
+        </p:nvPicPr>
+        <p:blipFill>
+          <a:blip r:embed="rId3"/>
+          <a:stretch>
+            <a:fillRect/>
+          </a:stretch>
+        </p:blipFill>
+        <p:spPr>
+          <a:xfrm>
+            <a:off x="1112169" y="1714249"/>
+            <a:ext cx="5917029" cy="3359316"/>
+          </a:xfrm>
+          <a:prstGeom prst="rect">
+            <a:avLst/>
+          </a:prstGeom>
+        </p:spPr>
+      </p:pic>
     </p:spTree>
     <p:extLst>
       <p:ext uri="{BB962C8B-B14F-4D97-AF65-F5344CB8AC3E}">
-        <p14:creationId xmlns:p14="http://schemas.microsoft.com/office/powerpoint/2010/main" val="220995682"/>
+        <p14:creationId xmlns:p14="http://schemas.microsoft.com/office/powerpoint/2010/main" val="2445262648"/>
       </p:ext>
     </p:extLst>
   </p:cSld>
@@ -7103,50 +6467,20 @@
       </p:grpSpPr>
       <p:sp>
         <p:nvSpPr>
-          <p:cNvPr id="2" name="Заголовок 1"/>
-          <p:cNvSpPr>
-            <a:spLocks noGrp="1"/>
-          </p:cNvSpPr>
-          <p:nvPr>
-            <p:ph type="title"/>
-          </p:nvPr>
+          <p:cNvPr id="7" name="TextBox 6">
+            <a:extLst>
+              <a:ext uri="{FF2B5EF4-FFF2-40B4-BE49-F238E27FC236}">
+                <a16:creationId xmlns:a16="http://schemas.microsoft.com/office/drawing/2014/main" id="{53D62E7F-5327-92DF-3ECF-3BE1EFD04B7E}"/>
+              </a:ext>
+            </a:extLst>
+          </p:cNvPr>
+          <p:cNvSpPr txBox="1"/>
+          <p:nvPr/>
         </p:nvSpPr>
         <p:spPr>
           <a:xfrm>
-            <a:off x="5222116" y="114300"/>
-            <a:ext cx="5903084" cy="1115216"/>
-          </a:xfrm>
-        </p:spPr>
-        <p:txBody>
-          <a:bodyPr>
-            <a:noAutofit/>
-          </a:bodyPr>
-          <a:lstStyle/>
-          <a:p>
-            <a:pPr lvl="1"/>
-            <a:r>
-              <a:rPr lang="ru-RU" sz="4000" b="1" dirty="0">
-                <a:solidFill>
-                  <a:schemeClr val="bg1"/>
-                </a:solidFill>
-                <a:latin typeface="Times New Roman"/>
-                <a:cs typeface="Times New Roman"/>
-              </a:rPr>
-              <a:t>Список использованной литературы</a:t>
-            </a:r>
-          </a:p>
-        </p:txBody>
-      </p:sp>
-      <p:sp>
-        <p:nvSpPr>
-          <p:cNvPr id="5" name="TextBox 4"/>
-          <p:cNvSpPr txBox="1"/>
-          <p:nvPr/>
-        </p:nvSpPr>
-        <p:spPr>
-          <a:xfrm>
-            <a:off x="604191" y="1761332"/>
-            <a:ext cx="11081221" cy="3192990"/>
+            <a:off x="7816957" y="1933830"/>
+            <a:ext cx="3907924" cy="246221"/>
           </a:xfrm>
           <a:prstGeom prst="rect">
             <a:avLst/>
@@ -7159,146 +6493,134 @@
           </a:bodyPr>
           <a:lstStyle/>
           <a:p>
-            <a:pPr algn="just">
-              <a:lnSpc>
-                <a:spcPct val="150000"/>
-              </a:lnSpc>
-            </a:pPr>
-            <a:r>
-              <a:rPr lang="ru-RU" dirty="0">
-                <a:latin typeface="Times New Roman"/>
-                <a:cs typeface="Times New Roman"/>
-              </a:rPr>
-              <a:t>1. Википедия-свободная энциклопедия [Электронный ресурс] - https://ru.wikipedia.org/wiki/</a:t>
-            </a:r>
-            <a:endParaRPr lang="ru-RU"/>
-          </a:p>
-          <a:p>
-            <a:pPr>
-              <a:lnSpc>
-                <a:spcPct val="150000"/>
-              </a:lnSpc>
-            </a:pPr>
-            <a:r>
-              <a:rPr lang="ru-RU" dirty="0">
-                <a:latin typeface="Times New Roman"/>
-                <a:cs typeface="Times New Roman"/>
-              </a:rPr>
-              <a:t>2. Фримен, Робсон – Изучаем программирование на JavaScript, 2014 – 640 с.</a:t>
-            </a:r>
-          </a:p>
-          <a:p>
-            <a:pPr algn="just">
-              <a:lnSpc>
-                <a:spcPct val="150000"/>
-              </a:lnSpc>
-            </a:pPr>
-            <a:r>
-              <a:rPr lang="ru-RU" dirty="0">
-                <a:latin typeface="Times New Roman"/>
-                <a:cs typeface="Times New Roman"/>
-              </a:rPr>
-              <a:t>3. Кит Мартин - Криптография. Как защитить свои данные в цифровом пространстве, 2023 – 378 с.</a:t>
-            </a:r>
-          </a:p>
-          <a:p>
-            <a:pPr algn="just">
-              <a:lnSpc>
-                <a:spcPct val="150000"/>
-              </a:lnSpc>
-            </a:pPr>
-            <a:r>
-              <a:rPr lang="ru-RU" dirty="0">
-                <a:latin typeface="Times New Roman"/>
-                <a:cs typeface="Times New Roman"/>
-              </a:rPr>
-              <a:t>4. Скляров - Искусство защиты и взлома информации, 2004 – 289 с.</a:t>
-            </a:r>
-          </a:p>
-          <a:p>
-            <a:pPr algn="just">
-              <a:lnSpc>
-                <a:spcPct val="150000"/>
-              </a:lnSpc>
-            </a:pPr>
-            <a:r>
-              <a:rPr lang="ru-RU" dirty="0">
-                <a:solidFill>
-                  <a:srgbClr val="000000"/>
-                </a:solidFill>
-                <a:latin typeface="Times New Roman"/>
-                <a:cs typeface="Times New Roman"/>
-              </a:rPr>
-              <a:t>5. </a:t>
-            </a:r>
-            <a:r>
-              <a:rPr lang="ru-RU" dirty="0">
-                <a:latin typeface="Times New Roman"/>
-                <a:cs typeface="Times New Roman"/>
-              </a:rPr>
-              <a:t>Metanit.com – сайт о программировании [Электронный ресурс] - https://metanit.com/sharp/</a:t>
-            </a:r>
-          </a:p>
-          <a:p>
-            <a:pPr>
-              <a:lnSpc>
-                <a:spcPct val="150000"/>
-              </a:lnSpc>
-            </a:pPr>
-            <a:r>
-              <a:rPr lang="ru-RU" dirty="0">
-                <a:solidFill>
-                  <a:srgbClr val="1A1A1A"/>
-                </a:solidFill>
-                <a:latin typeface="Times New Roman"/>
-                <a:cs typeface="Times New Roman"/>
-              </a:rPr>
-              <a:t>6. </a:t>
-            </a:r>
-            <a:r>
-              <a:rPr lang="ru-RU" err="1">
-                <a:solidFill>
-                  <a:srgbClr val="1A1A1A"/>
-                </a:solidFill>
-                <a:latin typeface="Times New Roman"/>
-                <a:cs typeface="Times New Roman"/>
-              </a:rPr>
-              <a:t>Дакетт</a:t>
-            </a:r>
-            <a:r>
-              <a:rPr lang="ru-RU" dirty="0">
-                <a:solidFill>
-                  <a:srgbClr val="1A1A1A"/>
-                </a:solidFill>
-                <a:latin typeface="Times New Roman"/>
-                <a:cs typeface="Times New Roman"/>
-              </a:rPr>
-              <a:t> Джон HTML и CSS. Разработка и дизайн вебсайтов. Эксмо 2020 - 480 с.</a:t>
-            </a:r>
-          </a:p>
-          <a:p>
-            <a:pPr>
-              <a:lnSpc>
-                <a:spcPct val="150000"/>
-              </a:lnSpc>
-            </a:pPr>
-            <a:endParaRPr lang="ru-RU" sz="1400" dirty="0">
+            <a:pPr algn="just"/>
+            <a:endParaRPr lang="ru-RU" sz="1000" dirty="0">
               <a:solidFill>
-                <a:srgbClr val="000000"/>
+                <a:srgbClr val="D4D4D4"/>
               </a:solidFill>
-              <a:latin typeface="Times New Roman"/>
+              <a:latin typeface="Times New Roman" panose="02020603050405020304" pitchFamily="18" charset="0"/>
               <a:cs typeface="Times New Roman"/>
             </a:endParaRPr>
           </a:p>
-          <a:p>
-            <a:pPr algn="just">
-              <a:lnSpc>
-                <a:spcPct val="150000"/>
-              </a:lnSpc>
-            </a:pPr>
-            <a:endParaRPr lang="ru-RU" sz="1400" dirty="0">
-              <a:latin typeface="Times New Roman" panose="02020603050405020304" pitchFamily="18" charset="0"/>
-              <a:cs typeface="Times New Roman" panose="02020603050405020304" pitchFamily="18" charset="0"/>
+        </p:txBody>
+      </p:sp>
+      <p:pic>
+        <p:nvPicPr>
+          <p:cNvPr id="3" name="Picture 2" descr="A screen shot of a computer code&#10;&#10;Автоматически созданное описание">
+            <a:extLst>
+              <a:ext uri="{FF2B5EF4-FFF2-40B4-BE49-F238E27FC236}">
+                <a16:creationId xmlns:a16="http://schemas.microsoft.com/office/drawing/2014/main" id="{A9C416F0-A72C-7105-0FC9-418326057153}"/>
+              </a:ext>
+            </a:extLst>
+          </p:cNvPr>
+          <p:cNvPicPr>
+            <a:picLocks noChangeAspect="1"/>
+          </p:cNvPicPr>
+          <p:nvPr/>
+        </p:nvPicPr>
+        <p:blipFill>
+          <a:blip r:embed="rId3"/>
+          <a:stretch>
+            <a:fillRect/>
+          </a:stretch>
+        </p:blipFill>
+        <p:spPr>
+          <a:xfrm>
+            <a:off x="567990" y="1590675"/>
+            <a:ext cx="8419097" cy="2884571"/>
+          </a:xfrm>
+          <a:prstGeom prst="rect">
+            <a:avLst/>
+          </a:prstGeom>
+        </p:spPr>
+      </p:pic>
+      <p:sp>
+        <p:nvSpPr>
+          <p:cNvPr id="4" name="TextBox 3">
+            <a:extLst>
+              <a:ext uri="{FF2B5EF4-FFF2-40B4-BE49-F238E27FC236}">
+                <a16:creationId xmlns:a16="http://schemas.microsoft.com/office/drawing/2014/main" id="{C9BF7074-AE33-6604-7829-1E5C6F25FEC4}"/>
+              </a:ext>
+            </a:extLst>
+          </p:cNvPr>
+          <p:cNvSpPr txBox="1"/>
+          <p:nvPr/>
+        </p:nvSpPr>
+        <p:spPr>
+          <a:xfrm>
+            <a:off x="491289" y="4822657"/>
+            <a:ext cx="10447421" cy="400110"/>
+          </a:xfrm>
+          <a:prstGeom prst="rect">
+            <a:avLst/>
+          </a:prstGeom>
+          <a:noFill/>
+        </p:spPr>
+        <p:txBody>
+          <a:bodyPr rot="0" spcFirstLastPara="0" vertOverflow="overflow" horzOverflow="overflow" vert="horz" wrap="square" lIns="91440" tIns="45720" rIns="91440" bIns="45720" numCol="1" spcCol="0" rtlCol="0" fromWordArt="0" anchor="t" anchorCtr="0" forceAA="0" compatLnSpc="1">
+            <a:prstTxWarp prst="textNoShape">
+              <a:avLst/>
+            </a:prstTxWarp>
+            <a:spAutoFit/>
+          </a:bodyPr>
+          <a:lstStyle/>
+          <a:p>
+            <a:r>
+              <a:rPr lang="en-US" sz="2000" dirty="0" err="1">
+                <a:cs typeface="Calibri"/>
+              </a:rPr>
+              <a:t>Функция</a:t>
+            </a:r>
+            <a:r>
+              <a:rPr lang="en-US" sz="2000" dirty="0">
+                <a:cs typeface="Calibri"/>
+              </a:rPr>
+              <a:t> </a:t>
+            </a:r>
+            <a:r>
+              <a:rPr lang="en-US" sz="2000" dirty="0" err="1">
+                <a:cs typeface="Calibri"/>
+              </a:rPr>
+              <a:t>для</a:t>
+            </a:r>
+            <a:r>
+              <a:rPr lang="en-US" sz="2000" dirty="0">
+                <a:cs typeface="Calibri"/>
+              </a:rPr>
+              <a:t> </a:t>
+            </a:r>
+            <a:r>
+              <a:rPr lang="en-US" sz="2000" dirty="0" err="1">
+                <a:cs typeface="Calibri"/>
+              </a:rPr>
+              <a:t>обработки</a:t>
+            </a:r>
+            <a:r>
+              <a:rPr lang="en-US" sz="2000" dirty="0">
+                <a:cs typeface="Calibri"/>
+              </a:rPr>
+              <a:t> </a:t>
+            </a:r>
+            <a:r>
+              <a:rPr lang="en-US" sz="2000" dirty="0" err="1">
+                <a:cs typeface="Calibri"/>
+              </a:rPr>
+              <a:t>нажатий</a:t>
+            </a:r>
+            <a:r>
+              <a:rPr lang="en-US" sz="2000" dirty="0">
+                <a:cs typeface="Calibri"/>
+              </a:rPr>
+              <a:t> </a:t>
+            </a:r>
+            <a:r>
+              <a:rPr lang="en-US" sz="2000" dirty="0" err="1">
+                <a:cs typeface="Calibri"/>
+              </a:rPr>
+              <a:t>кнопок</a:t>
+            </a:r>
+            <a:endParaRPr lang="en-US" sz="2000" dirty="0">
+              <a:cs typeface="Calibri"/>
             </a:endParaRPr>
           </a:p>
         </p:txBody>
@@ -7306,7 +6628,7 @@
     </p:spTree>
     <p:extLst>
       <p:ext uri="{BB962C8B-B14F-4D97-AF65-F5344CB8AC3E}">
-        <p14:creationId xmlns:p14="http://schemas.microsoft.com/office/powerpoint/2010/main" val="150825527"/>
+        <p14:creationId xmlns:p14="http://schemas.microsoft.com/office/powerpoint/2010/main" val="543063362"/>
       </p:ext>
     </p:extLst>
   </p:cSld>
@@ -7349,40 +6671,168 @@
       </p:grpSpPr>
       <p:sp>
         <p:nvSpPr>
-          <p:cNvPr id="2" name="Заголовок 1"/>
-          <p:cNvSpPr>
-            <a:spLocks noGrp="1"/>
-          </p:cNvSpPr>
-          <p:nvPr>
-            <p:ph type="ctrTitle"/>
-          </p:nvPr>
+          <p:cNvPr id="7" name="TextBox 6">
+            <a:extLst>
+              <a:ext uri="{FF2B5EF4-FFF2-40B4-BE49-F238E27FC236}">
+                <a16:creationId xmlns:a16="http://schemas.microsoft.com/office/drawing/2014/main" id="{53D62E7F-5327-92DF-3ECF-3BE1EFD04B7E}"/>
+              </a:ext>
+            </a:extLst>
+          </p:cNvPr>
+          <p:cNvSpPr txBox="1"/>
+          <p:nvPr/>
         </p:nvSpPr>
         <p:spPr>
           <a:xfrm>
-            <a:off x="677994" y="1595166"/>
-            <a:ext cx="4152714" cy="2450495"/>
+            <a:off x="7816957" y="1933830"/>
+            <a:ext cx="3907924" cy="246221"/>
           </a:xfrm>
+          <a:prstGeom prst="rect">
+            <a:avLst/>
+          </a:prstGeom>
+          <a:noFill/>
         </p:spPr>
         <p:txBody>
-          <a:bodyPr>
-            <a:normAutofit/>
+          <a:bodyPr wrap="square" lIns="91440" tIns="45720" rIns="91440" bIns="45720" rtlCol="0" anchor="t">
+            <a:spAutoFit/>
           </a:bodyPr>
           <a:lstStyle/>
           <a:p>
-            <a:r>
-              <a:rPr lang="ru-RU" sz="4000" dirty="0">
-                <a:latin typeface="Times New Roman" panose="02020603050405020304" pitchFamily="18" charset="0"/>
-                <a:cs typeface="Times New Roman" panose="02020603050405020304" pitchFamily="18" charset="0"/>
-              </a:rPr>
-              <a:t>Спасибо за внимание</a:t>
-            </a:r>
-          </a:p>
-        </p:txBody>
-      </p:sp>
+            <a:pPr algn="just"/>
+            <a:endParaRPr lang="ru-RU" sz="1000" dirty="0">
+              <a:solidFill>
+                <a:srgbClr val="D4D4D4"/>
+              </a:solidFill>
+              <a:latin typeface="Times New Roman" panose="02020603050405020304" pitchFamily="18" charset="0"/>
+              <a:cs typeface="Times New Roman"/>
+            </a:endParaRPr>
+          </a:p>
+        </p:txBody>
+      </p:sp>
+      <p:sp>
+        <p:nvSpPr>
+          <p:cNvPr id="4" name="TextBox 3">
+            <a:extLst>
+              <a:ext uri="{FF2B5EF4-FFF2-40B4-BE49-F238E27FC236}">
+                <a16:creationId xmlns:a16="http://schemas.microsoft.com/office/drawing/2014/main" id="{C9BF7074-AE33-6604-7829-1E5C6F25FEC4}"/>
+              </a:ext>
+            </a:extLst>
+          </p:cNvPr>
+          <p:cNvSpPr txBox="1"/>
+          <p:nvPr/>
+        </p:nvSpPr>
+        <p:spPr>
+          <a:xfrm>
+            <a:off x="491289" y="5253789"/>
+            <a:ext cx="10447421" cy="400110"/>
+          </a:xfrm>
+          <a:prstGeom prst="rect">
+            <a:avLst/>
+          </a:prstGeom>
+          <a:noFill/>
+        </p:spPr>
+        <p:txBody>
+          <a:bodyPr rot="0" spcFirstLastPara="0" vertOverflow="overflow" horzOverflow="overflow" vert="horz" wrap="square" lIns="91440" tIns="45720" rIns="91440" bIns="45720" numCol="1" spcCol="0" rtlCol="0" fromWordArt="0" anchor="t" anchorCtr="0" forceAA="0" compatLnSpc="1">
+            <a:prstTxWarp prst="textNoShape">
+              <a:avLst/>
+            </a:prstTxWarp>
+            <a:spAutoFit/>
+          </a:bodyPr>
+          <a:lstStyle/>
+          <a:p>
+            <a:r>
+              <a:rPr lang="en-US" sz="2000" dirty="0" err="1">
+                <a:cs typeface="Calibri"/>
+              </a:rPr>
+              <a:t>Создание</a:t>
+            </a:r>
+            <a:r>
+              <a:rPr lang="en-US" sz="2000" dirty="0">
+                <a:cs typeface="Calibri"/>
+              </a:rPr>
+              <a:t> </a:t>
+            </a:r>
+            <a:r>
+              <a:rPr lang="en-US" sz="2000" dirty="0" err="1">
+                <a:cs typeface="Calibri"/>
+              </a:rPr>
+              <a:t>функции</a:t>
+            </a:r>
+            <a:r>
+              <a:rPr lang="en-US" sz="2000" dirty="0">
+                <a:cs typeface="Calibri"/>
+              </a:rPr>
+              <a:t> </a:t>
+            </a:r>
+            <a:r>
+              <a:rPr lang="en-US" sz="2000" dirty="0" err="1">
+                <a:cs typeface="Calibri"/>
+              </a:rPr>
+              <a:t>для</a:t>
+            </a:r>
+            <a:r>
+              <a:rPr lang="en-US" sz="2000" dirty="0">
+                <a:cs typeface="Calibri"/>
+              </a:rPr>
+              <a:t> </a:t>
+            </a:r>
+            <a:r>
+              <a:rPr lang="en-US" sz="2000" dirty="0" err="1">
+                <a:cs typeface="Calibri"/>
+              </a:rPr>
+              <a:t>шифрования</a:t>
+            </a:r>
+            <a:r>
+              <a:rPr lang="en-US" sz="2000" dirty="0">
+                <a:cs typeface="Calibri"/>
+              </a:rPr>
+              <a:t> </a:t>
+            </a:r>
+            <a:r>
+              <a:rPr lang="en-US" sz="2000" dirty="0" err="1">
+                <a:cs typeface="Calibri"/>
+              </a:rPr>
+              <a:t>данных</a:t>
+            </a:r>
+            <a:endParaRPr lang="en-US" sz="2000" dirty="0">
+              <a:cs typeface="Calibri"/>
+            </a:endParaRPr>
+          </a:p>
+        </p:txBody>
+      </p:sp>
+      <p:pic>
+        <p:nvPicPr>
+          <p:cNvPr id="2" name="Picture 1" descr="A screen shot of a computer program&#10;&#10;Автоматически созданное описание">
+            <a:extLst>
+              <a:ext uri="{FF2B5EF4-FFF2-40B4-BE49-F238E27FC236}">
+                <a16:creationId xmlns:a16="http://schemas.microsoft.com/office/drawing/2014/main" id="{C2B03972-B318-84CD-9352-4FA36A82DF59}"/>
+              </a:ext>
+            </a:extLst>
+          </p:cNvPr>
+          <p:cNvPicPr>
+            <a:picLocks noChangeAspect="1"/>
+          </p:cNvPicPr>
+          <p:nvPr/>
+        </p:nvPicPr>
+        <p:blipFill>
+          <a:blip r:embed="rId3"/>
+          <a:stretch>
+            <a:fillRect/>
+          </a:stretch>
+        </p:blipFill>
+        <p:spPr>
+          <a:xfrm>
+            <a:off x="487530" y="1711241"/>
+            <a:ext cx="5802730" cy="3305175"/>
+          </a:xfrm>
+          <a:prstGeom prst="rect">
+            <a:avLst/>
+          </a:prstGeom>
+        </p:spPr>
+      </p:pic>
     </p:spTree>
     <p:extLst>
       <p:ext uri="{BB962C8B-B14F-4D97-AF65-F5344CB8AC3E}">
-        <p14:creationId xmlns:p14="http://schemas.microsoft.com/office/powerpoint/2010/main" val="832834799"/>
+        <p14:creationId xmlns:p14="http://schemas.microsoft.com/office/powerpoint/2010/main" val="1315960188"/>
       </p:ext>
     </p:extLst>
   </p:cSld>
@@ -7425,48 +6875,6 @@
       </p:grpSpPr>
       <p:sp>
         <p:nvSpPr>
-          <p:cNvPr id="2" name="Заголовок 1"/>
-          <p:cNvSpPr>
-            <a:spLocks noGrp="1"/>
-          </p:cNvSpPr>
-          <p:nvPr>
-            <p:ph type="title"/>
-          </p:nvPr>
-        </p:nvSpPr>
-        <p:spPr>
-          <a:xfrm>
-            <a:off x="5209849" y="-31222"/>
-            <a:ext cx="6869151" cy="1324764"/>
-          </a:xfrm>
-        </p:spPr>
-        <p:txBody>
-          <a:bodyPr/>
-          <a:lstStyle/>
-          <a:p>
-            <a:r>
-              <a:rPr lang="ru-RU" sz="4000" b="1" dirty="0">
-                <a:solidFill>
-                  <a:schemeClr val="bg1"/>
-                </a:solidFill>
-                <a:latin typeface="Times New Roman" panose="02020603050405020304" pitchFamily="18" charset="0"/>
-                <a:cs typeface="Times New Roman" panose="02020603050405020304" pitchFamily="18" charset="0"/>
-              </a:rPr>
-              <a:t>Введение</a:t>
-            </a:r>
-            <a:r>
-              <a:rPr lang="ru-RU" b="1" dirty="0">
-                <a:solidFill>
-                  <a:schemeClr val="bg1"/>
-                </a:solidFill>
-                <a:latin typeface="Avanti" panose="020B0500000000000000" pitchFamily="34" charset="0"/>
-              </a:rPr>
-              <a:t> </a:t>
-            </a:r>
-          </a:p>
-        </p:txBody>
-      </p:sp>
-      <p:sp>
-        <p:nvSpPr>
           <p:cNvPr id="5" name="TextBox 4"/>
           <p:cNvSpPr txBox="1"/>
           <p:nvPr/>
@@ -7474,7 +6882,7 @@
         <p:spPr>
           <a:xfrm>
             <a:off x="295546" y="1717752"/>
-            <a:ext cx="11366038" cy="3370153"/>
+            <a:ext cx="11366038" cy="3600986"/>
           </a:xfrm>
           <a:prstGeom prst="rect">
             <a:avLst/>
@@ -7493,18 +6901,18 @@
               </a:lnSpc>
             </a:pPr>
             <a:r>
-              <a:rPr lang="ru-RU" dirty="0">
+              <a:rPr lang="ru-RU" sz="2000" dirty="0">
                 <a:solidFill>
                   <a:srgbClr val="000000"/>
                 </a:solidFill>
-                <a:latin typeface="Times New Roman"/>
+                <a:latin typeface="Calibri"/>
                 <a:cs typeface="Times New Roman"/>
               </a:rPr>
               <a:t>В современном информационном обществе безопасность данных и приватность стали одними из основных приоритетов. Криптография - наука о защите информации с помощью математических алгоритмов, играет важную роль в обеспечении безопасности данных.</a:t>
             </a:r>
             <a:r>
-              <a:rPr lang="ru-RU" dirty="0">
-                <a:latin typeface="Times New Roman"/>
+              <a:rPr lang="ru-RU" sz="2000" dirty="0">
+                <a:latin typeface="Calibri"/>
                 <a:cs typeface="Times New Roman"/>
               </a:rPr>
               <a:t> В последние годы возрос интерес к разработке криптографических приложений, предоставляющих возможность шифрования и расшифрования информации с использованием различных алгоритмов и протоколов.</a:t>
@@ -7537,6 +6945,1097 @@
     <p:extLst>
       <p:ext uri="{BB962C8B-B14F-4D97-AF65-F5344CB8AC3E}">
         <p14:creationId xmlns:p14="http://schemas.microsoft.com/office/powerpoint/2010/main" val="1969534829"/>
+      </p:ext>
+    </p:extLst>
+  </p:cSld>
+  <p:clrMapOvr>
+    <a:masterClrMapping/>
+  </p:clrMapOvr>
+</p:sld>
+</file>
+
+<file path=ppt/slides/slide20.xml><?xml version="1.0" encoding="utf-8"?>
+<p:sld xmlns:a="http://schemas.openxmlformats.org/drawingml/2006/main" xmlns:r="http://schemas.openxmlformats.org/officeDocument/2006/relationships" xmlns:p="http://schemas.openxmlformats.org/presentationml/2006/main">
+  <p:cSld>
+    <p:bg>
+      <p:bgPr>
+        <a:blipFill dpi="0" rotWithShape="1">
+          <a:blip r:embed="rId2">
+            <a:lum/>
+          </a:blip>
+          <a:srcRect/>
+          <a:stretch>
+            <a:fillRect/>
+          </a:stretch>
+        </a:blipFill>
+        <a:effectLst/>
+      </p:bgPr>
+    </p:bg>
+    <p:spTree>
+      <p:nvGrpSpPr>
+        <p:cNvPr id="1" name=""/>
+        <p:cNvGrpSpPr/>
+        <p:nvPr/>
+      </p:nvGrpSpPr>
+      <p:grpSpPr>
+        <a:xfrm>
+          <a:off x="0" y="0"/>
+          <a:ext cx="0" cy="0"/>
+          <a:chOff x="0" y="0"/>
+          <a:chExt cx="0" cy="0"/>
+        </a:xfrm>
+      </p:grpSpPr>
+      <p:sp>
+        <p:nvSpPr>
+          <p:cNvPr id="2" name="Заголовок 1"/>
+          <p:cNvSpPr>
+            <a:spLocks noGrp="1"/>
+          </p:cNvSpPr>
+          <p:nvPr>
+            <p:ph type="title"/>
+          </p:nvPr>
+        </p:nvSpPr>
+        <p:spPr>
+          <a:xfrm>
+            <a:off x="5222116" y="114300"/>
+            <a:ext cx="5903084" cy="1115216"/>
+          </a:xfrm>
+        </p:spPr>
+        <p:txBody>
+          <a:bodyPr>
+            <a:noAutofit/>
+          </a:bodyPr>
+          <a:lstStyle/>
+          <a:p>
+            <a:pPr lvl="1"/>
+            <a:r>
+              <a:rPr lang="ru-RU" sz="4000" b="1" dirty="0">
+                <a:solidFill>
+                  <a:schemeClr val="bg1"/>
+                </a:solidFill>
+                <a:latin typeface="Calibri"/>
+                <a:cs typeface="Times New Roman"/>
+              </a:rPr>
+              <a:t>Скрины программы</a:t>
+            </a:r>
+          </a:p>
+        </p:txBody>
+      </p:sp>
+      <p:pic>
+        <p:nvPicPr>
+          <p:cNvPr id="4" name="Picture 3" descr="A screenshot of a computer&#10;&#10;Автоматически созданное описание">
+            <a:extLst>
+              <a:ext uri="{FF2B5EF4-FFF2-40B4-BE49-F238E27FC236}">
+                <a16:creationId xmlns:a16="http://schemas.microsoft.com/office/drawing/2014/main" id="{E6BFA6BB-F245-C6AF-AB3A-54341EFC9ED9}"/>
+              </a:ext>
+            </a:extLst>
+          </p:cNvPr>
+          <p:cNvPicPr>
+            <a:picLocks noChangeAspect="1"/>
+          </p:cNvPicPr>
+          <p:nvPr/>
+        </p:nvPicPr>
+        <p:blipFill>
+          <a:blip r:embed="rId3"/>
+          <a:stretch>
+            <a:fillRect/>
+          </a:stretch>
+        </p:blipFill>
+        <p:spPr>
+          <a:xfrm>
+            <a:off x="496302" y="1515979"/>
+            <a:ext cx="3850106" cy="1911016"/>
+          </a:xfrm>
+          <a:prstGeom prst="rect">
+            <a:avLst/>
+          </a:prstGeom>
+        </p:spPr>
+      </p:pic>
+      <p:pic>
+        <p:nvPicPr>
+          <p:cNvPr id="6" name="Picture 5" descr="A screenshot of a computer error message&#10;&#10;Автоматически созданное описание">
+            <a:extLst>
+              <a:ext uri="{FF2B5EF4-FFF2-40B4-BE49-F238E27FC236}">
+                <a16:creationId xmlns:a16="http://schemas.microsoft.com/office/drawing/2014/main" id="{B726ED76-15DD-1C71-1694-F44D0F3AC640}"/>
+              </a:ext>
+            </a:extLst>
+          </p:cNvPr>
+          <p:cNvPicPr>
+            <a:picLocks noChangeAspect="1"/>
+          </p:cNvPicPr>
+          <p:nvPr/>
+        </p:nvPicPr>
+        <p:blipFill>
+          <a:blip r:embed="rId4"/>
+          <a:stretch>
+            <a:fillRect/>
+          </a:stretch>
+        </p:blipFill>
+        <p:spPr>
+          <a:xfrm>
+            <a:off x="7895724" y="1445795"/>
+            <a:ext cx="3950369" cy="1981200"/>
+          </a:xfrm>
+          <a:prstGeom prst="rect">
+            <a:avLst/>
+          </a:prstGeom>
+        </p:spPr>
+      </p:pic>
+      <p:pic>
+        <p:nvPicPr>
+          <p:cNvPr id="7" name="Picture 6" descr="A screenshot of a computer&#10;&#10;Автоматически созданное описание">
+            <a:extLst>
+              <a:ext uri="{FF2B5EF4-FFF2-40B4-BE49-F238E27FC236}">
+                <a16:creationId xmlns:a16="http://schemas.microsoft.com/office/drawing/2014/main" id="{DB8E979F-F164-9B44-64F7-486ABB9F8426}"/>
+              </a:ext>
+            </a:extLst>
+          </p:cNvPr>
+          <p:cNvPicPr>
+            <a:picLocks noChangeAspect="1"/>
+          </p:cNvPicPr>
+          <p:nvPr/>
+        </p:nvPicPr>
+        <p:blipFill>
+          <a:blip r:embed="rId5"/>
+          <a:stretch>
+            <a:fillRect/>
+          </a:stretch>
+        </p:blipFill>
+        <p:spPr>
+          <a:xfrm>
+            <a:off x="3852863" y="3509962"/>
+            <a:ext cx="4486275" cy="2976313"/>
+          </a:xfrm>
+          <a:prstGeom prst="rect">
+            <a:avLst/>
+          </a:prstGeom>
+        </p:spPr>
+      </p:pic>
+    </p:spTree>
+    <p:extLst>
+      <p:ext uri="{BB962C8B-B14F-4D97-AF65-F5344CB8AC3E}">
+        <p14:creationId xmlns:p14="http://schemas.microsoft.com/office/powerpoint/2010/main" val="2709792962"/>
+      </p:ext>
+    </p:extLst>
+  </p:cSld>
+  <p:clrMapOvr>
+    <a:masterClrMapping/>
+  </p:clrMapOvr>
+</p:sld>
+</file>
+
+<file path=ppt/slides/slide21.xml><?xml version="1.0" encoding="utf-8"?>
+<p:sld xmlns:a="http://schemas.openxmlformats.org/drawingml/2006/main" xmlns:r="http://schemas.openxmlformats.org/officeDocument/2006/relationships" xmlns:p="http://schemas.openxmlformats.org/presentationml/2006/main">
+  <p:cSld>
+    <p:bg>
+      <p:bgPr>
+        <a:blipFill dpi="0" rotWithShape="1">
+          <a:blip r:embed="rId2">
+            <a:lum/>
+          </a:blip>
+          <a:srcRect/>
+          <a:stretch>
+            <a:fillRect/>
+          </a:stretch>
+        </a:blipFill>
+        <a:effectLst/>
+      </p:bgPr>
+    </p:bg>
+    <p:spTree>
+      <p:nvGrpSpPr>
+        <p:cNvPr id="1" name=""/>
+        <p:cNvGrpSpPr/>
+        <p:nvPr/>
+      </p:nvGrpSpPr>
+      <p:grpSpPr>
+        <a:xfrm>
+          <a:off x="0" y="0"/>
+          <a:ext cx="0" cy="0"/>
+          <a:chOff x="0" y="0"/>
+          <a:chExt cx="0" cy="0"/>
+        </a:xfrm>
+      </p:grpSpPr>
+      <p:sp>
+        <p:nvSpPr>
+          <p:cNvPr id="2" name="Заголовок 1"/>
+          <p:cNvSpPr>
+            <a:spLocks noGrp="1"/>
+          </p:cNvSpPr>
+          <p:nvPr>
+            <p:ph type="title"/>
+          </p:nvPr>
+        </p:nvSpPr>
+        <p:spPr>
+          <a:xfrm>
+            <a:off x="5222116" y="114300"/>
+            <a:ext cx="5903084" cy="1115216"/>
+          </a:xfrm>
+        </p:spPr>
+        <p:txBody>
+          <a:bodyPr>
+            <a:noAutofit/>
+          </a:bodyPr>
+          <a:lstStyle/>
+          <a:p>
+            <a:pPr lvl="1"/>
+            <a:r>
+              <a:rPr lang="ru-RU" sz="4000" b="1" dirty="0">
+                <a:solidFill>
+                  <a:schemeClr val="bg1"/>
+                </a:solidFill>
+                <a:latin typeface="Calibri"/>
+                <a:cs typeface="Times New Roman"/>
+              </a:rPr>
+              <a:t>Тестирование и отладка</a:t>
+            </a:r>
+            <a:endParaRPr lang="ru-RU" dirty="0">
+              <a:solidFill>
+                <a:schemeClr val="bg1"/>
+              </a:solidFill>
+              <a:latin typeface="Calibri"/>
+            </a:endParaRPr>
+          </a:p>
+        </p:txBody>
+      </p:sp>
+      <p:sp>
+        <p:nvSpPr>
+          <p:cNvPr id="5" name="TextBox 4"/>
+          <p:cNvSpPr txBox="1"/>
+          <p:nvPr/>
+        </p:nvSpPr>
+        <p:spPr>
+          <a:xfrm>
+            <a:off x="604191" y="1761332"/>
+            <a:ext cx="11081221" cy="4208653"/>
+          </a:xfrm>
+          <a:prstGeom prst="rect">
+            <a:avLst/>
+          </a:prstGeom>
+          <a:noFill/>
+        </p:spPr>
+        <p:txBody>
+          <a:bodyPr wrap="square" lIns="91440" tIns="45720" rIns="91440" bIns="45720" rtlCol="0" anchor="t">
+            <a:spAutoFit/>
+          </a:bodyPr>
+          <a:lstStyle/>
+          <a:p>
+            <a:pPr algn="just">
+              <a:lnSpc>
+                <a:spcPct val="150000"/>
+              </a:lnSpc>
+            </a:pPr>
+            <a:r>
+              <a:rPr lang="ru-RU" sz="2000" dirty="0">
+                <a:latin typeface="Calibri"/>
+                <a:cs typeface="Times New Roman"/>
+              </a:rPr>
+              <a:t>Отладка — этап разработки компьютерной программы, на котором обнаруживают, локализуют и устраняют ошибки.</a:t>
+            </a:r>
+            <a:endParaRPr lang="en-US" sz="2000">
+              <a:cs typeface="Calibri"/>
+            </a:endParaRPr>
+          </a:p>
+          <a:p>
+            <a:pPr algn="just">
+              <a:lnSpc>
+                <a:spcPct val="150000"/>
+              </a:lnSpc>
+            </a:pPr>
+            <a:r>
+              <a:rPr lang="ru-RU" sz="2000" dirty="0">
+                <a:latin typeface="Calibri"/>
+                <a:cs typeface="Times New Roman"/>
+              </a:rPr>
+              <a:t>Были проведены следующие тестирования:</a:t>
+            </a:r>
+            <a:endParaRPr lang="ru-RU" sz="2000">
+              <a:latin typeface="Calibri"/>
+              <a:cs typeface="Times New Roman"/>
+            </a:endParaRPr>
+          </a:p>
+          <a:p>
+            <a:pPr marL="285750" algn="just">
+              <a:lnSpc>
+                <a:spcPct val="150000"/>
+              </a:lnSpc>
+            </a:pPr>
+            <a:r>
+              <a:rPr lang="ru-RU" sz="2000" dirty="0">
+                <a:latin typeface="Calibri"/>
+                <a:cs typeface="Times New Roman"/>
+              </a:rPr>
+              <a:t>Функциональное тестирование. Проверялись правильности шифрования и дешифрования данных с использованием различных алгоритмов и ключей.</a:t>
+            </a:r>
+            <a:endParaRPr lang="ru-RU" sz="2000">
+              <a:latin typeface="Calibri"/>
+              <a:cs typeface="Times New Roman"/>
+            </a:endParaRPr>
+          </a:p>
+          <a:p>
+            <a:pPr marL="285750" algn="just">
+              <a:lnSpc>
+                <a:spcPct val="150000"/>
+              </a:lnSpc>
+            </a:pPr>
+            <a:r>
+              <a:rPr lang="ru-RU" sz="2000" dirty="0">
+                <a:latin typeface="Calibri"/>
+                <a:cs typeface="Times New Roman"/>
+              </a:rPr>
+              <a:t>Тестирование производительности. Измерялось время шифрования и дешифрования данных различных размеров и форматов.</a:t>
+            </a:r>
+          </a:p>
+          <a:p>
+            <a:pPr marL="285750" indent="-285750" algn="just">
+              <a:buFont typeface="Calibri"/>
+              <a:buChar char="-"/>
+            </a:pPr>
+            <a:endParaRPr lang="ru-RU" dirty="0">
+              <a:latin typeface="Times New Roman"/>
+              <a:cs typeface="Times New Roman"/>
+            </a:endParaRPr>
+          </a:p>
+          <a:p>
+            <a:pPr algn="just">
+              <a:lnSpc>
+                <a:spcPct val="150000"/>
+              </a:lnSpc>
+            </a:pPr>
+            <a:endParaRPr lang="ru-RU" sz="1400" dirty="0">
+              <a:latin typeface="Times New Roman"/>
+              <a:cs typeface="Times New Roman"/>
+            </a:endParaRPr>
+          </a:p>
+          <a:p>
+            <a:pPr algn="just">
+              <a:lnSpc>
+                <a:spcPct val="150000"/>
+              </a:lnSpc>
+            </a:pPr>
+            <a:endParaRPr lang="ru-RU" sz="1400" dirty="0">
+              <a:latin typeface="Times New Roman" panose="02020603050405020304" pitchFamily="18" charset="0"/>
+              <a:cs typeface="Times New Roman" panose="02020603050405020304" pitchFamily="18" charset="0"/>
+            </a:endParaRPr>
+          </a:p>
+        </p:txBody>
+      </p:sp>
+    </p:spTree>
+    <p:extLst>
+      <p:ext uri="{BB962C8B-B14F-4D97-AF65-F5344CB8AC3E}">
+        <p14:creationId xmlns:p14="http://schemas.microsoft.com/office/powerpoint/2010/main" val="486506308"/>
+      </p:ext>
+    </p:extLst>
+  </p:cSld>
+  <p:clrMapOvr>
+    <a:masterClrMapping/>
+  </p:clrMapOvr>
+</p:sld>
+</file>
+
+<file path=ppt/slides/slide22.xml><?xml version="1.0" encoding="utf-8"?>
+<p:sld xmlns:a="http://schemas.openxmlformats.org/drawingml/2006/main" xmlns:r="http://schemas.openxmlformats.org/officeDocument/2006/relationships" xmlns:p="http://schemas.openxmlformats.org/presentationml/2006/main">
+  <p:cSld>
+    <p:bg>
+      <p:bgPr>
+        <a:blipFill dpi="0" rotWithShape="1">
+          <a:blip r:embed="rId2">
+            <a:lum/>
+          </a:blip>
+          <a:srcRect/>
+          <a:stretch>
+            <a:fillRect/>
+          </a:stretch>
+        </a:blipFill>
+        <a:effectLst/>
+      </p:bgPr>
+    </p:bg>
+    <p:spTree>
+      <p:nvGrpSpPr>
+        <p:cNvPr id="1" name=""/>
+        <p:cNvGrpSpPr/>
+        <p:nvPr/>
+      </p:nvGrpSpPr>
+      <p:grpSpPr>
+        <a:xfrm>
+          <a:off x="0" y="0"/>
+          <a:ext cx="0" cy="0"/>
+          <a:chOff x="0" y="0"/>
+          <a:chExt cx="0" cy="0"/>
+        </a:xfrm>
+      </p:grpSpPr>
+      <p:sp>
+        <p:nvSpPr>
+          <p:cNvPr id="2" name="Заголовок 1"/>
+          <p:cNvSpPr>
+            <a:spLocks noGrp="1"/>
+          </p:cNvSpPr>
+          <p:nvPr>
+            <p:ph type="title"/>
+          </p:nvPr>
+        </p:nvSpPr>
+        <p:spPr>
+          <a:xfrm>
+            <a:off x="5222116" y="114300"/>
+            <a:ext cx="5903084" cy="1115216"/>
+          </a:xfrm>
+        </p:spPr>
+        <p:txBody>
+          <a:bodyPr>
+            <a:noAutofit/>
+          </a:bodyPr>
+          <a:lstStyle/>
+          <a:p>
+            <a:pPr lvl="1"/>
+            <a:r>
+              <a:rPr lang="ru-RU" sz="4000" b="1" dirty="0">
+                <a:solidFill>
+                  <a:schemeClr val="bg1"/>
+                </a:solidFill>
+                <a:latin typeface="Calibri"/>
+                <a:cs typeface="Times New Roman"/>
+              </a:rPr>
+              <a:t>Заключение</a:t>
+            </a:r>
+          </a:p>
+        </p:txBody>
+      </p:sp>
+      <p:sp>
+        <p:nvSpPr>
+          <p:cNvPr id="5" name="TextBox 4"/>
+          <p:cNvSpPr txBox="1"/>
+          <p:nvPr/>
+        </p:nvSpPr>
+        <p:spPr>
+          <a:xfrm>
+            <a:off x="554059" y="1540753"/>
+            <a:ext cx="11081221" cy="5008872"/>
+          </a:xfrm>
+          <a:prstGeom prst="rect">
+            <a:avLst/>
+          </a:prstGeom>
+          <a:noFill/>
+        </p:spPr>
+        <p:txBody>
+          <a:bodyPr wrap="square" lIns="91440" tIns="45720" rIns="91440" bIns="45720" rtlCol="0" anchor="t">
+            <a:spAutoFit/>
+          </a:bodyPr>
+          <a:lstStyle/>
+          <a:p>
+            <a:pPr algn="just"/>
+            <a:r>
+              <a:rPr lang="ru-RU" sz="2000" dirty="0">
+                <a:latin typeface="Calibri"/>
+                <a:cs typeface="Times New Roman"/>
+              </a:rPr>
+              <a:t>В заключении данной дипломной работы можно подвести итоги, которые отражают актуальность данной темы. Разработка криптографических приложений требует глубокого понимания криптографических алгоритмов, методов управления ключами и мер безопасности. Следует помнить, что криптография — это постоянно развивающаяся область, и разработчики должны быть в курсе последних тенденций и угроз безопасности, чтобы гарантировать, что их приложения остаются безопасными и надежными.</a:t>
+            </a:r>
+          </a:p>
+          <a:p>
+            <a:pPr algn="just"/>
+            <a:r>
+              <a:rPr lang="ru-RU" sz="2000" dirty="0">
+                <a:latin typeface="Calibri"/>
+                <a:cs typeface="Times New Roman"/>
+              </a:rPr>
+              <a:t>Я сделал приложение, которое реализует следующие функции:</a:t>
+            </a:r>
+          </a:p>
+          <a:p>
+            <a:pPr marL="285750" indent="-285750" algn="just">
+              <a:buFont typeface="Arial"/>
+              <a:buChar char="•"/>
+            </a:pPr>
+            <a:r>
+              <a:rPr lang="en-US" sz="2000" err="1">
+                <a:latin typeface="Calibri"/>
+                <a:cs typeface="Times New Roman"/>
+              </a:rPr>
+              <a:t>Имеет</a:t>
+            </a:r>
+            <a:r>
+              <a:rPr lang="en-US" sz="2000" dirty="0">
+                <a:latin typeface="Calibri"/>
+                <a:cs typeface="Times New Roman"/>
+              </a:rPr>
+              <a:t> </a:t>
+            </a:r>
+            <a:r>
+              <a:rPr lang="en-US" sz="2000" err="1">
+                <a:latin typeface="Calibri"/>
+                <a:cs typeface="Times New Roman"/>
+              </a:rPr>
+              <a:t>удобный</a:t>
+            </a:r>
+            <a:r>
+              <a:rPr lang="en-US" sz="2000" dirty="0">
+                <a:latin typeface="Calibri"/>
+                <a:cs typeface="Times New Roman"/>
+              </a:rPr>
+              <a:t> и </a:t>
+            </a:r>
+            <a:r>
+              <a:rPr lang="en-US" sz="2000" err="1">
+                <a:latin typeface="Calibri"/>
+                <a:cs typeface="Times New Roman"/>
+              </a:rPr>
+              <a:t>интуитивно</a:t>
+            </a:r>
+            <a:r>
+              <a:rPr lang="en-US" sz="2000" dirty="0">
+                <a:latin typeface="Calibri"/>
+                <a:cs typeface="Times New Roman"/>
+              </a:rPr>
+              <a:t> </a:t>
+            </a:r>
+            <a:r>
+              <a:rPr lang="en-US" sz="2000" err="1">
+                <a:latin typeface="Calibri"/>
+                <a:cs typeface="Times New Roman"/>
+              </a:rPr>
+              <a:t>понятный</a:t>
+            </a:r>
+            <a:r>
+              <a:rPr lang="en-US" sz="2000" dirty="0">
+                <a:latin typeface="Calibri"/>
+                <a:cs typeface="Times New Roman"/>
+              </a:rPr>
+              <a:t> </a:t>
+            </a:r>
+            <a:r>
+              <a:rPr lang="en-US" sz="2000" err="1">
+                <a:latin typeface="Calibri"/>
+                <a:cs typeface="Times New Roman"/>
+              </a:rPr>
+              <a:t>пользовательский</a:t>
+            </a:r>
+            <a:r>
+              <a:rPr lang="en-US" sz="2000" dirty="0">
+                <a:latin typeface="Calibri"/>
+                <a:cs typeface="Times New Roman"/>
+              </a:rPr>
+              <a:t> </a:t>
+            </a:r>
+            <a:r>
+              <a:rPr lang="en-US" sz="2000" err="1">
+                <a:latin typeface="Calibri"/>
+                <a:cs typeface="Times New Roman"/>
+              </a:rPr>
+              <a:t>интерфейс</a:t>
+            </a:r>
+            <a:r>
+              <a:rPr lang="en-US" sz="2000" dirty="0">
+                <a:latin typeface="Calibri"/>
+                <a:cs typeface="Times New Roman"/>
+              </a:rPr>
+              <a:t>, </a:t>
+            </a:r>
+            <a:r>
+              <a:rPr lang="en-US" sz="2000" err="1">
+                <a:latin typeface="Calibri"/>
+                <a:cs typeface="Times New Roman"/>
+              </a:rPr>
+              <a:t>позволяющий</a:t>
+            </a:r>
+            <a:r>
+              <a:rPr lang="en-US" sz="2000" dirty="0">
+                <a:latin typeface="Calibri"/>
+                <a:cs typeface="Times New Roman"/>
+              </a:rPr>
+              <a:t> </a:t>
+            </a:r>
+            <a:r>
+              <a:rPr lang="en-US" sz="2000" err="1">
+                <a:latin typeface="Calibri"/>
+                <a:cs typeface="Times New Roman"/>
+              </a:rPr>
+              <a:t>легко</a:t>
+            </a:r>
+            <a:r>
+              <a:rPr lang="en-US" sz="2000" dirty="0">
+                <a:latin typeface="Calibri"/>
+                <a:cs typeface="Times New Roman"/>
+              </a:rPr>
+              <a:t> </a:t>
+            </a:r>
+            <a:r>
+              <a:rPr lang="en-US" sz="2000" err="1">
+                <a:latin typeface="Calibri"/>
+                <a:cs typeface="Times New Roman"/>
+              </a:rPr>
+              <a:t>выполнять</a:t>
+            </a:r>
+            <a:r>
+              <a:rPr lang="en-US" sz="2000" dirty="0">
+                <a:latin typeface="Calibri"/>
+                <a:cs typeface="Times New Roman"/>
+              </a:rPr>
+              <a:t> </a:t>
+            </a:r>
+            <a:r>
+              <a:rPr lang="en-US" sz="2000" err="1">
+                <a:latin typeface="Calibri"/>
+                <a:cs typeface="Times New Roman"/>
+              </a:rPr>
+              <a:t>операции</a:t>
+            </a:r>
+            <a:r>
+              <a:rPr lang="en-US" sz="2000" dirty="0">
+                <a:latin typeface="Calibri"/>
+                <a:cs typeface="Times New Roman"/>
+              </a:rPr>
+              <a:t> </a:t>
+            </a:r>
+            <a:r>
+              <a:rPr lang="en-US" sz="2000" err="1">
+                <a:latin typeface="Calibri"/>
+                <a:cs typeface="Times New Roman"/>
+              </a:rPr>
+              <a:t>шифрования</a:t>
+            </a:r>
+            <a:r>
+              <a:rPr lang="en-US" sz="2000" dirty="0">
+                <a:latin typeface="Calibri"/>
+                <a:cs typeface="Times New Roman"/>
+              </a:rPr>
+              <a:t> и </a:t>
+            </a:r>
+            <a:r>
+              <a:rPr lang="en-US" sz="2000" err="1">
+                <a:latin typeface="Calibri"/>
+                <a:cs typeface="Times New Roman"/>
+              </a:rPr>
+              <a:t>дешифрования</a:t>
+            </a:r>
+            <a:r>
+              <a:rPr lang="en-US" sz="2000" dirty="0">
+                <a:latin typeface="Calibri"/>
+                <a:cs typeface="Times New Roman"/>
+              </a:rPr>
+              <a:t>.</a:t>
+            </a:r>
+            <a:r>
+              <a:rPr lang="ru-RU" sz="2000" dirty="0">
+                <a:latin typeface="Calibri"/>
+                <a:cs typeface="Times New Roman"/>
+              </a:rPr>
+              <a:t> </a:t>
+            </a:r>
+          </a:p>
+          <a:p>
+            <a:pPr marL="285750" indent="-285750" algn="just">
+              <a:buFont typeface="Arial"/>
+              <a:buChar char="•"/>
+            </a:pPr>
+            <a:r>
+              <a:rPr lang="ru-RU" sz="2000" dirty="0">
+                <a:latin typeface="Calibri"/>
+                <a:cs typeface="Times New Roman"/>
+              </a:rPr>
+              <a:t>Имеет надежный алгоритм шифрования, который считается безопасным и хорошо зарекомендовал себя.</a:t>
+            </a:r>
+          </a:p>
+          <a:p>
+            <a:pPr marL="285750" indent="-285750" algn="just">
+              <a:buFont typeface="Arial"/>
+              <a:buChar char="•"/>
+            </a:pPr>
+            <a:r>
+              <a:rPr lang="ru-RU" sz="2000" dirty="0">
+                <a:latin typeface="Calibri"/>
+                <a:cs typeface="Times New Roman"/>
+              </a:rPr>
+              <a:t>Использует безопасные методы генерации ключей.</a:t>
+            </a:r>
+          </a:p>
+          <a:p>
+            <a:pPr marL="285750" indent="-285750" algn="just">
+              <a:buFont typeface="Arial"/>
+              <a:buChar char="•"/>
+            </a:pPr>
+            <a:r>
+              <a:rPr lang="ru-RU" sz="2000" dirty="0">
+                <a:latin typeface="Calibri"/>
+                <a:cs typeface="Times New Roman"/>
+              </a:rPr>
+              <a:t>Предоставляет механизмы для безопасного хранения и управления ключами шифрования.</a:t>
+            </a:r>
+          </a:p>
+          <a:p>
+            <a:pPr marL="285750" indent="-285750" algn="just">
+              <a:buFont typeface="Arial"/>
+              <a:buChar char="•"/>
+            </a:pPr>
+            <a:r>
+              <a:rPr lang="ru-RU" sz="2000" dirty="0">
+                <a:latin typeface="Calibri"/>
+                <a:cs typeface="Times New Roman"/>
+              </a:rPr>
+              <a:t>Поддерживает шифрование и дешифрование данных в различных форматах файлов.</a:t>
+            </a:r>
+          </a:p>
+          <a:p>
+            <a:pPr algn="just">
+              <a:lnSpc>
+                <a:spcPct val="150000"/>
+              </a:lnSpc>
+            </a:pPr>
+            <a:endParaRPr lang="ru-RU" sz="1400" dirty="0">
+              <a:latin typeface="Times New Roman"/>
+              <a:cs typeface="Times New Roman"/>
+            </a:endParaRPr>
+          </a:p>
+          <a:p>
+            <a:pPr algn="just">
+              <a:lnSpc>
+                <a:spcPct val="150000"/>
+              </a:lnSpc>
+            </a:pPr>
+            <a:endParaRPr lang="ru-RU" sz="1400" dirty="0">
+              <a:latin typeface="Times New Roman" panose="02020603050405020304" pitchFamily="18" charset="0"/>
+              <a:cs typeface="Times New Roman" panose="02020603050405020304" pitchFamily="18" charset="0"/>
+            </a:endParaRPr>
+          </a:p>
+        </p:txBody>
+      </p:sp>
+    </p:spTree>
+    <p:extLst>
+      <p:ext uri="{BB962C8B-B14F-4D97-AF65-F5344CB8AC3E}">
+        <p14:creationId xmlns:p14="http://schemas.microsoft.com/office/powerpoint/2010/main" val="220995682"/>
+      </p:ext>
+    </p:extLst>
+  </p:cSld>
+  <p:clrMapOvr>
+    <a:masterClrMapping/>
+  </p:clrMapOvr>
+</p:sld>
+</file>
+
+<file path=ppt/slides/slide23.xml><?xml version="1.0" encoding="utf-8"?>
+<p:sld xmlns:a="http://schemas.openxmlformats.org/drawingml/2006/main" xmlns:r="http://schemas.openxmlformats.org/officeDocument/2006/relationships" xmlns:p="http://schemas.openxmlformats.org/presentationml/2006/main">
+  <p:cSld>
+    <p:bg>
+      <p:bgPr>
+        <a:blipFill dpi="0" rotWithShape="1">
+          <a:blip r:embed="rId2">
+            <a:lum/>
+          </a:blip>
+          <a:srcRect/>
+          <a:stretch>
+            <a:fillRect/>
+          </a:stretch>
+        </a:blipFill>
+        <a:effectLst/>
+      </p:bgPr>
+    </p:bg>
+    <p:spTree>
+      <p:nvGrpSpPr>
+        <p:cNvPr id="1" name=""/>
+        <p:cNvGrpSpPr/>
+        <p:nvPr/>
+      </p:nvGrpSpPr>
+      <p:grpSpPr>
+        <a:xfrm>
+          <a:off x="0" y="0"/>
+          <a:ext cx="0" cy="0"/>
+          <a:chOff x="0" y="0"/>
+          <a:chExt cx="0" cy="0"/>
+        </a:xfrm>
+      </p:grpSpPr>
+      <p:sp>
+        <p:nvSpPr>
+          <p:cNvPr id="2" name="Заголовок 1"/>
+          <p:cNvSpPr>
+            <a:spLocks noGrp="1"/>
+          </p:cNvSpPr>
+          <p:nvPr>
+            <p:ph type="title"/>
+          </p:nvPr>
+        </p:nvSpPr>
+        <p:spPr>
+          <a:xfrm>
+            <a:off x="5222116" y="114300"/>
+            <a:ext cx="5903084" cy="1115216"/>
+          </a:xfrm>
+        </p:spPr>
+        <p:txBody>
+          <a:bodyPr>
+            <a:noAutofit/>
+          </a:bodyPr>
+          <a:lstStyle/>
+          <a:p>
+            <a:pPr lvl="1"/>
+            <a:r>
+              <a:rPr lang="ru-RU" sz="4000" b="1" dirty="0">
+                <a:solidFill>
+                  <a:schemeClr val="bg1"/>
+                </a:solidFill>
+                <a:latin typeface="Calibri"/>
+                <a:cs typeface="Times New Roman"/>
+              </a:rPr>
+              <a:t>Список использованной литературы</a:t>
+            </a:r>
+          </a:p>
+        </p:txBody>
+      </p:sp>
+      <p:sp>
+        <p:nvSpPr>
+          <p:cNvPr id="5" name="TextBox 4"/>
+          <p:cNvSpPr txBox="1"/>
+          <p:nvPr/>
+        </p:nvSpPr>
+        <p:spPr>
+          <a:xfrm>
+            <a:off x="604191" y="1761332"/>
+            <a:ext cx="11081221" cy="3469989"/>
+          </a:xfrm>
+          <a:prstGeom prst="rect">
+            <a:avLst/>
+          </a:prstGeom>
+          <a:noFill/>
+        </p:spPr>
+        <p:txBody>
+          <a:bodyPr wrap="square" lIns="91440" tIns="45720" rIns="91440" bIns="45720" rtlCol="0" anchor="t">
+            <a:spAutoFit/>
+          </a:bodyPr>
+          <a:lstStyle/>
+          <a:p>
+            <a:pPr algn="just">
+              <a:lnSpc>
+                <a:spcPct val="150000"/>
+              </a:lnSpc>
+            </a:pPr>
+            <a:r>
+              <a:rPr lang="ru-RU" sz="2000" dirty="0">
+                <a:latin typeface="Calibri"/>
+                <a:cs typeface="Times New Roman"/>
+              </a:rPr>
+              <a:t>1. Фримен, Робсон – Изучаем программирование на JavaScript / Э. Робсон. - М.: Питер, 2014 – 640 с.</a:t>
+            </a:r>
+          </a:p>
+          <a:p>
+            <a:pPr algn="just">
+              <a:lnSpc>
+                <a:spcPct val="150000"/>
+              </a:lnSpc>
+            </a:pPr>
+            <a:r>
+              <a:rPr lang="ru-RU" sz="2000" dirty="0">
+                <a:latin typeface="Calibri"/>
+                <a:cs typeface="Times New Roman"/>
+              </a:rPr>
+              <a:t>2. Кит Мартин - Криптография. Как защитить свои данные в цифровом пространстве / </a:t>
+            </a:r>
+            <a:r>
+              <a:rPr lang="ru-RU" sz="2000" dirty="0" err="1">
+                <a:latin typeface="Calibri"/>
+                <a:cs typeface="Times New Roman"/>
+              </a:rPr>
+              <a:t>К.Мартин</a:t>
+            </a:r>
+            <a:r>
+              <a:rPr lang="ru-RU" sz="2000" dirty="0">
+                <a:latin typeface="Calibri"/>
+                <a:cs typeface="Times New Roman"/>
+              </a:rPr>
+              <a:t>. -М.: </a:t>
+            </a:r>
+            <a:r>
+              <a:rPr lang="ru-RU" sz="2000" dirty="0" err="1">
+                <a:latin typeface="Calibri"/>
+                <a:cs typeface="Times New Roman"/>
+              </a:rPr>
+              <a:t>Бомбора</a:t>
+            </a:r>
+            <a:r>
+              <a:rPr lang="ru-RU" sz="2000" dirty="0">
+                <a:latin typeface="Calibri"/>
+                <a:cs typeface="Times New Roman"/>
+              </a:rPr>
+              <a:t>, 2023 – 378 с.</a:t>
+            </a:r>
+          </a:p>
+          <a:p>
+            <a:pPr algn="just">
+              <a:lnSpc>
+                <a:spcPct val="150000"/>
+              </a:lnSpc>
+            </a:pPr>
+            <a:r>
+              <a:rPr lang="ru-RU" sz="2000" dirty="0">
+                <a:latin typeface="Calibri"/>
+                <a:cs typeface="Times New Roman"/>
+              </a:rPr>
+              <a:t>3. Скляров - Искусство защиты и взлома информации / Д. Скляров. -М.: Питер, 2004 – 289 с.</a:t>
+            </a:r>
+          </a:p>
+          <a:p>
+            <a:pPr algn="just">
+              <a:lnSpc>
+                <a:spcPct val="150000"/>
+              </a:lnSpc>
+            </a:pPr>
+            <a:r>
+              <a:rPr lang="ru-RU" sz="2000" dirty="0">
+                <a:solidFill>
+                  <a:srgbClr val="000000"/>
+                </a:solidFill>
+                <a:latin typeface="Calibri"/>
+                <a:cs typeface="Times New Roman"/>
+              </a:rPr>
+              <a:t>4. </a:t>
+            </a:r>
+            <a:r>
+              <a:rPr lang="ru-RU" sz="2000" dirty="0">
+                <a:latin typeface="Calibri"/>
+                <a:cs typeface="Times New Roman"/>
+              </a:rPr>
+              <a:t>Metanit.com – сайт о программировании [Электронный ресурс] - https://metanit.com/sharp/</a:t>
+            </a:r>
+          </a:p>
+          <a:p>
+            <a:pPr>
+              <a:lnSpc>
+                <a:spcPct val="150000"/>
+              </a:lnSpc>
+            </a:pPr>
+            <a:r>
+              <a:rPr lang="ru-RU" sz="2000" dirty="0">
+                <a:solidFill>
+                  <a:srgbClr val="1A1A1A"/>
+                </a:solidFill>
+                <a:latin typeface="Calibri"/>
+                <a:cs typeface="Times New Roman"/>
+              </a:rPr>
+              <a:t>5. </a:t>
+            </a:r>
+            <a:r>
+              <a:rPr lang="ru-RU" sz="2000" dirty="0" err="1">
+                <a:solidFill>
+                  <a:srgbClr val="1A1A1A"/>
+                </a:solidFill>
+                <a:latin typeface="Calibri"/>
+                <a:cs typeface="Times New Roman"/>
+              </a:rPr>
+              <a:t>Дакетт</a:t>
+            </a:r>
+            <a:r>
+              <a:rPr lang="ru-RU" sz="2000" dirty="0">
+                <a:solidFill>
+                  <a:srgbClr val="1A1A1A"/>
+                </a:solidFill>
+                <a:latin typeface="Calibri"/>
+                <a:cs typeface="Times New Roman"/>
+              </a:rPr>
+              <a:t> Джон HTML и CSS. Разработка и дизайн вебсайтов / Д. Джон. -М.: Эксмо, 2020 - 480 с.</a:t>
+            </a:r>
+          </a:p>
+          <a:p>
+            <a:pPr>
+              <a:lnSpc>
+                <a:spcPct val="150000"/>
+              </a:lnSpc>
+            </a:pPr>
+            <a:endParaRPr lang="ru-RU" sz="1400" dirty="0">
+              <a:solidFill>
+                <a:srgbClr val="000000"/>
+              </a:solidFill>
+              <a:latin typeface="Times New Roman"/>
+              <a:cs typeface="Times New Roman"/>
+            </a:endParaRPr>
+          </a:p>
+          <a:p>
+            <a:pPr algn="just">
+              <a:lnSpc>
+                <a:spcPct val="150000"/>
+              </a:lnSpc>
+            </a:pPr>
+            <a:endParaRPr lang="ru-RU" sz="1400" dirty="0">
+              <a:latin typeface="Times New Roman" panose="02020603050405020304" pitchFamily="18" charset="0"/>
+              <a:cs typeface="Times New Roman" panose="02020603050405020304" pitchFamily="18" charset="0"/>
+            </a:endParaRPr>
+          </a:p>
+        </p:txBody>
+      </p:sp>
+    </p:spTree>
+    <p:extLst>
+      <p:ext uri="{BB962C8B-B14F-4D97-AF65-F5344CB8AC3E}">
+        <p14:creationId xmlns:p14="http://schemas.microsoft.com/office/powerpoint/2010/main" val="150825527"/>
+      </p:ext>
+    </p:extLst>
+  </p:cSld>
+  <p:clrMapOvr>
+    <a:masterClrMapping/>
+  </p:clrMapOvr>
+</p:sld>
+</file>
+
+<file path=ppt/slides/slide24.xml><?xml version="1.0" encoding="utf-8"?>
+<p:sld xmlns:a="http://schemas.openxmlformats.org/drawingml/2006/main" xmlns:r="http://schemas.openxmlformats.org/officeDocument/2006/relationships" xmlns:p="http://schemas.openxmlformats.org/presentationml/2006/main">
+  <p:cSld>
+    <p:bg>
+      <p:bgPr>
+        <a:blipFill dpi="0" rotWithShape="1">
+          <a:blip r:embed="rId2">
+            <a:lum/>
+          </a:blip>
+          <a:srcRect/>
+          <a:stretch>
+            <a:fillRect/>
+          </a:stretch>
+        </a:blipFill>
+        <a:effectLst/>
+      </p:bgPr>
+    </p:bg>
+    <p:spTree>
+      <p:nvGrpSpPr>
+        <p:cNvPr id="1" name=""/>
+        <p:cNvGrpSpPr/>
+        <p:nvPr/>
+      </p:nvGrpSpPr>
+      <p:grpSpPr>
+        <a:xfrm>
+          <a:off x="0" y="0"/>
+          <a:ext cx="0" cy="0"/>
+          <a:chOff x="0" y="0"/>
+          <a:chExt cx="0" cy="0"/>
+        </a:xfrm>
+      </p:grpSpPr>
+      <p:sp>
+        <p:nvSpPr>
+          <p:cNvPr id="2" name="Заголовок 1"/>
+          <p:cNvSpPr>
+            <a:spLocks noGrp="1"/>
+          </p:cNvSpPr>
+          <p:nvPr>
+            <p:ph type="ctrTitle"/>
+          </p:nvPr>
+        </p:nvSpPr>
+        <p:spPr>
+          <a:xfrm>
+            <a:off x="677994" y="1595166"/>
+            <a:ext cx="4152714" cy="2450495"/>
+          </a:xfrm>
+        </p:spPr>
+        <p:txBody>
+          <a:bodyPr>
+            <a:normAutofit/>
+          </a:bodyPr>
+          <a:lstStyle/>
+          <a:p>
+            <a:r>
+              <a:rPr lang="ru-RU" sz="4000" dirty="0">
+                <a:latin typeface="Calibri"/>
+                <a:cs typeface="Times New Roman"/>
+              </a:rPr>
+              <a:t>Спасибо за внимание</a:t>
+            </a:r>
+          </a:p>
+        </p:txBody>
+      </p:sp>
+    </p:spTree>
+    <p:extLst>
+      <p:ext uri="{BB962C8B-B14F-4D97-AF65-F5344CB8AC3E}">
+        <p14:creationId xmlns:p14="http://schemas.microsoft.com/office/powerpoint/2010/main" val="832834799"/>
       </p:ext>
     </p:extLst>
   </p:cSld>
@@ -7604,8 +8103,8 @@
                 <a:solidFill>
                   <a:schemeClr val="bg1"/>
                 </a:solidFill>
-                <a:latin typeface="Times New Roman" panose="02020603050405020304" pitchFamily="18" charset="0"/>
-                <a:cs typeface="Times New Roman" panose="02020603050405020304" pitchFamily="18" charset="0"/>
+                <a:latin typeface="Calibri"/>
+                <a:cs typeface="Times New Roman"/>
               </a:rPr>
               <a:t>Актуальность</a:t>
             </a:r>
@@ -7621,7 +8120,7 @@
         <p:spPr>
           <a:xfrm>
             <a:off x="460234" y="1944764"/>
-            <a:ext cx="11278242" cy="2535566"/>
+            <a:ext cx="11278242" cy="2806987"/>
           </a:xfrm>
           <a:prstGeom prst="rect">
             <a:avLst/>
@@ -7640,18 +8139,18 @@
               </a:lnSpc>
             </a:pPr>
             <a:r>
-              <a:rPr lang="ru-RU" b="1" dirty="0">
-                <a:latin typeface="Times New Roman"/>
+              <a:rPr lang="ru-RU" sz="2000" b="1" dirty="0">
+                <a:latin typeface="Calibri"/>
                 <a:cs typeface="Times New Roman"/>
               </a:rPr>
               <a:t>Актуальность</a:t>
             </a:r>
             <a:r>
-              <a:rPr lang="ru-RU" dirty="0">
-                <a:latin typeface="Times New Roman"/>
-                <a:cs typeface="Times New Roman"/>
-              </a:rPr>
-              <a:t> данной темы заключается в том, что в современном информационном обществе защита данных и конфиденциальность стали важными аспектами. Криптография - это наука, которая занимается защитой информации с помощью различных методов и алгоритмов шифрования.</a:t>
+              <a:rPr lang="ru-RU" sz="2000" dirty="0">
+                <a:latin typeface="Calibri"/>
+                <a:cs typeface="Times New Roman"/>
+              </a:rPr>
+              <a:t> данной темы заключается в том, что в современном информационном обществе защита данных и конфиденциальность стали важными аспектами. </a:t>
             </a:r>
           </a:p>
           <a:p>
@@ -7661,8 +8160,8 @@
               </a:lnSpc>
             </a:pPr>
             <a:r>
-              <a:rPr lang="ru-RU" dirty="0">
-                <a:latin typeface="Times New Roman"/>
+              <a:rPr lang="ru-RU" sz="2000" dirty="0">
+                <a:latin typeface="Calibri"/>
                 <a:cs typeface="Times New Roman"/>
               </a:rPr>
               <a:t>Создание криптографического приложения позволяет обеспечить безопасную передачу и хранение информации. Такие приложения часто используются в банковских системах, электронной коммерции, мобильных приложениях и других областях, где важна конфиденциальность информации.</a:t>
@@ -7716,49 +8215,14 @@
       </p:grpSpPr>
       <p:sp>
         <p:nvSpPr>
-          <p:cNvPr id="2" name="Заголовок 1"/>
-          <p:cNvSpPr>
-            <a:spLocks noGrp="1"/>
-          </p:cNvSpPr>
-          <p:nvPr>
-            <p:ph type="title"/>
-          </p:nvPr>
-        </p:nvSpPr>
-        <p:spPr>
-          <a:xfrm>
-            <a:off x="5450716" y="365126"/>
-            <a:ext cx="5903084" cy="959640"/>
-          </a:xfrm>
-        </p:spPr>
-        <p:txBody>
-          <a:bodyPr>
-            <a:normAutofit/>
-          </a:bodyPr>
-          <a:lstStyle/>
-          <a:p>
-            <a:r>
-              <a:rPr lang="ru-RU" sz="4000" b="1" dirty="0">
-                <a:solidFill>
-                  <a:schemeClr val="bg1"/>
-                </a:solidFill>
-                <a:latin typeface="Times New Roman" panose="02020603050405020304" pitchFamily="18" charset="0"/>
-                <a:cs typeface="Times New Roman" panose="02020603050405020304" pitchFamily="18" charset="0"/>
-              </a:rPr>
-              <a:t>Содержание</a:t>
-            </a:r>
-          </a:p>
-        </p:txBody>
-      </p:sp>
-      <p:sp>
-        <p:nvSpPr>
           <p:cNvPr id="5" name="TextBox 4"/>
           <p:cNvSpPr txBox="1"/>
           <p:nvPr/>
         </p:nvSpPr>
         <p:spPr>
           <a:xfrm>
-            <a:off x="621052" y="2034255"/>
-            <a:ext cx="10892147" cy="3123932"/>
+            <a:off x="460234" y="1944764"/>
+            <a:ext cx="11278242" cy="3276282"/>
           </a:xfrm>
           <a:prstGeom prst="rect">
             <a:avLst/>
@@ -7777,24 +8241,11 @@
               </a:lnSpc>
             </a:pPr>
             <a:r>
-              <a:rPr lang="ru-RU" b="1" dirty="0">
-                <a:solidFill>
-                  <a:srgbClr val="000000"/>
-                </a:solidFill>
-                <a:latin typeface="Times New Roman"/>
-                <a:cs typeface="Times New Roman"/>
-              </a:rPr>
-              <a:t>Объект исследования:</a:t>
-            </a:r>
-            <a:r>
-              <a:rPr lang="ru-RU" dirty="0">
-                <a:solidFill>
-                  <a:srgbClr val="000000"/>
-                </a:solidFill>
-                <a:latin typeface="Times New Roman"/>
-                <a:cs typeface="Times New Roman"/>
-              </a:rPr>
-              <a:t> криптографическое приложение.</a:t>
+              <a:rPr lang="ru-RU" sz="2000" dirty="0">
+                <a:latin typeface="Calibri"/>
+                <a:cs typeface="Times New Roman"/>
+              </a:rPr>
+              <a:t>Криптографические приложения также помогают защищать данные от несанкционированного доступа и атак со стороны злоумышленников. Они обеспечивают аутентификацию пользователей, целостность данных и защиту от подделки информации.</a:t>
             </a:r>
           </a:p>
           <a:p>
@@ -7803,96 +8254,50 @@
                 <a:spcPct val="150000"/>
               </a:lnSpc>
             </a:pPr>
-            <a:endParaRPr lang="ru-RU" sz="1400" dirty="0">
-              <a:solidFill>
-                <a:srgbClr val="000000"/>
-              </a:solidFill>
-              <a:latin typeface="Times New Roman"/>
-              <a:cs typeface="Times New Roman"/>
-            </a:endParaRPr>
-          </a:p>
-          <a:p>
-            <a:pPr algn="just">
+            <a:r>
+              <a:rPr lang="ru-RU" sz="2000" dirty="0">
+                <a:latin typeface="Calibri"/>
+                <a:cs typeface="Times New Roman"/>
+              </a:rPr>
+              <a:t>Кроме того, в настоящее время все больше людей осознают важность личной конфиденциальности и защиты своих данных. Популярность мессенджеров с шифрованием, таких как </a:t>
+            </a:r>
+            <a:r>
+              <a:rPr lang="ru-RU" sz="2000" err="1">
+                <a:latin typeface="Calibri"/>
+                <a:cs typeface="Times New Roman"/>
+              </a:rPr>
+              <a:t>WhatsApp</a:t>
+            </a:r>
+            <a:r>
+              <a:rPr lang="ru-RU" sz="2000" dirty="0">
+                <a:latin typeface="Calibri"/>
+                <a:cs typeface="Times New Roman"/>
+              </a:rPr>
+              <a:t> и </a:t>
+            </a:r>
+            <a:r>
+              <a:rPr lang="ru-RU" sz="2000" err="1">
+                <a:latin typeface="Calibri"/>
+                <a:cs typeface="Times New Roman"/>
+              </a:rPr>
+              <a:t>Signal</a:t>
+            </a:r>
+            <a:r>
+              <a:rPr lang="ru-RU" sz="2000" dirty="0">
+                <a:latin typeface="Calibri"/>
+                <a:cs typeface="Times New Roman"/>
+              </a:rPr>
+              <a:t>, свидетельствует о повышенном интересе к криптографическим приложениям.</a:t>
+            </a:r>
+          </a:p>
+          <a:p>
+            <a:pPr>
               <a:lnSpc>
                 <a:spcPct val="150000"/>
               </a:lnSpc>
             </a:pPr>
-            <a:r>
-              <a:rPr lang="ru-RU" b="1" dirty="0">
-                <a:solidFill>
-                  <a:srgbClr val="000000"/>
-                </a:solidFill>
-                <a:latin typeface="Times New Roman"/>
-                <a:cs typeface="Times New Roman"/>
-              </a:rPr>
-              <a:t>Предмет исследования:</a:t>
-            </a:r>
-            <a:r>
-              <a:rPr lang="ru-RU" dirty="0">
-                <a:solidFill>
-                  <a:srgbClr val="000000"/>
-                </a:solidFill>
-                <a:latin typeface="Times New Roman"/>
-                <a:cs typeface="Times New Roman"/>
-              </a:rPr>
-              <a:t> разработка криптографического приложения для обеспечения безопасности, защиты данных и конфиденциальности.</a:t>
-            </a:r>
-          </a:p>
-          <a:p>
-            <a:pPr algn="just">
-              <a:lnSpc>
-                <a:spcPct val="150000"/>
-              </a:lnSpc>
-            </a:pPr>
-            <a:endParaRPr lang="ru-RU" dirty="0">
-              <a:solidFill>
-                <a:srgbClr val="000000"/>
-              </a:solidFill>
-              <a:latin typeface="Times New Roman"/>
-              <a:cs typeface="Times New Roman"/>
-            </a:endParaRPr>
-          </a:p>
-          <a:p>
-            <a:pPr algn="just">
-              <a:lnSpc>
-                <a:spcPct val="150000"/>
-              </a:lnSpc>
-            </a:pPr>
-            <a:r>
-              <a:rPr lang="ru-RU" b="1" dirty="0">
-                <a:solidFill>
-                  <a:srgbClr val="000000"/>
-                </a:solidFill>
-                <a:latin typeface="Times New Roman"/>
-                <a:cs typeface="Times New Roman"/>
-              </a:rPr>
-              <a:t>Цель: </a:t>
-            </a:r>
-            <a:r>
-              <a:rPr lang="ru-RU" dirty="0">
-                <a:solidFill>
-                  <a:srgbClr val="000000"/>
-                </a:solidFill>
-                <a:latin typeface="Times New Roman"/>
-                <a:cs typeface="Times New Roman"/>
-              </a:rPr>
-              <a:t>создание криптографического приложения, которое предоставит пользователю возможность безопасного обмена сообщениями, файлами и другими данными.</a:t>
-            </a:r>
-            <a:endParaRPr lang="ru-RU" dirty="0">
-              <a:solidFill>
-                <a:srgbClr val="000000"/>
-              </a:solidFill>
-              <a:latin typeface="Times New Roman" panose="02020603050405020304" pitchFamily="18" charset="0"/>
-              <a:cs typeface="Times New Roman" panose="02020603050405020304" pitchFamily="18" charset="0"/>
-            </a:endParaRPr>
-          </a:p>
-          <a:p>
-            <a:pPr algn="just"/>
-            <a:endParaRPr lang="ru-RU" sz="1400" dirty="0">
-              <a:solidFill>
-                <a:srgbClr val="111115"/>
-              </a:solidFill>
-              <a:latin typeface="Times New Roman"/>
+            <a:endParaRPr lang="ru-RU" sz="2000" dirty="0">
+              <a:latin typeface="Calibri"/>
               <a:cs typeface="Times New Roman"/>
             </a:endParaRPr>
           </a:p>
@@ -7901,7 +8306,7 @@
     </p:spTree>
     <p:extLst>
       <p:ext uri="{BB962C8B-B14F-4D97-AF65-F5344CB8AC3E}">
-        <p14:creationId xmlns:p14="http://schemas.microsoft.com/office/powerpoint/2010/main" val="2295382571"/>
+        <p14:creationId xmlns:p14="http://schemas.microsoft.com/office/powerpoint/2010/main" val="4255106093"/>
       </p:ext>
     </p:extLst>
   </p:cSld>
@@ -7969,10 +8374,10 @@
                 <a:solidFill>
                   <a:schemeClr val="bg1"/>
                 </a:solidFill>
-                <a:latin typeface="Times New Roman" panose="02020603050405020304" pitchFamily="18" charset="0"/>
-                <a:cs typeface="Times New Roman" panose="02020603050405020304" pitchFamily="18" charset="0"/>
-              </a:rPr>
-              <a:t>Задачи</a:t>
+                <a:latin typeface="Calibri"/>
+                <a:cs typeface="Times New Roman"/>
+              </a:rPr>
+              <a:t>Содержание</a:t>
             </a:r>
           </a:p>
         </p:txBody>
@@ -7985,8 +8390,8 @@
         </p:nvSpPr>
         <p:spPr>
           <a:xfrm>
-            <a:off x="492444" y="2163500"/>
-            <a:ext cx="10865566" cy="5425460"/>
+            <a:off x="621052" y="2034255"/>
+            <a:ext cx="10892147" cy="3539430"/>
           </a:xfrm>
           <a:prstGeom prst="rect">
             <a:avLst/>
@@ -8005,16 +8410,118 @@
               </a:lnSpc>
             </a:pPr>
             <a:r>
-              <a:rPr lang="ru-RU" b="1" dirty="0">
+              <a:rPr lang="ru-RU" sz="2000" b="1" dirty="0">
                 <a:solidFill>
-                  <a:srgbClr val="111115"/>
+                  <a:srgbClr val="000000"/>
                 </a:solidFill>
-                <a:latin typeface="Times New Roman"/>
-                <a:cs typeface="Times New Roman"/>
-              </a:rPr>
-              <a:t>Задачи:</a:t>
-            </a:r>
-            <a:endParaRPr lang="ru-RU" dirty="0">
+                <a:latin typeface="Calibri"/>
+                <a:cs typeface="Times New Roman"/>
+              </a:rPr>
+              <a:t>Объект исследования:</a:t>
+            </a:r>
+            <a:r>
+              <a:rPr lang="ru-RU" sz="2000" dirty="0">
+                <a:solidFill>
+                  <a:srgbClr val="000000"/>
+                </a:solidFill>
+                <a:latin typeface="Calibri"/>
+                <a:cs typeface="Times New Roman"/>
+              </a:rPr>
+              <a:t> криптографическое приложение.</a:t>
+            </a:r>
+          </a:p>
+          <a:p>
+            <a:pPr algn="just">
+              <a:lnSpc>
+                <a:spcPct val="150000"/>
+              </a:lnSpc>
+            </a:pPr>
+            <a:endParaRPr lang="ru-RU" sz="2000" dirty="0">
+              <a:solidFill>
+                <a:srgbClr val="000000"/>
+              </a:solidFill>
+              <a:latin typeface="Calibri"/>
+              <a:cs typeface="Times New Roman"/>
+            </a:endParaRPr>
+          </a:p>
+          <a:p>
+            <a:pPr algn="just">
+              <a:lnSpc>
+                <a:spcPct val="150000"/>
+              </a:lnSpc>
+            </a:pPr>
+            <a:r>
+              <a:rPr lang="ru-RU" sz="2000" b="1" dirty="0">
+                <a:solidFill>
+                  <a:srgbClr val="000000"/>
+                </a:solidFill>
+                <a:latin typeface="Calibri"/>
+                <a:cs typeface="Times New Roman"/>
+              </a:rPr>
+              <a:t>Предмет исследования:</a:t>
+            </a:r>
+            <a:r>
+              <a:rPr lang="ru-RU" sz="2000" dirty="0">
+                <a:solidFill>
+                  <a:srgbClr val="000000"/>
+                </a:solidFill>
+                <a:latin typeface="Calibri"/>
+                <a:cs typeface="Times New Roman"/>
+              </a:rPr>
+              <a:t> разработка криптографического приложения для обеспечения безопасности, защиты данных и конфиденциальности.</a:t>
+            </a:r>
+          </a:p>
+          <a:p>
+            <a:pPr algn="just">
+              <a:lnSpc>
+                <a:spcPct val="150000"/>
+              </a:lnSpc>
+            </a:pPr>
+            <a:endParaRPr lang="ru-RU" sz="2000" dirty="0">
+              <a:solidFill>
+                <a:srgbClr val="000000"/>
+              </a:solidFill>
+              <a:latin typeface="Calibri"/>
+              <a:cs typeface="Times New Roman"/>
+            </a:endParaRPr>
+          </a:p>
+          <a:p>
+            <a:pPr algn="just">
+              <a:lnSpc>
+                <a:spcPct val="150000"/>
+              </a:lnSpc>
+            </a:pPr>
+            <a:r>
+              <a:rPr lang="ru-RU" sz="2000" b="1" dirty="0">
+                <a:solidFill>
+                  <a:srgbClr val="000000"/>
+                </a:solidFill>
+                <a:latin typeface="Calibri"/>
+                <a:cs typeface="Times New Roman"/>
+              </a:rPr>
+              <a:t>Цель: </a:t>
+            </a:r>
+            <a:r>
+              <a:rPr lang="ru-RU" sz="2000" dirty="0">
+                <a:solidFill>
+                  <a:srgbClr val="000000"/>
+                </a:solidFill>
+                <a:latin typeface="Calibri"/>
+                <a:cs typeface="Times New Roman"/>
+              </a:rPr>
+              <a:t>создание криптографического приложения, которое предоставит пользователю возможность безопасного обмена сообщениями, файлами и другими данными.</a:t>
+            </a:r>
+            <a:endParaRPr lang="ru-RU" sz="2000" dirty="0">
+              <a:solidFill>
+                <a:srgbClr val="000000"/>
+              </a:solidFill>
+              <a:latin typeface="Calibri"/>
+              <a:cs typeface="Times New Roman" panose="02020603050405020304" pitchFamily="18" charset="0"/>
+            </a:endParaRPr>
+          </a:p>
+          <a:p>
+            <a:pPr algn="just"/>
+            <a:endParaRPr lang="ru-RU" sz="1400" dirty="0">
               <a:solidFill>
                 <a:srgbClr val="111115"/>
               </a:solidFill>
@@ -8022,160 +8529,12 @@
               <a:cs typeface="Times New Roman"/>
             </a:endParaRPr>
           </a:p>
-          <a:p>
-            <a:pPr algn="just">
-              <a:lnSpc>
-                <a:spcPct val="150000"/>
-              </a:lnSpc>
-            </a:pPr>
-            <a:r>
-              <a:rPr lang="ru-RU" dirty="0">
-                <a:latin typeface="Times New Roman"/>
-                <a:cs typeface="Times New Roman"/>
-              </a:rPr>
-              <a:t>1. Разработка и реализация алгоритмов шифрования и дешифрования данных. </a:t>
-            </a:r>
-          </a:p>
-          <a:p>
-            <a:pPr algn="just">
-              <a:lnSpc>
-                <a:spcPct val="150000"/>
-              </a:lnSpc>
-            </a:pPr>
-            <a:r>
-              <a:rPr lang="ru-RU" dirty="0">
-                <a:latin typeface="Times New Roman"/>
-                <a:cs typeface="Times New Roman"/>
-              </a:rPr>
-              <a:t>2. Создание пользовательского интерфейса для приложения. </a:t>
-            </a:r>
-          </a:p>
-          <a:p>
-            <a:pPr algn="just">
-              <a:lnSpc>
-                <a:spcPct val="150000"/>
-              </a:lnSpc>
-            </a:pPr>
-            <a:r>
-              <a:rPr lang="ru-RU" dirty="0">
-                <a:latin typeface="Times New Roman"/>
-                <a:cs typeface="Times New Roman"/>
-              </a:rPr>
-              <a:t>3. Разработка функций для генерации и управления ключами. </a:t>
-            </a:r>
-          </a:p>
-          <a:p>
-            <a:pPr algn="just">
-              <a:lnSpc>
-                <a:spcPct val="150000"/>
-              </a:lnSpc>
-            </a:pPr>
-            <a:r>
-              <a:rPr lang="ru-RU" dirty="0">
-                <a:latin typeface="Times New Roman"/>
-                <a:cs typeface="Times New Roman"/>
-              </a:rPr>
-              <a:t>4. Реализация функций для обмена зашифрованными данными. </a:t>
-            </a:r>
-          </a:p>
-          <a:p>
-            <a:pPr algn="just">
-              <a:lnSpc>
-                <a:spcPct val="150000"/>
-              </a:lnSpc>
-            </a:pPr>
-            <a:r>
-              <a:rPr lang="ru-RU" dirty="0">
-                <a:latin typeface="Times New Roman"/>
-                <a:cs typeface="Times New Roman"/>
-              </a:rPr>
-              <a:t>5. Обеспечение безопасности и защиты данных. </a:t>
-            </a:r>
-          </a:p>
-          <a:p>
-            <a:pPr algn="just">
-              <a:lnSpc>
-                <a:spcPct val="150000"/>
-              </a:lnSpc>
-            </a:pPr>
-            <a:r>
-              <a:rPr lang="ru-RU" dirty="0">
-                <a:latin typeface="Times New Roman"/>
-                <a:cs typeface="Times New Roman"/>
-              </a:rPr>
-              <a:t>6. Тестирование приложения. </a:t>
-            </a:r>
-          </a:p>
-          <a:p>
-            <a:pPr algn="just">
-              <a:lnSpc>
-                <a:spcPct val="150000"/>
-              </a:lnSpc>
-            </a:pPr>
-            <a:r>
-              <a:rPr lang="ru-RU" dirty="0">
-                <a:latin typeface="Times New Roman"/>
-                <a:cs typeface="Times New Roman"/>
-              </a:rPr>
-              <a:t>7. Обновление и поддержка приложения. </a:t>
-            </a:r>
-          </a:p>
-          <a:p>
-            <a:pPr algn="just">
-              <a:lnSpc>
-                <a:spcPct val="150000"/>
-              </a:lnSpc>
-              <a:buFont typeface="Arial"/>
-              <a:buChar char="•"/>
-            </a:pPr>
-            <a:endParaRPr lang="ru-RU" sz="1400" dirty="0">
-              <a:latin typeface="Times New Roman"/>
-              <a:cs typeface="Times New Roman"/>
-            </a:endParaRPr>
-          </a:p>
-          <a:p>
-            <a:pPr marL="285750" algn="just">
-              <a:lnSpc>
-                <a:spcPct val="150000"/>
-              </a:lnSpc>
-              <a:buFont typeface="Arial"/>
-              <a:buChar char="•"/>
-            </a:pPr>
-            <a:endParaRPr lang="en-US" sz="1400" dirty="0">
-              <a:solidFill>
-                <a:srgbClr val="111115"/>
-              </a:solidFill>
-              <a:latin typeface="Times New Roman"/>
-              <a:cs typeface="Times New Roman"/>
-            </a:endParaRPr>
-          </a:p>
-          <a:p>
-            <a:pPr>
-              <a:lnSpc>
-                <a:spcPct val="150000"/>
-              </a:lnSpc>
-            </a:pPr>
-            <a:endParaRPr lang="ru-RU" sz="1600" dirty="0">
-              <a:latin typeface="Times New Roman" panose="02020603050405020304" pitchFamily="18" charset="0"/>
-              <a:cs typeface="Times New Roman" panose="02020603050405020304" pitchFamily="18" charset="0"/>
-            </a:endParaRPr>
-          </a:p>
-          <a:p>
-            <a:pPr>
-              <a:lnSpc>
-                <a:spcPct val="150000"/>
-              </a:lnSpc>
-            </a:pPr>
-            <a:endParaRPr lang="ru-RU" sz="4800" dirty="0">
-              <a:latin typeface="Avanti" panose="020B0500000000000000" pitchFamily="34" charset="0"/>
-            </a:endParaRPr>
-          </a:p>
         </p:txBody>
       </p:sp>
     </p:spTree>
     <p:extLst>
       <p:ext uri="{BB962C8B-B14F-4D97-AF65-F5344CB8AC3E}">
-        <p14:creationId xmlns:p14="http://schemas.microsoft.com/office/powerpoint/2010/main" val="3856143679"/>
+        <p14:creationId xmlns:p14="http://schemas.microsoft.com/office/powerpoint/2010/main" val="2295382571"/>
       </p:ext>
     </p:extLst>
   </p:cSld>
@@ -8228,25 +8587,25 @@
         </p:nvSpPr>
         <p:spPr>
           <a:xfrm>
-            <a:off x="5356642" y="233422"/>
+            <a:off x="5450716" y="365126"/>
             <a:ext cx="5903084" cy="959640"/>
           </a:xfrm>
         </p:spPr>
         <p:txBody>
           <a:bodyPr>
-            <a:normAutofit fontScale="90000"/>
+            <a:normAutofit/>
           </a:bodyPr>
           <a:lstStyle/>
           <a:p>
             <a:r>
-              <a:rPr lang="ru-RU" b="1" dirty="0">
+              <a:rPr lang="ru-RU" sz="4000" b="1" dirty="0">
                 <a:solidFill>
                   <a:schemeClr val="bg1"/>
                 </a:solidFill>
-                <a:latin typeface="Times New Roman" panose="02020603050405020304" pitchFamily="18" charset="0"/>
-                <a:cs typeface="Times New Roman" panose="02020603050405020304" pitchFamily="18" charset="0"/>
-              </a:rPr>
-              <a:t>Описание предметной области</a:t>
+                <a:latin typeface="Calibri"/>
+                <a:cs typeface="Times New Roman"/>
+              </a:rPr>
+              <a:t>Задачи</a:t>
             </a:r>
           </a:p>
         </p:txBody>
@@ -8259,8 +8618,8 @@
         </p:nvSpPr>
         <p:spPr>
           <a:xfrm>
-            <a:off x="304159" y="1713453"/>
-            <a:ext cx="11586808" cy="2638992"/>
+            <a:off x="492444" y="2163500"/>
+            <a:ext cx="10865566" cy="4871462"/>
           </a:xfrm>
           <a:prstGeom prst="rect">
             <a:avLst/>
@@ -8273,40 +8632,27 @@
           </a:bodyPr>
           <a:lstStyle/>
           <a:p>
-            <a:pPr algn="just"/>
-            <a:r>
-              <a:rPr lang="ru-RU" dirty="0">
-                <a:solidFill>
-                  <a:srgbClr val="333333"/>
-                </a:solidFill>
-                <a:latin typeface="Times New Roman"/>
-                <a:cs typeface="Times New Roman"/>
-              </a:rPr>
-              <a:t>Криптография – это метод защиты информации путем использования закодированных алгоритмов, хэшей и подписей. Информация может находиться на этапе хранения (например, файл на жестком диске), передачи (например, электронная связь между двумя или несколькими сторонами) или использования (при применении для вычислений). </a:t>
-            </a:r>
-          </a:p>
-          <a:p>
-            <a:pPr algn="just"/>
-            <a:r>
-              <a:rPr lang="ru-RU" dirty="0">
-                <a:solidFill>
-                  <a:srgbClr val="333333"/>
-                </a:solidFill>
-                <a:latin typeface="Times New Roman"/>
-                <a:cs typeface="Times New Roman"/>
-              </a:rPr>
-              <a:t>Криптография использует некоторые низкоуровневые криптографические алгоритмы для достижения одной или нескольких из этих целей информационной безопасности. Среди этих инструментов – алгоритмы шифрования, алгоритмы цифровой подписи, алгоритмы хеширования и другие функции.</a:t>
-            </a:r>
-          </a:p>
-          <a:p>
             <a:pPr algn="just">
               <a:lnSpc>
                 <a:spcPct val="150000"/>
               </a:lnSpc>
             </a:pPr>
-            <a:endParaRPr lang="ru-RU" sz="1400" dirty="0">
-              <a:latin typeface="Times New Roman" panose="02020603050405020304" pitchFamily="18" charset="0"/>
-              <a:cs typeface="Times New Roman" panose="02020603050405020304" pitchFamily="18" charset="0"/>
+            <a:r>
+              <a:rPr lang="ru-RU" sz="2000" b="1" dirty="0">
+                <a:solidFill>
+                  <a:srgbClr val="111115"/>
+                </a:solidFill>
+                <a:latin typeface="Calibri"/>
+                <a:cs typeface="Times New Roman"/>
+              </a:rPr>
+              <a:t>Задачи:</a:t>
+            </a:r>
+            <a:endParaRPr lang="ru-RU" sz="2000">
+              <a:solidFill>
+                <a:srgbClr val="111115"/>
+              </a:solidFill>
+              <a:latin typeface="Calibri"/>
+              <a:cs typeface="Times New Roman"/>
             </a:endParaRPr>
           </a:p>
           <a:p>
@@ -8315,17 +8661,126 @@
                 <a:spcPct val="150000"/>
               </a:lnSpc>
             </a:pPr>
+            <a:r>
+              <a:rPr lang="ru-RU" sz="2000" dirty="0">
+                <a:latin typeface="Calibri"/>
+                <a:cs typeface="Times New Roman"/>
+              </a:rPr>
+              <a:t>1. Создание пользовательского интерфейса для приложения. </a:t>
+            </a:r>
+          </a:p>
+          <a:p>
+            <a:pPr algn="just">
+              <a:lnSpc>
+                <a:spcPct val="150000"/>
+              </a:lnSpc>
+            </a:pPr>
+            <a:r>
+              <a:rPr lang="ru-RU" sz="2000" dirty="0">
+                <a:latin typeface="Calibri"/>
+                <a:cs typeface="Times New Roman"/>
+              </a:rPr>
+              <a:t>2. Разработка функций для генерации и управления ключами. </a:t>
+            </a:r>
+          </a:p>
+          <a:p>
+            <a:pPr algn="just">
+              <a:lnSpc>
+                <a:spcPct val="150000"/>
+              </a:lnSpc>
+            </a:pPr>
+            <a:r>
+              <a:rPr lang="ru-RU" sz="2000" dirty="0">
+                <a:latin typeface="Calibri"/>
+                <a:cs typeface="Times New Roman"/>
+              </a:rPr>
+              <a:t>3. Реализация функций для обмена зашифрованными данными. </a:t>
+            </a:r>
+          </a:p>
+          <a:p>
+            <a:pPr algn="just">
+              <a:lnSpc>
+                <a:spcPct val="150000"/>
+              </a:lnSpc>
+            </a:pPr>
+            <a:r>
+              <a:rPr lang="ru-RU" sz="2000" dirty="0">
+                <a:latin typeface="Calibri"/>
+                <a:cs typeface="Times New Roman"/>
+              </a:rPr>
+              <a:t>4. Обеспечение безопасности и защиты данных. </a:t>
+            </a:r>
+          </a:p>
+          <a:p>
+            <a:pPr algn="just">
+              <a:lnSpc>
+                <a:spcPct val="150000"/>
+              </a:lnSpc>
+            </a:pPr>
+            <a:r>
+              <a:rPr lang="ru-RU" sz="2000" dirty="0">
+                <a:latin typeface="Calibri"/>
+                <a:cs typeface="Times New Roman"/>
+              </a:rPr>
+              <a:t>5. Тестирование приложения. </a:t>
+            </a:r>
+          </a:p>
+          <a:p>
+            <a:pPr algn="just">
+              <a:lnSpc>
+                <a:spcPct val="150000"/>
+              </a:lnSpc>
+              <a:buFont typeface="Arial"/>
+              <a:buChar char="•"/>
+            </a:pPr>
             <a:endParaRPr lang="ru-RU" sz="1400" dirty="0">
               <a:latin typeface="Times New Roman"/>
               <a:cs typeface="Times New Roman"/>
             </a:endParaRPr>
           </a:p>
+          <a:p>
+            <a:pPr marL="285750" algn="just">
+              <a:lnSpc>
+                <a:spcPct val="150000"/>
+              </a:lnSpc>
+              <a:buFont typeface="Arial"/>
+              <a:buChar char="•"/>
+            </a:pPr>
+            <a:endParaRPr lang="en-US" sz="1400" dirty="0">
+              <a:solidFill>
+                <a:srgbClr val="111115"/>
+              </a:solidFill>
+              <a:latin typeface="Times New Roman"/>
+              <a:cs typeface="Times New Roman"/>
+            </a:endParaRPr>
+          </a:p>
+          <a:p>
+            <a:pPr>
+              <a:lnSpc>
+                <a:spcPct val="150000"/>
+              </a:lnSpc>
+            </a:pPr>
+            <a:endParaRPr lang="ru-RU" sz="1600" dirty="0">
+              <a:latin typeface="Times New Roman" panose="02020603050405020304" pitchFamily="18" charset="0"/>
+              <a:cs typeface="Times New Roman" panose="02020603050405020304" pitchFamily="18" charset="0"/>
+            </a:endParaRPr>
+          </a:p>
+          <a:p>
+            <a:pPr>
+              <a:lnSpc>
+                <a:spcPct val="150000"/>
+              </a:lnSpc>
+            </a:pPr>
+            <a:endParaRPr lang="ru-RU" sz="4800" dirty="0">
+              <a:latin typeface="Avanti" panose="020B0500000000000000" pitchFamily="34" charset="0"/>
+            </a:endParaRPr>
+          </a:p>
         </p:txBody>
       </p:sp>
     </p:spTree>
     <p:extLst>
       <p:ext uri="{BB962C8B-B14F-4D97-AF65-F5344CB8AC3E}">
-        <p14:creationId xmlns:p14="http://schemas.microsoft.com/office/powerpoint/2010/main" val="2789828017"/>
+        <p14:creationId xmlns:p14="http://schemas.microsoft.com/office/powerpoint/2010/main" val="3856143679"/>
       </p:ext>
     </p:extLst>
   </p:cSld>
@@ -8379,30 +8834,25 @@
         <p:spPr>
           <a:xfrm>
             <a:off x="5356642" y="233422"/>
-            <a:ext cx="6254005" cy="959640"/>
+            <a:ext cx="5903084" cy="959640"/>
           </a:xfrm>
         </p:spPr>
         <p:txBody>
           <a:bodyPr>
-            <a:noAutofit/>
+            <a:normAutofit fontScale="90000"/>
           </a:bodyPr>
           <a:lstStyle/>
           <a:p>
             <a:r>
-              <a:rPr lang="ru-RU" sz="4000" b="1" dirty="0">
+              <a:rPr lang="ru-RU" b="1" dirty="0">
                 <a:solidFill>
                   <a:schemeClr val="bg1"/>
                 </a:solidFill>
-                <a:latin typeface="Times New Roman"/>
-                <a:cs typeface="Times New Roman"/>
-              </a:rPr>
-              <a:t>Обзор основных принципов криптографии</a:t>
-            </a:r>
-            <a:endParaRPr lang="ru-RU" sz="4000" b="1" dirty="0">
-              <a:solidFill>
-                <a:schemeClr val="bg1"/>
-              </a:solidFill>
-            </a:endParaRPr>
+                <a:latin typeface="Calibri"/>
+                <a:cs typeface="Times New Roman"/>
+              </a:rPr>
+              <a:t>Описание предметной области</a:t>
+            </a:r>
           </a:p>
         </p:txBody>
       </p:sp>
@@ -8415,7 +8865,7 @@
         <p:spPr>
           <a:xfrm>
             <a:off x="304159" y="1713453"/>
-            <a:ext cx="11586808" cy="5131982"/>
+            <a:ext cx="11586808" cy="3931654"/>
           </a:xfrm>
           <a:prstGeom prst="rect">
             <a:avLst/>
@@ -8428,83 +8878,41 @@
           </a:bodyPr>
           <a:lstStyle/>
           <a:p>
-            <a:pPr algn="just"/>
-            <a:r>
-              <a:rPr lang="ru-RU" dirty="0">
+            <a:pPr algn="just">
+              <a:lnSpc>
+                <a:spcPct val="150000"/>
+              </a:lnSpc>
+            </a:pPr>
+            <a:r>
+              <a:rPr lang="ru-RU" sz="2000" dirty="0">
                 <a:solidFill>
-                  <a:srgbClr val="000000"/>
+                  <a:srgbClr val="333333"/>
                 </a:solidFill>
-                <a:latin typeface="Times New Roman"/>
-                <a:cs typeface="Times New Roman"/>
-              </a:rPr>
-              <a:t>1. Конфиденциальность: Главный принцип криптографии состоит в обеспечении конфиденциальности передаваемой информации. Шифрование используется для преобразования исходного текста в шифрованный вид таким образом, что только авторизованный получатель сможет его расшифровать.</a:t>
-            </a:r>
-            <a:endParaRPr lang="ru-RU">
-              <a:latin typeface="Times New Roman"/>
-              <a:cs typeface="Calibri" panose="020F0502020204030204"/>
+                <a:latin typeface="Calibri"/>
+                <a:cs typeface="Times New Roman"/>
+              </a:rPr>
+              <a:t>Криптография – это метод защиты информации путем использования закодированных алгоритмов, хэшей и подписей. Информация может находиться на этапе хранения (например, файл на жестком диске), передачи (например, электронная связь между двумя или несколькими сторонами) или использования (при применении для вычислений). </a:t>
+            </a:r>
+            <a:endParaRPr lang="en-US" sz="2000">
+              <a:cs typeface="Calibri"/>
             </a:endParaRPr>
           </a:p>
           <a:p>
-            <a:pPr algn="just"/>
-            <a:r>
-              <a:rPr lang="ru-RU" dirty="0">
+            <a:pPr algn="just">
+              <a:lnSpc>
+                <a:spcPct val="150000"/>
+              </a:lnSpc>
+            </a:pPr>
+            <a:r>
+              <a:rPr lang="ru-RU" sz="2000" dirty="0">
                 <a:solidFill>
-                  <a:srgbClr val="000000"/>
+                  <a:srgbClr val="333333"/>
                 </a:solidFill>
-                <a:latin typeface="Times New Roman"/>
-                <a:cs typeface="Times New Roman"/>
-              </a:rPr>
-              <a:t>2. Целостность: Криптография также обеспечивает целостность информации. Это означает, что данные не могут быть изменены без предварительного обнаружения. Методы контроля целостности, такие как хэширование и цифровые подписи, используются для проверки, не была ли информация изменена в процессе передачи.</a:t>
-            </a:r>
-          </a:p>
-          <a:p>
-            <a:pPr algn="just"/>
-            <a:r>
-              <a:rPr lang="ru-RU" dirty="0">
-                <a:solidFill>
-                  <a:srgbClr val="000000"/>
-                </a:solidFill>
-                <a:latin typeface="Times New Roman"/>
-                <a:cs typeface="Times New Roman"/>
-              </a:rPr>
-              <a:t>3. Аутентификация: Криптография помогает обеспечить аутентичность информации и подлинность участников взаимодействия. Для этого могут использоваться цифровые подписи и сертификаты. Аутентификация обеспечивает уверенность в том, что отправитель и получатель являются теми, за кого они себя выдают.</a:t>
-            </a:r>
-          </a:p>
-          <a:p>
-            <a:pPr algn="just"/>
-            <a:r>
-              <a:rPr lang="ru-RU" dirty="0">
-                <a:solidFill>
-                  <a:srgbClr val="000000"/>
-                </a:solidFill>
-                <a:latin typeface="Times New Roman"/>
-                <a:cs typeface="Times New Roman"/>
-              </a:rPr>
-              <a:t>4. Неотказуемость: Криптография также помогает в решении проблемы отказа отдельных участников взаимодействия от подписания или расшифровки информации. Цифровые подписи и другие методы позволяют третьей стороне доказать, что конкретный участник совершил какое-то действие.</a:t>
-            </a:r>
-          </a:p>
-          <a:p>
-            <a:pPr algn="just"/>
-            <a:r>
-              <a:rPr lang="ru-RU" dirty="0">
-                <a:solidFill>
-                  <a:srgbClr val="000000"/>
-                </a:solidFill>
-                <a:latin typeface="Times New Roman"/>
-                <a:cs typeface="Times New Roman"/>
-              </a:rPr>
-              <a:t>5. Ключевая безопасность: Криптография оперирует с использованием ключей - значений, используемых для шифрования и расшифровки данных. Ключевая безопасность особенно важна, поскольку любое разглашение или компрометация ключа может привести к нарушению безопасности и конфиденциальности информации.</a:t>
-            </a:r>
-          </a:p>
-          <a:p>
-            <a:pPr algn="just"/>
-            <a:endParaRPr lang="ru-RU" dirty="0">
-              <a:solidFill>
-                <a:srgbClr val="333333"/>
-              </a:solidFill>
-              <a:latin typeface="Times New Roman"/>
-              <a:cs typeface="Times New Roman"/>
-            </a:endParaRPr>
+                <a:latin typeface="Calibri"/>
+                <a:cs typeface="Times New Roman"/>
+              </a:rPr>
+              <a:t>Криптография использует некоторые низкоуровневые криптографические алгоритмы для достижения одной или нескольких из этих целей информационной безопасности. Среди этих инструментов – алгоритмы шифрования, алгоритмы цифровой подписи, алгоритмы хеширования и другие функции.</a:t>
+            </a:r>
           </a:p>
           <a:p>
             <a:pPr algn="just">
@@ -8533,7 +8941,7 @@
     </p:spTree>
     <p:extLst>
       <p:ext uri="{BB962C8B-B14F-4D97-AF65-F5344CB8AC3E}">
-        <p14:creationId xmlns:p14="http://schemas.microsoft.com/office/powerpoint/2010/main" val="4122999474"/>
+        <p14:creationId xmlns:p14="http://schemas.microsoft.com/office/powerpoint/2010/main" val="2789828017"/>
       </p:ext>
     </p:extLst>
   </p:cSld>
@@ -8586,8 +8994,8 @@
         </p:nvSpPr>
         <p:spPr>
           <a:xfrm>
-            <a:off x="5253551" y="134173"/>
-            <a:ext cx="6304136" cy="1115216"/>
+            <a:off x="5356642" y="233422"/>
+            <a:ext cx="6254005" cy="959640"/>
           </a:xfrm>
         </p:spPr>
         <p:txBody>
@@ -8596,23 +9004,21 @@
           </a:bodyPr>
           <a:lstStyle/>
           <a:p>
-            <a:pPr lvl="1"/>
-            <a:r>
-              <a:rPr lang="ru-RU" sz="3200" b="1" dirty="0">
+            <a:r>
+              <a:rPr lang="ru-RU" sz="4000" b="1" dirty="0">
                 <a:solidFill>
                   <a:schemeClr val="bg1"/>
                 </a:solidFill>
-                <a:latin typeface="Times New Roman"/>
-                <a:cs typeface="Times New Roman"/>
-              </a:rPr>
-              <a:t>Рассмотрение существующих криптографических алгоритмов</a:t>
-            </a:r>
-            <a:endParaRPr lang="ru-RU" sz="3200" dirty="0">
+                <a:latin typeface="Calibri"/>
+                <a:cs typeface="Times New Roman"/>
+              </a:rPr>
+              <a:t>Обзор основных принципов криптографии</a:t>
+            </a:r>
+            <a:endParaRPr lang="ru-RU" sz="4000" b="1" dirty="0">
               <a:solidFill>
                 <a:schemeClr val="bg1"/>
               </a:solidFill>
-              <a:latin typeface="Times New Roman" panose="02020603050405020304" pitchFamily="18" charset="0"/>
-              <a:cs typeface="Times New Roman" panose="02020603050405020304" pitchFamily="18" charset="0"/>
+              <a:latin typeface="Calibri"/>
             </a:endParaRPr>
           </a:p>
         </p:txBody>
@@ -8625,8 +9031,8 @@
         </p:nvSpPr>
         <p:spPr>
           <a:xfrm>
-            <a:off x="377383" y="1352578"/>
-            <a:ext cx="11184980" cy="4849404"/>
+            <a:off x="304159" y="1713453"/>
+            <a:ext cx="11586808" cy="3469989"/>
           </a:xfrm>
           <a:prstGeom prst="rect">
             <a:avLst/>
@@ -8639,220 +9045,98 @@
           </a:bodyPr>
           <a:lstStyle/>
           <a:p>
-            <a:pPr algn="just"/>
-            <a:r>
-              <a:rPr lang="ru-RU" sz="1600" dirty="0">
-                <a:latin typeface="Times New Roman"/>
-                <a:cs typeface="Times New Roman"/>
-              </a:rPr>
-              <a:t>1. AES </a:t>
-            </a:r>
-            <a:r>
-              <a:rPr lang="ru-RU" sz="1600" dirty="0">
-                <a:solidFill>
-                  <a:srgbClr val="000000"/>
-                </a:solidFill>
-                <a:latin typeface="Times New Roman"/>
-                <a:cs typeface="Times New Roman"/>
-              </a:rPr>
-              <a:t>(Advanced Encryption Standard) - это симметричный алгоритм шифрования, который широко используется для защиты данных. Он был выбран в качестве стандарта США и рекомендован для использования во всем мире. AES основан на методе замены и перестановки байтов в блоках данных.</a:t>
-            </a:r>
-            <a:endParaRPr lang="ru-RU" sz="1600">
-              <a:latin typeface="Times New Roman"/>
-              <a:cs typeface="Times New Roman"/>
-            </a:endParaRPr>
-          </a:p>
-          <a:p>
-            <a:pPr algn="just"/>
-            <a:r>
-              <a:rPr lang="ru-RU" sz="1600" dirty="0">
-                <a:latin typeface="Times New Roman"/>
-                <a:cs typeface="Times New Roman"/>
-              </a:rPr>
-              <a:t>2. RSA - </a:t>
-            </a:r>
-            <a:r>
-              <a:rPr lang="ru-RU" sz="1600" dirty="0">
-                <a:solidFill>
-                  <a:srgbClr val="000000"/>
-                </a:solidFill>
-                <a:latin typeface="Times New Roman"/>
-                <a:cs typeface="Times New Roman"/>
-              </a:rPr>
-              <a:t>это асимметричный алгоритм шифрования, который используется для защиты данных и цифровых подписей. RSA основан на сложности факторизации больших простых чисел и использует пару ключей - открытый и закрытый. Открытый ключ используется для шифрования сообщений, а закрытый ключ - для расшифровки.</a:t>
-            </a:r>
-          </a:p>
-          <a:p>
-            <a:pPr algn="just"/>
-            <a:r>
-              <a:rPr lang="ru-RU" sz="1600" dirty="0">
-                <a:solidFill>
-                  <a:srgbClr val="000000"/>
-                </a:solidFill>
-                <a:latin typeface="Times New Roman"/>
-                <a:cs typeface="Times New Roman"/>
-              </a:rPr>
-              <a:t>3. DES (Data Encryption Standard) - это старый симметричный алгоритм шифрования, который был разработан в 1970-х годах. Он использует 56-битные ключи и блоки данных размером 64 бита. Несмотря на свою надежность в прошлом, DES сейчас считается слабым из-за ограниченной длины ключа.</a:t>
-            </a:r>
-          </a:p>
-          <a:p>
-            <a:pPr algn="just"/>
-            <a:r>
-              <a:rPr lang="ru-RU" sz="1600" dirty="0">
-                <a:solidFill>
-                  <a:srgbClr val="000000"/>
-                </a:solidFill>
-                <a:latin typeface="Times New Roman"/>
-                <a:cs typeface="Times New Roman"/>
-              </a:rPr>
-              <a:t>4. SHA (Secure </a:t>
-            </a:r>
-            <a:r>
-              <a:rPr lang="ru-RU" sz="1600" err="1">
-                <a:solidFill>
-                  <a:srgbClr val="000000"/>
-                </a:solidFill>
-                <a:latin typeface="Times New Roman"/>
-                <a:cs typeface="Times New Roman"/>
-              </a:rPr>
-              <a:t>Hash</a:t>
-            </a:r>
-            <a:r>
-              <a:rPr lang="ru-RU" sz="1600" dirty="0">
-                <a:solidFill>
-                  <a:srgbClr val="000000"/>
-                </a:solidFill>
-                <a:latin typeface="Times New Roman"/>
-                <a:cs typeface="Times New Roman"/>
-              </a:rPr>
-              <a:t> </a:t>
-            </a:r>
-            <a:r>
-              <a:rPr lang="ru-RU" sz="1600" err="1">
-                <a:solidFill>
-                  <a:srgbClr val="000000"/>
-                </a:solidFill>
-                <a:latin typeface="Times New Roman"/>
-                <a:cs typeface="Times New Roman"/>
-              </a:rPr>
-              <a:t>Algorithm</a:t>
-            </a:r>
-            <a:r>
-              <a:rPr lang="ru-RU" sz="1600" dirty="0">
-                <a:solidFill>
-                  <a:srgbClr val="000000"/>
-                </a:solidFill>
-                <a:latin typeface="Times New Roman"/>
-                <a:cs typeface="Times New Roman"/>
-              </a:rPr>
-              <a:t>) - это семейство хэш-функций, которые используются для обеспечения целостности данных. Они принимают произвольно длинный вход и генерируют фиксированную длину хэш-кода. SHA-1 является наиболее широко используемым в прошлом, но сейчас рекомендуется использовать более безопасный SHA-256 или SHA-3.</a:t>
-            </a:r>
-          </a:p>
-          <a:p>
-            <a:pPr algn="just"/>
-            <a:r>
-              <a:rPr lang="ru-RU" sz="1600" dirty="0">
-                <a:latin typeface="Times New Roman"/>
-                <a:cs typeface="Times New Roman"/>
-              </a:rPr>
-              <a:t>5. ECC (</a:t>
-            </a:r>
-            <a:r>
-              <a:rPr lang="ru-RU" sz="1600" err="1">
-                <a:solidFill>
-                  <a:srgbClr val="000000"/>
-                </a:solidFill>
-                <a:latin typeface="Times New Roman"/>
-                <a:cs typeface="Times New Roman"/>
-              </a:rPr>
-              <a:t>Elliptic</a:t>
-            </a:r>
-            <a:r>
-              <a:rPr lang="ru-RU" sz="1600" dirty="0">
-                <a:solidFill>
-                  <a:srgbClr val="000000"/>
-                </a:solidFill>
-                <a:latin typeface="Times New Roman"/>
-                <a:cs typeface="Times New Roman"/>
-              </a:rPr>
-              <a:t> </a:t>
-            </a:r>
-            <a:r>
-              <a:rPr lang="ru-RU" sz="1600" err="1">
-                <a:solidFill>
-                  <a:srgbClr val="000000"/>
-                </a:solidFill>
-                <a:latin typeface="Times New Roman"/>
-                <a:cs typeface="Times New Roman"/>
-              </a:rPr>
-              <a:t>Curve</a:t>
-            </a:r>
-            <a:r>
-              <a:rPr lang="ru-RU" sz="1600" dirty="0">
-                <a:solidFill>
-                  <a:srgbClr val="000000"/>
-                </a:solidFill>
-                <a:latin typeface="Times New Roman"/>
-                <a:cs typeface="Times New Roman"/>
-              </a:rPr>
-              <a:t> </a:t>
-            </a:r>
-            <a:r>
-              <a:rPr lang="ru-RU" sz="1600" err="1">
-                <a:latin typeface="Times New Roman"/>
-                <a:cs typeface="Times New Roman"/>
-              </a:rPr>
-              <a:t>Cryptography</a:t>
-            </a:r>
-            <a:r>
-              <a:rPr lang="ru-RU" sz="1600" dirty="0">
-                <a:latin typeface="Times New Roman"/>
-                <a:cs typeface="Times New Roman"/>
-              </a:rPr>
-              <a:t>) - это асимметричный алгоритм шифрования, который основан на сложных математических проблемах в области эллиптических кривых. ECC предлагает ту же криптографическую безопасность с более короткими ключами, что делает его более эффективным для встроенных систем и мобильных устройств.</a:t>
-            </a:r>
-            <a:endParaRPr lang="ru-RU" sz="1600">
-              <a:latin typeface="Times New Roman"/>
-              <a:cs typeface="Times New Roman"/>
-            </a:endParaRPr>
-          </a:p>
-          <a:p>
-            <a:pPr algn="just"/>
-            <a:r>
-              <a:rPr lang="ru-RU" sz="1600" dirty="0">
-                <a:latin typeface="Times New Roman"/>
-                <a:cs typeface="Times New Roman"/>
-              </a:rPr>
-              <a:t>6. TLS/SSL - это протоколы безопасной передачи данных по сети. Они используют комбинацию различных криптографических алгоритмов, включая симметричное и асимметричное шифрование, для обеспечения конфиденциальности и целостности данных при передаче через открытую сеть.</a:t>
-            </a:r>
-            <a:endParaRPr lang="ru-RU" sz="1600">
-              <a:latin typeface="Times New Roman"/>
-              <a:cs typeface="Times New Roman"/>
-            </a:endParaRPr>
-          </a:p>
-          <a:p>
             <a:pPr algn="just">
               <a:lnSpc>
                 <a:spcPct val="150000"/>
               </a:lnSpc>
             </a:pPr>
             <a:r>
-              <a:rPr lang="ru-RU" sz="1600" dirty="0">
+              <a:rPr lang="ru-RU" sz="2000" dirty="0">
                 <a:solidFill>
                   <a:srgbClr val="000000"/>
                 </a:solidFill>
-                <a:latin typeface="Times New Roman"/>
-                <a:cs typeface="Times New Roman"/>
-              </a:rPr>
-              <a:t>Это лишь некоторые из множества криптографических алгоритмов, которые используются в современной криптографии. </a:t>
-            </a:r>
+                <a:latin typeface="Calibri"/>
+                <a:cs typeface="Times New Roman"/>
+              </a:rPr>
+              <a:t>1. Конфиденциальность: Главный принцип криптографии состоит в обеспечении конфиденциальности передаваемой информации. </a:t>
+            </a:r>
+            <a:endParaRPr lang="ru-RU" sz="2000">
+              <a:solidFill>
+                <a:srgbClr val="000000"/>
+              </a:solidFill>
+              <a:latin typeface="Calibri"/>
+              <a:cs typeface="Calibri" panose="020F0502020204030204"/>
+            </a:endParaRPr>
+          </a:p>
+          <a:p>
+            <a:pPr algn="just">
+              <a:lnSpc>
+                <a:spcPct val="150000"/>
+              </a:lnSpc>
+            </a:pPr>
+            <a:r>
+              <a:rPr lang="ru-RU" sz="2000" dirty="0">
+                <a:solidFill>
+                  <a:srgbClr val="000000"/>
+                </a:solidFill>
+                <a:latin typeface="Calibri"/>
+                <a:cs typeface="Times New Roman"/>
+              </a:rPr>
+              <a:t>2. Целостность: Криптография также обеспечивает целостность информации. Это означает, что данные не могут быть изменены без предварительного обнаружения. </a:t>
+            </a:r>
+            <a:endParaRPr lang="ru-RU" sz="2000">
+              <a:solidFill>
+                <a:srgbClr val="000000"/>
+              </a:solidFill>
+              <a:latin typeface="Calibri"/>
+              <a:cs typeface="Calibri" panose="020F0502020204030204"/>
+            </a:endParaRPr>
+          </a:p>
+          <a:p>
+            <a:pPr algn="just">
+              <a:lnSpc>
+                <a:spcPct val="150000"/>
+              </a:lnSpc>
+            </a:pPr>
+            <a:r>
+              <a:rPr lang="ru-RU" sz="2000" dirty="0">
+                <a:solidFill>
+                  <a:srgbClr val="000000"/>
+                </a:solidFill>
+                <a:latin typeface="Calibri"/>
+                <a:cs typeface="Times New Roman"/>
+              </a:rPr>
+              <a:t>3. Аутентификация: Криптография помогает обеспечить аутентичность информации и подлинность участников взаимодействия. Для этого могут использоваться цифровые подписи и сертификаты. </a:t>
+            </a:r>
+          </a:p>
+          <a:p>
+            <a:pPr algn="just">
+              <a:lnSpc>
+                <a:spcPct val="150000"/>
+              </a:lnSpc>
+            </a:pPr>
+            <a:endParaRPr lang="ru-RU" sz="1400" dirty="0">
+              <a:latin typeface="Times New Roman" panose="02020603050405020304" pitchFamily="18" charset="0"/>
+              <a:cs typeface="Times New Roman" panose="02020603050405020304" pitchFamily="18" charset="0"/>
+            </a:endParaRPr>
+          </a:p>
+          <a:p>
+            <a:pPr algn="just">
+              <a:lnSpc>
+                <a:spcPct val="150000"/>
+              </a:lnSpc>
+            </a:pPr>
+            <a:endParaRPr lang="ru-RU" sz="1400" dirty="0">
+              <a:latin typeface="Times New Roman"/>
+              <a:cs typeface="Times New Roman"/>
+            </a:endParaRPr>
           </a:p>
         </p:txBody>
       </p:sp>
     </p:spTree>
     <p:extLst>
       <p:ext uri="{BB962C8B-B14F-4D97-AF65-F5344CB8AC3E}">
-        <p14:creationId xmlns:p14="http://schemas.microsoft.com/office/powerpoint/2010/main" val="2368200156"/>
+        <p14:creationId xmlns:p14="http://schemas.microsoft.com/office/powerpoint/2010/main" val="4122999474"/>
       </p:ext>
     </p:extLst>
   </p:cSld>
@@ -8895,50 +9179,14 @@
       </p:grpSpPr>
       <p:sp>
         <p:nvSpPr>
-          <p:cNvPr id="2" name="Заголовок 1"/>
-          <p:cNvSpPr>
-            <a:spLocks noGrp="1"/>
-          </p:cNvSpPr>
-          <p:nvPr>
-            <p:ph type="title"/>
-          </p:nvPr>
-        </p:nvSpPr>
-        <p:spPr>
-          <a:xfrm>
-            <a:off x="5393919" y="134173"/>
-            <a:ext cx="5903084" cy="1115216"/>
-          </a:xfrm>
-        </p:spPr>
-        <p:txBody>
-          <a:bodyPr>
-            <a:noAutofit/>
-          </a:bodyPr>
-          <a:lstStyle/>
-          <a:p>
-            <a:pPr lvl="1"/>
-            <a:r>
-              <a:rPr lang="ru-RU" sz="4000" b="1" dirty="0">
-                <a:solidFill>
-                  <a:schemeClr val="bg1"/>
-                </a:solidFill>
-                <a:latin typeface="Times New Roman" panose="02020603050405020304" pitchFamily="18" charset="0"/>
-                <a:cs typeface="Times New Roman" panose="02020603050405020304" pitchFamily="18" charset="0"/>
-              </a:rPr>
-              <a:t>Обзор имеющихся аналогов</a:t>
-            </a:r>
-          </a:p>
-        </p:txBody>
-      </p:sp>
-      <p:sp>
-        <p:nvSpPr>
           <p:cNvPr id="5" name="TextBox 4"/>
           <p:cNvSpPr txBox="1"/>
           <p:nvPr/>
         </p:nvSpPr>
         <p:spPr>
           <a:xfrm>
-            <a:off x="457593" y="1523025"/>
-            <a:ext cx="11184980" cy="5933291"/>
+            <a:off x="304159" y="1422690"/>
+            <a:ext cx="11586808" cy="3008324"/>
           </a:xfrm>
           <a:prstGeom prst="rect">
             <a:avLst/>
@@ -8951,92 +9199,61 @@
           </a:bodyPr>
           <a:lstStyle/>
           <a:p>
-            <a:pPr algn="just"/>
-            <a:r>
-              <a:rPr lang="ru-RU" dirty="0">
-                <a:solidFill>
-                  <a:srgbClr val="1D1D1F"/>
-                </a:solidFill>
-                <a:latin typeface="Times New Roman"/>
-                <a:cs typeface="Times New Roman"/>
-              </a:rPr>
-              <a:t>1. </a:t>
-            </a:r>
-            <a:r>
-              <a:rPr lang="ru-RU" dirty="0" err="1">
-                <a:solidFill>
-                  <a:srgbClr val="1D1D1F"/>
-                </a:solidFill>
-                <a:latin typeface="Times New Roman"/>
-                <a:cs typeface="Times New Roman"/>
-              </a:rPr>
-              <a:t>ProtonMail</a:t>
-            </a:r>
-            <a:r>
-              <a:rPr lang="ru-RU" dirty="0">
-                <a:solidFill>
-                  <a:srgbClr val="1D1D1F"/>
-                </a:solidFill>
-                <a:latin typeface="Times New Roman"/>
-                <a:cs typeface="Times New Roman"/>
-              </a:rPr>
-              <a:t> (приложение 1) - это приложение для безопасной электронной почты. Его аналогом может быть Gmail с использованием дополнительных плагинов и расширений для шифрования писем.</a:t>
-            </a:r>
-            <a:endParaRPr lang="ru-RU" dirty="0">
-              <a:latin typeface="Times New Roman"/>
+            <a:pPr algn="just">
+              <a:lnSpc>
+                <a:spcPct val="150000"/>
+              </a:lnSpc>
+            </a:pPr>
+            <a:endParaRPr lang="ru-RU" sz="2000" dirty="0">
+              <a:solidFill>
+                <a:srgbClr val="000000"/>
+              </a:solidFill>
+              <a:latin typeface="Calibri"/>
               <a:cs typeface="Times New Roman"/>
             </a:endParaRPr>
           </a:p>
           <a:p>
-            <a:pPr algn="just"/>
-            <a:r>
-              <a:rPr lang="ru-RU" dirty="0">
+            <a:pPr algn="just">
+              <a:lnSpc>
+                <a:spcPct val="150000"/>
+              </a:lnSpc>
+            </a:pPr>
+            <a:r>
+              <a:rPr lang="ru-RU" sz="2000" dirty="0">
                 <a:solidFill>
-                  <a:srgbClr val="1D1D1F"/>
+                  <a:srgbClr val="000000"/>
                 </a:solidFill>
-                <a:latin typeface="Times New Roman"/>
-                <a:cs typeface="Times New Roman"/>
-              </a:rPr>
-              <a:t>2. Signal (приложение 1) - это приложение для защищенных сообщений и звонков, основанное на протоколе шифрования end-to-end (отправитель-получатель). Его аналогами могут быть Telegram с использованием режима "секретных чатов" или WhatsApp с включенной функцией "end-to-end" шифрования.</a:t>
-            </a:r>
-          </a:p>
-          <a:p>
-            <a:pPr algn="just"/>
-            <a:r>
-              <a:rPr lang="ru-RU" dirty="0">
+                <a:latin typeface="Calibri"/>
+                <a:cs typeface="Times New Roman"/>
+              </a:rPr>
+              <a:t>4. Неотказуемость: Криптография также помогает в решении проблемы отказа отдельных участников </a:t>
+            </a:r>
+            <a:r>
+              <a:rPr lang="ru-RU" sz="2000">
                 <a:solidFill>
-                  <a:srgbClr val="1D1D1F"/>
+                  <a:srgbClr val="000000"/>
                 </a:solidFill>
-                <a:latin typeface="Times New Roman"/>
-                <a:cs typeface="Times New Roman"/>
-              </a:rPr>
-              <a:t>3. VeraCrypt (приложение 1) - это программное обеспечение для шифрования дисков и создания зашифрованных контейнеров. Его аналогом может быть BitLocker, встроенный в некоторые версии Windows, или Cryptomator, который предоставляет шифрование в облаке.</a:t>
-            </a:r>
-          </a:p>
-          <a:p>
-            <a:pPr algn="just"/>
-            <a:r>
-              <a:rPr lang="ru-RU" dirty="0">
+                <a:latin typeface="Calibri"/>
+                <a:cs typeface="Times New Roman"/>
+              </a:rPr>
+              <a:t>взаимодействия от подписания или расшифровки информации. </a:t>
+            </a:r>
+          </a:p>
+          <a:p>
+            <a:pPr algn="just">
+              <a:lnSpc>
+                <a:spcPct val="150000"/>
+              </a:lnSpc>
+            </a:pPr>
+            <a:r>
+              <a:rPr lang="ru-RU" sz="2000" dirty="0">
                 <a:solidFill>
-                  <a:srgbClr val="1D1D1F"/>
+                  <a:srgbClr val="000000"/>
                 </a:solidFill>
-                <a:latin typeface="Times New Roman"/>
-                <a:cs typeface="Times New Roman"/>
-              </a:rPr>
-              <a:t>4. Tails (приложение 1) - это операционная система, предназначенная для анонимности и безопасности связи. Аналогами могут быть Qubes OS или Whonix, которые также обеспечивают высокий уровень безопасности и анонимности в Интернете.</a:t>
-            </a:r>
-          </a:p>
-          <a:p>
-            <a:pPr algn="just"/>
-            <a:r>
-              <a:rPr lang="ru-RU" dirty="0">
-                <a:solidFill>
-                  <a:srgbClr val="1D1D1F"/>
-                </a:solidFill>
-                <a:latin typeface="Times New Roman"/>
-                <a:cs typeface="Times New Roman"/>
-              </a:rPr>
-              <a:t>5. LastPass (приложение 1) - это менеджер паролей, который хранит и автоматически заполняет пароли для пользователей. Его аналогами могут быть KeePass или 1Password, которые также предлагают функции шифрования и защиты паролей.</a:t>
+                <a:latin typeface="Calibri"/>
+                <a:cs typeface="Times New Roman"/>
+              </a:rPr>
+              <a:t>5. Ключевая безопасность: Криптография оперирует с использованием ключей - значений, используемых для шифрования и расшифровки данных.</a:t>
             </a:r>
           </a:p>
           <a:p>
@@ -9046,44 +9263,19 @@
               </a:lnSpc>
             </a:pPr>
             <a:endParaRPr lang="ru-RU" sz="1400" dirty="0">
-              <a:solidFill>
-                <a:srgbClr val="1D1D1F"/>
-              </a:solidFill>
-              <a:latin typeface="Times New Roman"/>
-              <a:cs typeface="Times New Roman"/>
+              <a:latin typeface="Times New Roman" panose="02020603050405020304" pitchFamily="18" charset="0"/>
+              <a:cs typeface="Times New Roman" panose="02020603050405020304" pitchFamily="18" charset="0"/>
             </a:endParaRPr>
           </a:p>
           <a:p>
-            <a:pPr>
+            <a:pPr algn="just">
               <a:lnSpc>
                 <a:spcPct val="150000"/>
               </a:lnSpc>
             </a:pPr>
             <a:endParaRPr lang="ru-RU" sz="1400" dirty="0">
-              <a:latin typeface="Calibri" panose="020F0502020204030204"/>
-              <a:cs typeface="Calibri" panose="020F0502020204030204"/>
-            </a:endParaRPr>
-          </a:p>
-          <a:p>
-            <a:pPr marL="342900">
-              <a:lnSpc>
-                <a:spcPct val="150000"/>
-              </a:lnSpc>
-              <a:buFontTx/>
-              <a:buAutoNum type="arabicParenR"/>
-            </a:pPr>
-            <a:endParaRPr lang="ru-RU" sz="1400" dirty="0">
-              <a:cs typeface="Calibri" panose="020F0502020204030204"/>
-            </a:endParaRPr>
-          </a:p>
-          <a:p>
-            <a:pPr>
-              <a:lnSpc>
-                <a:spcPct val="150000"/>
-              </a:lnSpc>
-            </a:pPr>
-            <a:endParaRPr lang="ru-RU" sz="4800" dirty="0">
-              <a:cs typeface="Calibri" panose="020F0502020204030204"/>
+              <a:latin typeface="Times New Roman"/>
+              <a:cs typeface="Times New Roman"/>
             </a:endParaRPr>
           </a:p>
         </p:txBody>
@@ -9091,7 +9283,7 @@
     </p:spTree>
     <p:extLst>
       <p:ext uri="{BB962C8B-B14F-4D97-AF65-F5344CB8AC3E}">
-        <p14:creationId xmlns:p14="http://schemas.microsoft.com/office/powerpoint/2010/main" val="4267072123"/>
+        <p14:creationId xmlns:p14="http://schemas.microsoft.com/office/powerpoint/2010/main" val="1302857519"/>
       </p:ext>
     </p:extLst>
   </p:cSld>
